--- a/Documentação/Status Report/Status Report - Grupo 6.pptx
+++ b/Documentação/Status Report/Status Report - Grupo 6.pptx
@@ -155,18 +155,18 @@
   <pc:docChgLst>
     <pc:chgData name="Vinicius Cano" userId="e988c080-1d50-4980-86fe-45a1167ad471" providerId="ADAL" clId="{CFCABCC4-01DD-4F6B-AAA1-A4E1D03D705B}"/>
     <pc:docChg chg="undo custSel modSld">
-      <pc:chgData name="Vinicius Cano" userId="e988c080-1d50-4980-86fe-45a1167ad471" providerId="ADAL" clId="{CFCABCC4-01DD-4F6B-AAA1-A4E1D03D705B}" dt="2021-08-24T20:13:06.013" v="40" actId="20577"/>
+      <pc:chgData name="Vinicius Cano" userId="e988c080-1d50-4980-86fe-45a1167ad471" providerId="ADAL" clId="{CFCABCC4-01DD-4F6B-AAA1-A4E1D03D705B}" dt="2021-08-26T19:33:27.130" v="251" actId="207"/>
       <pc:docMkLst>
         <pc:docMk/>
       </pc:docMkLst>
       <pc:sldChg chg="modSp mod">
-        <pc:chgData name="Vinicius Cano" userId="e988c080-1d50-4980-86fe-45a1167ad471" providerId="ADAL" clId="{CFCABCC4-01DD-4F6B-AAA1-A4E1D03D705B}" dt="2021-08-24T20:13:06.013" v="40" actId="20577"/>
+        <pc:chgData name="Vinicius Cano" userId="e988c080-1d50-4980-86fe-45a1167ad471" providerId="ADAL" clId="{CFCABCC4-01DD-4F6B-AAA1-A4E1D03D705B}" dt="2021-08-25T20:52:09.382" v="158" actId="207"/>
         <pc:sldMkLst>
           <pc:docMk/>
           <pc:sldMk cId="2008643402" sldId="471"/>
         </pc:sldMkLst>
         <pc:spChg chg="mod">
-          <ac:chgData name="Vinicius Cano" userId="e988c080-1d50-4980-86fe-45a1167ad471" providerId="ADAL" clId="{CFCABCC4-01DD-4F6B-AAA1-A4E1D03D705B}" dt="2021-08-24T20:13:06.013" v="40" actId="20577"/>
+          <ac:chgData name="Vinicius Cano" userId="e988c080-1d50-4980-86fe-45a1167ad471" providerId="ADAL" clId="{CFCABCC4-01DD-4F6B-AAA1-A4E1D03D705B}" dt="2021-08-25T20:52:09.382" v="158" actId="207"/>
           <ac:spMkLst>
             <pc:docMk/>
             <pc:sldMk cId="2008643402" sldId="471"/>
@@ -174,7 +174,7 @@
           </ac:spMkLst>
         </pc:spChg>
         <pc:spChg chg="mod">
-          <ac:chgData name="Vinicius Cano" userId="e988c080-1d50-4980-86fe-45a1167ad471" providerId="ADAL" clId="{CFCABCC4-01DD-4F6B-AAA1-A4E1D03D705B}" dt="2021-08-24T20:12:03.228" v="38" actId="207"/>
+          <ac:chgData name="Vinicius Cano" userId="e988c080-1d50-4980-86fe-45a1167ad471" providerId="ADAL" clId="{CFCABCC4-01DD-4F6B-AAA1-A4E1D03D705B}" dt="2021-08-25T20:51:40.658" v="154" actId="207"/>
           <ac:spMkLst>
             <pc:docMk/>
             <pc:sldMk cId="2008643402" sldId="471"/>
@@ -187,6 +187,125 @@
             <pc:docMk/>
             <pc:sldMk cId="2008643402" sldId="471"/>
             <ac:spMk id="109" creationId="{00000000-0000-0000-0000-000000000000}"/>
+          </ac:spMkLst>
+        </pc:spChg>
+      </pc:sldChg>
+      <pc:sldChg chg="delSp modSp mod">
+        <pc:chgData name="Vinicius Cano" userId="e988c080-1d50-4980-86fe-45a1167ad471" providerId="ADAL" clId="{CFCABCC4-01DD-4F6B-AAA1-A4E1D03D705B}" dt="2021-08-26T19:33:27.130" v="251" actId="207"/>
+        <pc:sldMkLst>
+          <pc:docMk/>
+          <pc:sldMk cId="3384590979" sldId="472"/>
+        </pc:sldMkLst>
+        <pc:spChg chg="mod">
+          <ac:chgData name="Vinicius Cano" userId="e988c080-1d50-4980-86fe-45a1167ad471" providerId="ADAL" clId="{CFCABCC4-01DD-4F6B-AAA1-A4E1D03D705B}" dt="2021-08-26T19:31:43.077" v="192" actId="20577"/>
+          <ac:spMkLst>
+            <pc:docMk/>
+            <pc:sldMk cId="3384590979" sldId="472"/>
+            <ac:spMk id="2" creationId="{B15BA19F-C787-4E6A-ADAB-C0DFF09C66A8}"/>
+          </ac:spMkLst>
+        </pc:spChg>
+        <pc:spChg chg="mod">
+          <ac:chgData name="Vinicius Cano" userId="e988c080-1d50-4980-86fe-45a1167ad471" providerId="ADAL" clId="{CFCABCC4-01DD-4F6B-AAA1-A4E1D03D705B}" dt="2021-08-26T19:31:51.947" v="203" actId="20577"/>
+          <ac:spMkLst>
+            <pc:docMk/>
+            <pc:sldMk cId="3384590979" sldId="472"/>
+            <ac:spMk id="3" creationId="{00000000-0000-0000-0000-000000000000}"/>
+          </ac:spMkLst>
+        </pc:spChg>
+        <pc:spChg chg="del mod">
+          <ac:chgData name="Vinicius Cano" userId="e988c080-1d50-4980-86fe-45a1167ad471" providerId="ADAL" clId="{CFCABCC4-01DD-4F6B-AAA1-A4E1D03D705B}" dt="2021-08-25T20:37:04.536" v="89"/>
+          <ac:spMkLst>
+            <pc:docMk/>
+            <pc:sldMk cId="3384590979" sldId="472"/>
+            <ac:spMk id="4" creationId="{00000000-0000-0000-0000-000000000000}"/>
+          </ac:spMkLst>
+        </pc:spChg>
+        <pc:spChg chg="mod">
+          <ac:chgData name="Vinicius Cano" userId="e988c080-1d50-4980-86fe-45a1167ad471" providerId="ADAL" clId="{CFCABCC4-01DD-4F6B-AAA1-A4E1D03D705B}" dt="2021-08-25T20:52:44.051" v="179" actId="1076"/>
+          <ac:spMkLst>
+            <pc:docMk/>
+            <pc:sldMk cId="3384590979" sldId="472"/>
+            <ac:spMk id="44" creationId="{1E997FEB-A82C-4FE3-B191-DE926FE907FC}"/>
+          </ac:spMkLst>
+        </pc:spChg>
+        <pc:spChg chg="mod">
+          <ac:chgData name="Vinicius Cano" userId="e988c080-1d50-4980-86fe-45a1167ad471" providerId="ADAL" clId="{CFCABCC4-01DD-4F6B-AAA1-A4E1D03D705B}" dt="2021-08-25T20:53:05.677" v="184" actId="1076"/>
+          <ac:spMkLst>
+            <pc:docMk/>
+            <pc:sldMk cId="3384590979" sldId="472"/>
+            <ac:spMk id="45" creationId="{086246F5-DDAA-4D0C-90E1-F0C0FED6D98E}"/>
+          </ac:spMkLst>
+        </pc:spChg>
+        <pc:spChg chg="mod">
+          <ac:chgData name="Vinicius Cano" userId="e988c080-1d50-4980-86fe-45a1167ad471" providerId="ADAL" clId="{CFCABCC4-01DD-4F6B-AAA1-A4E1D03D705B}" dt="2021-08-25T20:52:42.067" v="178" actId="1076"/>
+          <ac:spMkLst>
+            <pc:docMk/>
+            <pc:sldMk cId="3384590979" sldId="472"/>
+            <ac:spMk id="46" creationId="{EDE9EB13-C574-4D80-85B2-C614186377BB}"/>
+          </ac:spMkLst>
+        </pc:spChg>
+        <pc:spChg chg="mod">
+          <ac:chgData name="Vinicius Cano" userId="e988c080-1d50-4980-86fe-45a1167ad471" providerId="ADAL" clId="{CFCABCC4-01DD-4F6B-AAA1-A4E1D03D705B}" dt="2021-08-25T20:52:37.662" v="177" actId="1076"/>
+          <ac:spMkLst>
+            <pc:docMk/>
+            <pc:sldMk cId="3384590979" sldId="472"/>
+            <ac:spMk id="47" creationId="{9C8F333D-81A1-4BAB-89AC-459C19DD7185}"/>
+          </ac:spMkLst>
+        </pc:spChg>
+        <pc:spChg chg="mod">
+          <ac:chgData name="Vinicius Cano" userId="e988c080-1d50-4980-86fe-45a1167ad471" providerId="ADAL" clId="{CFCABCC4-01DD-4F6B-AAA1-A4E1D03D705B}" dt="2021-08-25T20:52:31.721" v="175" actId="1076"/>
+          <ac:spMkLst>
+            <pc:docMk/>
+            <pc:sldMk cId="3384590979" sldId="472"/>
+            <ac:spMk id="48" creationId="{64DC5C74-7B23-4BE5-BE63-A9BD52C02CD4}"/>
+          </ac:spMkLst>
+        </pc:spChg>
+        <pc:spChg chg="mod">
+          <ac:chgData name="Vinicius Cano" userId="e988c080-1d50-4980-86fe-45a1167ad471" providerId="ADAL" clId="{CFCABCC4-01DD-4F6B-AAA1-A4E1D03D705B}" dt="2021-08-26T19:32:51.846" v="246" actId="1038"/>
+          <ac:spMkLst>
+            <pc:docMk/>
+            <pc:sldMk cId="3384590979" sldId="472"/>
+            <ac:spMk id="49" creationId="{1CBC8A27-FF05-44CD-B093-FB50D917E8D4}"/>
+          </ac:spMkLst>
+        </pc:spChg>
+        <pc:spChg chg="mod">
+          <ac:chgData name="Vinicius Cano" userId="e988c080-1d50-4980-86fe-45a1167ad471" providerId="ADAL" clId="{CFCABCC4-01DD-4F6B-AAA1-A4E1D03D705B}" dt="2021-08-25T20:52:34.443" v="176" actId="1076"/>
+          <ac:spMkLst>
+            <pc:docMk/>
+            <pc:sldMk cId="3384590979" sldId="472"/>
+            <ac:spMk id="50" creationId="{B1654790-CBD3-4D97-B9BC-CBC39DD32FC8}"/>
+          </ac:spMkLst>
+        </pc:spChg>
+        <pc:spChg chg="mod">
+          <ac:chgData name="Vinicius Cano" userId="e988c080-1d50-4980-86fe-45a1167ad471" providerId="ADAL" clId="{CFCABCC4-01DD-4F6B-AAA1-A4E1D03D705B}" dt="2021-08-26T19:33:22.186" v="250" actId="207"/>
+          <ac:spMkLst>
+            <pc:docMk/>
+            <pc:sldMk cId="3384590979" sldId="472"/>
+            <ac:spMk id="51" creationId="{508E308C-5CF8-44B6-A1C4-87E5DDC4CC70}"/>
+          </ac:spMkLst>
+        </pc:spChg>
+        <pc:spChg chg="mod">
+          <ac:chgData name="Vinicius Cano" userId="e988c080-1d50-4980-86fe-45a1167ad471" providerId="ADAL" clId="{CFCABCC4-01DD-4F6B-AAA1-A4E1D03D705B}" dt="2021-08-26T19:33:27.130" v="251" actId="207"/>
+          <ac:spMkLst>
+            <pc:docMk/>
+            <pc:sldMk cId="3384590979" sldId="472"/>
+            <ac:spMk id="52" creationId="{7BFB1971-EC64-4AB8-B092-E0043EABF66E}"/>
+          </ac:spMkLst>
+        </pc:spChg>
+        <pc:spChg chg="mod">
+          <ac:chgData name="Vinicius Cano" userId="e988c080-1d50-4980-86fe-45a1167ad471" providerId="ADAL" clId="{CFCABCC4-01DD-4F6B-AAA1-A4E1D03D705B}" dt="2021-08-26T19:33:19.290" v="249" actId="207"/>
+          <ac:spMkLst>
+            <pc:docMk/>
+            <pc:sldMk cId="3384590979" sldId="472"/>
+            <ac:spMk id="53" creationId="{CD1D1FF9-2BFE-4742-BA82-E1804B8C0747}"/>
+          </ac:spMkLst>
+        </pc:spChg>
+        <pc:spChg chg="mod">
+          <ac:chgData name="Vinicius Cano" userId="e988c080-1d50-4980-86fe-45a1167ad471" providerId="ADAL" clId="{CFCABCC4-01DD-4F6B-AAA1-A4E1D03D705B}" dt="2021-08-26T19:32:22.380" v="240" actId="20577"/>
+          <ac:spMkLst>
+            <pc:docMk/>
+            <pc:sldMk cId="3384590979" sldId="472"/>
+            <ac:spMk id="63" creationId="{00000000-0000-0000-0000-000000000000}"/>
           </ac:spMkLst>
         </pc:spChg>
       </pc:sldChg>
@@ -278,7 +397,7 @@
             <a:fld id="{C3CD65D1-5C11-455D-9F9A-0E035F00A0DA}" type="datetimeFigureOut">
               <a:rPr lang="pt-BR" smtClean="0"/>
               <a:pPr/>
-              <a:t>24/08/2021</a:t>
+              <a:t>26/08/2021</a:t>
             </a:fld>
             <a:endParaRPr lang="pt-BR"/>
           </a:p>
@@ -446,7 +565,7 @@
             <a:fld id="{A05DA3EF-18EA-43DE-B1BB-402A3C558822}" type="datetimeFigureOut">
               <a:rPr lang="pt-BR" smtClean="0"/>
               <a:pPr/>
-              <a:t>24/08/2021</a:t>
+              <a:t>26/08/2021</a:t>
             </a:fld>
             <a:endParaRPr lang="pt-BR"/>
           </a:p>
@@ -23939,7 +24058,7 @@
             <a:r>
               <a:rPr lang="pt-BR" sz="1323" b="1" dirty="0">
                 <a:solidFill>
-                  <a:srgbClr val="FF0000"/>
+                  <a:schemeClr val="tx1"/>
                 </a:solidFill>
                 <a:latin typeface="Calibri" panose="020F0502020204030204" pitchFamily="34" charset="0"/>
                 <a:cs typeface="Simplon BP Regular"/>
@@ -23979,7 +24098,7 @@
             <a:r>
               <a:rPr lang="pt-BR" sz="1323" b="1" dirty="0">
                 <a:solidFill>
-                  <a:srgbClr val="FF0000"/>
+                  <a:schemeClr val="tx1"/>
                 </a:solidFill>
                 <a:latin typeface="Calibri" panose="020F0502020204030204" pitchFamily="34" charset="0"/>
                 <a:cs typeface="Simplon BP Regular"/>
@@ -23999,7 +24118,7 @@
             <a:r>
               <a:rPr lang="pt-BR" sz="1323" b="1" dirty="0">
                 <a:solidFill>
-                  <a:srgbClr val="FF0000"/>
+                  <a:schemeClr val="tx1"/>
                 </a:solidFill>
                 <a:latin typeface="Calibri" panose="020F0502020204030204" pitchFamily="34" charset="0"/>
                 <a:cs typeface="Simplon BP Regular"/>
@@ -24039,7 +24158,7 @@
             <a:r>
               <a:rPr lang="pt-BR" sz="1323" b="1" dirty="0">
                 <a:solidFill>
-                  <a:srgbClr val="FF0000"/>
+                  <a:schemeClr val="tx1"/>
                 </a:solidFill>
                 <a:latin typeface="Calibri" panose="020F0502020204030204" pitchFamily="34" charset="0"/>
                 <a:cs typeface="Simplon BP Regular"/>
@@ -24900,7 +25019,7 @@
                 <a:latin typeface="Simplon Oi Headline"/>
                 <a:cs typeface="Simplon Oi Headline"/>
               </a:rPr>
-              <a:t>SEMANA 2 - DD/MM/AAAA</a:t>
+              <a:t>SEMANA 2 – 26/08/2021</a:t>
             </a:r>
           </a:p>
         </p:txBody>
@@ -25075,7 +25194,7 @@
                 <a:latin typeface="Calibri" panose="020F0502020204030204" pitchFamily="34" charset="0"/>
                 <a:cs typeface="Simplon BP Regular"/>
               </a:rPr>
-              <a:t>O que foi superado na última semana </a:t>
+              <a:t>Regra de Negócio</a:t>
             </a:r>
           </a:p>
           <a:p>
@@ -25095,8 +25214,125 @@
                 <a:latin typeface="Calibri" panose="020F0502020204030204" pitchFamily="34" charset="0"/>
                 <a:cs typeface="Simplon BP Regular"/>
               </a:rPr>
-              <a:t>Ex. Instalação do banco de dados</a:t>
+              <a:t>Diagrama (entidade)</a:t>
             </a:r>
+          </a:p>
+          <a:p>
+            <a:pPr marL="252049" indent="-252049" fontAlgn="base">
+              <a:spcBef>
+                <a:spcPct val="0"/>
+              </a:spcBef>
+              <a:buFont typeface="Wingdings" panose="05000000000000000000" pitchFamily="2" charset="2"/>
+              <a:buChar char="ü"/>
+              <a:defRPr/>
+            </a:pPr>
+            <a:r>
+              <a:rPr lang="pt-BR" sz="1323" b="1" dirty="0">
+                <a:solidFill>
+                  <a:schemeClr val="tx1"/>
+                </a:solidFill>
+                <a:latin typeface="Calibri" panose="020F0502020204030204" pitchFamily="34" charset="0"/>
+                <a:cs typeface="Simplon BP Regular"/>
+              </a:rPr>
+              <a:t>LLD</a:t>
+            </a:r>
+          </a:p>
+          <a:p>
+            <a:pPr marL="252049" indent="-252049" fontAlgn="base">
+              <a:spcBef>
+                <a:spcPct val="0"/>
+              </a:spcBef>
+              <a:buFont typeface="Wingdings" panose="05000000000000000000" pitchFamily="2" charset="2"/>
+              <a:buChar char="ü"/>
+              <a:defRPr/>
+            </a:pPr>
+            <a:r>
+              <a:rPr lang="pt-BR" sz="1323" b="1" dirty="0">
+                <a:solidFill>
+                  <a:schemeClr val="tx1"/>
+                </a:solidFill>
+                <a:latin typeface="Calibri" panose="020F0502020204030204" pitchFamily="34" charset="0"/>
+                <a:cs typeface="Simplon BP Regular"/>
+              </a:rPr>
+              <a:t>LX Canvas</a:t>
+            </a:r>
+          </a:p>
+          <a:p>
+            <a:pPr marL="252049" indent="-252049" fontAlgn="base">
+              <a:spcBef>
+                <a:spcPct val="0"/>
+              </a:spcBef>
+              <a:buFont typeface="Wingdings" panose="05000000000000000000" pitchFamily="2" charset="2"/>
+              <a:buChar char="ü"/>
+              <a:defRPr/>
+            </a:pPr>
+            <a:r>
+              <a:rPr lang="pt-BR" sz="1323" b="1" dirty="0">
+                <a:solidFill>
+                  <a:schemeClr val="tx1"/>
+                </a:solidFill>
+                <a:latin typeface="Calibri" panose="020F0502020204030204" pitchFamily="34" charset="0"/>
+                <a:cs typeface="Simplon BP Regular"/>
+              </a:rPr>
+              <a:t>BPMN</a:t>
+            </a:r>
+          </a:p>
+          <a:p>
+            <a:pPr marL="252049" indent="-252049" fontAlgn="base">
+              <a:spcBef>
+                <a:spcPct val="0"/>
+              </a:spcBef>
+              <a:buFont typeface="Wingdings" panose="05000000000000000000" pitchFamily="2" charset="2"/>
+              <a:buChar char="ü"/>
+              <a:defRPr/>
+            </a:pPr>
+            <a:r>
+              <a:rPr lang="pt-BR" sz="1323" b="1" dirty="0">
+                <a:solidFill>
+                  <a:schemeClr val="tx1"/>
+                </a:solidFill>
+                <a:latin typeface="Calibri" panose="020F0502020204030204" pitchFamily="34" charset="0"/>
+                <a:cs typeface="Simplon BP Regular"/>
+              </a:rPr>
+              <a:t>Protótipo da tela</a:t>
+            </a:r>
+          </a:p>
+          <a:p>
+            <a:pPr marL="252049" indent="-252049" fontAlgn="base">
+              <a:spcBef>
+                <a:spcPct val="0"/>
+              </a:spcBef>
+              <a:buFont typeface="Wingdings" panose="05000000000000000000" pitchFamily="2" charset="2"/>
+              <a:buChar char="ü"/>
+              <a:defRPr/>
+            </a:pPr>
+            <a:r>
+              <a:rPr lang="pt-BR" sz="1323" b="1" dirty="0">
+                <a:solidFill>
+                  <a:schemeClr val="tx1"/>
+                </a:solidFill>
+                <a:latin typeface="Calibri" panose="020F0502020204030204" pitchFamily="34" charset="0"/>
+                <a:cs typeface="Simplon BP Regular"/>
+              </a:rPr>
+              <a:t>Jornada do usuário</a:t>
+            </a:r>
+          </a:p>
+          <a:p>
+            <a:pPr marL="252049" indent="-252049" fontAlgn="base">
+              <a:spcBef>
+                <a:spcPct val="0"/>
+              </a:spcBef>
+              <a:buFont typeface="Wingdings" panose="05000000000000000000" pitchFamily="2" charset="2"/>
+              <a:buChar char="ü"/>
+              <a:defRPr/>
+            </a:pPr>
+            <a:endParaRPr lang="pt-BR" sz="1323" b="1" dirty="0">
+              <a:solidFill>
+                <a:schemeClr val="tx1"/>
+              </a:solidFill>
+              <a:latin typeface="Calibri" panose="020F0502020204030204" pitchFamily="34" charset="0"/>
+              <a:cs typeface="Simplon BP Regular"/>
+            </a:endParaRPr>
           </a:p>
           <a:p>
             <a:pPr marL="252049" lvl="1" indent="-252049" fontAlgn="base">
@@ -25145,73 +25381,6 @@
               <a:solidFill>
                 <a:schemeClr val="tx1"/>
               </a:solidFill>
-              <a:latin typeface="Calibri" panose="020F0502020204030204" pitchFamily="34" charset="0"/>
-              <a:cs typeface="Simplon BP Regular"/>
-            </a:endParaRPr>
-          </a:p>
-        </p:txBody>
-      </p:sp>
-      <p:sp>
-        <p:nvSpPr>
-          <p:cNvPr id="4" name="Retângulo 3"/>
-          <p:cNvSpPr/>
-          <p:nvPr/>
-        </p:nvSpPr>
-        <p:spPr>
-          <a:xfrm>
-            <a:off x="6844996" y="1121895"/>
-            <a:ext cx="6164295" cy="703078"/>
-          </a:xfrm>
-          <a:prstGeom prst="rect">
-            <a:avLst/>
-          </a:prstGeom>
-        </p:spPr>
-        <p:txBody>
-          <a:bodyPr wrap="square">
-            <a:spAutoFit/>
-          </a:bodyPr>
-          <a:lstStyle/>
-          <a:p>
-            <a:pPr marL="252049" indent="-252049" fontAlgn="base">
-              <a:spcBef>
-                <a:spcPct val="0"/>
-              </a:spcBef>
-              <a:buFont typeface="Wingdings" panose="05000000000000000000" pitchFamily="2" charset="2"/>
-              <a:buChar char="§"/>
-              <a:defRPr/>
-            </a:pPr>
-            <a:r>
-              <a:rPr lang="pt-BR" sz="1323" b="1" dirty="0">
-                <a:latin typeface="Calibri" panose="020F0502020204030204" pitchFamily="34" charset="0"/>
-                <a:cs typeface="Simplon BP Regular"/>
-              </a:rPr>
-              <a:t>Pontos de riscos ou assuntos que devem ser resolvidos com urgência para o bom andamento do projeto</a:t>
-            </a:r>
-          </a:p>
-          <a:p>
-            <a:pPr marL="252049" indent="-252049" fontAlgn="base">
-              <a:spcBef>
-                <a:spcPct val="0"/>
-              </a:spcBef>
-              <a:buFont typeface="Wingdings" panose="05000000000000000000" pitchFamily="2" charset="2"/>
-              <a:buChar char="§"/>
-              <a:defRPr/>
-            </a:pPr>
-            <a:r>
-              <a:rPr lang="pt-BR" sz="1323" b="1" dirty="0">
-                <a:latin typeface="Calibri" panose="020F0502020204030204" pitchFamily="34" charset="0"/>
-                <a:cs typeface="Simplon BP Regular"/>
-              </a:rPr>
-              <a:t>Ex. Tela com Bug, Cloud não suporta tipo de serviço escolhido, </a:t>
-            </a:r>
-            <a:r>
-              <a:rPr lang="pt-BR" sz="1323" b="1" dirty="0" err="1">
-                <a:latin typeface="Calibri" panose="020F0502020204030204" pitchFamily="34" charset="0"/>
-                <a:cs typeface="Simplon BP Regular"/>
-              </a:rPr>
-              <a:t>etc</a:t>
-            </a:r>
-            <a:endParaRPr lang="pt-BR" sz="1323" b="1" dirty="0">
               <a:latin typeface="Calibri" panose="020F0502020204030204" pitchFamily="34" charset="0"/>
               <a:cs typeface="Simplon BP Regular"/>
             </a:endParaRPr>
@@ -25456,16 +25625,6 @@
               <a:buChar char="§"/>
             </a:pPr>
             <a:r>
-              <a:rPr lang="pt-BR" sz="1400" dirty="0" err="1">
-                <a:solidFill>
-                  <a:schemeClr val="tx1"/>
-                </a:solidFill>
-                <a:latin typeface="Calibri" panose="020F0502020204030204" pitchFamily="34" charset="0"/>
-                <a:cs typeface="Simplon BP Regular"/>
-              </a:rPr>
-              <a:t>Ex</a:t>
-            </a:r>
-            <a:r>
               <a:rPr lang="pt-BR" sz="1400" dirty="0">
                 <a:solidFill>
                   <a:schemeClr val="tx1"/>
@@ -25473,7 +25632,7 @@
                 <a:latin typeface="Calibri" panose="020F0502020204030204" pitchFamily="34" charset="0"/>
                 <a:cs typeface="Simplon BP Regular"/>
               </a:rPr>
-              <a:t> Criação do Mapa de Empatia</a:t>
+              <a:t>Criação do Mapa de Empatia</a:t>
             </a:r>
             <a:endParaRPr lang="pt-BR" sz="1600" b="1" dirty="0">
               <a:solidFill>
@@ -25512,7 +25671,7 @@
         </p:nvSpPr>
         <p:spPr>
           <a:xfrm>
-            <a:off x="11822773" y="576471"/>
+            <a:off x="11832861" y="632714"/>
             <a:ext cx="899678" cy="179824"/>
           </a:xfrm>
           <a:prstGeom prst="rect">
@@ -25636,7 +25795,7 @@
         </p:nvSpPr>
         <p:spPr>
           <a:xfrm>
-            <a:off x="11193898" y="297930"/>
+            <a:off x="11161291" y="355772"/>
             <a:ext cx="211404" cy="211689"/>
           </a:xfrm>
           <a:prstGeom prst="ellipse">
@@ -25696,7 +25855,7 @@
         </p:nvSpPr>
         <p:spPr>
           <a:xfrm>
-            <a:off x="10852497" y="576471"/>
+            <a:off x="10839554" y="636806"/>
             <a:ext cx="899678" cy="179824"/>
           </a:xfrm>
           <a:prstGeom prst="rect">
@@ -25818,7 +25977,7 @@
         </p:nvSpPr>
         <p:spPr>
           <a:xfrm>
-            <a:off x="9854245" y="576471"/>
+            <a:off x="9846247" y="636806"/>
             <a:ext cx="899678" cy="179824"/>
           </a:xfrm>
           <a:prstGeom prst="rect">
@@ -25940,7 +26099,7 @@
         </p:nvSpPr>
         <p:spPr>
           <a:xfrm>
-            <a:off x="8934246" y="576471"/>
+            <a:off x="8954567" y="611542"/>
             <a:ext cx="899678" cy="179824"/>
           </a:xfrm>
           <a:prstGeom prst="rect">
@@ -26064,7 +26223,7 @@
         </p:nvSpPr>
         <p:spPr>
           <a:xfrm>
-            <a:off x="8443555" y="282529"/>
+            <a:off x="8454287" y="324247"/>
             <a:ext cx="211404" cy="211689"/>
           </a:xfrm>
           <a:prstGeom prst="ellipse">
@@ -26124,7 +26283,7 @@
         </p:nvSpPr>
         <p:spPr>
           <a:xfrm>
-            <a:off x="8126053" y="576471"/>
+            <a:off x="8136859" y="576471"/>
             <a:ext cx="899678" cy="179824"/>
           </a:xfrm>
           <a:prstGeom prst="rect">
@@ -26254,14 +26413,14 @@
         </p:nvSpPr>
         <p:spPr>
           <a:xfrm>
-            <a:off x="9225955" y="282529"/>
+            <a:off x="9278999" y="355771"/>
             <a:ext cx="211404" cy="211689"/>
           </a:xfrm>
           <a:prstGeom prst="ellipse">
             <a:avLst/>
           </a:prstGeom>
           <a:solidFill>
-            <a:srgbClr val="FF0000"/>
+            <a:srgbClr val="FFC000"/>
           </a:solidFill>
           <a:ln w="12700">
             <a:solidFill>
@@ -26316,14 +26475,14 @@
         </p:nvSpPr>
         <p:spPr>
           <a:xfrm>
-            <a:off x="12155999" y="278623"/>
+            <a:off x="12166910" y="369037"/>
             <a:ext cx="211404" cy="211689"/>
           </a:xfrm>
           <a:prstGeom prst="ellipse">
             <a:avLst/>
           </a:prstGeom>
           <a:solidFill>
-            <a:srgbClr val="FF0000"/>
+            <a:srgbClr val="1BCF13"/>
           </a:solidFill>
           <a:ln w="12700">
             <a:solidFill>
@@ -26378,7 +26537,7 @@
         </p:nvSpPr>
         <p:spPr>
           <a:xfrm>
-            <a:off x="10188056" y="288207"/>
+            <a:off x="10168563" y="358554"/>
             <a:ext cx="211404" cy="211689"/>
           </a:xfrm>
           <a:prstGeom prst="ellipse">
@@ -26416,7 +26575,7 @@
             <a:pPr algn="ctr" defTabSz="672130"/>
             <a:endParaRPr lang="en-US" sz="1176" dirty="0">
               <a:solidFill>
-                <a:prstClr val="black"/>
+                <a:srgbClr val="FF0000"/>
               </a:solidFill>
               <a:latin typeface="Simplon BP Regular"/>
               <a:cs typeface="Simplon BP Regular"/>

--- a/Documentação/Status Report/Status Report - Grupo 6.pptx
+++ b/Documentação/Status Report/Status Report - Grupo 6.pptx
@@ -7,16 +7,17 @@
     <p:sldMasterId id="2147483665" r:id="rId6"/>
   </p:sldMasterIdLst>
   <p:notesMasterIdLst>
-    <p:notesMasterId r:id="rId11"/>
+    <p:notesMasterId r:id="rId12"/>
   </p:notesMasterIdLst>
   <p:handoutMasterIdLst>
-    <p:handoutMasterId r:id="rId12"/>
+    <p:handoutMasterId r:id="rId13"/>
   </p:handoutMasterIdLst>
   <p:sldIdLst>
     <p:sldId id="256" r:id="rId7"/>
     <p:sldId id="344" r:id="rId8"/>
     <p:sldId id="471" r:id="rId9"/>
     <p:sldId id="472" r:id="rId10"/>
+    <p:sldId id="473" r:id="rId11"/>
   </p:sldIdLst>
   <p:sldSz cx="13442950" cy="7561263"/>
   <p:notesSz cx="7104063" cy="10234613"/>
@@ -128,6 +129,7 @@
             <p14:sldId id="344"/>
             <p14:sldId id="471"/>
             <p14:sldId id="472"/>
+            <p14:sldId id="473"/>
           </p14:sldIdLst>
         </p14:section>
       </p14:sectionLst>
@@ -154,8 +156,8 @@
 <pc:chgInfo xmlns:a="http://schemas.openxmlformats.org/drawingml/2006/main" xmlns:r="http://schemas.openxmlformats.org/officeDocument/2006/relationships" xmlns:ac="http://schemas.microsoft.com/office/drawing/2013/main/command" xmlns:pc="http://schemas.microsoft.com/office/powerpoint/2013/main/command">
   <pc:docChgLst>
     <pc:chgData name="Vinicius Cano" userId="e988c080-1d50-4980-86fe-45a1167ad471" providerId="ADAL" clId="{CFCABCC4-01DD-4F6B-AAA1-A4E1D03D705B}"/>
-    <pc:docChg chg="undo custSel modSld">
-      <pc:chgData name="Vinicius Cano" userId="e988c080-1d50-4980-86fe-45a1167ad471" providerId="ADAL" clId="{CFCABCC4-01DD-4F6B-AAA1-A4E1D03D705B}" dt="2021-08-26T19:33:27.130" v="251" actId="207"/>
+    <pc:docChg chg="undo custSel addSld modSld">
+      <pc:chgData name="Vinicius Cano" userId="e988c080-1d50-4980-86fe-45a1167ad471" providerId="ADAL" clId="{CFCABCC4-01DD-4F6B-AAA1-A4E1D03D705B}" dt="2021-09-02T21:15:42.527" v="451" actId="5793"/>
       <pc:docMkLst>
         <pc:docMk/>
       </pc:docMkLst>
@@ -191,13 +193,13 @@
         </pc:spChg>
       </pc:sldChg>
       <pc:sldChg chg="delSp modSp mod">
-        <pc:chgData name="Vinicius Cano" userId="e988c080-1d50-4980-86fe-45a1167ad471" providerId="ADAL" clId="{CFCABCC4-01DD-4F6B-AAA1-A4E1D03D705B}" dt="2021-08-26T19:33:27.130" v="251" actId="207"/>
+        <pc:chgData name="Vinicius Cano" userId="e988c080-1d50-4980-86fe-45a1167ad471" providerId="ADAL" clId="{CFCABCC4-01DD-4F6B-AAA1-A4E1D03D705B}" dt="2021-09-02T21:15:42.527" v="451" actId="5793"/>
         <pc:sldMkLst>
           <pc:docMk/>
           <pc:sldMk cId="3384590979" sldId="472"/>
         </pc:sldMkLst>
         <pc:spChg chg="mod">
-          <ac:chgData name="Vinicius Cano" userId="e988c080-1d50-4980-86fe-45a1167ad471" providerId="ADAL" clId="{CFCABCC4-01DD-4F6B-AAA1-A4E1D03D705B}" dt="2021-08-26T19:31:43.077" v="192" actId="20577"/>
+          <ac:chgData name="Vinicius Cano" userId="e988c080-1d50-4980-86fe-45a1167ad471" providerId="ADAL" clId="{CFCABCC4-01DD-4F6B-AAA1-A4E1D03D705B}" dt="2021-09-02T21:15:42.527" v="451" actId="5793"/>
           <ac:spMkLst>
             <pc:docMk/>
             <pc:sldMk cId="3384590979" sldId="472"/>
@@ -309,6 +311,37 @@
           </ac:spMkLst>
         </pc:spChg>
       </pc:sldChg>
+      <pc:sldChg chg="modSp add mod">
+        <pc:chgData name="Vinicius Cano" userId="e988c080-1d50-4980-86fe-45a1167ad471" providerId="ADAL" clId="{CFCABCC4-01DD-4F6B-AAA1-A4E1D03D705B}" dt="2021-09-02T21:12:50.288" v="385" actId="20577"/>
+        <pc:sldMkLst>
+          <pc:docMk/>
+          <pc:sldMk cId="3099913073" sldId="473"/>
+        </pc:sldMkLst>
+        <pc:spChg chg="mod">
+          <ac:chgData name="Vinicius Cano" userId="e988c080-1d50-4980-86fe-45a1167ad471" providerId="ADAL" clId="{CFCABCC4-01DD-4F6B-AAA1-A4E1D03D705B}" dt="2021-09-02T21:12:20.154" v="311" actId="20577"/>
+          <ac:spMkLst>
+            <pc:docMk/>
+            <pc:sldMk cId="3099913073" sldId="473"/>
+            <ac:spMk id="2" creationId="{B15BA19F-C787-4E6A-ADAB-C0DFF09C66A8}"/>
+          </ac:spMkLst>
+        </pc:spChg>
+        <pc:spChg chg="mod">
+          <ac:chgData name="Vinicius Cano" userId="e988c080-1d50-4980-86fe-45a1167ad471" providerId="ADAL" clId="{CFCABCC4-01DD-4F6B-AAA1-A4E1D03D705B}" dt="2021-09-02T21:02:00.758" v="258" actId="20577"/>
+          <ac:spMkLst>
+            <pc:docMk/>
+            <pc:sldMk cId="3099913073" sldId="473"/>
+            <ac:spMk id="3" creationId="{00000000-0000-0000-0000-000000000000}"/>
+          </ac:spMkLst>
+        </pc:spChg>
+        <pc:spChg chg="mod">
+          <ac:chgData name="Vinicius Cano" userId="e988c080-1d50-4980-86fe-45a1167ad471" providerId="ADAL" clId="{CFCABCC4-01DD-4F6B-AAA1-A4E1D03D705B}" dt="2021-09-02T21:12:50.288" v="385" actId="20577"/>
+          <ac:spMkLst>
+            <pc:docMk/>
+            <pc:sldMk cId="3099913073" sldId="473"/>
+            <ac:spMk id="63" creationId="{00000000-0000-0000-0000-000000000000}"/>
+          </ac:spMkLst>
+        </pc:spChg>
+      </pc:sldChg>
     </pc:docChg>
   </pc:docChgLst>
 </pc:chgInfo>
@@ -397,7 +430,7 @@
             <a:fld id="{C3CD65D1-5C11-455D-9F9A-0E035F00A0DA}" type="datetimeFigureOut">
               <a:rPr lang="pt-BR" smtClean="0"/>
               <a:pPr/>
-              <a:t>26/08/2021</a:t>
+              <a:t>02/09/2021</a:t>
             </a:fld>
             <a:endParaRPr lang="pt-BR"/>
           </a:p>
@@ -565,7 +598,7 @@
             <a:fld id="{A05DA3EF-18EA-43DE-B1BB-402A3C558822}" type="datetimeFigureOut">
               <a:rPr lang="pt-BR" smtClean="0"/>
               <a:pPr/>
-              <a:t>26/08/2021</a:t>
+              <a:t>02/09/2021</a:t>
             </a:fld>
             <a:endParaRPr lang="pt-BR"/>
           </a:p>
@@ -1098,6 +1131,99 @@
     <p:extLst>
       <p:ext uri="{BB962C8B-B14F-4D97-AF65-F5344CB8AC3E}">
         <p14:creationId xmlns:p14="http://schemas.microsoft.com/office/powerpoint/2010/main" val="4077685609"/>
+      </p:ext>
+    </p:extLst>
+  </p:cSld>
+  <p:clrMapOvr>
+    <a:masterClrMapping/>
+  </p:clrMapOvr>
+</p:notes>
+</file>
+
+<file path=ppt/notesSlides/notesSlide4.xml><?xml version="1.0" encoding="utf-8"?>
+<p:notes xmlns:a="http://schemas.openxmlformats.org/drawingml/2006/main" xmlns:r="http://schemas.openxmlformats.org/officeDocument/2006/relationships" xmlns:p="http://schemas.openxmlformats.org/presentationml/2006/main">
+  <p:cSld>
+    <p:spTree>
+      <p:nvGrpSpPr>
+        <p:cNvPr id="1" name=""/>
+        <p:cNvGrpSpPr/>
+        <p:nvPr/>
+      </p:nvGrpSpPr>
+      <p:grpSpPr>
+        <a:xfrm>
+          <a:off x="0" y="0"/>
+          <a:ext cx="0" cy="0"/>
+          <a:chOff x="0" y="0"/>
+          <a:chExt cx="0" cy="0"/>
+        </a:xfrm>
+      </p:grpSpPr>
+      <p:sp>
+        <p:nvSpPr>
+          <p:cNvPr id="2" name="Slide Image Placeholder 1"/>
+          <p:cNvSpPr>
+            <a:spLocks noGrp="1" noRot="1" noChangeAspect="1"/>
+          </p:cNvSpPr>
+          <p:nvPr>
+            <p:ph type="sldImg"/>
+          </p:nvPr>
+        </p:nvSpPr>
+        <p:spPr/>
+      </p:sp>
+      <p:sp>
+        <p:nvSpPr>
+          <p:cNvPr id="3" name="Notes Placeholder 2"/>
+          <p:cNvSpPr>
+            <a:spLocks noGrp="1"/>
+          </p:cNvSpPr>
+          <p:nvPr>
+            <p:ph type="body" idx="1"/>
+          </p:nvPr>
+        </p:nvSpPr>
+        <p:spPr/>
+        <p:txBody>
+          <a:bodyPr/>
+          <a:lstStyle/>
+          <a:p>
+            <a:endParaRPr lang="en-US"/>
+          </a:p>
+        </p:txBody>
+      </p:sp>
+      <p:sp>
+        <p:nvSpPr>
+          <p:cNvPr id="4" name="Slide Number Placeholder 3"/>
+          <p:cNvSpPr>
+            <a:spLocks noGrp="1"/>
+          </p:cNvSpPr>
+          <p:nvPr>
+            <p:ph type="sldNum" sz="quarter" idx="10"/>
+          </p:nvPr>
+        </p:nvSpPr>
+        <p:spPr/>
+        <p:txBody>
+          <a:bodyPr/>
+          <a:lstStyle/>
+          <a:p>
+            <a:fld id="{B39AF3DB-B6A1-2444-9DD8-53D016F8E638}" type="slidenum">
+              <a:rPr lang="pt-BR" smtClean="0">
+                <a:solidFill>
+                  <a:prstClr val="black"/>
+                </a:solidFill>
+              </a:rPr>
+              <a:pPr/>
+              <a:t>5</a:t>
+            </a:fld>
+            <a:endParaRPr lang="pt-BR">
+              <a:solidFill>
+                <a:prstClr val="black"/>
+              </a:solidFill>
+            </a:endParaRPr>
+          </a:p>
+        </p:txBody>
+      </p:sp>
+    </p:spTree>
+    <p:extLst>
+      <p:ext uri="{BB962C8B-B14F-4D97-AF65-F5344CB8AC3E}">
+        <p14:creationId xmlns:p14="http://schemas.microsoft.com/office/powerpoint/2010/main" val="2747331629"/>
       </p:ext>
     </p:extLst>
   </p:cSld>
@@ -25449,9 +25575,9 @@
             </a:r>
           </a:p>
           <a:p>
-            <a:pPr marL="252049" lvl="1" indent="-252049" defTabSz="672130">
-              <a:buFont typeface="Wingdings" charset="2"/>
-              <a:buChar char="§"/>
+            <a:pPr marL="285750" lvl="1" indent="-285750" defTabSz="672130">
+              <a:buFont typeface="Arial" panose="020B0604020202020204" pitchFamily="34" charset="0"/>
+              <a:buChar char="•"/>
             </a:pPr>
             <a:r>
               <a:rPr lang="pt-BR" sz="1323" dirty="0">
@@ -25505,9 +25631,9 @@
             </a:endParaRPr>
           </a:p>
           <a:p>
-            <a:pPr marL="252049" lvl="1" indent="-252049">
-              <a:buFont typeface="Wingdings" panose="05000000000000000000" pitchFamily="2" charset="2"/>
-              <a:buChar char="§"/>
+            <a:pPr marL="285750" lvl="1" indent="-285750" defTabSz="672130">
+              <a:buFont typeface="Arial" panose="020B0604020202020204" pitchFamily="34" charset="0"/>
+              <a:buChar char="•"/>
             </a:pPr>
             <a:r>
               <a:rPr lang="pt-BR" sz="1323" dirty="0">
@@ -25517,7 +25643,17 @@
                 <a:latin typeface="Calibri" panose="020F0502020204030204" pitchFamily="34" charset="0"/>
                 <a:cs typeface="Simplon BP Regular"/>
               </a:rPr>
-              <a:t>Configuração da Biblioteca</a:t>
+              <a:t>Criação API Login/Logoff</a:t>
+            </a:r>
+            <a:r>
+              <a:rPr lang="pt-BR" sz="1323" b="1" dirty="0">
+                <a:solidFill>
+                  <a:schemeClr val="tx1"/>
+                </a:solidFill>
+                <a:latin typeface="Calibri" panose="020F0502020204030204" pitchFamily="34" charset="0"/>
+                <a:cs typeface="Simplon BP Regular"/>
+              </a:rPr>
+              <a:t> </a:t>
             </a:r>
           </a:p>
           <a:p>
@@ -25561,9 +25697,9 @@
             </a:endParaRPr>
           </a:p>
           <a:p>
-            <a:pPr marL="252049" lvl="1" indent="-252049">
-              <a:buFont typeface="Wingdings" panose="05000000000000000000" pitchFamily="2" charset="2"/>
-              <a:buChar char="§"/>
+            <a:pPr marL="285750" lvl="1" indent="-285750">
+              <a:buFont typeface="Arial" panose="020B0604020202020204" pitchFamily="34" charset="0"/>
+              <a:buChar char="•"/>
             </a:pPr>
             <a:r>
               <a:rPr lang="pt-BR" sz="1323" dirty="0">
@@ -25573,7 +25709,7 @@
                 <a:latin typeface="Calibri" panose="020F0502020204030204" pitchFamily="34" charset="0"/>
                 <a:cs typeface="Simplon BP Regular"/>
               </a:rPr>
-              <a:t>Criação de conta no </a:t>
+              <a:t>Criação protótipo no </a:t>
             </a:r>
             <a:r>
               <a:rPr lang="pt-BR" sz="1323" dirty="0" err="1">
@@ -25620,9 +25756,9 @@
             </a:r>
           </a:p>
           <a:p>
-            <a:pPr marL="252049" lvl="1" indent="-252049">
-              <a:buFont typeface="Wingdings" panose="05000000000000000000" pitchFamily="2" charset="2"/>
-              <a:buChar char="§"/>
+            <a:pPr marL="285750" lvl="1" indent="-285750">
+              <a:buFont typeface="Arial" panose="020B0604020202020204" pitchFamily="34" charset="0"/>
+              <a:buChar char="•"/>
             </a:pPr>
             <a:r>
               <a:rPr lang="pt-BR" sz="1400" dirty="0">
@@ -26801,6 +26937,1809 @@
     <p:extLst>
       <p:ext uri="{BB962C8B-B14F-4D97-AF65-F5344CB8AC3E}">
         <p14:creationId xmlns:p14="http://schemas.microsoft.com/office/powerpoint/2010/main" val="3384590979"/>
+      </p:ext>
+    </p:extLst>
+  </p:cSld>
+  <p:clrMapOvr>
+    <a:masterClrMapping/>
+  </p:clrMapOvr>
+</p:sld>
+</file>
+
+<file path=ppt/slides/slide5.xml><?xml version="1.0" encoding="utf-8"?>
+<p:sld xmlns:a="http://schemas.openxmlformats.org/drawingml/2006/main" xmlns:r="http://schemas.openxmlformats.org/officeDocument/2006/relationships" xmlns:p="http://schemas.openxmlformats.org/presentationml/2006/main">
+  <p:cSld>
+    <p:spTree>
+      <p:nvGrpSpPr>
+        <p:cNvPr id="1" name=""/>
+        <p:cNvGrpSpPr/>
+        <p:nvPr/>
+      </p:nvGrpSpPr>
+      <p:grpSpPr>
+        <a:xfrm>
+          <a:off x="0" y="0"/>
+          <a:ext cx="0" cy="0"/>
+          <a:chOff x="0" y="0"/>
+          <a:chExt cx="0" cy="0"/>
+        </a:xfrm>
+      </p:grpSpPr>
+      <p:sp>
+        <p:nvSpPr>
+          <p:cNvPr id="43" name="Rectangle 42"/>
+          <p:cNvSpPr/>
+          <p:nvPr/>
+        </p:nvSpPr>
+        <p:spPr>
+          <a:xfrm>
+            <a:off x="6804883" y="1106495"/>
+            <a:ext cx="6209639" cy="2235805"/>
+          </a:xfrm>
+          <a:prstGeom prst="rect">
+            <a:avLst/>
+          </a:prstGeom>
+          <a:noFill/>
+          <a:ln w="12700">
+            <a:solidFill>
+              <a:schemeClr val="bg1">
+                <a:lumMod val="50000"/>
+              </a:schemeClr>
+            </a:solidFill>
+          </a:ln>
+        </p:spPr>
+        <p:style>
+          <a:lnRef idx="2">
+            <a:schemeClr val="accent4"/>
+          </a:lnRef>
+          <a:fillRef idx="1">
+            <a:schemeClr val="lt1"/>
+          </a:fillRef>
+          <a:effectRef idx="0">
+            <a:schemeClr val="accent4"/>
+          </a:effectRef>
+          <a:fontRef idx="minor">
+            <a:schemeClr val="dk1"/>
+          </a:fontRef>
+        </p:style>
+        <p:txBody>
+          <a:bodyPr tIns="105844" rtlCol="0" anchor="t"/>
+          <a:lstStyle/>
+          <a:p>
+            <a:pPr defTabSz="672130">
+              <a:spcAft>
+                <a:spcPts val="882"/>
+              </a:spcAft>
+            </a:pPr>
+            <a:endParaRPr lang="pt-BR" sz="1470" dirty="0">
+              <a:solidFill>
+                <a:schemeClr val="tx1"/>
+              </a:solidFill>
+              <a:latin typeface="Calibri" panose="020F0502020204030204" pitchFamily="34" charset="0"/>
+              <a:cs typeface="Simplon BP Regular"/>
+            </a:endParaRPr>
+          </a:p>
+        </p:txBody>
+      </p:sp>
+      <p:sp>
+        <p:nvSpPr>
+          <p:cNvPr id="3" name="Title 2"/>
+          <p:cNvSpPr>
+            <a:spLocks noGrp="1"/>
+          </p:cNvSpPr>
+          <p:nvPr>
+            <p:ph type="title"/>
+          </p:nvPr>
+        </p:nvSpPr>
+        <p:spPr>
+          <a:xfrm>
+            <a:off x="469692" y="185232"/>
+            <a:ext cx="12098020" cy="800352"/>
+          </a:xfrm>
+        </p:spPr>
+        <p:txBody>
+          <a:bodyPr vert="horz" wrap="square" lIns="105844" tIns="0" rIns="105844" bIns="0" numCol="1" anchor="t" anchorCtr="0" compatLnSpc="1">
+            <a:prstTxWarp prst="textNoShape">
+              <a:avLst/>
+            </a:prstTxWarp>
+            <a:noAutofit/>
+          </a:bodyPr>
+          <a:lstStyle/>
+          <a:p>
+            <a:pPr algn="l">
+              <a:spcAft>
+                <a:spcPts val="882"/>
+              </a:spcAft>
+            </a:pPr>
+            <a:r>
+              <a:rPr lang="en-US" sz="2646" dirty="0">
+                <a:solidFill>
+                  <a:prstClr val="black"/>
+                </a:solidFill>
+                <a:latin typeface="Simplon Oi Headline"/>
+                <a:cs typeface="Simplon Oi Headline"/>
+              </a:rPr>
+              <a:t>SEMANA 3 – 02/09/2021</a:t>
+            </a:r>
+          </a:p>
+        </p:txBody>
+      </p:sp>
+      <p:sp>
+        <p:nvSpPr>
+          <p:cNvPr id="64" name="Retângulo 63"/>
+          <p:cNvSpPr/>
+          <p:nvPr/>
+        </p:nvSpPr>
+        <p:spPr>
+          <a:xfrm>
+            <a:off x="512766" y="868345"/>
+            <a:ext cx="6186608" cy="238150"/>
+          </a:xfrm>
+          <a:prstGeom prst="rect">
+            <a:avLst/>
+          </a:prstGeom>
+          <a:solidFill>
+            <a:schemeClr val="bg1">
+              <a:lumMod val="85000"/>
+            </a:schemeClr>
+          </a:solidFill>
+        </p:spPr>
+        <p:txBody>
+          <a:bodyPr vert="horz" lIns="134422" tIns="67211" rIns="134422" bIns="67211" rtlCol="0" anchor="ctr"/>
+          <a:lstStyle/>
+          <a:p>
+            <a:pPr defTabSz="672130"/>
+            <a:r>
+              <a:rPr lang="en-US" sz="1544" dirty="0">
+                <a:latin typeface="Simplon Oi Headline" charset="0"/>
+                <a:ea typeface="Simplon Oi Headline" charset="0"/>
+                <a:cs typeface="Simplon Oi Headline" charset="0"/>
+              </a:rPr>
+              <a:t>PROGRESSOS</a:t>
+            </a:r>
+            <a:endParaRPr lang="pt-BR" sz="1544" dirty="0">
+              <a:latin typeface="Simplon Oi Headline" charset="0"/>
+              <a:ea typeface="Simplon Oi Headline" charset="0"/>
+              <a:cs typeface="Simplon Oi Headline" charset="0"/>
+            </a:endParaRPr>
+          </a:p>
+        </p:txBody>
+      </p:sp>
+      <p:sp>
+        <p:nvSpPr>
+          <p:cNvPr id="65" name="Retângulo 64"/>
+          <p:cNvSpPr/>
+          <p:nvPr/>
+        </p:nvSpPr>
+        <p:spPr>
+          <a:xfrm>
+            <a:off x="6814576" y="868345"/>
+            <a:ext cx="6194715" cy="238150"/>
+          </a:xfrm>
+          <a:prstGeom prst="rect">
+            <a:avLst/>
+          </a:prstGeom>
+          <a:solidFill>
+            <a:schemeClr val="bg1">
+              <a:lumMod val="85000"/>
+            </a:schemeClr>
+          </a:solidFill>
+        </p:spPr>
+        <p:txBody>
+          <a:bodyPr vert="horz" lIns="134422" tIns="67211" rIns="134422" bIns="67211" rtlCol="0" anchor="ctr"/>
+          <a:lstStyle/>
+          <a:p>
+            <a:pPr defTabSz="672130"/>
+            <a:r>
+              <a:rPr lang="pt-BR" sz="1544" dirty="0">
+                <a:latin typeface="Simplon Oi Headline" charset="0"/>
+                <a:ea typeface="Simplon Oi Headline" charset="0"/>
+                <a:cs typeface="Simplon Oi Headline" charset="0"/>
+              </a:rPr>
+              <a:t>Pontos atenção/ Principais Riscos</a:t>
+            </a:r>
+          </a:p>
+        </p:txBody>
+      </p:sp>
+      <p:sp>
+        <p:nvSpPr>
+          <p:cNvPr id="66" name="Retângulo 65"/>
+          <p:cNvSpPr/>
+          <p:nvPr/>
+        </p:nvSpPr>
+        <p:spPr>
+          <a:xfrm>
+            <a:off x="507536" y="3418875"/>
+            <a:ext cx="12505521" cy="238150"/>
+          </a:xfrm>
+          <a:prstGeom prst="rect">
+            <a:avLst/>
+          </a:prstGeom>
+          <a:solidFill>
+            <a:schemeClr val="bg1">
+              <a:lumMod val="85000"/>
+            </a:schemeClr>
+          </a:solidFill>
+        </p:spPr>
+        <p:txBody>
+          <a:bodyPr vert="horz" lIns="134422" tIns="67211" rIns="134422" bIns="67211" rtlCol="0" anchor="ctr"/>
+          <a:lstStyle/>
+          <a:p>
+            <a:pPr defTabSz="672130"/>
+            <a:r>
+              <a:rPr lang="pt-BR" sz="1544" dirty="0">
+                <a:latin typeface="Simplon Oi Headline" charset="0"/>
+                <a:ea typeface="Simplon Oi Headline" charset="0"/>
+                <a:cs typeface="Simplon Oi Headline" charset="0"/>
+              </a:rPr>
+              <a:t>Próximos Passos/ Decisões a tomar</a:t>
+            </a:r>
+          </a:p>
+        </p:txBody>
+      </p:sp>
+      <p:sp>
+        <p:nvSpPr>
+          <p:cNvPr id="63" name="Rectangle 37"/>
+          <p:cNvSpPr/>
+          <p:nvPr/>
+        </p:nvSpPr>
+        <p:spPr>
+          <a:xfrm>
+            <a:off x="496765" y="1106495"/>
+            <a:ext cx="6207777" cy="2235805"/>
+          </a:xfrm>
+          <a:prstGeom prst="rect">
+            <a:avLst/>
+          </a:prstGeom>
+          <a:noFill/>
+          <a:ln w="12700">
+            <a:solidFill>
+              <a:schemeClr val="bg1">
+                <a:lumMod val="50000"/>
+              </a:schemeClr>
+            </a:solidFill>
+          </a:ln>
+        </p:spPr>
+        <p:style>
+          <a:lnRef idx="2">
+            <a:schemeClr val="accent4"/>
+          </a:lnRef>
+          <a:fillRef idx="1">
+            <a:schemeClr val="lt1"/>
+          </a:fillRef>
+          <a:effectRef idx="0">
+            <a:schemeClr val="accent4"/>
+          </a:effectRef>
+          <a:fontRef idx="minor">
+            <a:schemeClr val="dk1"/>
+          </a:fontRef>
+        </p:style>
+        <p:txBody>
+          <a:bodyPr tIns="105844" rtlCol="0" anchor="t"/>
+          <a:lstStyle/>
+          <a:p>
+            <a:pPr marL="252049" indent="-252049" fontAlgn="base">
+              <a:spcBef>
+                <a:spcPct val="0"/>
+              </a:spcBef>
+              <a:buFont typeface="Wingdings" panose="05000000000000000000" pitchFamily="2" charset="2"/>
+              <a:buChar char="ü"/>
+              <a:defRPr/>
+            </a:pPr>
+            <a:r>
+              <a:rPr lang="pt-BR" sz="1323" b="1" dirty="0">
+                <a:solidFill>
+                  <a:schemeClr val="tx1"/>
+                </a:solidFill>
+                <a:latin typeface="Calibri" panose="020F0502020204030204" pitchFamily="34" charset="0"/>
+                <a:cs typeface="Simplon BP Regular"/>
+              </a:rPr>
+              <a:t>Criação PowerPoint</a:t>
+            </a:r>
+          </a:p>
+          <a:p>
+            <a:pPr marL="252049" indent="-252049" fontAlgn="base">
+              <a:spcBef>
+                <a:spcPct val="0"/>
+              </a:spcBef>
+              <a:buFont typeface="Wingdings" panose="05000000000000000000" pitchFamily="2" charset="2"/>
+              <a:buChar char="ü"/>
+              <a:defRPr/>
+            </a:pPr>
+            <a:r>
+              <a:rPr lang="pt-BR" sz="1323" b="1" dirty="0">
+                <a:solidFill>
+                  <a:schemeClr val="tx1"/>
+                </a:solidFill>
+                <a:latin typeface="Calibri" panose="020F0502020204030204" pitchFamily="34" charset="0"/>
+                <a:cs typeface="Simplon BP Regular"/>
+              </a:rPr>
+              <a:t>Mapa da Empatia</a:t>
+            </a:r>
+          </a:p>
+          <a:p>
+            <a:pPr marL="252049" indent="-252049" fontAlgn="base">
+              <a:spcBef>
+                <a:spcPct val="0"/>
+              </a:spcBef>
+              <a:buFont typeface="Wingdings" panose="05000000000000000000" pitchFamily="2" charset="2"/>
+              <a:buChar char="ü"/>
+              <a:defRPr/>
+            </a:pPr>
+            <a:r>
+              <a:rPr lang="pt-BR" sz="1323" b="1" dirty="0">
+                <a:solidFill>
+                  <a:schemeClr val="tx1"/>
+                </a:solidFill>
+                <a:latin typeface="Calibri" panose="020F0502020204030204" pitchFamily="34" charset="0"/>
+                <a:cs typeface="Simplon BP Regular"/>
+              </a:rPr>
+              <a:t>Diagrama de Classes</a:t>
+            </a:r>
+          </a:p>
+          <a:p>
+            <a:pPr marL="252049" indent="-252049" fontAlgn="base">
+              <a:spcBef>
+                <a:spcPct val="0"/>
+              </a:spcBef>
+              <a:buFont typeface="Wingdings" panose="05000000000000000000" pitchFamily="2" charset="2"/>
+              <a:buChar char="ü"/>
+              <a:defRPr/>
+            </a:pPr>
+            <a:r>
+              <a:rPr lang="pt-BR" sz="1323" b="1" dirty="0">
+                <a:solidFill>
+                  <a:schemeClr val="tx1"/>
+                </a:solidFill>
+                <a:latin typeface="Calibri" panose="020F0502020204030204" pitchFamily="34" charset="0"/>
+                <a:cs typeface="Simplon BP Regular"/>
+              </a:rPr>
+              <a:t>Protótipos de Tela</a:t>
+            </a:r>
+          </a:p>
+          <a:p>
+            <a:pPr marL="252049" indent="-252049" fontAlgn="base">
+              <a:spcBef>
+                <a:spcPct val="0"/>
+              </a:spcBef>
+              <a:buFont typeface="Wingdings" panose="05000000000000000000" pitchFamily="2" charset="2"/>
+              <a:buChar char="ü"/>
+              <a:defRPr/>
+            </a:pPr>
+            <a:r>
+              <a:rPr lang="pt-BR" sz="1323" b="1" dirty="0">
+                <a:solidFill>
+                  <a:schemeClr val="tx1"/>
+                </a:solidFill>
+                <a:latin typeface="Calibri" panose="020F0502020204030204" pitchFamily="34" charset="0"/>
+                <a:cs typeface="Simplon BP Regular"/>
+              </a:rPr>
+              <a:t>Criação API Login/Logoff</a:t>
+            </a:r>
+          </a:p>
+          <a:p>
+            <a:pPr marL="252049" indent="-252049" fontAlgn="base">
+              <a:spcBef>
+                <a:spcPct val="0"/>
+              </a:spcBef>
+              <a:buFont typeface="Wingdings" panose="05000000000000000000" pitchFamily="2" charset="2"/>
+              <a:buChar char="ü"/>
+              <a:defRPr/>
+            </a:pPr>
+            <a:endParaRPr lang="pt-BR" sz="1323" b="1" dirty="0">
+              <a:solidFill>
+                <a:schemeClr val="tx1"/>
+              </a:solidFill>
+              <a:latin typeface="Calibri" panose="020F0502020204030204" pitchFamily="34" charset="0"/>
+              <a:cs typeface="Simplon BP Regular"/>
+            </a:endParaRPr>
+          </a:p>
+          <a:p>
+            <a:pPr marL="252049" lvl="1" indent="-252049" fontAlgn="base">
+              <a:spcBef>
+                <a:spcPct val="0"/>
+              </a:spcBef>
+              <a:buFont typeface="Wingdings" panose="05000000000000000000" pitchFamily="2" charset="2"/>
+              <a:buChar char="ü"/>
+              <a:defRPr/>
+            </a:pPr>
+            <a:endParaRPr lang="pt-BR" sz="1323" b="1" dirty="0">
+              <a:solidFill>
+                <a:schemeClr val="tx1"/>
+              </a:solidFill>
+              <a:latin typeface="Calibri" panose="020F0502020204030204" pitchFamily="34" charset="0"/>
+              <a:cs typeface="Simplon BP Regular"/>
+            </a:endParaRPr>
+          </a:p>
+          <a:p>
+            <a:pPr marL="252049" indent="-252049" fontAlgn="base">
+              <a:spcBef>
+                <a:spcPct val="0"/>
+              </a:spcBef>
+              <a:buFont typeface="Wingdings" panose="05000000000000000000" pitchFamily="2" charset="2"/>
+              <a:buChar char="ü"/>
+              <a:defRPr/>
+            </a:pPr>
+            <a:endParaRPr lang="pt-BR" sz="1323" b="1" dirty="0">
+              <a:solidFill>
+                <a:schemeClr val="tx1"/>
+              </a:solidFill>
+              <a:latin typeface="Calibri" panose="020F0502020204030204" pitchFamily="34" charset="0"/>
+              <a:cs typeface="Simplon BP Regular"/>
+            </a:endParaRPr>
+          </a:p>
+          <a:p>
+            <a:pPr marL="252049" indent="-252049" fontAlgn="base">
+              <a:spcBef>
+                <a:spcPct val="0"/>
+              </a:spcBef>
+              <a:buFont typeface="Wingdings" panose="05000000000000000000" pitchFamily="2" charset="2"/>
+              <a:buChar char="ü"/>
+              <a:defRPr/>
+            </a:pPr>
+            <a:endParaRPr lang="pt-BR" sz="1323" b="1" dirty="0">
+              <a:solidFill>
+                <a:schemeClr val="tx1"/>
+              </a:solidFill>
+              <a:latin typeface="Calibri" panose="020F0502020204030204" pitchFamily="34" charset="0"/>
+              <a:cs typeface="Simplon BP Regular"/>
+            </a:endParaRPr>
+          </a:p>
+        </p:txBody>
+      </p:sp>
+      <p:sp>
+        <p:nvSpPr>
+          <p:cNvPr id="2" name="Rectangle 43">
+            <a:extLst>
+              <a:ext uri="{FF2B5EF4-FFF2-40B4-BE49-F238E27FC236}">
+                <a16:creationId xmlns:a16="http://schemas.microsoft.com/office/drawing/2014/main" id="{B15BA19F-C787-4E6A-ADAB-C0DFF09C66A8}"/>
+              </a:ext>
+            </a:extLst>
+          </p:cNvPr>
+          <p:cNvSpPr>
+            <a:spLocks/>
+          </p:cNvSpPr>
+          <p:nvPr/>
+        </p:nvSpPr>
+        <p:spPr>
+          <a:xfrm>
+            <a:off x="512766" y="3728204"/>
+            <a:ext cx="12496524" cy="3581485"/>
+          </a:xfrm>
+          <a:prstGeom prst="rect">
+            <a:avLst/>
+          </a:prstGeom>
+          <a:noFill/>
+          <a:ln w="12700">
+            <a:solidFill>
+              <a:schemeClr val="bg1">
+                <a:lumMod val="50000"/>
+              </a:schemeClr>
+            </a:solidFill>
+          </a:ln>
+        </p:spPr>
+        <p:style>
+          <a:lnRef idx="2">
+            <a:schemeClr val="accent4"/>
+          </a:lnRef>
+          <a:fillRef idx="1">
+            <a:schemeClr val="lt1"/>
+          </a:fillRef>
+          <a:effectRef idx="0">
+            <a:schemeClr val="accent4"/>
+          </a:effectRef>
+          <a:fontRef idx="minor">
+            <a:schemeClr val="dk1"/>
+          </a:fontRef>
+        </p:style>
+        <p:txBody>
+          <a:bodyPr wrap="square" tIns="105844" numCol="3" rtlCol="0" anchor="ctr"/>
+          <a:lstStyle/>
+          <a:p>
+            <a:pPr marL="0" lvl="1" defTabSz="672130"/>
+            <a:r>
+              <a:rPr lang="pt-BR" sz="1323" b="1" dirty="0">
+                <a:solidFill>
+                  <a:schemeClr val="tx1"/>
+                </a:solidFill>
+                <a:latin typeface="Calibri" panose="020F0502020204030204" pitchFamily="34" charset="0"/>
+                <a:cs typeface="Simplon BP Regular"/>
+              </a:rPr>
+              <a:t>Frente Plataforma</a:t>
+            </a:r>
+          </a:p>
+          <a:p>
+            <a:pPr marL="252049" lvl="1" indent="-252049" defTabSz="672130">
+              <a:buFont typeface="Wingdings" charset="2"/>
+              <a:buChar char="§"/>
+            </a:pPr>
+            <a:r>
+              <a:rPr lang="pt-BR" sz="1323" dirty="0">
+                <a:solidFill>
+                  <a:schemeClr val="tx1"/>
+                </a:solidFill>
+                <a:latin typeface="Calibri" panose="020F0502020204030204" pitchFamily="34" charset="0"/>
+                <a:cs typeface="Simplon BP Regular"/>
+              </a:rPr>
+              <a:t>Criação do banco de dados na Azure</a:t>
+            </a:r>
+          </a:p>
+          <a:p>
+            <a:pPr marL="0" lvl="1" defTabSz="672130"/>
+            <a:endParaRPr lang="pt-BR" sz="1323" b="1" dirty="0">
+              <a:solidFill>
+                <a:schemeClr val="tx1"/>
+              </a:solidFill>
+              <a:latin typeface="Calibri" panose="020F0502020204030204" pitchFamily="34" charset="0"/>
+              <a:cs typeface="Simplon BP Regular"/>
+            </a:endParaRPr>
+          </a:p>
+          <a:p>
+            <a:pPr marL="0" lvl="1" defTabSz="672130"/>
+            <a:r>
+              <a:rPr lang="pt-BR" sz="1323" b="1" dirty="0">
+                <a:solidFill>
+                  <a:schemeClr val="tx1"/>
+                </a:solidFill>
+                <a:latin typeface="Calibri" panose="020F0502020204030204" pitchFamily="34" charset="0"/>
+                <a:cs typeface="Simplon BP Regular"/>
+              </a:rPr>
+              <a:t>Frente </a:t>
+            </a:r>
+            <a:r>
+              <a:rPr lang="pt-BR" sz="1323" b="1" dirty="0" err="1">
+                <a:solidFill>
+                  <a:schemeClr val="tx1"/>
+                </a:solidFill>
+                <a:latin typeface="Calibri" panose="020F0502020204030204" pitchFamily="34" charset="0"/>
+                <a:cs typeface="Simplon BP Regular"/>
+              </a:rPr>
+              <a:t>Backend</a:t>
+            </a:r>
+            <a:endParaRPr lang="pt-BR" sz="1323" b="1" dirty="0">
+              <a:solidFill>
+                <a:schemeClr val="tx1"/>
+              </a:solidFill>
+              <a:latin typeface="Calibri" panose="020F0502020204030204" pitchFamily="34" charset="0"/>
+              <a:cs typeface="Simplon BP Regular"/>
+            </a:endParaRPr>
+          </a:p>
+          <a:p>
+            <a:pPr marL="252049" lvl="1" indent="-252049">
+              <a:buFont typeface="Wingdings" panose="05000000000000000000" pitchFamily="2" charset="2"/>
+              <a:buChar char="§"/>
+            </a:pPr>
+            <a:r>
+              <a:rPr lang="pt-BR" sz="1323" dirty="0">
+                <a:solidFill>
+                  <a:schemeClr val="tx1"/>
+                </a:solidFill>
+                <a:latin typeface="Calibri" panose="020F0502020204030204" pitchFamily="34" charset="0"/>
+                <a:cs typeface="Simplon BP Regular"/>
+              </a:rPr>
+              <a:t>Configuração da Biblioteca</a:t>
+            </a:r>
+          </a:p>
+          <a:p>
+            <a:pPr marL="0" lvl="1" defTabSz="672130"/>
+            <a:endParaRPr lang="pt-BR" sz="1323" b="1" dirty="0">
+              <a:solidFill>
+                <a:schemeClr val="tx1"/>
+              </a:solidFill>
+              <a:latin typeface="Calibri" panose="020F0502020204030204" pitchFamily="34" charset="0"/>
+              <a:cs typeface="Simplon BP Regular"/>
+            </a:endParaRPr>
+          </a:p>
+          <a:p>
+            <a:pPr marL="0" lvl="1" defTabSz="672130"/>
+            <a:r>
+              <a:rPr lang="pt-BR" sz="1323" b="1" dirty="0">
+                <a:solidFill>
+                  <a:schemeClr val="tx1"/>
+                </a:solidFill>
+                <a:latin typeface="Calibri" panose="020F0502020204030204" pitchFamily="34" charset="0"/>
+                <a:cs typeface="Simplon BP Regular"/>
+              </a:rPr>
+              <a:t>Frente Front </a:t>
+            </a:r>
+            <a:r>
+              <a:rPr lang="pt-BR" sz="1323" b="1" dirty="0" err="1">
+                <a:solidFill>
+                  <a:schemeClr val="tx1"/>
+                </a:solidFill>
+                <a:latin typeface="Calibri" panose="020F0502020204030204" pitchFamily="34" charset="0"/>
+                <a:cs typeface="Simplon BP Regular"/>
+              </a:rPr>
+              <a:t>end</a:t>
+            </a:r>
+            <a:endParaRPr lang="pt-BR" sz="1323" b="1" dirty="0">
+              <a:solidFill>
+                <a:schemeClr val="tx1"/>
+              </a:solidFill>
+              <a:latin typeface="Calibri" panose="020F0502020204030204" pitchFamily="34" charset="0"/>
+              <a:cs typeface="Simplon BP Regular"/>
+            </a:endParaRPr>
+          </a:p>
+          <a:p>
+            <a:pPr marL="0" lvl="1" defTabSz="672130"/>
+            <a:endParaRPr lang="pt-BR" sz="1600" b="1" dirty="0">
+              <a:solidFill>
+                <a:schemeClr val="tx1"/>
+              </a:solidFill>
+              <a:latin typeface="Calibri" panose="020F0502020204030204" pitchFamily="34" charset="0"/>
+              <a:cs typeface="Simplon BP Regular"/>
+            </a:endParaRPr>
+          </a:p>
+          <a:p>
+            <a:pPr marL="0" lvl="1" defTabSz="672130"/>
+            <a:r>
+              <a:rPr lang="pt-BR" sz="1400" b="1" dirty="0">
+                <a:solidFill>
+                  <a:schemeClr val="tx1"/>
+                </a:solidFill>
+                <a:latin typeface="Calibri" panose="020F0502020204030204" pitchFamily="34" charset="0"/>
+                <a:cs typeface="Simplon BP Regular"/>
+              </a:rPr>
+              <a:t>Frente Negócios</a:t>
+            </a:r>
+          </a:p>
+          <a:p>
+            <a:pPr marL="252049" lvl="1" indent="-252049">
+              <a:buFont typeface="Wingdings" panose="05000000000000000000" pitchFamily="2" charset="2"/>
+              <a:buChar char="§"/>
+            </a:pPr>
+            <a:endParaRPr lang="pt-BR" sz="1400" b="1" dirty="0">
+              <a:solidFill>
+                <a:schemeClr val="tx1"/>
+              </a:solidFill>
+              <a:latin typeface="Calibri" panose="020F0502020204030204" pitchFamily="34" charset="0"/>
+              <a:cs typeface="Simplon BP Regular"/>
+            </a:endParaRPr>
+          </a:p>
+        </p:txBody>
+      </p:sp>
+      <p:sp>
+        <p:nvSpPr>
+          <p:cNvPr id="44" name="TextBox 118">
+            <a:extLst>
+              <a:ext uri="{FF2B5EF4-FFF2-40B4-BE49-F238E27FC236}">
+                <a16:creationId xmlns:a16="http://schemas.microsoft.com/office/drawing/2014/main" id="{1E997FEB-A82C-4FE3-B191-DE926FE907FC}"/>
+              </a:ext>
+            </a:extLst>
+          </p:cNvPr>
+          <p:cNvSpPr txBox="1"/>
+          <p:nvPr/>
+        </p:nvSpPr>
+        <p:spPr>
+          <a:xfrm>
+            <a:off x="11832861" y="632714"/>
+            <a:ext cx="899678" cy="179824"/>
+          </a:xfrm>
+          <a:prstGeom prst="rect">
+            <a:avLst/>
+          </a:prstGeom>
+          <a:noFill/>
+          <a:ln w="12700">
+            <a:noFill/>
+          </a:ln>
+        </p:spPr>
+        <p:style>
+          <a:lnRef idx="2">
+            <a:schemeClr val="accent4"/>
+          </a:lnRef>
+          <a:fillRef idx="1">
+            <a:schemeClr val="lt1"/>
+          </a:fillRef>
+          <a:effectRef idx="0">
+            <a:schemeClr val="accent4"/>
+          </a:effectRef>
+          <a:fontRef idx="minor">
+            <a:schemeClr val="dk1"/>
+          </a:fontRef>
+        </p:style>
+        <p:txBody>
+          <a:bodyPr wrap="none" lIns="52922" tIns="52922" rIns="52922" bIns="0" rtlCol="0" anchor="b"/>
+          <a:lstStyle>
+            <a:defPPr>
+              <a:defRPr lang="en-US"/>
+            </a:defPPr>
+            <a:lvl1pPr algn="ctr">
+              <a:defRPr sz="1000" b="1">
+                <a:latin typeface="Simplon BP Regular"/>
+                <a:cs typeface="Simplon BP Regular"/>
+              </a:defRPr>
+            </a:lvl1pPr>
+            <a:lvl2pPr>
+              <a:defRPr>
+                <a:solidFill>
+                  <a:schemeClr val="dk1"/>
+                </a:solidFill>
+              </a:defRPr>
+            </a:lvl2pPr>
+            <a:lvl3pPr>
+              <a:defRPr>
+                <a:solidFill>
+                  <a:schemeClr val="dk1"/>
+                </a:solidFill>
+              </a:defRPr>
+            </a:lvl3pPr>
+            <a:lvl4pPr>
+              <a:defRPr>
+                <a:solidFill>
+                  <a:schemeClr val="dk1"/>
+                </a:solidFill>
+              </a:defRPr>
+            </a:lvl4pPr>
+            <a:lvl5pPr>
+              <a:defRPr>
+                <a:solidFill>
+                  <a:schemeClr val="dk1"/>
+                </a:solidFill>
+              </a:defRPr>
+            </a:lvl5pPr>
+            <a:lvl6pPr>
+              <a:defRPr>
+                <a:solidFill>
+                  <a:schemeClr val="dk1"/>
+                </a:solidFill>
+              </a:defRPr>
+            </a:lvl6pPr>
+            <a:lvl7pPr>
+              <a:defRPr>
+                <a:solidFill>
+                  <a:schemeClr val="dk1"/>
+                </a:solidFill>
+              </a:defRPr>
+            </a:lvl7pPr>
+            <a:lvl8pPr>
+              <a:defRPr>
+                <a:solidFill>
+                  <a:schemeClr val="dk1"/>
+                </a:solidFill>
+              </a:defRPr>
+            </a:lvl8pPr>
+            <a:lvl9pPr>
+              <a:defRPr>
+                <a:solidFill>
+                  <a:schemeClr val="dk1"/>
+                </a:solidFill>
+              </a:defRPr>
+            </a:lvl9pPr>
+          </a:lstStyle>
+          <a:p>
+            <a:pPr defTabSz="672130"/>
+            <a:r>
+              <a:rPr lang="pt-BR" sz="1176" b="0" dirty="0">
+                <a:solidFill>
+                  <a:prstClr val="black"/>
+                </a:solidFill>
+                <a:latin typeface="Simplon BP Bold" pitchFamily="2" charset="0"/>
+              </a:rPr>
+              <a:t>Negócios</a:t>
+            </a:r>
+          </a:p>
+        </p:txBody>
+      </p:sp>
+      <p:sp>
+        <p:nvSpPr>
+          <p:cNvPr id="45" name="Oval 120">
+            <a:extLst>
+              <a:ext uri="{FF2B5EF4-FFF2-40B4-BE49-F238E27FC236}">
+                <a16:creationId xmlns:a16="http://schemas.microsoft.com/office/drawing/2014/main" id="{086246F5-DDAA-4D0C-90E1-F0C0FED6D98E}"/>
+              </a:ext>
+            </a:extLst>
+          </p:cNvPr>
+          <p:cNvSpPr>
+            <a:spLocks noChangeAspect="1"/>
+          </p:cNvSpPr>
+          <p:nvPr/>
+        </p:nvSpPr>
+        <p:spPr>
+          <a:xfrm>
+            <a:off x="11161291" y="355772"/>
+            <a:ext cx="211404" cy="211689"/>
+          </a:xfrm>
+          <a:prstGeom prst="ellipse">
+            <a:avLst/>
+          </a:prstGeom>
+          <a:solidFill>
+            <a:srgbClr val="FFC000"/>
+          </a:solidFill>
+          <a:ln w="12700">
+            <a:solidFill>
+              <a:schemeClr val="accent3"/>
+            </a:solidFill>
+          </a:ln>
+        </p:spPr>
+        <p:style>
+          <a:lnRef idx="2">
+            <a:schemeClr val="accent1">
+              <a:shade val="50000"/>
+            </a:schemeClr>
+          </a:lnRef>
+          <a:fillRef idx="1">
+            <a:schemeClr val="accent1"/>
+          </a:fillRef>
+          <a:effectRef idx="0">
+            <a:schemeClr val="accent1"/>
+          </a:effectRef>
+          <a:fontRef idx="minor">
+            <a:schemeClr val="lt1"/>
+          </a:fontRef>
+        </p:style>
+        <p:txBody>
+          <a:bodyPr wrap="none" lIns="52922" tIns="52922" rIns="52922" rtlCol="0" anchor="ctr"/>
+          <a:lstStyle/>
+          <a:p>
+            <a:pPr algn="ctr" defTabSz="672130"/>
+            <a:endParaRPr lang="en-US" sz="1176" dirty="0">
+              <a:solidFill>
+                <a:prstClr val="black"/>
+              </a:solidFill>
+              <a:latin typeface="Simplon BP Regular"/>
+              <a:cs typeface="Simplon BP Regular"/>
+            </a:endParaRPr>
+          </a:p>
+        </p:txBody>
+      </p:sp>
+      <p:sp>
+        <p:nvSpPr>
+          <p:cNvPr id="46" name="TextBox 123">
+            <a:extLst>
+              <a:ext uri="{FF2B5EF4-FFF2-40B4-BE49-F238E27FC236}">
+                <a16:creationId xmlns:a16="http://schemas.microsoft.com/office/drawing/2014/main" id="{EDE9EB13-C574-4D80-85B2-C614186377BB}"/>
+              </a:ext>
+            </a:extLst>
+          </p:cNvPr>
+          <p:cNvSpPr txBox="1"/>
+          <p:nvPr/>
+        </p:nvSpPr>
+        <p:spPr>
+          <a:xfrm>
+            <a:off x="10839554" y="636806"/>
+            <a:ext cx="899678" cy="179824"/>
+          </a:xfrm>
+          <a:prstGeom prst="rect">
+            <a:avLst/>
+          </a:prstGeom>
+          <a:noFill/>
+          <a:ln w="12700">
+            <a:noFill/>
+          </a:ln>
+        </p:spPr>
+        <p:style>
+          <a:lnRef idx="2">
+            <a:schemeClr val="accent4"/>
+          </a:lnRef>
+          <a:fillRef idx="1">
+            <a:schemeClr val="lt1"/>
+          </a:fillRef>
+          <a:effectRef idx="0">
+            <a:schemeClr val="accent4"/>
+          </a:effectRef>
+          <a:fontRef idx="minor">
+            <a:schemeClr val="dk1"/>
+          </a:fontRef>
+        </p:style>
+        <p:txBody>
+          <a:bodyPr wrap="none" lIns="52922" tIns="52922" rIns="52922" bIns="0" rtlCol="0" anchor="b"/>
+          <a:lstStyle>
+            <a:defPPr>
+              <a:defRPr lang="en-US"/>
+            </a:defPPr>
+            <a:lvl1pPr algn="ctr">
+              <a:defRPr sz="1000" b="1">
+                <a:latin typeface="Simplon BP Regular"/>
+                <a:cs typeface="Simplon BP Regular"/>
+              </a:defRPr>
+            </a:lvl1pPr>
+            <a:lvl2pPr>
+              <a:defRPr>
+                <a:solidFill>
+                  <a:schemeClr val="dk1"/>
+                </a:solidFill>
+              </a:defRPr>
+            </a:lvl2pPr>
+            <a:lvl3pPr>
+              <a:defRPr>
+                <a:solidFill>
+                  <a:schemeClr val="dk1"/>
+                </a:solidFill>
+              </a:defRPr>
+            </a:lvl3pPr>
+            <a:lvl4pPr>
+              <a:defRPr>
+                <a:solidFill>
+                  <a:schemeClr val="dk1"/>
+                </a:solidFill>
+              </a:defRPr>
+            </a:lvl4pPr>
+            <a:lvl5pPr>
+              <a:defRPr>
+                <a:solidFill>
+                  <a:schemeClr val="dk1"/>
+                </a:solidFill>
+              </a:defRPr>
+            </a:lvl5pPr>
+            <a:lvl6pPr>
+              <a:defRPr>
+                <a:solidFill>
+                  <a:schemeClr val="dk1"/>
+                </a:solidFill>
+              </a:defRPr>
+            </a:lvl6pPr>
+            <a:lvl7pPr>
+              <a:defRPr>
+                <a:solidFill>
+                  <a:schemeClr val="dk1"/>
+                </a:solidFill>
+              </a:defRPr>
+            </a:lvl7pPr>
+            <a:lvl8pPr>
+              <a:defRPr>
+                <a:solidFill>
+                  <a:schemeClr val="dk1"/>
+                </a:solidFill>
+              </a:defRPr>
+            </a:lvl8pPr>
+            <a:lvl9pPr>
+              <a:defRPr>
+                <a:solidFill>
+                  <a:schemeClr val="dk1"/>
+                </a:solidFill>
+              </a:defRPr>
+            </a:lvl9pPr>
+          </a:lstStyle>
+          <a:p>
+            <a:pPr defTabSz="672130"/>
+            <a:r>
+              <a:rPr lang="pt-BR" sz="1176" b="0" dirty="0">
+                <a:solidFill>
+                  <a:prstClr val="black"/>
+                </a:solidFill>
+                <a:latin typeface="Simplon BP Bold" pitchFamily="2" charset="0"/>
+              </a:rPr>
+              <a:t>Plataforma</a:t>
+            </a:r>
+          </a:p>
+        </p:txBody>
+      </p:sp>
+      <p:sp>
+        <p:nvSpPr>
+          <p:cNvPr id="47" name="TextBox 128">
+            <a:extLst>
+              <a:ext uri="{FF2B5EF4-FFF2-40B4-BE49-F238E27FC236}">
+                <a16:creationId xmlns:a16="http://schemas.microsoft.com/office/drawing/2014/main" id="{9C8F333D-81A1-4BAB-89AC-459C19DD7185}"/>
+              </a:ext>
+            </a:extLst>
+          </p:cNvPr>
+          <p:cNvSpPr txBox="1"/>
+          <p:nvPr/>
+        </p:nvSpPr>
+        <p:spPr>
+          <a:xfrm>
+            <a:off x="9846247" y="636806"/>
+            <a:ext cx="899678" cy="179824"/>
+          </a:xfrm>
+          <a:prstGeom prst="rect">
+            <a:avLst/>
+          </a:prstGeom>
+          <a:noFill/>
+          <a:ln w="12700">
+            <a:noFill/>
+          </a:ln>
+        </p:spPr>
+        <p:style>
+          <a:lnRef idx="2">
+            <a:schemeClr val="accent4"/>
+          </a:lnRef>
+          <a:fillRef idx="1">
+            <a:schemeClr val="lt1"/>
+          </a:fillRef>
+          <a:effectRef idx="0">
+            <a:schemeClr val="accent4"/>
+          </a:effectRef>
+          <a:fontRef idx="minor">
+            <a:schemeClr val="dk1"/>
+          </a:fontRef>
+        </p:style>
+        <p:txBody>
+          <a:bodyPr wrap="none" lIns="52922" tIns="52922" rIns="52922" bIns="0" rtlCol="0" anchor="b"/>
+          <a:lstStyle>
+            <a:defPPr>
+              <a:defRPr lang="en-US"/>
+            </a:defPPr>
+            <a:lvl1pPr algn="ctr">
+              <a:defRPr sz="1000" b="1">
+                <a:latin typeface="Simplon BP Regular"/>
+                <a:cs typeface="Simplon BP Regular"/>
+              </a:defRPr>
+            </a:lvl1pPr>
+            <a:lvl2pPr>
+              <a:defRPr>
+                <a:solidFill>
+                  <a:schemeClr val="dk1"/>
+                </a:solidFill>
+              </a:defRPr>
+            </a:lvl2pPr>
+            <a:lvl3pPr>
+              <a:defRPr>
+                <a:solidFill>
+                  <a:schemeClr val="dk1"/>
+                </a:solidFill>
+              </a:defRPr>
+            </a:lvl3pPr>
+            <a:lvl4pPr>
+              <a:defRPr>
+                <a:solidFill>
+                  <a:schemeClr val="dk1"/>
+                </a:solidFill>
+              </a:defRPr>
+            </a:lvl4pPr>
+            <a:lvl5pPr>
+              <a:defRPr>
+                <a:solidFill>
+                  <a:schemeClr val="dk1"/>
+                </a:solidFill>
+              </a:defRPr>
+            </a:lvl5pPr>
+            <a:lvl6pPr>
+              <a:defRPr>
+                <a:solidFill>
+                  <a:schemeClr val="dk1"/>
+                </a:solidFill>
+              </a:defRPr>
+            </a:lvl6pPr>
+            <a:lvl7pPr>
+              <a:defRPr>
+                <a:solidFill>
+                  <a:schemeClr val="dk1"/>
+                </a:solidFill>
+              </a:defRPr>
+            </a:lvl7pPr>
+            <a:lvl8pPr>
+              <a:defRPr>
+                <a:solidFill>
+                  <a:schemeClr val="dk1"/>
+                </a:solidFill>
+              </a:defRPr>
+            </a:lvl8pPr>
+            <a:lvl9pPr>
+              <a:defRPr>
+                <a:solidFill>
+                  <a:schemeClr val="dk1"/>
+                </a:solidFill>
+              </a:defRPr>
+            </a:lvl9pPr>
+          </a:lstStyle>
+          <a:p>
+            <a:pPr defTabSz="672130"/>
+            <a:r>
+              <a:rPr lang="pt-BR" sz="1176" b="0" dirty="0">
+                <a:solidFill>
+                  <a:prstClr val="black"/>
+                </a:solidFill>
+                <a:latin typeface="Simplon BP Bold" pitchFamily="2" charset="0"/>
+              </a:rPr>
+              <a:t>Back</a:t>
+            </a:r>
+          </a:p>
+        </p:txBody>
+      </p:sp>
+      <p:sp>
+        <p:nvSpPr>
+          <p:cNvPr id="48" name="TextBox 133">
+            <a:extLst>
+              <a:ext uri="{FF2B5EF4-FFF2-40B4-BE49-F238E27FC236}">
+                <a16:creationId xmlns:a16="http://schemas.microsoft.com/office/drawing/2014/main" id="{64DC5C74-7B23-4BE5-BE63-A9BD52C02CD4}"/>
+              </a:ext>
+            </a:extLst>
+          </p:cNvPr>
+          <p:cNvSpPr txBox="1"/>
+          <p:nvPr/>
+        </p:nvSpPr>
+        <p:spPr>
+          <a:xfrm>
+            <a:off x="8954567" y="611542"/>
+            <a:ext cx="899678" cy="179824"/>
+          </a:xfrm>
+          <a:prstGeom prst="rect">
+            <a:avLst/>
+          </a:prstGeom>
+          <a:noFill/>
+          <a:ln w="12700">
+            <a:noFill/>
+          </a:ln>
+        </p:spPr>
+        <p:style>
+          <a:lnRef idx="2">
+            <a:schemeClr val="accent4"/>
+          </a:lnRef>
+          <a:fillRef idx="1">
+            <a:schemeClr val="lt1"/>
+          </a:fillRef>
+          <a:effectRef idx="0">
+            <a:schemeClr val="accent4"/>
+          </a:effectRef>
+          <a:fontRef idx="minor">
+            <a:schemeClr val="dk1"/>
+          </a:fontRef>
+        </p:style>
+        <p:txBody>
+          <a:bodyPr wrap="none" lIns="52922" tIns="52922" rIns="52922" bIns="0" rtlCol="0" anchor="b"/>
+          <a:lstStyle>
+            <a:defPPr>
+              <a:defRPr lang="en-US"/>
+            </a:defPPr>
+            <a:lvl1pPr algn="ctr">
+              <a:defRPr sz="1000" b="1">
+                <a:latin typeface="Simplon BP Regular"/>
+                <a:cs typeface="Simplon BP Regular"/>
+              </a:defRPr>
+            </a:lvl1pPr>
+            <a:lvl2pPr>
+              <a:defRPr>
+                <a:solidFill>
+                  <a:schemeClr val="dk1"/>
+                </a:solidFill>
+              </a:defRPr>
+            </a:lvl2pPr>
+            <a:lvl3pPr>
+              <a:defRPr>
+                <a:solidFill>
+                  <a:schemeClr val="dk1"/>
+                </a:solidFill>
+              </a:defRPr>
+            </a:lvl3pPr>
+            <a:lvl4pPr>
+              <a:defRPr>
+                <a:solidFill>
+                  <a:schemeClr val="dk1"/>
+                </a:solidFill>
+              </a:defRPr>
+            </a:lvl4pPr>
+            <a:lvl5pPr>
+              <a:defRPr>
+                <a:solidFill>
+                  <a:schemeClr val="dk1"/>
+                </a:solidFill>
+              </a:defRPr>
+            </a:lvl5pPr>
+            <a:lvl6pPr>
+              <a:defRPr>
+                <a:solidFill>
+                  <a:schemeClr val="dk1"/>
+                </a:solidFill>
+              </a:defRPr>
+            </a:lvl6pPr>
+            <a:lvl7pPr>
+              <a:defRPr>
+                <a:solidFill>
+                  <a:schemeClr val="dk1"/>
+                </a:solidFill>
+              </a:defRPr>
+            </a:lvl7pPr>
+            <a:lvl8pPr>
+              <a:defRPr>
+                <a:solidFill>
+                  <a:schemeClr val="dk1"/>
+                </a:solidFill>
+              </a:defRPr>
+            </a:lvl8pPr>
+            <a:lvl9pPr>
+              <a:defRPr>
+                <a:solidFill>
+                  <a:schemeClr val="dk1"/>
+                </a:solidFill>
+              </a:defRPr>
+            </a:lvl9pPr>
+          </a:lstStyle>
+          <a:p>
+            <a:pPr defTabSz="672130"/>
+            <a:r>
+              <a:rPr lang="pt-BR" sz="1176" b="0" dirty="0">
+                <a:solidFill>
+                  <a:prstClr val="black"/>
+                </a:solidFill>
+                <a:latin typeface="Simplon BP Bold" pitchFamily="2" charset="0"/>
+              </a:rPr>
+              <a:t>Front</a:t>
+            </a:r>
+          </a:p>
+        </p:txBody>
+      </p:sp>
+      <p:sp>
+        <p:nvSpPr>
+          <p:cNvPr id="49" name="Oval 134">
+            <a:extLst>
+              <a:ext uri="{FF2B5EF4-FFF2-40B4-BE49-F238E27FC236}">
+                <a16:creationId xmlns:a16="http://schemas.microsoft.com/office/drawing/2014/main" id="{1CBC8A27-FF05-44CD-B093-FB50D917E8D4}"/>
+              </a:ext>
+            </a:extLst>
+          </p:cNvPr>
+          <p:cNvSpPr>
+            <a:spLocks noChangeAspect="1"/>
+          </p:cNvSpPr>
+          <p:nvPr/>
+        </p:nvSpPr>
+        <p:spPr>
+          <a:xfrm>
+            <a:off x="8454287" y="324247"/>
+            <a:ext cx="211404" cy="211689"/>
+          </a:xfrm>
+          <a:prstGeom prst="ellipse">
+            <a:avLst/>
+          </a:prstGeom>
+          <a:solidFill>
+            <a:srgbClr val="1BCF13"/>
+          </a:solidFill>
+          <a:ln w="12700">
+            <a:solidFill>
+              <a:schemeClr val="accent3"/>
+            </a:solidFill>
+          </a:ln>
+        </p:spPr>
+        <p:style>
+          <a:lnRef idx="2">
+            <a:schemeClr val="accent1">
+              <a:shade val="50000"/>
+            </a:schemeClr>
+          </a:lnRef>
+          <a:fillRef idx="1">
+            <a:schemeClr val="accent1"/>
+          </a:fillRef>
+          <a:effectRef idx="0">
+            <a:schemeClr val="accent1"/>
+          </a:effectRef>
+          <a:fontRef idx="minor">
+            <a:schemeClr val="lt1"/>
+          </a:fontRef>
+        </p:style>
+        <p:txBody>
+          <a:bodyPr wrap="none" lIns="52922" tIns="52922" rIns="52922" rtlCol="0" anchor="ctr"/>
+          <a:lstStyle/>
+          <a:p>
+            <a:pPr algn="ctr" defTabSz="672130"/>
+            <a:endParaRPr lang="en-US" sz="1176" dirty="0">
+              <a:solidFill>
+                <a:prstClr val="black"/>
+              </a:solidFill>
+              <a:latin typeface="Simplon BP Regular"/>
+              <a:cs typeface="Simplon BP Regular"/>
+            </a:endParaRPr>
+          </a:p>
+        </p:txBody>
+      </p:sp>
+      <p:sp>
+        <p:nvSpPr>
+          <p:cNvPr id="50" name="TextBox 138">
+            <a:extLst>
+              <a:ext uri="{FF2B5EF4-FFF2-40B4-BE49-F238E27FC236}">
+                <a16:creationId xmlns:a16="http://schemas.microsoft.com/office/drawing/2014/main" id="{B1654790-CBD3-4D97-B9BC-CBC39DD32FC8}"/>
+              </a:ext>
+            </a:extLst>
+          </p:cNvPr>
+          <p:cNvSpPr txBox="1"/>
+          <p:nvPr/>
+        </p:nvSpPr>
+        <p:spPr>
+          <a:xfrm>
+            <a:off x="8136859" y="576471"/>
+            <a:ext cx="899678" cy="179824"/>
+          </a:xfrm>
+          <a:prstGeom prst="rect">
+            <a:avLst/>
+          </a:prstGeom>
+          <a:noFill/>
+          <a:ln w="12700">
+            <a:noFill/>
+          </a:ln>
+        </p:spPr>
+        <p:style>
+          <a:lnRef idx="2">
+            <a:schemeClr val="accent4"/>
+          </a:lnRef>
+          <a:fillRef idx="1">
+            <a:schemeClr val="lt1"/>
+          </a:fillRef>
+          <a:effectRef idx="0">
+            <a:schemeClr val="accent4"/>
+          </a:effectRef>
+          <a:fontRef idx="minor">
+            <a:schemeClr val="dk1"/>
+          </a:fontRef>
+        </p:style>
+        <p:txBody>
+          <a:bodyPr wrap="none" lIns="52922" tIns="52922" rIns="52922" bIns="0" rtlCol="0" anchor="b"/>
+          <a:lstStyle>
+            <a:defPPr>
+              <a:defRPr lang="en-US"/>
+            </a:defPPr>
+            <a:lvl1pPr algn="ctr">
+              <a:defRPr sz="1000" b="1">
+                <a:latin typeface="Simplon BP Regular"/>
+                <a:cs typeface="Simplon BP Regular"/>
+              </a:defRPr>
+            </a:lvl1pPr>
+            <a:lvl2pPr>
+              <a:defRPr>
+                <a:solidFill>
+                  <a:schemeClr val="dk1"/>
+                </a:solidFill>
+              </a:defRPr>
+            </a:lvl2pPr>
+            <a:lvl3pPr>
+              <a:defRPr>
+                <a:solidFill>
+                  <a:schemeClr val="dk1"/>
+                </a:solidFill>
+              </a:defRPr>
+            </a:lvl3pPr>
+            <a:lvl4pPr>
+              <a:defRPr>
+                <a:solidFill>
+                  <a:schemeClr val="dk1"/>
+                </a:solidFill>
+              </a:defRPr>
+            </a:lvl4pPr>
+            <a:lvl5pPr>
+              <a:defRPr>
+                <a:solidFill>
+                  <a:schemeClr val="dk1"/>
+                </a:solidFill>
+              </a:defRPr>
+            </a:lvl5pPr>
+            <a:lvl6pPr>
+              <a:defRPr>
+                <a:solidFill>
+                  <a:schemeClr val="dk1"/>
+                </a:solidFill>
+              </a:defRPr>
+            </a:lvl6pPr>
+            <a:lvl7pPr>
+              <a:defRPr>
+                <a:solidFill>
+                  <a:schemeClr val="dk1"/>
+                </a:solidFill>
+              </a:defRPr>
+            </a:lvl7pPr>
+            <a:lvl8pPr>
+              <a:defRPr>
+                <a:solidFill>
+                  <a:schemeClr val="dk1"/>
+                </a:solidFill>
+              </a:defRPr>
+            </a:lvl8pPr>
+            <a:lvl9pPr>
+              <a:defRPr>
+                <a:solidFill>
+                  <a:schemeClr val="dk1"/>
+                </a:solidFill>
+              </a:defRPr>
+            </a:lvl9pPr>
+          </a:lstStyle>
+          <a:p>
+            <a:pPr defTabSz="672130"/>
+            <a:r>
+              <a:rPr lang="en-US" sz="1176" b="0" dirty="0" err="1">
+                <a:solidFill>
+                  <a:prstClr val="black"/>
+                </a:solidFill>
+                <a:latin typeface="Simplon BP Bold" pitchFamily="2" charset="0"/>
+              </a:rPr>
+              <a:t>Equipe</a:t>
+            </a:r>
+            <a:endParaRPr lang="en-US" sz="1176" b="0" dirty="0">
+              <a:solidFill>
+                <a:prstClr val="black"/>
+              </a:solidFill>
+              <a:latin typeface="Simplon BP Bold" pitchFamily="2" charset="0"/>
+            </a:endParaRPr>
+          </a:p>
+        </p:txBody>
+      </p:sp>
+      <p:sp>
+        <p:nvSpPr>
+          <p:cNvPr id="51" name="Oval 134">
+            <a:extLst>
+              <a:ext uri="{FF2B5EF4-FFF2-40B4-BE49-F238E27FC236}">
+                <a16:creationId xmlns:a16="http://schemas.microsoft.com/office/drawing/2014/main" id="{508E308C-5CF8-44B6-A1C4-87E5DDC4CC70}"/>
+              </a:ext>
+            </a:extLst>
+          </p:cNvPr>
+          <p:cNvSpPr>
+            <a:spLocks noChangeAspect="1"/>
+          </p:cNvSpPr>
+          <p:nvPr/>
+        </p:nvSpPr>
+        <p:spPr>
+          <a:xfrm>
+            <a:off x="9278999" y="355771"/>
+            <a:ext cx="211404" cy="211689"/>
+          </a:xfrm>
+          <a:prstGeom prst="ellipse">
+            <a:avLst/>
+          </a:prstGeom>
+          <a:solidFill>
+            <a:srgbClr val="FFC000"/>
+          </a:solidFill>
+          <a:ln w="12700">
+            <a:solidFill>
+              <a:schemeClr val="accent3"/>
+            </a:solidFill>
+          </a:ln>
+        </p:spPr>
+        <p:style>
+          <a:lnRef idx="2">
+            <a:schemeClr val="accent1">
+              <a:shade val="50000"/>
+            </a:schemeClr>
+          </a:lnRef>
+          <a:fillRef idx="1">
+            <a:schemeClr val="accent1"/>
+          </a:fillRef>
+          <a:effectRef idx="0">
+            <a:schemeClr val="accent1"/>
+          </a:effectRef>
+          <a:fontRef idx="minor">
+            <a:schemeClr val="lt1"/>
+          </a:fontRef>
+        </p:style>
+        <p:txBody>
+          <a:bodyPr wrap="none" lIns="52922" tIns="52922" rIns="52922" rtlCol="0" anchor="ctr"/>
+          <a:lstStyle/>
+          <a:p>
+            <a:pPr algn="ctr" defTabSz="672130"/>
+            <a:endParaRPr lang="en-US" sz="1176" dirty="0">
+              <a:solidFill>
+                <a:prstClr val="black"/>
+              </a:solidFill>
+              <a:latin typeface="Simplon BP Regular"/>
+              <a:cs typeface="Simplon BP Regular"/>
+            </a:endParaRPr>
+          </a:p>
+        </p:txBody>
+      </p:sp>
+      <p:sp>
+        <p:nvSpPr>
+          <p:cNvPr id="52" name="Oval 134">
+            <a:extLst>
+              <a:ext uri="{FF2B5EF4-FFF2-40B4-BE49-F238E27FC236}">
+                <a16:creationId xmlns:a16="http://schemas.microsoft.com/office/drawing/2014/main" id="{7BFB1971-EC64-4AB8-B092-E0043EABF66E}"/>
+              </a:ext>
+            </a:extLst>
+          </p:cNvPr>
+          <p:cNvSpPr>
+            <a:spLocks noChangeAspect="1"/>
+          </p:cNvSpPr>
+          <p:nvPr/>
+        </p:nvSpPr>
+        <p:spPr>
+          <a:xfrm>
+            <a:off x="12166910" y="369037"/>
+            <a:ext cx="211404" cy="211689"/>
+          </a:xfrm>
+          <a:prstGeom prst="ellipse">
+            <a:avLst/>
+          </a:prstGeom>
+          <a:solidFill>
+            <a:srgbClr val="1BCF13"/>
+          </a:solidFill>
+          <a:ln w="12700">
+            <a:solidFill>
+              <a:schemeClr val="accent3"/>
+            </a:solidFill>
+          </a:ln>
+        </p:spPr>
+        <p:style>
+          <a:lnRef idx="2">
+            <a:schemeClr val="accent1">
+              <a:shade val="50000"/>
+            </a:schemeClr>
+          </a:lnRef>
+          <a:fillRef idx="1">
+            <a:schemeClr val="accent1"/>
+          </a:fillRef>
+          <a:effectRef idx="0">
+            <a:schemeClr val="accent1"/>
+          </a:effectRef>
+          <a:fontRef idx="minor">
+            <a:schemeClr val="lt1"/>
+          </a:fontRef>
+        </p:style>
+        <p:txBody>
+          <a:bodyPr wrap="none" lIns="52922" tIns="52922" rIns="52922" rtlCol="0" anchor="ctr"/>
+          <a:lstStyle/>
+          <a:p>
+            <a:pPr algn="ctr" defTabSz="672130"/>
+            <a:endParaRPr lang="en-US" sz="1176" dirty="0">
+              <a:solidFill>
+                <a:prstClr val="black"/>
+              </a:solidFill>
+              <a:latin typeface="Simplon BP Regular"/>
+              <a:cs typeface="Simplon BP Regular"/>
+            </a:endParaRPr>
+          </a:p>
+        </p:txBody>
+      </p:sp>
+      <p:sp>
+        <p:nvSpPr>
+          <p:cNvPr id="53" name="Oval 120">
+            <a:extLst>
+              <a:ext uri="{FF2B5EF4-FFF2-40B4-BE49-F238E27FC236}">
+                <a16:creationId xmlns:a16="http://schemas.microsoft.com/office/drawing/2014/main" id="{CD1D1FF9-2BFE-4742-BA82-E1804B8C0747}"/>
+              </a:ext>
+            </a:extLst>
+          </p:cNvPr>
+          <p:cNvSpPr>
+            <a:spLocks noChangeAspect="1"/>
+          </p:cNvSpPr>
+          <p:nvPr/>
+        </p:nvSpPr>
+        <p:spPr>
+          <a:xfrm>
+            <a:off x="10168563" y="358554"/>
+            <a:ext cx="211404" cy="211689"/>
+          </a:xfrm>
+          <a:prstGeom prst="ellipse">
+            <a:avLst/>
+          </a:prstGeom>
+          <a:solidFill>
+            <a:srgbClr val="FFC000"/>
+          </a:solidFill>
+          <a:ln w="12700">
+            <a:solidFill>
+              <a:schemeClr val="accent3"/>
+            </a:solidFill>
+          </a:ln>
+        </p:spPr>
+        <p:style>
+          <a:lnRef idx="2">
+            <a:schemeClr val="accent1">
+              <a:shade val="50000"/>
+            </a:schemeClr>
+          </a:lnRef>
+          <a:fillRef idx="1">
+            <a:schemeClr val="accent1"/>
+          </a:fillRef>
+          <a:effectRef idx="0">
+            <a:schemeClr val="accent1"/>
+          </a:effectRef>
+          <a:fontRef idx="minor">
+            <a:schemeClr val="lt1"/>
+          </a:fontRef>
+        </p:style>
+        <p:txBody>
+          <a:bodyPr wrap="none" lIns="52922" tIns="52922" rIns="52922" rtlCol="0" anchor="ctr"/>
+          <a:lstStyle/>
+          <a:p>
+            <a:pPr algn="ctr" defTabSz="672130"/>
+            <a:endParaRPr lang="en-US" sz="1176" dirty="0">
+              <a:solidFill>
+                <a:srgbClr val="FF0000"/>
+              </a:solidFill>
+              <a:latin typeface="Simplon BP Regular"/>
+              <a:cs typeface="Simplon BP Regular"/>
+            </a:endParaRPr>
+          </a:p>
+        </p:txBody>
+      </p:sp>
+      <p:sp>
+        <p:nvSpPr>
+          <p:cNvPr id="54" name="Retângulo 53">
+            <a:extLst>
+              <a:ext uri="{FF2B5EF4-FFF2-40B4-BE49-F238E27FC236}">
+                <a16:creationId xmlns:a16="http://schemas.microsoft.com/office/drawing/2014/main" id="{1B63957F-A46D-48D5-BC08-1A2EB1CCBBE4}"/>
+              </a:ext>
+            </a:extLst>
+          </p:cNvPr>
+          <p:cNvSpPr/>
+          <p:nvPr/>
+        </p:nvSpPr>
+        <p:spPr>
+          <a:xfrm>
+            <a:off x="8017619" y="180231"/>
+            <a:ext cx="4937689" cy="618769"/>
+          </a:xfrm>
+          <a:prstGeom prst="rect">
+            <a:avLst/>
+          </a:prstGeom>
+          <a:noFill/>
+          <a:ln w="6350">
+            <a:solidFill>
+              <a:schemeClr val="bg1">
+                <a:lumMod val="75000"/>
+              </a:schemeClr>
+            </a:solidFill>
+          </a:ln>
+        </p:spPr>
+        <p:style>
+          <a:lnRef idx="2">
+            <a:schemeClr val="accent1">
+              <a:shade val="50000"/>
+            </a:schemeClr>
+          </a:lnRef>
+          <a:fillRef idx="1">
+            <a:schemeClr val="accent1"/>
+          </a:fillRef>
+          <a:effectRef idx="0">
+            <a:schemeClr val="accent1"/>
+          </a:effectRef>
+          <a:fontRef idx="minor">
+            <a:schemeClr val="lt1"/>
+          </a:fontRef>
+        </p:style>
+        <p:txBody>
+          <a:bodyPr rtlCol="0" anchor="ctr"/>
+          <a:lstStyle/>
+          <a:p>
+            <a:pPr algn="ctr"/>
+            <a:endParaRPr lang="pt-BR"/>
+          </a:p>
+        </p:txBody>
+      </p:sp>
+      <p:sp>
+        <p:nvSpPr>
+          <p:cNvPr id="55" name="TextBox 138">
+            <a:extLst>
+              <a:ext uri="{FF2B5EF4-FFF2-40B4-BE49-F238E27FC236}">
+                <a16:creationId xmlns:a16="http://schemas.microsoft.com/office/drawing/2014/main" id="{F371B3E2-E59C-4A0F-B5AC-74687E6B4AC8}"/>
+              </a:ext>
+            </a:extLst>
+          </p:cNvPr>
+          <p:cNvSpPr txBox="1"/>
+          <p:nvPr/>
+        </p:nvSpPr>
+        <p:spPr>
+          <a:xfrm>
+            <a:off x="9715810" y="51570"/>
+            <a:ext cx="1478088" cy="211688"/>
+          </a:xfrm>
+          <a:prstGeom prst="rect">
+            <a:avLst/>
+          </a:prstGeom>
+          <a:solidFill>
+            <a:schemeClr val="bg1"/>
+          </a:solidFill>
+          <a:ln w="12700">
+            <a:noFill/>
+          </a:ln>
+        </p:spPr>
+        <p:style>
+          <a:lnRef idx="2">
+            <a:schemeClr val="accent4"/>
+          </a:lnRef>
+          <a:fillRef idx="1">
+            <a:schemeClr val="lt1"/>
+          </a:fillRef>
+          <a:effectRef idx="0">
+            <a:schemeClr val="accent4"/>
+          </a:effectRef>
+          <a:fontRef idx="minor">
+            <a:schemeClr val="dk1"/>
+          </a:fontRef>
+        </p:style>
+        <p:txBody>
+          <a:bodyPr wrap="none" lIns="52922" tIns="52922" rIns="52922" bIns="0" rtlCol="0" anchor="b"/>
+          <a:lstStyle>
+            <a:defPPr>
+              <a:defRPr lang="en-US"/>
+            </a:defPPr>
+            <a:lvl1pPr algn="ctr">
+              <a:defRPr sz="1000" b="1">
+                <a:latin typeface="Simplon BP Regular"/>
+                <a:cs typeface="Simplon BP Regular"/>
+              </a:defRPr>
+            </a:lvl1pPr>
+            <a:lvl2pPr>
+              <a:defRPr>
+                <a:solidFill>
+                  <a:schemeClr val="dk1"/>
+                </a:solidFill>
+              </a:defRPr>
+            </a:lvl2pPr>
+            <a:lvl3pPr>
+              <a:defRPr>
+                <a:solidFill>
+                  <a:schemeClr val="dk1"/>
+                </a:solidFill>
+              </a:defRPr>
+            </a:lvl3pPr>
+            <a:lvl4pPr>
+              <a:defRPr>
+                <a:solidFill>
+                  <a:schemeClr val="dk1"/>
+                </a:solidFill>
+              </a:defRPr>
+            </a:lvl4pPr>
+            <a:lvl5pPr>
+              <a:defRPr>
+                <a:solidFill>
+                  <a:schemeClr val="dk1"/>
+                </a:solidFill>
+              </a:defRPr>
+            </a:lvl5pPr>
+            <a:lvl6pPr>
+              <a:defRPr>
+                <a:solidFill>
+                  <a:schemeClr val="dk1"/>
+                </a:solidFill>
+              </a:defRPr>
+            </a:lvl6pPr>
+            <a:lvl7pPr>
+              <a:defRPr>
+                <a:solidFill>
+                  <a:schemeClr val="dk1"/>
+                </a:solidFill>
+              </a:defRPr>
+            </a:lvl7pPr>
+            <a:lvl8pPr>
+              <a:defRPr>
+                <a:solidFill>
+                  <a:schemeClr val="dk1"/>
+                </a:solidFill>
+              </a:defRPr>
+            </a:lvl8pPr>
+            <a:lvl9pPr>
+              <a:defRPr>
+                <a:solidFill>
+                  <a:schemeClr val="dk1"/>
+                </a:solidFill>
+              </a:defRPr>
+            </a:lvl9pPr>
+          </a:lstStyle>
+          <a:p>
+            <a:pPr defTabSz="672130"/>
+            <a:r>
+              <a:rPr lang="en-US" sz="1176" b="0" dirty="0">
+                <a:solidFill>
+                  <a:prstClr val="black"/>
+                </a:solidFill>
+                <a:latin typeface="Simplon BP Bold" pitchFamily="2" charset="0"/>
+              </a:rPr>
+              <a:t>    </a:t>
+            </a:r>
+            <a:r>
+              <a:rPr lang="en-US" sz="1176" b="0" dirty="0" err="1">
+                <a:solidFill>
+                  <a:prstClr val="black"/>
+                </a:solidFill>
+                <a:latin typeface="Simplon BP Bold" pitchFamily="2" charset="0"/>
+              </a:rPr>
+              <a:t>Farol</a:t>
+            </a:r>
+            <a:r>
+              <a:rPr lang="en-US" sz="1176" b="0" dirty="0">
+                <a:solidFill>
+                  <a:prstClr val="black"/>
+                </a:solidFill>
+                <a:latin typeface="Simplon BP Bold" pitchFamily="2" charset="0"/>
+              </a:rPr>
+              <a:t> do </a:t>
+            </a:r>
+            <a:r>
+              <a:rPr lang="en-US" sz="1176" b="0" dirty="0" err="1">
+                <a:solidFill>
+                  <a:prstClr val="black"/>
+                </a:solidFill>
+                <a:latin typeface="Simplon BP Bold" pitchFamily="2" charset="0"/>
+              </a:rPr>
+              <a:t>Projeto</a:t>
+            </a:r>
+            <a:r>
+              <a:rPr lang="en-US" sz="1176" b="0" dirty="0">
+                <a:solidFill>
+                  <a:prstClr val="black"/>
+                </a:solidFill>
+                <a:latin typeface="Simplon BP Bold" pitchFamily="2" charset="0"/>
+              </a:rPr>
+              <a:t>   </a:t>
+            </a:r>
+          </a:p>
+        </p:txBody>
+      </p:sp>
+    </p:spTree>
+    <p:extLst>
+      <p:ext uri="{BB962C8B-B14F-4D97-AF65-F5344CB8AC3E}">
+        <p14:creationId xmlns:p14="http://schemas.microsoft.com/office/powerpoint/2010/main" val="3099913073"/>
       </p:ext>
     </p:extLst>
   </p:cSld>
@@ -28269,6 +30208,67 @@
 </file>
 
 <file path=customXml/item1.xml><?xml version="1.0" encoding="utf-8"?>
+<p:properties xmlns:p="http://schemas.microsoft.com/office/2006/metadata/properties" xmlns:xsi="http://www.w3.org/2001/XMLSchema-instance" xmlns:pc="http://schemas.microsoft.com/office/infopath/2007/PartnerControls">
+  <documentManagement>
+    <Is_Collaboration_Space_Locked xmlns="bbcd8c33-6940-4d4c-a587-bbc736ca1e4d" xsi:nil="true"/>
+    <TeamsChannelId xmlns="bbcd8c33-6940-4d4c-a587-bbc736ca1e4d" xsi:nil="true"/>
+    <Self_Registration_Enabled xmlns="bbcd8c33-6940-4d4c-a587-bbc736ca1e4d" xsi:nil="true"/>
+    <Math_Settings xmlns="bbcd8c33-6940-4d4c-a587-bbc736ca1e4d" xsi:nil="true"/>
+    <AppVersion xmlns="bbcd8c33-6940-4d4c-a587-bbc736ca1e4d" xsi:nil="true"/>
+    <Invited_Teachers xmlns="bbcd8c33-6940-4d4c-a587-bbc736ca1e4d" xsi:nil="true"/>
+    <LMS_Mappings xmlns="bbcd8c33-6940-4d4c-a587-bbc736ca1e4d" xsi:nil="true"/>
+    <IsNotebookLocked xmlns="bbcd8c33-6940-4d4c-a587-bbc736ca1e4d" xsi:nil="true"/>
+    <NotebookType xmlns="bbcd8c33-6940-4d4c-a587-bbc736ca1e4d" xsi:nil="true"/>
+    <Templates xmlns="bbcd8c33-6940-4d4c-a587-bbc736ca1e4d" xsi:nil="true"/>
+    <Owner xmlns="bbcd8c33-6940-4d4c-a587-bbc736ca1e4d">
+      <UserInfo>
+        <DisplayName/>
+        <AccountId xsi:nil="true"/>
+        <AccountType/>
+      </UserInfo>
+    </Owner>
+    <Teachers xmlns="bbcd8c33-6940-4d4c-a587-bbc736ca1e4d">
+      <UserInfo>
+        <DisplayName/>
+        <AccountId xsi:nil="true"/>
+        <AccountType/>
+      </UserInfo>
+    </Teachers>
+    <Students xmlns="bbcd8c33-6940-4d4c-a587-bbc736ca1e4d">
+      <UserInfo>
+        <DisplayName/>
+        <AccountId xsi:nil="true"/>
+        <AccountType/>
+      </UserInfo>
+    </Students>
+    <Student_Groups xmlns="bbcd8c33-6940-4d4c-a587-bbc736ca1e4d">
+      <UserInfo>
+        <DisplayName/>
+        <AccountId xsi:nil="true"/>
+        <AccountType/>
+      </UserInfo>
+    </Student_Groups>
+    <Distribution_Groups xmlns="bbcd8c33-6940-4d4c-a587-bbc736ca1e4d" xsi:nil="true"/>
+    <Self_Registration_Enabled0 xmlns="bbcd8c33-6940-4d4c-a587-bbc736ca1e4d" xsi:nil="true"/>
+    <Has_Teacher_Only_SectionGroup xmlns="bbcd8c33-6940-4d4c-a587-bbc736ca1e4d" xsi:nil="true"/>
+    <DefaultSectionNames xmlns="bbcd8c33-6940-4d4c-a587-bbc736ca1e4d" xsi:nil="true"/>
+    <Invited_Students xmlns="bbcd8c33-6940-4d4c-a587-bbc736ca1e4d" xsi:nil="true"/>
+    <FolderType xmlns="bbcd8c33-6940-4d4c-a587-bbc736ca1e4d" xsi:nil="true"/>
+    <CultureName xmlns="bbcd8c33-6940-4d4c-a587-bbc736ca1e4d" xsi:nil="true"/>
+  </documentManagement>
+</p:properties>
+</file>
+
+<file path=customXml/item2.xml><?xml version="1.0" encoding="utf-8"?>
+<?mso-contentType ?>
+<FormTemplates xmlns="http://schemas.microsoft.com/sharepoint/v3/contenttype/forms">
+  <Display>DocumentLibraryForm</Display>
+  <Edit>DocumentLibraryForm</Edit>
+  <New>DocumentLibraryForm</New>
+</FormTemplates>
+</file>
+
+<file path=customXml/item3.xml><?xml version="1.0" encoding="utf-8"?>
 <ct:contentTypeSchema xmlns:ct="http://schemas.microsoft.com/office/2006/metadata/contentType" xmlns:ma="http://schemas.microsoft.com/office/2006/metadata/properties/metaAttributes" ct:_="" ma:_="" ma:contentTypeName="Document" ma:contentTypeID="0x0101001132905C37EA9847A7207C4BBCCCD8F4" ma:contentTypeVersion="34" ma:contentTypeDescription="Create a new document." ma:contentTypeScope="" ma:versionID="2f28daba72ca6e92be87ea70ebe5bb94">
   <xsd:schema xmlns:xsd="http://www.w3.org/2001/XMLSchema" xmlns:xs="http://www.w3.org/2001/XMLSchema" xmlns:p="http://schemas.microsoft.com/office/2006/metadata/properties" xmlns:ns3="4327b14a-fe89-488e-9f6d-9658cacf372b" xmlns:ns4="bbcd8c33-6940-4d4c-a587-bbc736ca1e4d" targetNamespace="http://schemas.microsoft.com/office/2006/metadata/properties" ma:root="true" ma:fieldsID="df18e839ce2650f1975b41376e6cdb6b" ns3:_="" ns4:_="">
     <xsd:import namespace="4327b14a-fe89-488e-9f6d-9658cacf372b"/>
@@ -28685,68 +30685,32 @@
 </ct:contentTypeSchema>
 </file>
 
-<file path=customXml/item2.xml><?xml version="1.0" encoding="utf-8"?>
-<?mso-contentType ?>
-<FormTemplates xmlns="http://schemas.microsoft.com/sharepoint/v3/contenttype/forms">
-  <Display>DocumentLibraryForm</Display>
-  <Edit>DocumentLibraryForm</Edit>
-  <New>DocumentLibraryForm</New>
-</FormTemplates>
+<file path=customXml/itemProps1.xml><?xml version="1.0" encoding="utf-8"?>
+<ds:datastoreItem xmlns:ds="http://schemas.openxmlformats.org/officeDocument/2006/customXml" ds:itemID="{4B31267F-D399-4A8A-87F8-B75F56828412}">
+  <ds:schemaRefs>
+    <ds:schemaRef ds:uri="http://www.w3.org/XML/1998/namespace"/>
+    <ds:schemaRef ds:uri="http://schemas.microsoft.com/office/2006/documentManagement/types"/>
+    <ds:schemaRef ds:uri="bbcd8c33-6940-4d4c-a587-bbc736ca1e4d"/>
+    <ds:schemaRef ds:uri="http://purl.org/dc/elements/1.1/"/>
+    <ds:schemaRef ds:uri="http://purl.org/dc/dcmitype/"/>
+    <ds:schemaRef ds:uri="4327b14a-fe89-488e-9f6d-9658cacf372b"/>
+    <ds:schemaRef ds:uri="http://schemas.microsoft.com/office/infopath/2007/PartnerControls"/>
+    <ds:schemaRef ds:uri="http://schemas.openxmlformats.org/package/2006/metadata/core-properties"/>
+    <ds:schemaRef ds:uri="http://schemas.microsoft.com/office/2006/metadata/properties"/>
+    <ds:schemaRef ds:uri="http://purl.org/dc/terms/"/>
+  </ds:schemaRefs>
+</ds:datastoreItem>
 </file>
 
-<file path=customXml/item3.xml><?xml version="1.0" encoding="utf-8"?>
-<p:properties xmlns:p="http://schemas.microsoft.com/office/2006/metadata/properties" xmlns:xsi="http://www.w3.org/2001/XMLSchema-instance" xmlns:pc="http://schemas.microsoft.com/office/infopath/2007/PartnerControls">
-  <documentManagement>
-    <Is_Collaboration_Space_Locked xmlns="bbcd8c33-6940-4d4c-a587-bbc736ca1e4d" xsi:nil="true"/>
-    <TeamsChannelId xmlns="bbcd8c33-6940-4d4c-a587-bbc736ca1e4d" xsi:nil="true"/>
-    <Self_Registration_Enabled xmlns="bbcd8c33-6940-4d4c-a587-bbc736ca1e4d" xsi:nil="true"/>
-    <Math_Settings xmlns="bbcd8c33-6940-4d4c-a587-bbc736ca1e4d" xsi:nil="true"/>
-    <AppVersion xmlns="bbcd8c33-6940-4d4c-a587-bbc736ca1e4d" xsi:nil="true"/>
-    <Invited_Teachers xmlns="bbcd8c33-6940-4d4c-a587-bbc736ca1e4d" xsi:nil="true"/>
-    <LMS_Mappings xmlns="bbcd8c33-6940-4d4c-a587-bbc736ca1e4d" xsi:nil="true"/>
-    <IsNotebookLocked xmlns="bbcd8c33-6940-4d4c-a587-bbc736ca1e4d" xsi:nil="true"/>
-    <NotebookType xmlns="bbcd8c33-6940-4d4c-a587-bbc736ca1e4d" xsi:nil="true"/>
-    <Templates xmlns="bbcd8c33-6940-4d4c-a587-bbc736ca1e4d" xsi:nil="true"/>
-    <Owner xmlns="bbcd8c33-6940-4d4c-a587-bbc736ca1e4d">
-      <UserInfo>
-        <DisplayName/>
-        <AccountId xsi:nil="true"/>
-        <AccountType/>
-      </UserInfo>
-    </Owner>
-    <Teachers xmlns="bbcd8c33-6940-4d4c-a587-bbc736ca1e4d">
-      <UserInfo>
-        <DisplayName/>
-        <AccountId xsi:nil="true"/>
-        <AccountType/>
-      </UserInfo>
-    </Teachers>
-    <Students xmlns="bbcd8c33-6940-4d4c-a587-bbc736ca1e4d">
-      <UserInfo>
-        <DisplayName/>
-        <AccountId xsi:nil="true"/>
-        <AccountType/>
-      </UserInfo>
-    </Students>
-    <Student_Groups xmlns="bbcd8c33-6940-4d4c-a587-bbc736ca1e4d">
-      <UserInfo>
-        <DisplayName/>
-        <AccountId xsi:nil="true"/>
-        <AccountType/>
-      </UserInfo>
-    </Student_Groups>
-    <Distribution_Groups xmlns="bbcd8c33-6940-4d4c-a587-bbc736ca1e4d" xsi:nil="true"/>
-    <Self_Registration_Enabled0 xmlns="bbcd8c33-6940-4d4c-a587-bbc736ca1e4d" xsi:nil="true"/>
-    <Has_Teacher_Only_SectionGroup xmlns="bbcd8c33-6940-4d4c-a587-bbc736ca1e4d" xsi:nil="true"/>
-    <DefaultSectionNames xmlns="bbcd8c33-6940-4d4c-a587-bbc736ca1e4d" xsi:nil="true"/>
-    <Invited_Students xmlns="bbcd8c33-6940-4d4c-a587-bbc736ca1e4d" xsi:nil="true"/>
-    <FolderType xmlns="bbcd8c33-6940-4d4c-a587-bbc736ca1e4d" xsi:nil="true"/>
-    <CultureName xmlns="bbcd8c33-6940-4d4c-a587-bbc736ca1e4d" xsi:nil="true"/>
-  </documentManagement>
-</p:properties>
+<file path=customXml/itemProps2.xml><?xml version="1.0" encoding="utf-8"?>
+<ds:datastoreItem xmlns:ds="http://schemas.openxmlformats.org/officeDocument/2006/customXml" ds:itemID="{E2481852-F24E-4532-AF30-C154D705D105}">
+  <ds:schemaRefs>
+    <ds:schemaRef ds:uri="http://schemas.microsoft.com/sharepoint/v3/contenttype/forms"/>
+  </ds:schemaRefs>
+</ds:datastoreItem>
 </file>
 
-<file path=customXml/itemProps1.xml><?xml version="1.0" encoding="utf-8"?>
+<file path=customXml/itemProps3.xml><?xml version="1.0" encoding="utf-8"?>
 <ds:datastoreItem xmlns:ds="http://schemas.openxmlformats.org/officeDocument/2006/customXml" ds:itemID="{3BE6CAF6-1F55-4A70-B10C-21633F74987A}">
   <ds:schemaRefs>
     <ds:schemaRef ds:uri="http://schemas.microsoft.com/office/2006/metadata/contentType"/>
@@ -28763,29 +30727,4 @@
     <ds:schemaRef ds:uri="http://schemas.microsoft.com/internal/obd"/>
   </ds:schemaRefs>
 </ds:datastoreItem>
-</file>
-
-<file path=customXml/itemProps2.xml><?xml version="1.0" encoding="utf-8"?>
-<ds:datastoreItem xmlns:ds="http://schemas.openxmlformats.org/officeDocument/2006/customXml" ds:itemID="{E2481852-F24E-4532-AF30-C154D705D105}">
-  <ds:schemaRefs>
-    <ds:schemaRef ds:uri="http://schemas.microsoft.com/sharepoint/v3/contenttype/forms"/>
-  </ds:schemaRefs>
-</ds:datastoreItem>
-</file>
-
-<file path=customXml/itemProps3.xml><?xml version="1.0" encoding="utf-8"?>
-<ds:datastoreItem xmlns:ds="http://schemas.openxmlformats.org/officeDocument/2006/customXml" ds:itemID="{4B31267F-D399-4A8A-87F8-B75F56828412}">
-  <ds:schemaRefs>
-    <ds:schemaRef ds:uri="http://www.w3.org/XML/1998/namespace"/>
-    <ds:schemaRef ds:uri="http://schemas.microsoft.com/office/2006/documentManagement/types"/>
-    <ds:schemaRef ds:uri="bbcd8c33-6940-4d4c-a587-bbc736ca1e4d"/>
-    <ds:schemaRef ds:uri="http://purl.org/dc/elements/1.1/"/>
-    <ds:schemaRef ds:uri="http://purl.org/dc/dcmitype/"/>
-    <ds:schemaRef ds:uri="4327b14a-fe89-488e-9f6d-9658cacf372b"/>
-    <ds:schemaRef ds:uri="http://schemas.microsoft.com/office/infopath/2007/PartnerControls"/>
-    <ds:schemaRef ds:uri="http://schemas.openxmlformats.org/package/2006/metadata/core-properties"/>
-    <ds:schemaRef ds:uri="http://schemas.microsoft.com/office/2006/metadata/properties"/>
-    <ds:schemaRef ds:uri="http://purl.org/dc/terms/"/>
-  </ds:schemaRefs>
-</ds:datastoreItem>
 </file>
--- a/Documentação/Status Report/Status Report - Grupo 6.pptx
+++ b/Documentação/Status Report/Status Report - Grupo 6.pptx
@@ -7,10 +7,10 @@
     <p:sldMasterId id="2147483665" r:id="rId6"/>
   </p:sldMasterIdLst>
   <p:notesMasterIdLst>
-    <p:notesMasterId r:id="rId12"/>
+    <p:notesMasterId r:id="rId14"/>
   </p:notesMasterIdLst>
   <p:handoutMasterIdLst>
-    <p:handoutMasterId r:id="rId13"/>
+    <p:handoutMasterId r:id="rId15"/>
   </p:handoutMasterIdLst>
   <p:sldIdLst>
     <p:sldId id="256" r:id="rId7"/>
@@ -18,6 +18,8 @@
     <p:sldId id="471" r:id="rId9"/>
     <p:sldId id="472" r:id="rId10"/>
     <p:sldId id="473" r:id="rId11"/>
+    <p:sldId id="475" r:id="rId12"/>
+    <p:sldId id="476" r:id="rId13"/>
   </p:sldIdLst>
   <p:sldSz cx="13442950" cy="7561263"/>
   <p:notesSz cx="7104063" cy="10234613"/>
@@ -130,6 +132,8 @@
             <p14:sldId id="471"/>
             <p14:sldId id="472"/>
             <p14:sldId id="473"/>
+            <p14:sldId id="475"/>
+            <p14:sldId id="476"/>
           </p14:sldIdLst>
         </p14:section>
       </p14:sectionLst>
@@ -156,8 +160,8 @@
 <pc:chgInfo xmlns:a="http://schemas.openxmlformats.org/drawingml/2006/main" xmlns:r="http://schemas.openxmlformats.org/officeDocument/2006/relationships" xmlns:ac="http://schemas.microsoft.com/office/drawing/2013/main/command" xmlns:pc="http://schemas.microsoft.com/office/powerpoint/2013/main/command">
   <pc:docChgLst>
     <pc:chgData name="Vinicius Cano" userId="e988c080-1d50-4980-86fe-45a1167ad471" providerId="ADAL" clId="{CFCABCC4-01DD-4F6B-AAA1-A4E1D03D705B}"/>
-    <pc:docChg chg="undo custSel addSld modSld">
-      <pc:chgData name="Vinicius Cano" userId="e988c080-1d50-4980-86fe-45a1167ad471" providerId="ADAL" clId="{CFCABCC4-01DD-4F6B-AAA1-A4E1D03D705B}" dt="2021-09-02T21:15:42.527" v="451" actId="5793"/>
+    <pc:docChg chg="undo custSel addSld delSld modSld modSection">
+      <pc:chgData name="Vinicius Cano" userId="e988c080-1d50-4980-86fe-45a1167ad471" providerId="ADAL" clId="{CFCABCC4-01DD-4F6B-AAA1-A4E1D03D705B}" dt="2021-09-23T21:36:39.941" v="1074" actId="20577"/>
       <pc:docMkLst>
         <pc:docMk/>
       </pc:docMkLst>
@@ -312,7 +316,7 @@
         </pc:spChg>
       </pc:sldChg>
       <pc:sldChg chg="modSp add mod">
-        <pc:chgData name="Vinicius Cano" userId="e988c080-1d50-4980-86fe-45a1167ad471" providerId="ADAL" clId="{CFCABCC4-01DD-4F6B-AAA1-A4E1D03D705B}" dt="2021-09-02T21:12:50.288" v="385" actId="20577"/>
+        <pc:chgData name="Vinicius Cano" userId="e988c080-1d50-4980-86fe-45a1167ad471" providerId="ADAL" clId="{CFCABCC4-01DD-4F6B-AAA1-A4E1D03D705B}" dt="2021-09-16T20:20:55.856" v="459" actId="20577"/>
         <pc:sldMkLst>
           <pc:docMk/>
           <pc:sldMk cId="3099913073" sldId="473"/>
@@ -326,7 +330,7 @@
           </ac:spMkLst>
         </pc:spChg>
         <pc:spChg chg="mod">
-          <ac:chgData name="Vinicius Cano" userId="e988c080-1d50-4980-86fe-45a1167ad471" providerId="ADAL" clId="{CFCABCC4-01DD-4F6B-AAA1-A4E1D03D705B}" dt="2021-09-02T21:02:00.758" v="258" actId="20577"/>
+          <ac:chgData name="Vinicius Cano" userId="e988c080-1d50-4980-86fe-45a1167ad471" providerId="ADAL" clId="{CFCABCC4-01DD-4F6B-AAA1-A4E1D03D705B}" dt="2021-09-16T20:20:55.856" v="459" actId="20577"/>
           <ac:spMkLst>
             <pc:docMk/>
             <pc:sldMk cId="3099913073" sldId="473"/>
@@ -338,6 +342,91 @@
           <ac:spMkLst>
             <pc:docMk/>
             <pc:sldMk cId="3099913073" sldId="473"/>
+            <ac:spMk id="63" creationId="{00000000-0000-0000-0000-000000000000}"/>
+          </ac:spMkLst>
+        </pc:spChg>
+      </pc:sldChg>
+      <pc:sldChg chg="modSp add del mod">
+        <pc:chgData name="Vinicius Cano" userId="e988c080-1d50-4980-86fe-45a1167ad471" providerId="ADAL" clId="{CFCABCC4-01DD-4F6B-AAA1-A4E1D03D705B}" dt="2021-09-16T20:21:13.990" v="466" actId="47"/>
+        <pc:sldMkLst>
+          <pc:docMk/>
+          <pc:sldMk cId="3646421272" sldId="474"/>
+        </pc:sldMkLst>
+        <pc:spChg chg="mod">
+          <ac:chgData name="Vinicius Cano" userId="e988c080-1d50-4980-86fe-45a1167ad471" providerId="ADAL" clId="{CFCABCC4-01DD-4F6B-AAA1-A4E1D03D705B}" dt="2021-09-16T20:21:03.052" v="464" actId="20577"/>
+          <ac:spMkLst>
+            <pc:docMk/>
+            <pc:sldMk cId="3646421272" sldId="474"/>
+            <ac:spMk id="3" creationId="{00000000-0000-0000-0000-000000000000}"/>
+          </ac:spMkLst>
+        </pc:spChg>
+      </pc:sldChg>
+      <pc:sldChg chg="modSp add mod">
+        <pc:chgData name="Vinicius Cano" userId="e988c080-1d50-4980-86fe-45a1167ad471" providerId="ADAL" clId="{CFCABCC4-01DD-4F6B-AAA1-A4E1D03D705B}" dt="2021-09-22T20:39:04.855" v="865" actId="20577"/>
+        <pc:sldMkLst>
+          <pc:docMk/>
+          <pc:sldMk cId="3619239506" sldId="475"/>
+        </pc:sldMkLst>
+        <pc:spChg chg="mod">
+          <ac:chgData name="Vinicius Cano" userId="e988c080-1d50-4980-86fe-45a1167ad471" providerId="ADAL" clId="{CFCABCC4-01DD-4F6B-AAA1-A4E1D03D705B}" dt="2021-09-17T20:48:27.022" v="856" actId="6549"/>
+          <ac:spMkLst>
+            <pc:docMk/>
+            <pc:sldMk cId="3619239506" sldId="475"/>
+            <ac:spMk id="2" creationId="{B15BA19F-C787-4E6A-ADAB-C0DFF09C66A8}"/>
+          </ac:spMkLst>
+        </pc:spChg>
+        <pc:spChg chg="mod">
+          <ac:chgData name="Vinicius Cano" userId="e988c080-1d50-4980-86fe-45a1167ad471" providerId="ADAL" clId="{CFCABCC4-01DD-4F6B-AAA1-A4E1D03D705B}" dt="2021-09-22T20:39:04.855" v="865" actId="20577"/>
+          <ac:spMkLst>
+            <pc:docMk/>
+            <pc:sldMk cId="3619239506" sldId="475"/>
+            <ac:spMk id="3" creationId="{00000000-0000-0000-0000-000000000000}"/>
+          </ac:spMkLst>
+        </pc:spChg>
+        <pc:spChg chg="mod">
+          <ac:chgData name="Vinicius Cano" userId="e988c080-1d50-4980-86fe-45a1167ad471" providerId="ADAL" clId="{CFCABCC4-01DD-4F6B-AAA1-A4E1D03D705B}" dt="2021-09-16T20:22:55.268" v="592" actId="20577"/>
+          <ac:spMkLst>
+            <pc:docMk/>
+            <pc:sldMk cId="3619239506" sldId="475"/>
+            <ac:spMk id="63" creationId="{00000000-0000-0000-0000-000000000000}"/>
+          </ac:spMkLst>
+        </pc:spChg>
+      </pc:sldChg>
+      <pc:sldChg chg="modSp add mod">
+        <pc:chgData name="Vinicius Cano" userId="e988c080-1d50-4980-86fe-45a1167ad471" providerId="ADAL" clId="{CFCABCC4-01DD-4F6B-AAA1-A4E1D03D705B}" dt="2021-09-23T21:36:39.941" v="1074" actId="20577"/>
+        <pc:sldMkLst>
+          <pc:docMk/>
+          <pc:sldMk cId="1841061663" sldId="476"/>
+        </pc:sldMkLst>
+        <pc:spChg chg="mod">
+          <ac:chgData name="Vinicius Cano" userId="e988c080-1d50-4980-86fe-45a1167ad471" providerId="ADAL" clId="{CFCABCC4-01DD-4F6B-AAA1-A4E1D03D705B}" dt="2021-09-23T21:36:39.941" v="1074" actId="20577"/>
+          <ac:spMkLst>
+            <pc:docMk/>
+            <pc:sldMk cId="1841061663" sldId="476"/>
+            <ac:spMk id="2" creationId="{B15BA19F-C787-4E6A-ADAB-C0DFF09C66A8}"/>
+          </ac:spMkLst>
+        </pc:spChg>
+        <pc:spChg chg="mod">
+          <ac:chgData name="Vinicius Cano" userId="e988c080-1d50-4980-86fe-45a1167ad471" providerId="ADAL" clId="{CFCABCC4-01DD-4F6B-AAA1-A4E1D03D705B}" dt="2021-09-22T20:39:07.646" v="867" actId="20577"/>
+          <ac:spMkLst>
+            <pc:docMk/>
+            <pc:sldMk cId="1841061663" sldId="476"/>
+            <ac:spMk id="3" creationId="{00000000-0000-0000-0000-000000000000}"/>
+          </ac:spMkLst>
+        </pc:spChg>
+        <pc:spChg chg="mod">
+          <ac:chgData name="Vinicius Cano" userId="e988c080-1d50-4980-86fe-45a1167ad471" providerId="ADAL" clId="{CFCABCC4-01DD-4F6B-AAA1-A4E1D03D705B}" dt="2021-09-22T20:43:08.104" v="976" actId="1035"/>
+          <ac:spMkLst>
+            <pc:docMk/>
+            <pc:sldMk cId="1841061663" sldId="476"/>
+            <ac:spMk id="49" creationId="{1CBC8A27-FF05-44CD-B093-FB50D917E8D4}"/>
+          </ac:spMkLst>
+        </pc:spChg>
+        <pc:spChg chg="mod">
+          <ac:chgData name="Vinicius Cano" userId="e988c080-1d50-4980-86fe-45a1167ad471" providerId="ADAL" clId="{CFCABCC4-01DD-4F6B-AAA1-A4E1D03D705B}" dt="2021-09-23T21:26:50.271" v="1072" actId="113"/>
+          <ac:spMkLst>
+            <pc:docMk/>
+            <pc:sldMk cId="1841061663" sldId="476"/>
             <ac:spMk id="63" creationId="{00000000-0000-0000-0000-000000000000}"/>
           </ac:spMkLst>
         </pc:spChg>
@@ -430,7 +519,7 @@
             <a:fld id="{C3CD65D1-5C11-455D-9F9A-0E035F00A0DA}" type="datetimeFigureOut">
               <a:rPr lang="pt-BR" smtClean="0"/>
               <a:pPr/>
-              <a:t>02/09/2021</a:t>
+              <a:t>23/09/2021</a:t>
             </a:fld>
             <a:endParaRPr lang="pt-BR"/>
           </a:p>
@@ -598,7 +687,7 @@
             <a:fld id="{A05DA3EF-18EA-43DE-B1BB-402A3C558822}" type="datetimeFigureOut">
               <a:rPr lang="pt-BR" smtClean="0"/>
               <a:pPr/>
-              <a:t>02/09/2021</a:t>
+              <a:t>23/09/2021</a:t>
             </a:fld>
             <a:endParaRPr lang="pt-BR"/>
           </a:p>
@@ -1224,6 +1313,192 @@
     <p:extLst>
       <p:ext uri="{BB962C8B-B14F-4D97-AF65-F5344CB8AC3E}">
         <p14:creationId xmlns:p14="http://schemas.microsoft.com/office/powerpoint/2010/main" val="2747331629"/>
+      </p:ext>
+    </p:extLst>
+  </p:cSld>
+  <p:clrMapOvr>
+    <a:masterClrMapping/>
+  </p:clrMapOvr>
+</p:notes>
+</file>
+
+<file path=ppt/notesSlides/notesSlide5.xml><?xml version="1.0" encoding="utf-8"?>
+<p:notes xmlns:a="http://schemas.openxmlformats.org/drawingml/2006/main" xmlns:r="http://schemas.openxmlformats.org/officeDocument/2006/relationships" xmlns:p="http://schemas.openxmlformats.org/presentationml/2006/main">
+  <p:cSld>
+    <p:spTree>
+      <p:nvGrpSpPr>
+        <p:cNvPr id="1" name=""/>
+        <p:cNvGrpSpPr/>
+        <p:nvPr/>
+      </p:nvGrpSpPr>
+      <p:grpSpPr>
+        <a:xfrm>
+          <a:off x="0" y="0"/>
+          <a:ext cx="0" cy="0"/>
+          <a:chOff x="0" y="0"/>
+          <a:chExt cx="0" cy="0"/>
+        </a:xfrm>
+      </p:grpSpPr>
+      <p:sp>
+        <p:nvSpPr>
+          <p:cNvPr id="2" name="Slide Image Placeholder 1"/>
+          <p:cNvSpPr>
+            <a:spLocks noGrp="1" noRot="1" noChangeAspect="1"/>
+          </p:cNvSpPr>
+          <p:nvPr>
+            <p:ph type="sldImg"/>
+          </p:nvPr>
+        </p:nvSpPr>
+        <p:spPr/>
+      </p:sp>
+      <p:sp>
+        <p:nvSpPr>
+          <p:cNvPr id="3" name="Notes Placeholder 2"/>
+          <p:cNvSpPr>
+            <a:spLocks noGrp="1"/>
+          </p:cNvSpPr>
+          <p:nvPr>
+            <p:ph type="body" idx="1"/>
+          </p:nvPr>
+        </p:nvSpPr>
+        <p:spPr/>
+        <p:txBody>
+          <a:bodyPr/>
+          <a:lstStyle/>
+          <a:p>
+            <a:endParaRPr lang="en-US"/>
+          </a:p>
+        </p:txBody>
+      </p:sp>
+      <p:sp>
+        <p:nvSpPr>
+          <p:cNvPr id="4" name="Slide Number Placeholder 3"/>
+          <p:cNvSpPr>
+            <a:spLocks noGrp="1"/>
+          </p:cNvSpPr>
+          <p:nvPr>
+            <p:ph type="sldNum" sz="quarter" idx="10"/>
+          </p:nvPr>
+        </p:nvSpPr>
+        <p:spPr/>
+        <p:txBody>
+          <a:bodyPr/>
+          <a:lstStyle/>
+          <a:p>
+            <a:fld id="{B39AF3DB-B6A1-2444-9DD8-53D016F8E638}" type="slidenum">
+              <a:rPr lang="pt-BR" smtClean="0">
+                <a:solidFill>
+                  <a:prstClr val="black"/>
+                </a:solidFill>
+              </a:rPr>
+              <a:pPr/>
+              <a:t>6</a:t>
+            </a:fld>
+            <a:endParaRPr lang="pt-BR">
+              <a:solidFill>
+                <a:prstClr val="black"/>
+              </a:solidFill>
+            </a:endParaRPr>
+          </a:p>
+        </p:txBody>
+      </p:sp>
+    </p:spTree>
+    <p:extLst>
+      <p:ext uri="{BB962C8B-B14F-4D97-AF65-F5344CB8AC3E}">
+        <p14:creationId xmlns:p14="http://schemas.microsoft.com/office/powerpoint/2010/main" val="1035982786"/>
+      </p:ext>
+    </p:extLst>
+  </p:cSld>
+  <p:clrMapOvr>
+    <a:masterClrMapping/>
+  </p:clrMapOvr>
+</p:notes>
+</file>
+
+<file path=ppt/notesSlides/notesSlide6.xml><?xml version="1.0" encoding="utf-8"?>
+<p:notes xmlns:a="http://schemas.openxmlformats.org/drawingml/2006/main" xmlns:r="http://schemas.openxmlformats.org/officeDocument/2006/relationships" xmlns:p="http://schemas.openxmlformats.org/presentationml/2006/main">
+  <p:cSld>
+    <p:spTree>
+      <p:nvGrpSpPr>
+        <p:cNvPr id="1" name=""/>
+        <p:cNvGrpSpPr/>
+        <p:nvPr/>
+      </p:nvGrpSpPr>
+      <p:grpSpPr>
+        <a:xfrm>
+          <a:off x="0" y="0"/>
+          <a:ext cx="0" cy="0"/>
+          <a:chOff x="0" y="0"/>
+          <a:chExt cx="0" cy="0"/>
+        </a:xfrm>
+      </p:grpSpPr>
+      <p:sp>
+        <p:nvSpPr>
+          <p:cNvPr id="2" name="Slide Image Placeholder 1"/>
+          <p:cNvSpPr>
+            <a:spLocks noGrp="1" noRot="1" noChangeAspect="1"/>
+          </p:cNvSpPr>
+          <p:nvPr>
+            <p:ph type="sldImg"/>
+          </p:nvPr>
+        </p:nvSpPr>
+        <p:spPr/>
+      </p:sp>
+      <p:sp>
+        <p:nvSpPr>
+          <p:cNvPr id="3" name="Notes Placeholder 2"/>
+          <p:cNvSpPr>
+            <a:spLocks noGrp="1"/>
+          </p:cNvSpPr>
+          <p:nvPr>
+            <p:ph type="body" idx="1"/>
+          </p:nvPr>
+        </p:nvSpPr>
+        <p:spPr/>
+        <p:txBody>
+          <a:bodyPr/>
+          <a:lstStyle/>
+          <a:p>
+            <a:endParaRPr lang="en-US"/>
+          </a:p>
+        </p:txBody>
+      </p:sp>
+      <p:sp>
+        <p:nvSpPr>
+          <p:cNvPr id="4" name="Slide Number Placeholder 3"/>
+          <p:cNvSpPr>
+            <a:spLocks noGrp="1"/>
+          </p:cNvSpPr>
+          <p:nvPr>
+            <p:ph type="sldNum" sz="quarter" idx="10"/>
+          </p:nvPr>
+        </p:nvSpPr>
+        <p:spPr/>
+        <p:txBody>
+          <a:bodyPr/>
+          <a:lstStyle/>
+          <a:p>
+            <a:fld id="{B39AF3DB-B6A1-2444-9DD8-53D016F8E638}" type="slidenum">
+              <a:rPr lang="pt-BR" smtClean="0">
+                <a:solidFill>
+                  <a:prstClr val="black"/>
+                </a:solidFill>
+              </a:rPr>
+              <a:pPr/>
+              <a:t>7</a:t>
+            </a:fld>
+            <a:endParaRPr lang="pt-BR">
+              <a:solidFill>
+                <a:prstClr val="black"/>
+              </a:solidFill>
+            </a:endParaRPr>
+          </a:p>
+        </p:txBody>
+      </p:sp>
+    </p:spTree>
+    <p:extLst>
+      <p:ext uri="{BB962C8B-B14F-4D97-AF65-F5344CB8AC3E}">
+        <p14:creationId xmlns:p14="http://schemas.microsoft.com/office/powerpoint/2010/main" val="622933081"/>
       </p:ext>
     </p:extLst>
   </p:cSld>
@@ -24449,25 +24724,8 @@
                 <a:latin typeface="Calibri" panose="020F0502020204030204" pitchFamily="34" charset="0"/>
                 <a:cs typeface="Simplon BP Regular"/>
               </a:rPr>
-              <a:t>Frente </a:t>
+              <a:t>Frente Backend</a:t>
             </a:r>
-            <a:r>
-              <a:rPr lang="pt-BR" sz="1323" b="1" dirty="0" err="1">
-                <a:solidFill>
-                  <a:schemeClr val="tx1"/>
-                </a:solidFill>
-                <a:latin typeface="Calibri" panose="020F0502020204030204" pitchFamily="34" charset="0"/>
-                <a:cs typeface="Simplon BP Regular"/>
-              </a:rPr>
-              <a:t>Backend</a:t>
-            </a:r>
-            <a:endParaRPr lang="pt-BR" sz="1323" b="1" dirty="0">
-              <a:solidFill>
-                <a:schemeClr val="tx1"/>
-              </a:solidFill>
-              <a:latin typeface="Calibri" panose="020F0502020204030204" pitchFamily="34" charset="0"/>
-              <a:cs typeface="Simplon BP Regular"/>
-            </a:endParaRPr>
           </a:p>
           <a:p>
             <a:pPr marL="0" lvl="1" defTabSz="672130"/>
@@ -25610,25 +25868,8 @@
                 <a:latin typeface="Calibri" panose="020F0502020204030204" pitchFamily="34" charset="0"/>
                 <a:cs typeface="Simplon BP Regular"/>
               </a:rPr>
-              <a:t>Frente </a:t>
+              <a:t>Frente Backend</a:t>
             </a:r>
-            <a:r>
-              <a:rPr lang="pt-BR" sz="1323" b="1" dirty="0" err="1">
-                <a:solidFill>
-                  <a:schemeClr val="tx1"/>
-                </a:solidFill>
-                <a:latin typeface="Calibri" panose="020F0502020204030204" pitchFamily="34" charset="0"/>
-                <a:cs typeface="Simplon BP Regular"/>
-              </a:rPr>
-              <a:t>Backend</a:t>
-            </a:r>
-            <a:endParaRPr lang="pt-BR" sz="1323" b="1" dirty="0">
-              <a:solidFill>
-                <a:schemeClr val="tx1"/>
-              </a:solidFill>
-              <a:latin typeface="Calibri" panose="020F0502020204030204" pitchFamily="34" charset="0"/>
-              <a:cs typeface="Simplon BP Regular"/>
-            </a:endParaRPr>
           </a:p>
           <a:p>
             <a:pPr marL="285750" lvl="1" indent="-285750" defTabSz="672130">
@@ -27482,25 +27723,8 @@
                 <a:latin typeface="Calibri" panose="020F0502020204030204" pitchFamily="34" charset="0"/>
                 <a:cs typeface="Simplon BP Regular"/>
               </a:rPr>
-              <a:t>Frente </a:t>
+              <a:t>Frente Backend</a:t>
             </a:r>
-            <a:r>
-              <a:rPr lang="pt-BR" sz="1323" b="1" dirty="0" err="1">
-                <a:solidFill>
-                  <a:schemeClr val="tx1"/>
-                </a:solidFill>
-                <a:latin typeface="Calibri" panose="020F0502020204030204" pitchFamily="34" charset="0"/>
-                <a:cs typeface="Simplon BP Regular"/>
-              </a:rPr>
-              <a:t>Backend</a:t>
-            </a:r>
-            <a:endParaRPr lang="pt-BR" sz="1323" b="1" dirty="0">
-              <a:solidFill>
-                <a:schemeClr val="tx1"/>
-              </a:solidFill>
-              <a:latin typeface="Calibri" panose="020F0502020204030204" pitchFamily="34" charset="0"/>
-              <a:cs typeface="Simplon BP Regular"/>
-            </a:endParaRPr>
           </a:p>
           <a:p>
             <a:pPr marL="252049" lvl="1" indent="-252049">
@@ -28740,6 +28964,3777 @@
     <p:extLst>
       <p:ext uri="{BB962C8B-B14F-4D97-AF65-F5344CB8AC3E}">
         <p14:creationId xmlns:p14="http://schemas.microsoft.com/office/powerpoint/2010/main" val="3099913073"/>
+      </p:ext>
+    </p:extLst>
+  </p:cSld>
+  <p:clrMapOvr>
+    <a:masterClrMapping/>
+  </p:clrMapOvr>
+</p:sld>
+</file>
+
+<file path=ppt/slides/slide6.xml><?xml version="1.0" encoding="utf-8"?>
+<p:sld xmlns:a="http://schemas.openxmlformats.org/drawingml/2006/main" xmlns:r="http://schemas.openxmlformats.org/officeDocument/2006/relationships" xmlns:p="http://schemas.openxmlformats.org/presentationml/2006/main">
+  <p:cSld>
+    <p:spTree>
+      <p:nvGrpSpPr>
+        <p:cNvPr id="1" name=""/>
+        <p:cNvGrpSpPr/>
+        <p:nvPr/>
+      </p:nvGrpSpPr>
+      <p:grpSpPr>
+        <a:xfrm>
+          <a:off x="0" y="0"/>
+          <a:ext cx="0" cy="0"/>
+          <a:chOff x="0" y="0"/>
+          <a:chExt cx="0" cy="0"/>
+        </a:xfrm>
+      </p:grpSpPr>
+      <p:sp>
+        <p:nvSpPr>
+          <p:cNvPr id="43" name="Rectangle 42"/>
+          <p:cNvSpPr/>
+          <p:nvPr/>
+        </p:nvSpPr>
+        <p:spPr>
+          <a:xfrm>
+            <a:off x="6804883" y="1106495"/>
+            <a:ext cx="6209639" cy="2235805"/>
+          </a:xfrm>
+          <a:prstGeom prst="rect">
+            <a:avLst/>
+          </a:prstGeom>
+          <a:noFill/>
+          <a:ln w="12700">
+            <a:solidFill>
+              <a:schemeClr val="bg1">
+                <a:lumMod val="50000"/>
+              </a:schemeClr>
+            </a:solidFill>
+          </a:ln>
+        </p:spPr>
+        <p:style>
+          <a:lnRef idx="2">
+            <a:schemeClr val="accent4"/>
+          </a:lnRef>
+          <a:fillRef idx="1">
+            <a:schemeClr val="lt1"/>
+          </a:fillRef>
+          <a:effectRef idx="0">
+            <a:schemeClr val="accent4"/>
+          </a:effectRef>
+          <a:fontRef idx="minor">
+            <a:schemeClr val="dk1"/>
+          </a:fontRef>
+        </p:style>
+        <p:txBody>
+          <a:bodyPr tIns="105844" rtlCol="0" anchor="t"/>
+          <a:lstStyle/>
+          <a:p>
+            <a:pPr defTabSz="672130">
+              <a:spcAft>
+                <a:spcPts val="882"/>
+              </a:spcAft>
+            </a:pPr>
+            <a:endParaRPr lang="pt-BR" sz="1470" dirty="0">
+              <a:solidFill>
+                <a:schemeClr val="tx1"/>
+              </a:solidFill>
+              <a:latin typeface="Calibri" panose="020F0502020204030204" pitchFamily="34" charset="0"/>
+              <a:cs typeface="Simplon BP Regular"/>
+            </a:endParaRPr>
+          </a:p>
+        </p:txBody>
+      </p:sp>
+      <p:sp>
+        <p:nvSpPr>
+          <p:cNvPr id="3" name="Title 2"/>
+          <p:cNvSpPr>
+            <a:spLocks noGrp="1"/>
+          </p:cNvSpPr>
+          <p:nvPr>
+            <p:ph type="title"/>
+          </p:nvPr>
+        </p:nvSpPr>
+        <p:spPr>
+          <a:xfrm>
+            <a:off x="469692" y="185232"/>
+            <a:ext cx="12098020" cy="800352"/>
+          </a:xfrm>
+        </p:spPr>
+        <p:txBody>
+          <a:bodyPr vert="horz" wrap="square" lIns="105844" tIns="0" rIns="105844" bIns="0" numCol="1" anchor="t" anchorCtr="0" compatLnSpc="1">
+            <a:prstTxWarp prst="textNoShape">
+              <a:avLst/>
+            </a:prstTxWarp>
+            <a:noAutofit/>
+          </a:bodyPr>
+          <a:lstStyle/>
+          <a:p>
+            <a:pPr algn="l">
+              <a:spcAft>
+                <a:spcPts val="882"/>
+              </a:spcAft>
+            </a:pPr>
+            <a:r>
+              <a:rPr lang="en-US" sz="2646" dirty="0">
+                <a:solidFill>
+                  <a:prstClr val="black"/>
+                </a:solidFill>
+                <a:latin typeface="Simplon Oi Headline"/>
+                <a:cs typeface="Simplon Oi Headline"/>
+              </a:rPr>
+              <a:t>SEMANA 4 – 16/09/2021</a:t>
+            </a:r>
+          </a:p>
+        </p:txBody>
+      </p:sp>
+      <p:sp>
+        <p:nvSpPr>
+          <p:cNvPr id="64" name="Retângulo 63"/>
+          <p:cNvSpPr/>
+          <p:nvPr/>
+        </p:nvSpPr>
+        <p:spPr>
+          <a:xfrm>
+            <a:off x="512766" y="868345"/>
+            <a:ext cx="6186608" cy="238150"/>
+          </a:xfrm>
+          <a:prstGeom prst="rect">
+            <a:avLst/>
+          </a:prstGeom>
+          <a:solidFill>
+            <a:schemeClr val="bg1">
+              <a:lumMod val="85000"/>
+            </a:schemeClr>
+          </a:solidFill>
+        </p:spPr>
+        <p:txBody>
+          <a:bodyPr vert="horz" lIns="134422" tIns="67211" rIns="134422" bIns="67211" rtlCol="0" anchor="ctr"/>
+          <a:lstStyle/>
+          <a:p>
+            <a:pPr defTabSz="672130"/>
+            <a:r>
+              <a:rPr lang="en-US" sz="1544" dirty="0">
+                <a:latin typeface="Simplon Oi Headline" charset="0"/>
+                <a:ea typeface="Simplon Oi Headline" charset="0"/>
+                <a:cs typeface="Simplon Oi Headline" charset="0"/>
+              </a:rPr>
+              <a:t>PROGRESSOS</a:t>
+            </a:r>
+            <a:endParaRPr lang="pt-BR" sz="1544" dirty="0">
+              <a:latin typeface="Simplon Oi Headline" charset="0"/>
+              <a:ea typeface="Simplon Oi Headline" charset="0"/>
+              <a:cs typeface="Simplon Oi Headline" charset="0"/>
+            </a:endParaRPr>
+          </a:p>
+        </p:txBody>
+      </p:sp>
+      <p:sp>
+        <p:nvSpPr>
+          <p:cNvPr id="65" name="Retângulo 64"/>
+          <p:cNvSpPr/>
+          <p:nvPr/>
+        </p:nvSpPr>
+        <p:spPr>
+          <a:xfrm>
+            <a:off x="6814576" y="868345"/>
+            <a:ext cx="6194715" cy="238150"/>
+          </a:xfrm>
+          <a:prstGeom prst="rect">
+            <a:avLst/>
+          </a:prstGeom>
+          <a:solidFill>
+            <a:schemeClr val="bg1">
+              <a:lumMod val="85000"/>
+            </a:schemeClr>
+          </a:solidFill>
+        </p:spPr>
+        <p:txBody>
+          <a:bodyPr vert="horz" lIns="134422" tIns="67211" rIns="134422" bIns="67211" rtlCol="0" anchor="ctr"/>
+          <a:lstStyle/>
+          <a:p>
+            <a:pPr defTabSz="672130"/>
+            <a:r>
+              <a:rPr lang="pt-BR" sz="1544" dirty="0">
+                <a:latin typeface="Simplon Oi Headline" charset="0"/>
+                <a:ea typeface="Simplon Oi Headline" charset="0"/>
+                <a:cs typeface="Simplon Oi Headline" charset="0"/>
+              </a:rPr>
+              <a:t>Pontos atenção/ Principais Riscos</a:t>
+            </a:r>
+          </a:p>
+        </p:txBody>
+      </p:sp>
+      <p:sp>
+        <p:nvSpPr>
+          <p:cNvPr id="66" name="Retângulo 65"/>
+          <p:cNvSpPr/>
+          <p:nvPr/>
+        </p:nvSpPr>
+        <p:spPr>
+          <a:xfrm>
+            <a:off x="507536" y="3418875"/>
+            <a:ext cx="12505521" cy="238150"/>
+          </a:xfrm>
+          <a:prstGeom prst="rect">
+            <a:avLst/>
+          </a:prstGeom>
+          <a:solidFill>
+            <a:schemeClr val="bg1">
+              <a:lumMod val="85000"/>
+            </a:schemeClr>
+          </a:solidFill>
+        </p:spPr>
+        <p:txBody>
+          <a:bodyPr vert="horz" lIns="134422" tIns="67211" rIns="134422" bIns="67211" rtlCol="0" anchor="ctr"/>
+          <a:lstStyle/>
+          <a:p>
+            <a:pPr defTabSz="672130"/>
+            <a:r>
+              <a:rPr lang="pt-BR" sz="1544" dirty="0">
+                <a:latin typeface="Simplon Oi Headline" charset="0"/>
+                <a:ea typeface="Simplon Oi Headline" charset="0"/>
+                <a:cs typeface="Simplon Oi Headline" charset="0"/>
+              </a:rPr>
+              <a:t>Próximos Passos/ Decisões a tomar</a:t>
+            </a:r>
+          </a:p>
+        </p:txBody>
+      </p:sp>
+      <p:sp>
+        <p:nvSpPr>
+          <p:cNvPr id="63" name="Rectangle 37"/>
+          <p:cNvSpPr/>
+          <p:nvPr/>
+        </p:nvSpPr>
+        <p:spPr>
+          <a:xfrm>
+            <a:off x="496765" y="1106495"/>
+            <a:ext cx="6207777" cy="2235805"/>
+          </a:xfrm>
+          <a:prstGeom prst="rect">
+            <a:avLst/>
+          </a:prstGeom>
+          <a:noFill/>
+          <a:ln w="12700">
+            <a:solidFill>
+              <a:schemeClr val="bg1">
+                <a:lumMod val="50000"/>
+              </a:schemeClr>
+            </a:solidFill>
+          </a:ln>
+        </p:spPr>
+        <p:style>
+          <a:lnRef idx="2">
+            <a:schemeClr val="accent4"/>
+          </a:lnRef>
+          <a:fillRef idx="1">
+            <a:schemeClr val="lt1"/>
+          </a:fillRef>
+          <a:effectRef idx="0">
+            <a:schemeClr val="accent4"/>
+          </a:effectRef>
+          <a:fontRef idx="minor">
+            <a:schemeClr val="dk1"/>
+          </a:fontRef>
+        </p:style>
+        <p:txBody>
+          <a:bodyPr tIns="105844" rtlCol="0" anchor="t"/>
+          <a:lstStyle/>
+          <a:p>
+            <a:pPr marL="252049" indent="-252049" fontAlgn="base">
+              <a:spcBef>
+                <a:spcPct val="0"/>
+              </a:spcBef>
+              <a:buFont typeface="Wingdings" panose="05000000000000000000" pitchFamily="2" charset="2"/>
+              <a:buChar char="ü"/>
+              <a:defRPr/>
+            </a:pPr>
+            <a:r>
+              <a:rPr lang="pt-BR" sz="1323" b="1" dirty="0">
+                <a:solidFill>
+                  <a:schemeClr val="tx1"/>
+                </a:solidFill>
+                <a:latin typeface="Calibri" panose="020F0502020204030204" pitchFamily="34" charset="0"/>
+                <a:cs typeface="Simplon BP Regular"/>
+              </a:rPr>
+              <a:t>Definição Regras de Negócio</a:t>
+            </a:r>
+          </a:p>
+          <a:p>
+            <a:pPr marL="252049" indent="-252049" fontAlgn="base">
+              <a:spcBef>
+                <a:spcPct val="0"/>
+              </a:spcBef>
+              <a:buFont typeface="Wingdings" panose="05000000000000000000" pitchFamily="2" charset="2"/>
+              <a:buChar char="ü"/>
+              <a:defRPr/>
+            </a:pPr>
+            <a:r>
+              <a:rPr lang="pt-BR" sz="1323" b="1" dirty="0">
+                <a:solidFill>
+                  <a:schemeClr val="tx1"/>
+                </a:solidFill>
+                <a:latin typeface="Calibri" panose="020F0502020204030204" pitchFamily="34" charset="0"/>
+                <a:cs typeface="Simplon BP Regular"/>
+              </a:rPr>
+              <a:t>Definição Contextualização</a:t>
+            </a:r>
+          </a:p>
+          <a:p>
+            <a:pPr marL="252049" indent="-252049" fontAlgn="base">
+              <a:spcBef>
+                <a:spcPct val="0"/>
+              </a:spcBef>
+              <a:buFont typeface="Wingdings" panose="05000000000000000000" pitchFamily="2" charset="2"/>
+              <a:buChar char="ü"/>
+              <a:defRPr/>
+            </a:pPr>
+            <a:r>
+              <a:rPr lang="pt-BR" sz="1323" b="1" dirty="0">
+                <a:solidFill>
+                  <a:schemeClr val="tx1"/>
+                </a:solidFill>
+                <a:latin typeface="Calibri" panose="020F0502020204030204" pitchFamily="34" charset="0"/>
+                <a:cs typeface="Simplon BP Regular"/>
+              </a:rPr>
+              <a:t>Protótipo de Tela</a:t>
+            </a:r>
+          </a:p>
+          <a:p>
+            <a:pPr marL="252049" indent="-252049" fontAlgn="base">
+              <a:spcBef>
+                <a:spcPct val="0"/>
+              </a:spcBef>
+              <a:buFont typeface="Wingdings" panose="05000000000000000000" pitchFamily="2" charset="2"/>
+              <a:buChar char="ü"/>
+              <a:defRPr/>
+            </a:pPr>
+            <a:endParaRPr lang="pt-BR" sz="1323" b="1" dirty="0">
+              <a:solidFill>
+                <a:schemeClr val="tx1"/>
+              </a:solidFill>
+              <a:latin typeface="Calibri" panose="020F0502020204030204" pitchFamily="34" charset="0"/>
+              <a:cs typeface="Simplon BP Regular"/>
+            </a:endParaRPr>
+          </a:p>
+          <a:p>
+            <a:pPr marL="252049" indent="-252049" fontAlgn="base">
+              <a:spcBef>
+                <a:spcPct val="0"/>
+              </a:spcBef>
+              <a:buFont typeface="Wingdings" panose="05000000000000000000" pitchFamily="2" charset="2"/>
+              <a:buChar char="ü"/>
+              <a:defRPr/>
+            </a:pPr>
+            <a:endParaRPr lang="pt-BR" sz="1323" b="1" dirty="0">
+              <a:solidFill>
+                <a:schemeClr val="tx1"/>
+              </a:solidFill>
+              <a:latin typeface="Calibri" panose="020F0502020204030204" pitchFamily="34" charset="0"/>
+              <a:cs typeface="Simplon BP Regular"/>
+            </a:endParaRPr>
+          </a:p>
+          <a:p>
+            <a:pPr marL="252049" indent="-252049" fontAlgn="base">
+              <a:spcBef>
+                <a:spcPct val="0"/>
+              </a:spcBef>
+              <a:buFont typeface="Wingdings" panose="05000000000000000000" pitchFamily="2" charset="2"/>
+              <a:buChar char="ü"/>
+              <a:defRPr/>
+            </a:pPr>
+            <a:endParaRPr lang="pt-BR" sz="1323" b="1" dirty="0">
+              <a:solidFill>
+                <a:schemeClr val="tx1"/>
+              </a:solidFill>
+              <a:latin typeface="Calibri" panose="020F0502020204030204" pitchFamily="34" charset="0"/>
+              <a:cs typeface="Simplon BP Regular"/>
+            </a:endParaRPr>
+          </a:p>
+          <a:p>
+            <a:pPr marL="252049" lvl="1" indent="-252049" fontAlgn="base">
+              <a:spcBef>
+                <a:spcPct val="0"/>
+              </a:spcBef>
+              <a:buFont typeface="Wingdings" panose="05000000000000000000" pitchFamily="2" charset="2"/>
+              <a:buChar char="ü"/>
+              <a:defRPr/>
+            </a:pPr>
+            <a:endParaRPr lang="pt-BR" sz="1323" b="1" dirty="0">
+              <a:solidFill>
+                <a:schemeClr val="tx1"/>
+              </a:solidFill>
+              <a:latin typeface="Calibri" panose="020F0502020204030204" pitchFamily="34" charset="0"/>
+              <a:cs typeface="Simplon BP Regular"/>
+            </a:endParaRPr>
+          </a:p>
+          <a:p>
+            <a:pPr marL="252049" indent="-252049" fontAlgn="base">
+              <a:spcBef>
+                <a:spcPct val="0"/>
+              </a:spcBef>
+              <a:buFont typeface="Wingdings" panose="05000000000000000000" pitchFamily="2" charset="2"/>
+              <a:buChar char="ü"/>
+              <a:defRPr/>
+            </a:pPr>
+            <a:endParaRPr lang="pt-BR" sz="1323" b="1" dirty="0">
+              <a:solidFill>
+                <a:schemeClr val="tx1"/>
+              </a:solidFill>
+              <a:latin typeface="Calibri" panose="020F0502020204030204" pitchFamily="34" charset="0"/>
+              <a:cs typeface="Simplon BP Regular"/>
+            </a:endParaRPr>
+          </a:p>
+          <a:p>
+            <a:pPr marL="252049" indent="-252049" fontAlgn="base">
+              <a:spcBef>
+                <a:spcPct val="0"/>
+              </a:spcBef>
+              <a:buFont typeface="Wingdings" panose="05000000000000000000" pitchFamily="2" charset="2"/>
+              <a:buChar char="ü"/>
+              <a:defRPr/>
+            </a:pPr>
+            <a:endParaRPr lang="pt-BR" sz="1323" b="1" dirty="0">
+              <a:solidFill>
+                <a:schemeClr val="tx1"/>
+              </a:solidFill>
+              <a:latin typeface="Calibri" panose="020F0502020204030204" pitchFamily="34" charset="0"/>
+              <a:cs typeface="Simplon BP Regular"/>
+            </a:endParaRPr>
+          </a:p>
+        </p:txBody>
+      </p:sp>
+      <p:sp>
+        <p:nvSpPr>
+          <p:cNvPr id="2" name="Rectangle 43">
+            <a:extLst>
+              <a:ext uri="{FF2B5EF4-FFF2-40B4-BE49-F238E27FC236}">
+                <a16:creationId xmlns:a16="http://schemas.microsoft.com/office/drawing/2014/main" id="{B15BA19F-C787-4E6A-ADAB-C0DFF09C66A8}"/>
+              </a:ext>
+            </a:extLst>
+          </p:cNvPr>
+          <p:cNvSpPr>
+            <a:spLocks/>
+          </p:cNvSpPr>
+          <p:nvPr/>
+        </p:nvSpPr>
+        <p:spPr>
+          <a:xfrm>
+            <a:off x="512766" y="3728204"/>
+            <a:ext cx="12496524" cy="3581485"/>
+          </a:xfrm>
+          <a:prstGeom prst="rect">
+            <a:avLst/>
+          </a:prstGeom>
+          <a:noFill/>
+          <a:ln w="12700">
+            <a:solidFill>
+              <a:schemeClr val="bg1">
+                <a:lumMod val="50000"/>
+              </a:schemeClr>
+            </a:solidFill>
+          </a:ln>
+        </p:spPr>
+        <p:style>
+          <a:lnRef idx="2">
+            <a:schemeClr val="accent4"/>
+          </a:lnRef>
+          <a:fillRef idx="1">
+            <a:schemeClr val="lt1"/>
+          </a:fillRef>
+          <a:effectRef idx="0">
+            <a:schemeClr val="accent4"/>
+          </a:effectRef>
+          <a:fontRef idx="minor">
+            <a:schemeClr val="dk1"/>
+          </a:fontRef>
+        </p:style>
+        <p:txBody>
+          <a:bodyPr wrap="square" tIns="105844" numCol="3" rtlCol="0" anchor="ctr"/>
+          <a:lstStyle/>
+          <a:p>
+            <a:pPr marL="0" lvl="1" defTabSz="672130"/>
+            <a:r>
+              <a:rPr lang="pt-BR" sz="1323" b="1" dirty="0">
+                <a:solidFill>
+                  <a:schemeClr val="tx1"/>
+                </a:solidFill>
+                <a:latin typeface="Calibri" panose="020F0502020204030204" pitchFamily="34" charset="0"/>
+                <a:cs typeface="Simplon BP Regular"/>
+              </a:rPr>
+              <a:t>Frente Plataforma</a:t>
+            </a:r>
+          </a:p>
+          <a:p>
+            <a:pPr marL="0" lvl="1" defTabSz="672130"/>
+            <a:endParaRPr lang="pt-BR" sz="1323" b="1" dirty="0">
+              <a:solidFill>
+                <a:schemeClr val="tx1"/>
+              </a:solidFill>
+              <a:latin typeface="Calibri" panose="020F0502020204030204" pitchFamily="34" charset="0"/>
+              <a:cs typeface="Simplon BP Regular"/>
+            </a:endParaRPr>
+          </a:p>
+          <a:p>
+            <a:pPr marL="0" lvl="1" defTabSz="672130"/>
+            <a:endParaRPr lang="pt-BR" sz="1323" b="1" dirty="0">
+              <a:solidFill>
+                <a:schemeClr val="tx1"/>
+              </a:solidFill>
+              <a:latin typeface="Calibri" panose="020F0502020204030204" pitchFamily="34" charset="0"/>
+              <a:cs typeface="Simplon BP Regular"/>
+            </a:endParaRPr>
+          </a:p>
+          <a:p>
+            <a:pPr marL="0" lvl="1" defTabSz="672130"/>
+            <a:r>
+              <a:rPr lang="pt-BR" sz="1323" b="1" dirty="0">
+                <a:solidFill>
+                  <a:schemeClr val="tx1"/>
+                </a:solidFill>
+                <a:latin typeface="Calibri" panose="020F0502020204030204" pitchFamily="34" charset="0"/>
+                <a:cs typeface="Simplon BP Regular"/>
+              </a:rPr>
+              <a:t>Frente Backend</a:t>
+            </a:r>
+          </a:p>
+          <a:p>
+            <a:pPr marL="252049" lvl="1" indent="-252049">
+              <a:buFont typeface="Wingdings" panose="05000000000000000000" pitchFamily="2" charset="2"/>
+              <a:buChar char="§"/>
+            </a:pPr>
+            <a:r>
+              <a:rPr lang="pt-BR" sz="1323" dirty="0">
+                <a:solidFill>
+                  <a:schemeClr val="tx1"/>
+                </a:solidFill>
+                <a:latin typeface="Calibri" panose="020F0502020204030204" pitchFamily="34" charset="0"/>
+                <a:cs typeface="Simplon BP Regular"/>
+              </a:rPr>
+              <a:t>Desenho de classes;</a:t>
+            </a:r>
+          </a:p>
+          <a:p>
+            <a:pPr marL="0" lvl="1" defTabSz="672130"/>
+            <a:endParaRPr lang="pt-BR" sz="1323" b="1" dirty="0">
+              <a:solidFill>
+                <a:schemeClr val="tx1"/>
+              </a:solidFill>
+              <a:latin typeface="Calibri" panose="020F0502020204030204" pitchFamily="34" charset="0"/>
+              <a:cs typeface="Simplon BP Regular"/>
+            </a:endParaRPr>
+          </a:p>
+          <a:p>
+            <a:pPr marL="0" lvl="1" defTabSz="672130"/>
+            <a:r>
+              <a:rPr lang="pt-BR" sz="1323" b="1" dirty="0">
+                <a:solidFill>
+                  <a:schemeClr val="tx1"/>
+                </a:solidFill>
+                <a:latin typeface="Calibri" panose="020F0502020204030204" pitchFamily="34" charset="0"/>
+                <a:cs typeface="Simplon BP Regular"/>
+              </a:rPr>
+              <a:t>Frente Front end</a:t>
+            </a:r>
+          </a:p>
+          <a:p>
+            <a:pPr marL="285750" lvl="1" indent="-285750" defTabSz="672130">
+              <a:buFont typeface="Arial" panose="020B0604020202020204" pitchFamily="34" charset="0"/>
+              <a:buChar char="•"/>
+            </a:pPr>
+            <a:r>
+              <a:rPr lang="pt-BR" sz="1323" dirty="0">
+                <a:solidFill>
+                  <a:schemeClr val="tx1"/>
+                </a:solidFill>
+                <a:latin typeface="Calibri" panose="020F0502020204030204" pitchFamily="34" charset="0"/>
+                <a:cs typeface="Simplon BP Regular"/>
+              </a:rPr>
+              <a:t>Separação das telas a serem criadas;</a:t>
+            </a:r>
+          </a:p>
+          <a:p>
+            <a:pPr marL="285750" lvl="1" indent="-285750" defTabSz="672130">
+              <a:buFont typeface="Arial" panose="020B0604020202020204" pitchFamily="34" charset="0"/>
+              <a:buChar char="•"/>
+            </a:pPr>
+            <a:r>
+              <a:rPr lang="pt-BR" sz="1323" dirty="0">
+                <a:solidFill>
+                  <a:schemeClr val="tx1"/>
+                </a:solidFill>
+                <a:latin typeface="Calibri" panose="020F0502020204030204" pitchFamily="34" charset="0"/>
+                <a:cs typeface="Simplon BP Regular"/>
+              </a:rPr>
+              <a:t>Criação das Spring Backlog das telas</a:t>
+            </a:r>
+          </a:p>
+          <a:p>
+            <a:pPr marL="0" lvl="1" defTabSz="672130"/>
+            <a:endParaRPr lang="pt-BR" sz="1600" b="1" dirty="0">
+              <a:solidFill>
+                <a:schemeClr val="tx1"/>
+              </a:solidFill>
+              <a:latin typeface="Calibri" panose="020F0502020204030204" pitchFamily="34" charset="0"/>
+              <a:cs typeface="Simplon BP Regular"/>
+            </a:endParaRPr>
+          </a:p>
+          <a:p>
+            <a:pPr marL="0" lvl="1" defTabSz="672130"/>
+            <a:r>
+              <a:rPr lang="pt-BR" sz="1320" b="1" dirty="0">
+                <a:solidFill>
+                  <a:schemeClr val="tx1"/>
+                </a:solidFill>
+                <a:latin typeface="Calibri" panose="020F0502020204030204" pitchFamily="34" charset="0"/>
+                <a:cs typeface="Simplon BP Regular"/>
+              </a:rPr>
+              <a:t>Frente Negócios</a:t>
+            </a:r>
+          </a:p>
+          <a:p>
+            <a:pPr marL="252049" lvl="1" indent="-252049">
+              <a:buFont typeface="Wingdings" panose="05000000000000000000" pitchFamily="2" charset="2"/>
+              <a:buChar char="§"/>
+            </a:pPr>
+            <a:r>
+              <a:rPr lang="pt-BR" sz="1320" dirty="0">
+                <a:solidFill>
+                  <a:schemeClr val="tx1"/>
+                </a:solidFill>
+                <a:latin typeface="Calibri" panose="020F0502020204030204" pitchFamily="34" charset="0"/>
+                <a:cs typeface="Simplon BP Regular"/>
+              </a:rPr>
+              <a:t>Ajustes na documentação</a:t>
+            </a:r>
+          </a:p>
+          <a:p>
+            <a:pPr marL="252049" lvl="1" indent="-252049">
+              <a:buFont typeface="Wingdings" panose="05000000000000000000" pitchFamily="2" charset="2"/>
+              <a:buChar char="§"/>
+            </a:pPr>
+            <a:r>
+              <a:rPr lang="pt-BR" sz="1200" dirty="0">
+                <a:solidFill>
+                  <a:schemeClr val="tx1"/>
+                </a:solidFill>
+                <a:latin typeface="Calibri" panose="020F0502020204030204" pitchFamily="34" charset="0"/>
+                <a:cs typeface="Simplon BP Regular"/>
+              </a:rPr>
+              <a:t>Criação das Spring Backlog dos entregáveis</a:t>
+            </a:r>
+          </a:p>
+          <a:p>
+            <a:pPr marL="252049" lvl="1" indent="-252049">
+              <a:buFont typeface="Wingdings" panose="05000000000000000000" pitchFamily="2" charset="2"/>
+              <a:buChar char="§"/>
+            </a:pPr>
+            <a:endParaRPr lang="pt-BR" sz="1320" dirty="0">
+              <a:solidFill>
+                <a:schemeClr val="tx1"/>
+              </a:solidFill>
+              <a:latin typeface="Calibri" panose="020F0502020204030204" pitchFamily="34" charset="0"/>
+              <a:cs typeface="Simplon BP Regular"/>
+            </a:endParaRPr>
+          </a:p>
+        </p:txBody>
+      </p:sp>
+      <p:sp>
+        <p:nvSpPr>
+          <p:cNvPr id="44" name="TextBox 118">
+            <a:extLst>
+              <a:ext uri="{FF2B5EF4-FFF2-40B4-BE49-F238E27FC236}">
+                <a16:creationId xmlns:a16="http://schemas.microsoft.com/office/drawing/2014/main" id="{1E997FEB-A82C-4FE3-B191-DE926FE907FC}"/>
+              </a:ext>
+            </a:extLst>
+          </p:cNvPr>
+          <p:cNvSpPr txBox="1"/>
+          <p:nvPr/>
+        </p:nvSpPr>
+        <p:spPr>
+          <a:xfrm>
+            <a:off x="11832861" y="632714"/>
+            <a:ext cx="899678" cy="179824"/>
+          </a:xfrm>
+          <a:prstGeom prst="rect">
+            <a:avLst/>
+          </a:prstGeom>
+          <a:noFill/>
+          <a:ln w="12700">
+            <a:noFill/>
+          </a:ln>
+        </p:spPr>
+        <p:style>
+          <a:lnRef idx="2">
+            <a:schemeClr val="accent4"/>
+          </a:lnRef>
+          <a:fillRef idx="1">
+            <a:schemeClr val="lt1"/>
+          </a:fillRef>
+          <a:effectRef idx="0">
+            <a:schemeClr val="accent4"/>
+          </a:effectRef>
+          <a:fontRef idx="minor">
+            <a:schemeClr val="dk1"/>
+          </a:fontRef>
+        </p:style>
+        <p:txBody>
+          <a:bodyPr wrap="none" lIns="52922" tIns="52922" rIns="52922" bIns="0" rtlCol="0" anchor="b"/>
+          <a:lstStyle>
+            <a:defPPr>
+              <a:defRPr lang="en-US"/>
+            </a:defPPr>
+            <a:lvl1pPr algn="ctr">
+              <a:defRPr sz="1000" b="1">
+                <a:latin typeface="Simplon BP Regular"/>
+                <a:cs typeface="Simplon BP Regular"/>
+              </a:defRPr>
+            </a:lvl1pPr>
+            <a:lvl2pPr>
+              <a:defRPr>
+                <a:solidFill>
+                  <a:schemeClr val="dk1"/>
+                </a:solidFill>
+              </a:defRPr>
+            </a:lvl2pPr>
+            <a:lvl3pPr>
+              <a:defRPr>
+                <a:solidFill>
+                  <a:schemeClr val="dk1"/>
+                </a:solidFill>
+              </a:defRPr>
+            </a:lvl3pPr>
+            <a:lvl4pPr>
+              <a:defRPr>
+                <a:solidFill>
+                  <a:schemeClr val="dk1"/>
+                </a:solidFill>
+              </a:defRPr>
+            </a:lvl4pPr>
+            <a:lvl5pPr>
+              <a:defRPr>
+                <a:solidFill>
+                  <a:schemeClr val="dk1"/>
+                </a:solidFill>
+              </a:defRPr>
+            </a:lvl5pPr>
+            <a:lvl6pPr>
+              <a:defRPr>
+                <a:solidFill>
+                  <a:schemeClr val="dk1"/>
+                </a:solidFill>
+              </a:defRPr>
+            </a:lvl6pPr>
+            <a:lvl7pPr>
+              <a:defRPr>
+                <a:solidFill>
+                  <a:schemeClr val="dk1"/>
+                </a:solidFill>
+              </a:defRPr>
+            </a:lvl7pPr>
+            <a:lvl8pPr>
+              <a:defRPr>
+                <a:solidFill>
+                  <a:schemeClr val="dk1"/>
+                </a:solidFill>
+              </a:defRPr>
+            </a:lvl8pPr>
+            <a:lvl9pPr>
+              <a:defRPr>
+                <a:solidFill>
+                  <a:schemeClr val="dk1"/>
+                </a:solidFill>
+              </a:defRPr>
+            </a:lvl9pPr>
+          </a:lstStyle>
+          <a:p>
+            <a:pPr defTabSz="672130"/>
+            <a:r>
+              <a:rPr lang="pt-BR" sz="1176" b="0" dirty="0">
+                <a:solidFill>
+                  <a:prstClr val="black"/>
+                </a:solidFill>
+                <a:latin typeface="Simplon BP Bold" pitchFamily="2" charset="0"/>
+              </a:rPr>
+              <a:t>Negócios</a:t>
+            </a:r>
+          </a:p>
+        </p:txBody>
+      </p:sp>
+      <p:sp>
+        <p:nvSpPr>
+          <p:cNvPr id="45" name="Oval 120">
+            <a:extLst>
+              <a:ext uri="{FF2B5EF4-FFF2-40B4-BE49-F238E27FC236}">
+                <a16:creationId xmlns:a16="http://schemas.microsoft.com/office/drawing/2014/main" id="{086246F5-DDAA-4D0C-90E1-F0C0FED6D98E}"/>
+              </a:ext>
+            </a:extLst>
+          </p:cNvPr>
+          <p:cNvSpPr>
+            <a:spLocks noChangeAspect="1"/>
+          </p:cNvSpPr>
+          <p:nvPr/>
+        </p:nvSpPr>
+        <p:spPr>
+          <a:xfrm>
+            <a:off x="11161291" y="355772"/>
+            <a:ext cx="211404" cy="211689"/>
+          </a:xfrm>
+          <a:prstGeom prst="ellipse">
+            <a:avLst/>
+          </a:prstGeom>
+          <a:solidFill>
+            <a:srgbClr val="FFC000"/>
+          </a:solidFill>
+          <a:ln w="12700">
+            <a:solidFill>
+              <a:schemeClr val="accent3"/>
+            </a:solidFill>
+          </a:ln>
+        </p:spPr>
+        <p:style>
+          <a:lnRef idx="2">
+            <a:schemeClr val="accent1">
+              <a:shade val="50000"/>
+            </a:schemeClr>
+          </a:lnRef>
+          <a:fillRef idx="1">
+            <a:schemeClr val="accent1"/>
+          </a:fillRef>
+          <a:effectRef idx="0">
+            <a:schemeClr val="accent1"/>
+          </a:effectRef>
+          <a:fontRef idx="minor">
+            <a:schemeClr val="lt1"/>
+          </a:fontRef>
+        </p:style>
+        <p:txBody>
+          <a:bodyPr wrap="none" lIns="52922" tIns="52922" rIns="52922" rtlCol="0" anchor="ctr"/>
+          <a:lstStyle/>
+          <a:p>
+            <a:pPr algn="ctr" defTabSz="672130"/>
+            <a:endParaRPr lang="en-US" sz="1176" dirty="0">
+              <a:solidFill>
+                <a:prstClr val="black"/>
+              </a:solidFill>
+              <a:latin typeface="Simplon BP Regular"/>
+              <a:cs typeface="Simplon BP Regular"/>
+            </a:endParaRPr>
+          </a:p>
+        </p:txBody>
+      </p:sp>
+      <p:sp>
+        <p:nvSpPr>
+          <p:cNvPr id="46" name="TextBox 123">
+            <a:extLst>
+              <a:ext uri="{FF2B5EF4-FFF2-40B4-BE49-F238E27FC236}">
+                <a16:creationId xmlns:a16="http://schemas.microsoft.com/office/drawing/2014/main" id="{EDE9EB13-C574-4D80-85B2-C614186377BB}"/>
+              </a:ext>
+            </a:extLst>
+          </p:cNvPr>
+          <p:cNvSpPr txBox="1"/>
+          <p:nvPr/>
+        </p:nvSpPr>
+        <p:spPr>
+          <a:xfrm>
+            <a:off x="10839554" y="636806"/>
+            <a:ext cx="899678" cy="179824"/>
+          </a:xfrm>
+          <a:prstGeom prst="rect">
+            <a:avLst/>
+          </a:prstGeom>
+          <a:noFill/>
+          <a:ln w="12700">
+            <a:noFill/>
+          </a:ln>
+        </p:spPr>
+        <p:style>
+          <a:lnRef idx="2">
+            <a:schemeClr val="accent4"/>
+          </a:lnRef>
+          <a:fillRef idx="1">
+            <a:schemeClr val="lt1"/>
+          </a:fillRef>
+          <a:effectRef idx="0">
+            <a:schemeClr val="accent4"/>
+          </a:effectRef>
+          <a:fontRef idx="minor">
+            <a:schemeClr val="dk1"/>
+          </a:fontRef>
+        </p:style>
+        <p:txBody>
+          <a:bodyPr wrap="none" lIns="52922" tIns="52922" rIns="52922" bIns="0" rtlCol="0" anchor="b"/>
+          <a:lstStyle>
+            <a:defPPr>
+              <a:defRPr lang="en-US"/>
+            </a:defPPr>
+            <a:lvl1pPr algn="ctr">
+              <a:defRPr sz="1000" b="1">
+                <a:latin typeface="Simplon BP Regular"/>
+                <a:cs typeface="Simplon BP Regular"/>
+              </a:defRPr>
+            </a:lvl1pPr>
+            <a:lvl2pPr>
+              <a:defRPr>
+                <a:solidFill>
+                  <a:schemeClr val="dk1"/>
+                </a:solidFill>
+              </a:defRPr>
+            </a:lvl2pPr>
+            <a:lvl3pPr>
+              <a:defRPr>
+                <a:solidFill>
+                  <a:schemeClr val="dk1"/>
+                </a:solidFill>
+              </a:defRPr>
+            </a:lvl3pPr>
+            <a:lvl4pPr>
+              <a:defRPr>
+                <a:solidFill>
+                  <a:schemeClr val="dk1"/>
+                </a:solidFill>
+              </a:defRPr>
+            </a:lvl4pPr>
+            <a:lvl5pPr>
+              <a:defRPr>
+                <a:solidFill>
+                  <a:schemeClr val="dk1"/>
+                </a:solidFill>
+              </a:defRPr>
+            </a:lvl5pPr>
+            <a:lvl6pPr>
+              <a:defRPr>
+                <a:solidFill>
+                  <a:schemeClr val="dk1"/>
+                </a:solidFill>
+              </a:defRPr>
+            </a:lvl6pPr>
+            <a:lvl7pPr>
+              <a:defRPr>
+                <a:solidFill>
+                  <a:schemeClr val="dk1"/>
+                </a:solidFill>
+              </a:defRPr>
+            </a:lvl7pPr>
+            <a:lvl8pPr>
+              <a:defRPr>
+                <a:solidFill>
+                  <a:schemeClr val="dk1"/>
+                </a:solidFill>
+              </a:defRPr>
+            </a:lvl8pPr>
+            <a:lvl9pPr>
+              <a:defRPr>
+                <a:solidFill>
+                  <a:schemeClr val="dk1"/>
+                </a:solidFill>
+              </a:defRPr>
+            </a:lvl9pPr>
+          </a:lstStyle>
+          <a:p>
+            <a:pPr defTabSz="672130"/>
+            <a:r>
+              <a:rPr lang="pt-BR" sz="1176" b="0" dirty="0">
+                <a:solidFill>
+                  <a:prstClr val="black"/>
+                </a:solidFill>
+                <a:latin typeface="Simplon BP Bold" pitchFamily="2" charset="0"/>
+              </a:rPr>
+              <a:t>Plataforma</a:t>
+            </a:r>
+          </a:p>
+        </p:txBody>
+      </p:sp>
+      <p:sp>
+        <p:nvSpPr>
+          <p:cNvPr id="47" name="TextBox 128">
+            <a:extLst>
+              <a:ext uri="{FF2B5EF4-FFF2-40B4-BE49-F238E27FC236}">
+                <a16:creationId xmlns:a16="http://schemas.microsoft.com/office/drawing/2014/main" id="{9C8F333D-81A1-4BAB-89AC-459C19DD7185}"/>
+              </a:ext>
+            </a:extLst>
+          </p:cNvPr>
+          <p:cNvSpPr txBox="1"/>
+          <p:nvPr/>
+        </p:nvSpPr>
+        <p:spPr>
+          <a:xfrm>
+            <a:off x="9846247" y="636806"/>
+            <a:ext cx="899678" cy="179824"/>
+          </a:xfrm>
+          <a:prstGeom prst="rect">
+            <a:avLst/>
+          </a:prstGeom>
+          <a:noFill/>
+          <a:ln w="12700">
+            <a:noFill/>
+          </a:ln>
+        </p:spPr>
+        <p:style>
+          <a:lnRef idx="2">
+            <a:schemeClr val="accent4"/>
+          </a:lnRef>
+          <a:fillRef idx="1">
+            <a:schemeClr val="lt1"/>
+          </a:fillRef>
+          <a:effectRef idx="0">
+            <a:schemeClr val="accent4"/>
+          </a:effectRef>
+          <a:fontRef idx="minor">
+            <a:schemeClr val="dk1"/>
+          </a:fontRef>
+        </p:style>
+        <p:txBody>
+          <a:bodyPr wrap="none" lIns="52922" tIns="52922" rIns="52922" bIns="0" rtlCol="0" anchor="b"/>
+          <a:lstStyle>
+            <a:defPPr>
+              <a:defRPr lang="en-US"/>
+            </a:defPPr>
+            <a:lvl1pPr algn="ctr">
+              <a:defRPr sz="1000" b="1">
+                <a:latin typeface="Simplon BP Regular"/>
+                <a:cs typeface="Simplon BP Regular"/>
+              </a:defRPr>
+            </a:lvl1pPr>
+            <a:lvl2pPr>
+              <a:defRPr>
+                <a:solidFill>
+                  <a:schemeClr val="dk1"/>
+                </a:solidFill>
+              </a:defRPr>
+            </a:lvl2pPr>
+            <a:lvl3pPr>
+              <a:defRPr>
+                <a:solidFill>
+                  <a:schemeClr val="dk1"/>
+                </a:solidFill>
+              </a:defRPr>
+            </a:lvl3pPr>
+            <a:lvl4pPr>
+              <a:defRPr>
+                <a:solidFill>
+                  <a:schemeClr val="dk1"/>
+                </a:solidFill>
+              </a:defRPr>
+            </a:lvl4pPr>
+            <a:lvl5pPr>
+              <a:defRPr>
+                <a:solidFill>
+                  <a:schemeClr val="dk1"/>
+                </a:solidFill>
+              </a:defRPr>
+            </a:lvl5pPr>
+            <a:lvl6pPr>
+              <a:defRPr>
+                <a:solidFill>
+                  <a:schemeClr val="dk1"/>
+                </a:solidFill>
+              </a:defRPr>
+            </a:lvl6pPr>
+            <a:lvl7pPr>
+              <a:defRPr>
+                <a:solidFill>
+                  <a:schemeClr val="dk1"/>
+                </a:solidFill>
+              </a:defRPr>
+            </a:lvl7pPr>
+            <a:lvl8pPr>
+              <a:defRPr>
+                <a:solidFill>
+                  <a:schemeClr val="dk1"/>
+                </a:solidFill>
+              </a:defRPr>
+            </a:lvl8pPr>
+            <a:lvl9pPr>
+              <a:defRPr>
+                <a:solidFill>
+                  <a:schemeClr val="dk1"/>
+                </a:solidFill>
+              </a:defRPr>
+            </a:lvl9pPr>
+          </a:lstStyle>
+          <a:p>
+            <a:pPr defTabSz="672130"/>
+            <a:r>
+              <a:rPr lang="pt-BR" sz="1176" b="0" dirty="0">
+                <a:solidFill>
+                  <a:prstClr val="black"/>
+                </a:solidFill>
+                <a:latin typeface="Simplon BP Bold" pitchFamily="2" charset="0"/>
+              </a:rPr>
+              <a:t>Back</a:t>
+            </a:r>
+          </a:p>
+        </p:txBody>
+      </p:sp>
+      <p:sp>
+        <p:nvSpPr>
+          <p:cNvPr id="48" name="TextBox 133">
+            <a:extLst>
+              <a:ext uri="{FF2B5EF4-FFF2-40B4-BE49-F238E27FC236}">
+                <a16:creationId xmlns:a16="http://schemas.microsoft.com/office/drawing/2014/main" id="{64DC5C74-7B23-4BE5-BE63-A9BD52C02CD4}"/>
+              </a:ext>
+            </a:extLst>
+          </p:cNvPr>
+          <p:cNvSpPr txBox="1"/>
+          <p:nvPr/>
+        </p:nvSpPr>
+        <p:spPr>
+          <a:xfrm>
+            <a:off x="8954567" y="611542"/>
+            <a:ext cx="899678" cy="179824"/>
+          </a:xfrm>
+          <a:prstGeom prst="rect">
+            <a:avLst/>
+          </a:prstGeom>
+          <a:noFill/>
+          <a:ln w="12700">
+            <a:noFill/>
+          </a:ln>
+        </p:spPr>
+        <p:style>
+          <a:lnRef idx="2">
+            <a:schemeClr val="accent4"/>
+          </a:lnRef>
+          <a:fillRef idx="1">
+            <a:schemeClr val="lt1"/>
+          </a:fillRef>
+          <a:effectRef idx="0">
+            <a:schemeClr val="accent4"/>
+          </a:effectRef>
+          <a:fontRef idx="minor">
+            <a:schemeClr val="dk1"/>
+          </a:fontRef>
+        </p:style>
+        <p:txBody>
+          <a:bodyPr wrap="none" lIns="52922" tIns="52922" rIns="52922" bIns="0" rtlCol="0" anchor="b"/>
+          <a:lstStyle>
+            <a:defPPr>
+              <a:defRPr lang="en-US"/>
+            </a:defPPr>
+            <a:lvl1pPr algn="ctr">
+              <a:defRPr sz="1000" b="1">
+                <a:latin typeface="Simplon BP Regular"/>
+                <a:cs typeface="Simplon BP Regular"/>
+              </a:defRPr>
+            </a:lvl1pPr>
+            <a:lvl2pPr>
+              <a:defRPr>
+                <a:solidFill>
+                  <a:schemeClr val="dk1"/>
+                </a:solidFill>
+              </a:defRPr>
+            </a:lvl2pPr>
+            <a:lvl3pPr>
+              <a:defRPr>
+                <a:solidFill>
+                  <a:schemeClr val="dk1"/>
+                </a:solidFill>
+              </a:defRPr>
+            </a:lvl3pPr>
+            <a:lvl4pPr>
+              <a:defRPr>
+                <a:solidFill>
+                  <a:schemeClr val="dk1"/>
+                </a:solidFill>
+              </a:defRPr>
+            </a:lvl4pPr>
+            <a:lvl5pPr>
+              <a:defRPr>
+                <a:solidFill>
+                  <a:schemeClr val="dk1"/>
+                </a:solidFill>
+              </a:defRPr>
+            </a:lvl5pPr>
+            <a:lvl6pPr>
+              <a:defRPr>
+                <a:solidFill>
+                  <a:schemeClr val="dk1"/>
+                </a:solidFill>
+              </a:defRPr>
+            </a:lvl6pPr>
+            <a:lvl7pPr>
+              <a:defRPr>
+                <a:solidFill>
+                  <a:schemeClr val="dk1"/>
+                </a:solidFill>
+              </a:defRPr>
+            </a:lvl7pPr>
+            <a:lvl8pPr>
+              <a:defRPr>
+                <a:solidFill>
+                  <a:schemeClr val="dk1"/>
+                </a:solidFill>
+              </a:defRPr>
+            </a:lvl8pPr>
+            <a:lvl9pPr>
+              <a:defRPr>
+                <a:solidFill>
+                  <a:schemeClr val="dk1"/>
+                </a:solidFill>
+              </a:defRPr>
+            </a:lvl9pPr>
+          </a:lstStyle>
+          <a:p>
+            <a:pPr defTabSz="672130"/>
+            <a:r>
+              <a:rPr lang="pt-BR" sz="1176" b="0" dirty="0">
+                <a:solidFill>
+                  <a:prstClr val="black"/>
+                </a:solidFill>
+                <a:latin typeface="Simplon BP Bold" pitchFamily="2" charset="0"/>
+              </a:rPr>
+              <a:t>Front</a:t>
+            </a:r>
+          </a:p>
+        </p:txBody>
+      </p:sp>
+      <p:sp>
+        <p:nvSpPr>
+          <p:cNvPr id="49" name="Oval 134">
+            <a:extLst>
+              <a:ext uri="{FF2B5EF4-FFF2-40B4-BE49-F238E27FC236}">
+                <a16:creationId xmlns:a16="http://schemas.microsoft.com/office/drawing/2014/main" id="{1CBC8A27-FF05-44CD-B093-FB50D917E8D4}"/>
+              </a:ext>
+            </a:extLst>
+          </p:cNvPr>
+          <p:cNvSpPr>
+            <a:spLocks noChangeAspect="1"/>
+          </p:cNvSpPr>
+          <p:nvPr/>
+        </p:nvSpPr>
+        <p:spPr>
+          <a:xfrm>
+            <a:off x="8454287" y="324247"/>
+            <a:ext cx="211404" cy="211689"/>
+          </a:xfrm>
+          <a:prstGeom prst="ellipse">
+            <a:avLst/>
+          </a:prstGeom>
+          <a:solidFill>
+            <a:srgbClr val="1BCF13"/>
+          </a:solidFill>
+          <a:ln w="12700">
+            <a:solidFill>
+              <a:schemeClr val="accent3"/>
+            </a:solidFill>
+          </a:ln>
+        </p:spPr>
+        <p:style>
+          <a:lnRef idx="2">
+            <a:schemeClr val="accent1">
+              <a:shade val="50000"/>
+            </a:schemeClr>
+          </a:lnRef>
+          <a:fillRef idx="1">
+            <a:schemeClr val="accent1"/>
+          </a:fillRef>
+          <a:effectRef idx="0">
+            <a:schemeClr val="accent1"/>
+          </a:effectRef>
+          <a:fontRef idx="minor">
+            <a:schemeClr val="lt1"/>
+          </a:fontRef>
+        </p:style>
+        <p:txBody>
+          <a:bodyPr wrap="none" lIns="52922" tIns="52922" rIns="52922" rtlCol="0" anchor="ctr"/>
+          <a:lstStyle/>
+          <a:p>
+            <a:pPr algn="ctr" defTabSz="672130"/>
+            <a:endParaRPr lang="en-US" sz="1176" dirty="0">
+              <a:solidFill>
+                <a:prstClr val="black"/>
+              </a:solidFill>
+              <a:latin typeface="Simplon BP Regular"/>
+              <a:cs typeface="Simplon BP Regular"/>
+            </a:endParaRPr>
+          </a:p>
+        </p:txBody>
+      </p:sp>
+      <p:sp>
+        <p:nvSpPr>
+          <p:cNvPr id="50" name="TextBox 138">
+            <a:extLst>
+              <a:ext uri="{FF2B5EF4-FFF2-40B4-BE49-F238E27FC236}">
+                <a16:creationId xmlns:a16="http://schemas.microsoft.com/office/drawing/2014/main" id="{B1654790-CBD3-4D97-B9BC-CBC39DD32FC8}"/>
+              </a:ext>
+            </a:extLst>
+          </p:cNvPr>
+          <p:cNvSpPr txBox="1"/>
+          <p:nvPr/>
+        </p:nvSpPr>
+        <p:spPr>
+          <a:xfrm>
+            <a:off x="8136859" y="576471"/>
+            <a:ext cx="899678" cy="179824"/>
+          </a:xfrm>
+          <a:prstGeom prst="rect">
+            <a:avLst/>
+          </a:prstGeom>
+          <a:noFill/>
+          <a:ln w="12700">
+            <a:noFill/>
+          </a:ln>
+        </p:spPr>
+        <p:style>
+          <a:lnRef idx="2">
+            <a:schemeClr val="accent4"/>
+          </a:lnRef>
+          <a:fillRef idx="1">
+            <a:schemeClr val="lt1"/>
+          </a:fillRef>
+          <a:effectRef idx="0">
+            <a:schemeClr val="accent4"/>
+          </a:effectRef>
+          <a:fontRef idx="minor">
+            <a:schemeClr val="dk1"/>
+          </a:fontRef>
+        </p:style>
+        <p:txBody>
+          <a:bodyPr wrap="none" lIns="52922" tIns="52922" rIns="52922" bIns="0" rtlCol="0" anchor="b"/>
+          <a:lstStyle>
+            <a:defPPr>
+              <a:defRPr lang="en-US"/>
+            </a:defPPr>
+            <a:lvl1pPr algn="ctr">
+              <a:defRPr sz="1000" b="1">
+                <a:latin typeface="Simplon BP Regular"/>
+                <a:cs typeface="Simplon BP Regular"/>
+              </a:defRPr>
+            </a:lvl1pPr>
+            <a:lvl2pPr>
+              <a:defRPr>
+                <a:solidFill>
+                  <a:schemeClr val="dk1"/>
+                </a:solidFill>
+              </a:defRPr>
+            </a:lvl2pPr>
+            <a:lvl3pPr>
+              <a:defRPr>
+                <a:solidFill>
+                  <a:schemeClr val="dk1"/>
+                </a:solidFill>
+              </a:defRPr>
+            </a:lvl3pPr>
+            <a:lvl4pPr>
+              <a:defRPr>
+                <a:solidFill>
+                  <a:schemeClr val="dk1"/>
+                </a:solidFill>
+              </a:defRPr>
+            </a:lvl4pPr>
+            <a:lvl5pPr>
+              <a:defRPr>
+                <a:solidFill>
+                  <a:schemeClr val="dk1"/>
+                </a:solidFill>
+              </a:defRPr>
+            </a:lvl5pPr>
+            <a:lvl6pPr>
+              <a:defRPr>
+                <a:solidFill>
+                  <a:schemeClr val="dk1"/>
+                </a:solidFill>
+              </a:defRPr>
+            </a:lvl6pPr>
+            <a:lvl7pPr>
+              <a:defRPr>
+                <a:solidFill>
+                  <a:schemeClr val="dk1"/>
+                </a:solidFill>
+              </a:defRPr>
+            </a:lvl7pPr>
+            <a:lvl8pPr>
+              <a:defRPr>
+                <a:solidFill>
+                  <a:schemeClr val="dk1"/>
+                </a:solidFill>
+              </a:defRPr>
+            </a:lvl8pPr>
+            <a:lvl9pPr>
+              <a:defRPr>
+                <a:solidFill>
+                  <a:schemeClr val="dk1"/>
+                </a:solidFill>
+              </a:defRPr>
+            </a:lvl9pPr>
+          </a:lstStyle>
+          <a:p>
+            <a:pPr defTabSz="672130"/>
+            <a:r>
+              <a:rPr lang="en-US" sz="1176" b="0" dirty="0" err="1">
+                <a:solidFill>
+                  <a:prstClr val="black"/>
+                </a:solidFill>
+                <a:latin typeface="Simplon BP Bold" pitchFamily="2" charset="0"/>
+              </a:rPr>
+              <a:t>Equipe</a:t>
+            </a:r>
+            <a:endParaRPr lang="en-US" sz="1176" b="0" dirty="0">
+              <a:solidFill>
+                <a:prstClr val="black"/>
+              </a:solidFill>
+              <a:latin typeface="Simplon BP Bold" pitchFamily="2" charset="0"/>
+            </a:endParaRPr>
+          </a:p>
+        </p:txBody>
+      </p:sp>
+      <p:sp>
+        <p:nvSpPr>
+          <p:cNvPr id="51" name="Oval 134">
+            <a:extLst>
+              <a:ext uri="{FF2B5EF4-FFF2-40B4-BE49-F238E27FC236}">
+                <a16:creationId xmlns:a16="http://schemas.microsoft.com/office/drawing/2014/main" id="{508E308C-5CF8-44B6-A1C4-87E5DDC4CC70}"/>
+              </a:ext>
+            </a:extLst>
+          </p:cNvPr>
+          <p:cNvSpPr>
+            <a:spLocks noChangeAspect="1"/>
+          </p:cNvSpPr>
+          <p:nvPr/>
+        </p:nvSpPr>
+        <p:spPr>
+          <a:xfrm>
+            <a:off x="9278999" y="355771"/>
+            <a:ext cx="211404" cy="211689"/>
+          </a:xfrm>
+          <a:prstGeom prst="ellipse">
+            <a:avLst/>
+          </a:prstGeom>
+          <a:solidFill>
+            <a:srgbClr val="FFC000"/>
+          </a:solidFill>
+          <a:ln w="12700">
+            <a:solidFill>
+              <a:schemeClr val="accent3"/>
+            </a:solidFill>
+          </a:ln>
+        </p:spPr>
+        <p:style>
+          <a:lnRef idx="2">
+            <a:schemeClr val="accent1">
+              <a:shade val="50000"/>
+            </a:schemeClr>
+          </a:lnRef>
+          <a:fillRef idx="1">
+            <a:schemeClr val="accent1"/>
+          </a:fillRef>
+          <a:effectRef idx="0">
+            <a:schemeClr val="accent1"/>
+          </a:effectRef>
+          <a:fontRef idx="minor">
+            <a:schemeClr val="lt1"/>
+          </a:fontRef>
+        </p:style>
+        <p:txBody>
+          <a:bodyPr wrap="none" lIns="52922" tIns="52922" rIns="52922" rtlCol="0" anchor="ctr"/>
+          <a:lstStyle/>
+          <a:p>
+            <a:pPr algn="ctr" defTabSz="672130"/>
+            <a:endParaRPr lang="en-US" sz="1176" dirty="0">
+              <a:solidFill>
+                <a:prstClr val="black"/>
+              </a:solidFill>
+              <a:latin typeface="Simplon BP Regular"/>
+              <a:cs typeface="Simplon BP Regular"/>
+            </a:endParaRPr>
+          </a:p>
+        </p:txBody>
+      </p:sp>
+      <p:sp>
+        <p:nvSpPr>
+          <p:cNvPr id="52" name="Oval 134">
+            <a:extLst>
+              <a:ext uri="{FF2B5EF4-FFF2-40B4-BE49-F238E27FC236}">
+                <a16:creationId xmlns:a16="http://schemas.microsoft.com/office/drawing/2014/main" id="{7BFB1971-EC64-4AB8-B092-E0043EABF66E}"/>
+              </a:ext>
+            </a:extLst>
+          </p:cNvPr>
+          <p:cNvSpPr>
+            <a:spLocks noChangeAspect="1"/>
+          </p:cNvSpPr>
+          <p:nvPr/>
+        </p:nvSpPr>
+        <p:spPr>
+          <a:xfrm>
+            <a:off x="12166910" y="369037"/>
+            <a:ext cx="211404" cy="211689"/>
+          </a:xfrm>
+          <a:prstGeom prst="ellipse">
+            <a:avLst/>
+          </a:prstGeom>
+          <a:solidFill>
+            <a:srgbClr val="1BCF13"/>
+          </a:solidFill>
+          <a:ln w="12700">
+            <a:solidFill>
+              <a:schemeClr val="accent3"/>
+            </a:solidFill>
+          </a:ln>
+        </p:spPr>
+        <p:style>
+          <a:lnRef idx="2">
+            <a:schemeClr val="accent1">
+              <a:shade val="50000"/>
+            </a:schemeClr>
+          </a:lnRef>
+          <a:fillRef idx="1">
+            <a:schemeClr val="accent1"/>
+          </a:fillRef>
+          <a:effectRef idx="0">
+            <a:schemeClr val="accent1"/>
+          </a:effectRef>
+          <a:fontRef idx="minor">
+            <a:schemeClr val="lt1"/>
+          </a:fontRef>
+        </p:style>
+        <p:txBody>
+          <a:bodyPr wrap="none" lIns="52922" tIns="52922" rIns="52922" rtlCol="0" anchor="ctr"/>
+          <a:lstStyle/>
+          <a:p>
+            <a:pPr algn="ctr" defTabSz="672130"/>
+            <a:endParaRPr lang="en-US" sz="1176" dirty="0">
+              <a:solidFill>
+                <a:prstClr val="black"/>
+              </a:solidFill>
+              <a:latin typeface="Simplon BP Regular"/>
+              <a:cs typeface="Simplon BP Regular"/>
+            </a:endParaRPr>
+          </a:p>
+        </p:txBody>
+      </p:sp>
+      <p:sp>
+        <p:nvSpPr>
+          <p:cNvPr id="53" name="Oval 120">
+            <a:extLst>
+              <a:ext uri="{FF2B5EF4-FFF2-40B4-BE49-F238E27FC236}">
+                <a16:creationId xmlns:a16="http://schemas.microsoft.com/office/drawing/2014/main" id="{CD1D1FF9-2BFE-4742-BA82-E1804B8C0747}"/>
+              </a:ext>
+            </a:extLst>
+          </p:cNvPr>
+          <p:cNvSpPr>
+            <a:spLocks noChangeAspect="1"/>
+          </p:cNvSpPr>
+          <p:nvPr/>
+        </p:nvSpPr>
+        <p:spPr>
+          <a:xfrm>
+            <a:off x="10168563" y="358554"/>
+            <a:ext cx="211404" cy="211689"/>
+          </a:xfrm>
+          <a:prstGeom prst="ellipse">
+            <a:avLst/>
+          </a:prstGeom>
+          <a:solidFill>
+            <a:srgbClr val="FFC000"/>
+          </a:solidFill>
+          <a:ln w="12700">
+            <a:solidFill>
+              <a:schemeClr val="accent3"/>
+            </a:solidFill>
+          </a:ln>
+        </p:spPr>
+        <p:style>
+          <a:lnRef idx="2">
+            <a:schemeClr val="accent1">
+              <a:shade val="50000"/>
+            </a:schemeClr>
+          </a:lnRef>
+          <a:fillRef idx="1">
+            <a:schemeClr val="accent1"/>
+          </a:fillRef>
+          <a:effectRef idx="0">
+            <a:schemeClr val="accent1"/>
+          </a:effectRef>
+          <a:fontRef idx="minor">
+            <a:schemeClr val="lt1"/>
+          </a:fontRef>
+        </p:style>
+        <p:txBody>
+          <a:bodyPr wrap="none" lIns="52922" tIns="52922" rIns="52922" rtlCol="0" anchor="ctr"/>
+          <a:lstStyle/>
+          <a:p>
+            <a:pPr algn="ctr" defTabSz="672130"/>
+            <a:endParaRPr lang="en-US" sz="1176" dirty="0">
+              <a:solidFill>
+                <a:srgbClr val="FF0000"/>
+              </a:solidFill>
+              <a:latin typeface="Simplon BP Regular"/>
+              <a:cs typeface="Simplon BP Regular"/>
+            </a:endParaRPr>
+          </a:p>
+        </p:txBody>
+      </p:sp>
+      <p:sp>
+        <p:nvSpPr>
+          <p:cNvPr id="54" name="Retângulo 53">
+            <a:extLst>
+              <a:ext uri="{FF2B5EF4-FFF2-40B4-BE49-F238E27FC236}">
+                <a16:creationId xmlns:a16="http://schemas.microsoft.com/office/drawing/2014/main" id="{1B63957F-A46D-48D5-BC08-1A2EB1CCBBE4}"/>
+              </a:ext>
+            </a:extLst>
+          </p:cNvPr>
+          <p:cNvSpPr/>
+          <p:nvPr/>
+        </p:nvSpPr>
+        <p:spPr>
+          <a:xfrm>
+            <a:off x="8017619" y="180231"/>
+            <a:ext cx="4937689" cy="618769"/>
+          </a:xfrm>
+          <a:prstGeom prst="rect">
+            <a:avLst/>
+          </a:prstGeom>
+          <a:noFill/>
+          <a:ln w="6350">
+            <a:solidFill>
+              <a:schemeClr val="bg1">
+                <a:lumMod val="75000"/>
+              </a:schemeClr>
+            </a:solidFill>
+          </a:ln>
+        </p:spPr>
+        <p:style>
+          <a:lnRef idx="2">
+            <a:schemeClr val="accent1">
+              <a:shade val="50000"/>
+            </a:schemeClr>
+          </a:lnRef>
+          <a:fillRef idx="1">
+            <a:schemeClr val="accent1"/>
+          </a:fillRef>
+          <a:effectRef idx="0">
+            <a:schemeClr val="accent1"/>
+          </a:effectRef>
+          <a:fontRef idx="minor">
+            <a:schemeClr val="lt1"/>
+          </a:fontRef>
+        </p:style>
+        <p:txBody>
+          <a:bodyPr rtlCol="0" anchor="ctr"/>
+          <a:lstStyle/>
+          <a:p>
+            <a:pPr algn="ctr"/>
+            <a:endParaRPr lang="pt-BR"/>
+          </a:p>
+        </p:txBody>
+      </p:sp>
+      <p:sp>
+        <p:nvSpPr>
+          <p:cNvPr id="55" name="TextBox 138">
+            <a:extLst>
+              <a:ext uri="{FF2B5EF4-FFF2-40B4-BE49-F238E27FC236}">
+                <a16:creationId xmlns:a16="http://schemas.microsoft.com/office/drawing/2014/main" id="{F371B3E2-E59C-4A0F-B5AC-74687E6B4AC8}"/>
+              </a:ext>
+            </a:extLst>
+          </p:cNvPr>
+          <p:cNvSpPr txBox="1"/>
+          <p:nvPr/>
+        </p:nvSpPr>
+        <p:spPr>
+          <a:xfrm>
+            <a:off x="9715810" y="51570"/>
+            <a:ext cx="1478088" cy="211688"/>
+          </a:xfrm>
+          <a:prstGeom prst="rect">
+            <a:avLst/>
+          </a:prstGeom>
+          <a:solidFill>
+            <a:schemeClr val="bg1"/>
+          </a:solidFill>
+          <a:ln w="12700">
+            <a:noFill/>
+          </a:ln>
+        </p:spPr>
+        <p:style>
+          <a:lnRef idx="2">
+            <a:schemeClr val="accent4"/>
+          </a:lnRef>
+          <a:fillRef idx="1">
+            <a:schemeClr val="lt1"/>
+          </a:fillRef>
+          <a:effectRef idx="0">
+            <a:schemeClr val="accent4"/>
+          </a:effectRef>
+          <a:fontRef idx="minor">
+            <a:schemeClr val="dk1"/>
+          </a:fontRef>
+        </p:style>
+        <p:txBody>
+          <a:bodyPr wrap="none" lIns="52922" tIns="52922" rIns="52922" bIns="0" rtlCol="0" anchor="b"/>
+          <a:lstStyle>
+            <a:defPPr>
+              <a:defRPr lang="en-US"/>
+            </a:defPPr>
+            <a:lvl1pPr algn="ctr">
+              <a:defRPr sz="1000" b="1">
+                <a:latin typeface="Simplon BP Regular"/>
+                <a:cs typeface="Simplon BP Regular"/>
+              </a:defRPr>
+            </a:lvl1pPr>
+            <a:lvl2pPr>
+              <a:defRPr>
+                <a:solidFill>
+                  <a:schemeClr val="dk1"/>
+                </a:solidFill>
+              </a:defRPr>
+            </a:lvl2pPr>
+            <a:lvl3pPr>
+              <a:defRPr>
+                <a:solidFill>
+                  <a:schemeClr val="dk1"/>
+                </a:solidFill>
+              </a:defRPr>
+            </a:lvl3pPr>
+            <a:lvl4pPr>
+              <a:defRPr>
+                <a:solidFill>
+                  <a:schemeClr val="dk1"/>
+                </a:solidFill>
+              </a:defRPr>
+            </a:lvl4pPr>
+            <a:lvl5pPr>
+              <a:defRPr>
+                <a:solidFill>
+                  <a:schemeClr val="dk1"/>
+                </a:solidFill>
+              </a:defRPr>
+            </a:lvl5pPr>
+            <a:lvl6pPr>
+              <a:defRPr>
+                <a:solidFill>
+                  <a:schemeClr val="dk1"/>
+                </a:solidFill>
+              </a:defRPr>
+            </a:lvl6pPr>
+            <a:lvl7pPr>
+              <a:defRPr>
+                <a:solidFill>
+                  <a:schemeClr val="dk1"/>
+                </a:solidFill>
+              </a:defRPr>
+            </a:lvl7pPr>
+            <a:lvl8pPr>
+              <a:defRPr>
+                <a:solidFill>
+                  <a:schemeClr val="dk1"/>
+                </a:solidFill>
+              </a:defRPr>
+            </a:lvl8pPr>
+            <a:lvl9pPr>
+              <a:defRPr>
+                <a:solidFill>
+                  <a:schemeClr val="dk1"/>
+                </a:solidFill>
+              </a:defRPr>
+            </a:lvl9pPr>
+          </a:lstStyle>
+          <a:p>
+            <a:pPr defTabSz="672130"/>
+            <a:r>
+              <a:rPr lang="en-US" sz="1176" b="0" dirty="0">
+                <a:solidFill>
+                  <a:prstClr val="black"/>
+                </a:solidFill>
+                <a:latin typeface="Simplon BP Bold" pitchFamily="2" charset="0"/>
+              </a:rPr>
+              <a:t>    </a:t>
+            </a:r>
+            <a:r>
+              <a:rPr lang="en-US" sz="1176" b="0" dirty="0" err="1">
+                <a:solidFill>
+                  <a:prstClr val="black"/>
+                </a:solidFill>
+                <a:latin typeface="Simplon BP Bold" pitchFamily="2" charset="0"/>
+              </a:rPr>
+              <a:t>Farol</a:t>
+            </a:r>
+            <a:r>
+              <a:rPr lang="en-US" sz="1176" b="0" dirty="0">
+                <a:solidFill>
+                  <a:prstClr val="black"/>
+                </a:solidFill>
+                <a:latin typeface="Simplon BP Bold" pitchFamily="2" charset="0"/>
+              </a:rPr>
+              <a:t> do </a:t>
+            </a:r>
+            <a:r>
+              <a:rPr lang="en-US" sz="1176" b="0" dirty="0" err="1">
+                <a:solidFill>
+                  <a:prstClr val="black"/>
+                </a:solidFill>
+                <a:latin typeface="Simplon BP Bold" pitchFamily="2" charset="0"/>
+              </a:rPr>
+              <a:t>Projeto</a:t>
+            </a:r>
+            <a:r>
+              <a:rPr lang="en-US" sz="1176" b="0" dirty="0">
+                <a:solidFill>
+                  <a:prstClr val="black"/>
+                </a:solidFill>
+                <a:latin typeface="Simplon BP Bold" pitchFamily="2" charset="0"/>
+              </a:rPr>
+              <a:t>   </a:t>
+            </a:r>
+          </a:p>
+        </p:txBody>
+      </p:sp>
+    </p:spTree>
+    <p:extLst>
+      <p:ext uri="{BB962C8B-B14F-4D97-AF65-F5344CB8AC3E}">
+        <p14:creationId xmlns:p14="http://schemas.microsoft.com/office/powerpoint/2010/main" val="3619239506"/>
+      </p:ext>
+    </p:extLst>
+  </p:cSld>
+  <p:clrMapOvr>
+    <a:masterClrMapping/>
+  </p:clrMapOvr>
+</p:sld>
+</file>
+
+<file path=ppt/slides/slide7.xml><?xml version="1.0" encoding="utf-8"?>
+<p:sld xmlns:a="http://schemas.openxmlformats.org/drawingml/2006/main" xmlns:r="http://schemas.openxmlformats.org/officeDocument/2006/relationships" xmlns:p="http://schemas.openxmlformats.org/presentationml/2006/main">
+  <p:cSld>
+    <p:spTree>
+      <p:nvGrpSpPr>
+        <p:cNvPr id="1" name=""/>
+        <p:cNvGrpSpPr/>
+        <p:nvPr/>
+      </p:nvGrpSpPr>
+      <p:grpSpPr>
+        <a:xfrm>
+          <a:off x="0" y="0"/>
+          <a:ext cx="0" cy="0"/>
+          <a:chOff x="0" y="0"/>
+          <a:chExt cx="0" cy="0"/>
+        </a:xfrm>
+      </p:grpSpPr>
+      <p:sp>
+        <p:nvSpPr>
+          <p:cNvPr id="43" name="Rectangle 42"/>
+          <p:cNvSpPr/>
+          <p:nvPr/>
+        </p:nvSpPr>
+        <p:spPr>
+          <a:xfrm>
+            <a:off x="6804883" y="1106495"/>
+            <a:ext cx="6209639" cy="2235805"/>
+          </a:xfrm>
+          <a:prstGeom prst="rect">
+            <a:avLst/>
+          </a:prstGeom>
+          <a:noFill/>
+          <a:ln w="12700">
+            <a:solidFill>
+              <a:schemeClr val="bg1">
+                <a:lumMod val="50000"/>
+              </a:schemeClr>
+            </a:solidFill>
+          </a:ln>
+        </p:spPr>
+        <p:style>
+          <a:lnRef idx="2">
+            <a:schemeClr val="accent4"/>
+          </a:lnRef>
+          <a:fillRef idx="1">
+            <a:schemeClr val="lt1"/>
+          </a:fillRef>
+          <a:effectRef idx="0">
+            <a:schemeClr val="accent4"/>
+          </a:effectRef>
+          <a:fontRef idx="minor">
+            <a:schemeClr val="dk1"/>
+          </a:fontRef>
+        </p:style>
+        <p:txBody>
+          <a:bodyPr tIns="105844" rtlCol="0" anchor="t"/>
+          <a:lstStyle/>
+          <a:p>
+            <a:pPr defTabSz="672130">
+              <a:spcAft>
+                <a:spcPts val="882"/>
+              </a:spcAft>
+            </a:pPr>
+            <a:endParaRPr lang="pt-BR" sz="1470" dirty="0">
+              <a:solidFill>
+                <a:schemeClr val="tx1"/>
+              </a:solidFill>
+              <a:latin typeface="Calibri" panose="020F0502020204030204" pitchFamily="34" charset="0"/>
+              <a:cs typeface="Simplon BP Regular"/>
+            </a:endParaRPr>
+          </a:p>
+        </p:txBody>
+      </p:sp>
+      <p:sp>
+        <p:nvSpPr>
+          <p:cNvPr id="3" name="Title 2"/>
+          <p:cNvSpPr>
+            <a:spLocks noGrp="1"/>
+          </p:cNvSpPr>
+          <p:nvPr>
+            <p:ph type="title"/>
+          </p:nvPr>
+        </p:nvSpPr>
+        <p:spPr>
+          <a:xfrm>
+            <a:off x="469692" y="185232"/>
+            <a:ext cx="12098020" cy="800352"/>
+          </a:xfrm>
+        </p:spPr>
+        <p:txBody>
+          <a:bodyPr vert="horz" wrap="square" lIns="105844" tIns="0" rIns="105844" bIns="0" numCol="1" anchor="t" anchorCtr="0" compatLnSpc="1">
+            <a:prstTxWarp prst="textNoShape">
+              <a:avLst/>
+            </a:prstTxWarp>
+            <a:noAutofit/>
+          </a:bodyPr>
+          <a:lstStyle/>
+          <a:p>
+            <a:pPr algn="l">
+              <a:spcAft>
+                <a:spcPts val="882"/>
+              </a:spcAft>
+            </a:pPr>
+            <a:r>
+              <a:rPr lang="en-US" sz="2646" dirty="0">
+                <a:solidFill>
+                  <a:prstClr val="black"/>
+                </a:solidFill>
+                <a:latin typeface="Simplon Oi Headline"/>
+                <a:cs typeface="Simplon Oi Headline"/>
+              </a:rPr>
+              <a:t>SEMANA 5 – 23/09/2021</a:t>
+            </a:r>
+          </a:p>
+        </p:txBody>
+      </p:sp>
+      <p:sp>
+        <p:nvSpPr>
+          <p:cNvPr id="64" name="Retângulo 63"/>
+          <p:cNvSpPr/>
+          <p:nvPr/>
+        </p:nvSpPr>
+        <p:spPr>
+          <a:xfrm>
+            <a:off x="512766" y="868345"/>
+            <a:ext cx="6186608" cy="238150"/>
+          </a:xfrm>
+          <a:prstGeom prst="rect">
+            <a:avLst/>
+          </a:prstGeom>
+          <a:solidFill>
+            <a:schemeClr val="bg1">
+              <a:lumMod val="85000"/>
+            </a:schemeClr>
+          </a:solidFill>
+        </p:spPr>
+        <p:txBody>
+          <a:bodyPr vert="horz" lIns="134422" tIns="67211" rIns="134422" bIns="67211" rtlCol="0" anchor="ctr"/>
+          <a:lstStyle/>
+          <a:p>
+            <a:pPr defTabSz="672130"/>
+            <a:r>
+              <a:rPr lang="en-US" sz="1544" dirty="0">
+                <a:latin typeface="Simplon Oi Headline" charset="0"/>
+                <a:ea typeface="Simplon Oi Headline" charset="0"/>
+                <a:cs typeface="Simplon Oi Headline" charset="0"/>
+              </a:rPr>
+              <a:t>PROGRESSOS</a:t>
+            </a:r>
+            <a:endParaRPr lang="pt-BR" sz="1544" dirty="0">
+              <a:latin typeface="Simplon Oi Headline" charset="0"/>
+              <a:ea typeface="Simplon Oi Headline" charset="0"/>
+              <a:cs typeface="Simplon Oi Headline" charset="0"/>
+            </a:endParaRPr>
+          </a:p>
+        </p:txBody>
+      </p:sp>
+      <p:sp>
+        <p:nvSpPr>
+          <p:cNvPr id="65" name="Retângulo 64"/>
+          <p:cNvSpPr/>
+          <p:nvPr/>
+        </p:nvSpPr>
+        <p:spPr>
+          <a:xfrm>
+            <a:off x="6814576" y="868345"/>
+            <a:ext cx="6194715" cy="238150"/>
+          </a:xfrm>
+          <a:prstGeom prst="rect">
+            <a:avLst/>
+          </a:prstGeom>
+          <a:solidFill>
+            <a:schemeClr val="bg1">
+              <a:lumMod val="85000"/>
+            </a:schemeClr>
+          </a:solidFill>
+        </p:spPr>
+        <p:txBody>
+          <a:bodyPr vert="horz" lIns="134422" tIns="67211" rIns="134422" bIns="67211" rtlCol="0" anchor="ctr"/>
+          <a:lstStyle/>
+          <a:p>
+            <a:pPr defTabSz="672130"/>
+            <a:r>
+              <a:rPr lang="pt-BR" sz="1544" dirty="0">
+                <a:latin typeface="Simplon Oi Headline" charset="0"/>
+                <a:ea typeface="Simplon Oi Headline" charset="0"/>
+                <a:cs typeface="Simplon Oi Headline" charset="0"/>
+              </a:rPr>
+              <a:t>Pontos atenção/ Principais Riscos</a:t>
+            </a:r>
+          </a:p>
+        </p:txBody>
+      </p:sp>
+      <p:sp>
+        <p:nvSpPr>
+          <p:cNvPr id="66" name="Retângulo 65"/>
+          <p:cNvSpPr/>
+          <p:nvPr/>
+        </p:nvSpPr>
+        <p:spPr>
+          <a:xfrm>
+            <a:off x="507536" y="3418875"/>
+            <a:ext cx="12505521" cy="238150"/>
+          </a:xfrm>
+          <a:prstGeom prst="rect">
+            <a:avLst/>
+          </a:prstGeom>
+          <a:solidFill>
+            <a:schemeClr val="bg1">
+              <a:lumMod val="85000"/>
+            </a:schemeClr>
+          </a:solidFill>
+        </p:spPr>
+        <p:txBody>
+          <a:bodyPr vert="horz" lIns="134422" tIns="67211" rIns="134422" bIns="67211" rtlCol="0" anchor="ctr"/>
+          <a:lstStyle/>
+          <a:p>
+            <a:pPr defTabSz="672130"/>
+            <a:r>
+              <a:rPr lang="pt-BR" sz="1544" dirty="0">
+                <a:latin typeface="Simplon Oi Headline" charset="0"/>
+                <a:ea typeface="Simplon Oi Headline" charset="0"/>
+                <a:cs typeface="Simplon Oi Headline" charset="0"/>
+              </a:rPr>
+              <a:t>Próximos Passos/ Decisões a tomar</a:t>
+            </a:r>
+          </a:p>
+        </p:txBody>
+      </p:sp>
+      <p:sp>
+        <p:nvSpPr>
+          <p:cNvPr id="63" name="Rectangle 37"/>
+          <p:cNvSpPr/>
+          <p:nvPr/>
+        </p:nvSpPr>
+        <p:spPr>
+          <a:xfrm>
+            <a:off x="496765" y="1106495"/>
+            <a:ext cx="6207777" cy="2235805"/>
+          </a:xfrm>
+          <a:prstGeom prst="rect">
+            <a:avLst/>
+          </a:prstGeom>
+          <a:noFill/>
+          <a:ln w="12700">
+            <a:solidFill>
+              <a:schemeClr val="bg1">
+                <a:lumMod val="50000"/>
+              </a:schemeClr>
+            </a:solidFill>
+          </a:ln>
+        </p:spPr>
+        <p:style>
+          <a:lnRef idx="2">
+            <a:schemeClr val="accent4"/>
+          </a:lnRef>
+          <a:fillRef idx="1">
+            <a:schemeClr val="lt1"/>
+          </a:fillRef>
+          <a:effectRef idx="0">
+            <a:schemeClr val="accent4"/>
+          </a:effectRef>
+          <a:fontRef idx="minor">
+            <a:schemeClr val="dk1"/>
+          </a:fontRef>
+        </p:style>
+        <p:txBody>
+          <a:bodyPr tIns="105844" rtlCol="0" anchor="t"/>
+          <a:lstStyle/>
+          <a:p>
+            <a:pPr marL="252049" indent="-252049" fontAlgn="base">
+              <a:spcBef>
+                <a:spcPct val="0"/>
+              </a:spcBef>
+              <a:buFont typeface="Wingdings" panose="05000000000000000000" pitchFamily="2" charset="2"/>
+              <a:buChar char="ü"/>
+              <a:defRPr/>
+            </a:pPr>
+            <a:r>
+              <a:rPr lang="pt-BR" sz="1323" b="1" dirty="0">
+                <a:solidFill>
+                  <a:schemeClr val="tx1"/>
+                </a:solidFill>
+                <a:latin typeface="Calibri" panose="020F0502020204030204" pitchFamily="34" charset="0"/>
+                <a:cs typeface="Simplon BP Regular"/>
+              </a:rPr>
+              <a:t>Finalização usabilidade Web</a:t>
+            </a:r>
+          </a:p>
+          <a:p>
+            <a:pPr marL="252049" indent="-252049" fontAlgn="base">
+              <a:spcBef>
+                <a:spcPct val="0"/>
+              </a:spcBef>
+              <a:buFont typeface="Wingdings" panose="05000000000000000000" pitchFamily="2" charset="2"/>
+              <a:buChar char="ü"/>
+              <a:defRPr/>
+            </a:pPr>
+            <a:r>
+              <a:rPr lang="pt-BR" sz="1323" b="1" dirty="0">
+                <a:solidFill>
+                  <a:schemeClr val="tx1"/>
+                </a:solidFill>
+                <a:latin typeface="Calibri" panose="020F0502020204030204" pitchFamily="34" charset="0"/>
+                <a:cs typeface="Simplon BP Regular"/>
+              </a:rPr>
+              <a:t>Conclusão DER</a:t>
+            </a:r>
+          </a:p>
+          <a:p>
+            <a:pPr marL="252049" indent="-252049" fontAlgn="base">
+              <a:spcBef>
+                <a:spcPct val="0"/>
+              </a:spcBef>
+              <a:buFont typeface="Wingdings" panose="05000000000000000000" pitchFamily="2" charset="2"/>
+              <a:buChar char="ü"/>
+              <a:defRPr/>
+            </a:pPr>
+            <a:r>
+              <a:rPr lang="pt-BR" sz="1323" b="1" dirty="0">
+                <a:solidFill>
+                  <a:schemeClr val="tx1"/>
+                </a:solidFill>
+                <a:latin typeface="Calibri" panose="020F0502020204030204" pitchFamily="34" charset="0"/>
+                <a:cs typeface="Simplon BP Regular"/>
+              </a:rPr>
+              <a:t>Criação da Timeline</a:t>
+            </a:r>
+          </a:p>
+          <a:p>
+            <a:pPr marL="252049" indent="-252049" fontAlgn="base">
+              <a:spcBef>
+                <a:spcPct val="0"/>
+              </a:spcBef>
+              <a:buFont typeface="Wingdings" panose="05000000000000000000" pitchFamily="2" charset="2"/>
+              <a:buChar char="ü"/>
+              <a:defRPr/>
+            </a:pPr>
+            <a:r>
+              <a:rPr lang="pt-BR" sz="1323" b="1" dirty="0">
+                <a:solidFill>
+                  <a:schemeClr val="tx1"/>
+                </a:solidFill>
+                <a:latin typeface="Calibri" panose="020F0502020204030204" pitchFamily="34" charset="0"/>
+                <a:cs typeface="Simplon BP Regular"/>
+              </a:rPr>
+              <a:t>Criação CRUD</a:t>
+            </a:r>
+          </a:p>
+          <a:p>
+            <a:pPr marL="252049" indent="-252049" fontAlgn="base">
+              <a:spcBef>
+                <a:spcPct val="0"/>
+              </a:spcBef>
+              <a:buFont typeface="Wingdings" panose="05000000000000000000" pitchFamily="2" charset="2"/>
+              <a:buChar char="ü"/>
+              <a:defRPr/>
+            </a:pPr>
+            <a:r>
+              <a:rPr lang="pt-BR" sz="1320" b="1" dirty="0"/>
+              <a:t>Diagrama de Solução de Software</a:t>
+            </a:r>
+          </a:p>
+          <a:p>
+            <a:pPr marL="252049" indent="-252049" fontAlgn="base">
+              <a:spcBef>
+                <a:spcPct val="0"/>
+              </a:spcBef>
+              <a:buFont typeface="Wingdings" panose="05000000000000000000" pitchFamily="2" charset="2"/>
+              <a:buChar char="ü"/>
+              <a:defRPr/>
+            </a:pPr>
+            <a:endParaRPr lang="pt-BR" sz="1323" b="1" dirty="0">
+              <a:solidFill>
+                <a:schemeClr val="tx1"/>
+              </a:solidFill>
+              <a:latin typeface="Calibri" panose="020F0502020204030204" pitchFamily="34" charset="0"/>
+              <a:cs typeface="Simplon BP Regular"/>
+            </a:endParaRPr>
+          </a:p>
+          <a:p>
+            <a:pPr marL="252049" indent="-252049" fontAlgn="base">
+              <a:spcBef>
+                <a:spcPct val="0"/>
+              </a:spcBef>
+              <a:buFont typeface="Wingdings" panose="05000000000000000000" pitchFamily="2" charset="2"/>
+              <a:buChar char="ü"/>
+              <a:defRPr/>
+            </a:pPr>
+            <a:endParaRPr lang="pt-BR" sz="1323" b="1" dirty="0">
+              <a:solidFill>
+                <a:schemeClr val="tx1"/>
+              </a:solidFill>
+              <a:latin typeface="Calibri" panose="020F0502020204030204" pitchFamily="34" charset="0"/>
+              <a:cs typeface="Simplon BP Regular"/>
+            </a:endParaRPr>
+          </a:p>
+          <a:p>
+            <a:pPr marL="252049" indent="-252049" fontAlgn="base">
+              <a:spcBef>
+                <a:spcPct val="0"/>
+              </a:spcBef>
+              <a:buFont typeface="Wingdings" panose="05000000000000000000" pitchFamily="2" charset="2"/>
+              <a:buChar char="ü"/>
+              <a:defRPr/>
+            </a:pPr>
+            <a:endParaRPr lang="pt-BR" sz="1323" b="1" dirty="0">
+              <a:solidFill>
+                <a:schemeClr val="tx1"/>
+              </a:solidFill>
+              <a:latin typeface="Calibri" panose="020F0502020204030204" pitchFamily="34" charset="0"/>
+              <a:cs typeface="Simplon BP Regular"/>
+            </a:endParaRPr>
+          </a:p>
+          <a:p>
+            <a:pPr marL="252049" indent="-252049" fontAlgn="base">
+              <a:spcBef>
+                <a:spcPct val="0"/>
+              </a:spcBef>
+              <a:buFont typeface="Wingdings" panose="05000000000000000000" pitchFamily="2" charset="2"/>
+              <a:buChar char="ü"/>
+              <a:defRPr/>
+            </a:pPr>
+            <a:endParaRPr lang="pt-BR" sz="1323" b="1" dirty="0">
+              <a:solidFill>
+                <a:schemeClr val="tx1"/>
+              </a:solidFill>
+              <a:latin typeface="Calibri" panose="020F0502020204030204" pitchFamily="34" charset="0"/>
+              <a:cs typeface="Simplon BP Regular"/>
+            </a:endParaRPr>
+          </a:p>
+          <a:p>
+            <a:pPr marL="252049" indent="-252049" fontAlgn="base">
+              <a:spcBef>
+                <a:spcPct val="0"/>
+              </a:spcBef>
+              <a:buFont typeface="Wingdings" panose="05000000000000000000" pitchFamily="2" charset="2"/>
+              <a:buChar char="ü"/>
+              <a:defRPr/>
+            </a:pPr>
+            <a:endParaRPr lang="pt-BR" sz="1323" b="1" dirty="0">
+              <a:solidFill>
+                <a:schemeClr val="tx1"/>
+              </a:solidFill>
+              <a:latin typeface="Calibri" panose="020F0502020204030204" pitchFamily="34" charset="0"/>
+              <a:cs typeface="Simplon BP Regular"/>
+            </a:endParaRPr>
+          </a:p>
+          <a:p>
+            <a:pPr marL="252049" indent="-252049" fontAlgn="base">
+              <a:spcBef>
+                <a:spcPct val="0"/>
+              </a:spcBef>
+              <a:buFont typeface="Wingdings" panose="05000000000000000000" pitchFamily="2" charset="2"/>
+              <a:buChar char="ü"/>
+              <a:defRPr/>
+            </a:pPr>
+            <a:endParaRPr lang="pt-BR" sz="1323" b="1" dirty="0">
+              <a:solidFill>
+                <a:schemeClr val="tx1"/>
+              </a:solidFill>
+              <a:latin typeface="Calibri" panose="020F0502020204030204" pitchFamily="34" charset="0"/>
+              <a:cs typeface="Simplon BP Regular"/>
+            </a:endParaRPr>
+          </a:p>
+          <a:p>
+            <a:pPr marL="252049" indent="-252049" fontAlgn="base">
+              <a:spcBef>
+                <a:spcPct val="0"/>
+              </a:spcBef>
+              <a:buFont typeface="Wingdings" panose="05000000000000000000" pitchFamily="2" charset="2"/>
+              <a:buChar char="ü"/>
+              <a:defRPr/>
+            </a:pPr>
+            <a:endParaRPr lang="pt-BR" sz="1323" b="1" dirty="0">
+              <a:solidFill>
+                <a:schemeClr val="tx1"/>
+              </a:solidFill>
+              <a:latin typeface="Calibri" panose="020F0502020204030204" pitchFamily="34" charset="0"/>
+              <a:cs typeface="Simplon BP Regular"/>
+            </a:endParaRPr>
+          </a:p>
+          <a:p>
+            <a:pPr marL="252049" lvl="1" indent="-252049" fontAlgn="base">
+              <a:spcBef>
+                <a:spcPct val="0"/>
+              </a:spcBef>
+              <a:buFont typeface="Wingdings" panose="05000000000000000000" pitchFamily="2" charset="2"/>
+              <a:buChar char="ü"/>
+              <a:defRPr/>
+            </a:pPr>
+            <a:endParaRPr lang="pt-BR" sz="1323" b="1" dirty="0">
+              <a:solidFill>
+                <a:schemeClr val="tx1"/>
+              </a:solidFill>
+              <a:latin typeface="Calibri" panose="020F0502020204030204" pitchFamily="34" charset="0"/>
+              <a:cs typeface="Simplon BP Regular"/>
+            </a:endParaRPr>
+          </a:p>
+          <a:p>
+            <a:pPr marL="252049" indent="-252049" fontAlgn="base">
+              <a:spcBef>
+                <a:spcPct val="0"/>
+              </a:spcBef>
+              <a:buFont typeface="Wingdings" panose="05000000000000000000" pitchFamily="2" charset="2"/>
+              <a:buChar char="ü"/>
+              <a:defRPr/>
+            </a:pPr>
+            <a:endParaRPr lang="pt-BR" sz="1323" b="1" dirty="0">
+              <a:solidFill>
+                <a:schemeClr val="tx1"/>
+              </a:solidFill>
+              <a:latin typeface="Calibri" panose="020F0502020204030204" pitchFamily="34" charset="0"/>
+              <a:cs typeface="Simplon BP Regular"/>
+            </a:endParaRPr>
+          </a:p>
+          <a:p>
+            <a:pPr marL="252049" indent="-252049" fontAlgn="base">
+              <a:spcBef>
+                <a:spcPct val="0"/>
+              </a:spcBef>
+              <a:buFont typeface="Wingdings" panose="05000000000000000000" pitchFamily="2" charset="2"/>
+              <a:buChar char="ü"/>
+              <a:defRPr/>
+            </a:pPr>
+            <a:endParaRPr lang="pt-BR" sz="1323" b="1" dirty="0">
+              <a:solidFill>
+                <a:schemeClr val="tx1"/>
+              </a:solidFill>
+              <a:latin typeface="Calibri" panose="020F0502020204030204" pitchFamily="34" charset="0"/>
+              <a:cs typeface="Simplon BP Regular"/>
+            </a:endParaRPr>
+          </a:p>
+        </p:txBody>
+      </p:sp>
+      <p:sp>
+        <p:nvSpPr>
+          <p:cNvPr id="2" name="Rectangle 43">
+            <a:extLst>
+              <a:ext uri="{FF2B5EF4-FFF2-40B4-BE49-F238E27FC236}">
+                <a16:creationId xmlns:a16="http://schemas.microsoft.com/office/drawing/2014/main" id="{B15BA19F-C787-4E6A-ADAB-C0DFF09C66A8}"/>
+              </a:ext>
+            </a:extLst>
+          </p:cNvPr>
+          <p:cNvSpPr>
+            <a:spLocks/>
+          </p:cNvSpPr>
+          <p:nvPr/>
+        </p:nvSpPr>
+        <p:spPr>
+          <a:xfrm>
+            <a:off x="512766" y="3728204"/>
+            <a:ext cx="12496524" cy="3581485"/>
+          </a:xfrm>
+          <a:prstGeom prst="rect">
+            <a:avLst/>
+          </a:prstGeom>
+          <a:noFill/>
+          <a:ln w="12700">
+            <a:solidFill>
+              <a:schemeClr val="bg1">
+                <a:lumMod val="50000"/>
+              </a:schemeClr>
+            </a:solidFill>
+          </a:ln>
+        </p:spPr>
+        <p:style>
+          <a:lnRef idx="2">
+            <a:schemeClr val="accent4"/>
+          </a:lnRef>
+          <a:fillRef idx="1">
+            <a:schemeClr val="lt1"/>
+          </a:fillRef>
+          <a:effectRef idx="0">
+            <a:schemeClr val="accent4"/>
+          </a:effectRef>
+          <a:fontRef idx="minor">
+            <a:schemeClr val="dk1"/>
+          </a:fontRef>
+        </p:style>
+        <p:txBody>
+          <a:bodyPr wrap="square" tIns="105844" numCol="3" rtlCol="0" anchor="ctr"/>
+          <a:lstStyle/>
+          <a:p>
+            <a:pPr marL="0" lvl="1" defTabSz="672130"/>
+            <a:r>
+              <a:rPr lang="pt-BR" sz="1323" b="1" dirty="0">
+                <a:solidFill>
+                  <a:schemeClr val="tx1"/>
+                </a:solidFill>
+                <a:latin typeface="Calibri" panose="020F0502020204030204" pitchFamily="34" charset="0"/>
+                <a:cs typeface="Simplon BP Regular"/>
+              </a:rPr>
+              <a:t>Frente Plataforma</a:t>
+            </a:r>
+          </a:p>
+          <a:p>
+            <a:pPr marL="285750" lvl="1" indent="-285750" defTabSz="672130">
+              <a:buFont typeface="Arial" panose="020B0604020202020204" pitchFamily="34" charset="0"/>
+              <a:buChar char="•"/>
+            </a:pPr>
+            <a:r>
+              <a:rPr lang="pt-BR" sz="1323" dirty="0">
+                <a:solidFill>
+                  <a:schemeClr val="tx1"/>
+                </a:solidFill>
+                <a:latin typeface="Calibri" panose="020F0502020204030204" pitchFamily="34" charset="0"/>
+                <a:cs typeface="Simplon BP Regular"/>
+              </a:rPr>
+              <a:t>Criação do Banco de Dados na Azure</a:t>
+            </a:r>
+          </a:p>
+          <a:p>
+            <a:pPr marL="0" lvl="1" defTabSz="672130"/>
+            <a:endParaRPr lang="pt-BR" sz="1323" b="1" dirty="0">
+              <a:solidFill>
+                <a:schemeClr val="tx1"/>
+              </a:solidFill>
+              <a:latin typeface="Calibri" panose="020F0502020204030204" pitchFamily="34" charset="0"/>
+              <a:cs typeface="Simplon BP Regular"/>
+            </a:endParaRPr>
+          </a:p>
+          <a:p>
+            <a:pPr marL="0" lvl="1" defTabSz="672130"/>
+            <a:r>
+              <a:rPr lang="pt-BR" sz="1323" b="1" dirty="0">
+                <a:solidFill>
+                  <a:schemeClr val="tx1"/>
+                </a:solidFill>
+                <a:latin typeface="Calibri" panose="020F0502020204030204" pitchFamily="34" charset="0"/>
+                <a:cs typeface="Simplon BP Regular"/>
+              </a:rPr>
+              <a:t>Frente Back End</a:t>
+            </a:r>
+          </a:p>
+          <a:p>
+            <a:pPr marL="285750" lvl="1" indent="-285750" defTabSz="672130">
+              <a:buFont typeface="Arial" panose="020B0604020202020204" pitchFamily="34" charset="0"/>
+              <a:buChar char="•"/>
+            </a:pPr>
+            <a:r>
+              <a:rPr lang="pt-BR" sz="1323" dirty="0">
+                <a:solidFill>
+                  <a:schemeClr val="tx1"/>
+                </a:solidFill>
+                <a:latin typeface="Calibri" panose="020F0502020204030204" pitchFamily="34" charset="0"/>
+                <a:cs typeface="Simplon BP Regular"/>
+              </a:rPr>
+              <a:t>Login/</a:t>
+            </a:r>
+            <a:r>
+              <a:rPr lang="pt-BR" sz="1323" dirty="0" err="1">
+                <a:solidFill>
+                  <a:schemeClr val="tx1"/>
+                </a:solidFill>
+                <a:latin typeface="Calibri" panose="020F0502020204030204" pitchFamily="34" charset="0"/>
+                <a:cs typeface="Simplon BP Regular"/>
+              </a:rPr>
+              <a:t>LogOff</a:t>
+            </a:r>
+            <a:r>
+              <a:rPr lang="pt-BR" sz="1323" dirty="0">
+                <a:solidFill>
+                  <a:schemeClr val="tx1"/>
+                </a:solidFill>
+                <a:latin typeface="Calibri" panose="020F0502020204030204" pitchFamily="34" charset="0"/>
+                <a:cs typeface="Simplon BP Regular"/>
+              </a:rPr>
+              <a:t> - Com ORM</a:t>
+            </a:r>
+          </a:p>
+          <a:p>
+            <a:pPr marL="0" lvl="1" defTabSz="672130"/>
+            <a:endParaRPr lang="pt-BR" sz="1323" dirty="0">
+              <a:solidFill>
+                <a:schemeClr val="tx1"/>
+              </a:solidFill>
+              <a:latin typeface="Calibri" panose="020F0502020204030204" pitchFamily="34" charset="0"/>
+              <a:cs typeface="Simplon BP Regular"/>
+            </a:endParaRPr>
+          </a:p>
+          <a:p>
+            <a:pPr marL="0" lvl="1" defTabSz="672130"/>
+            <a:r>
+              <a:rPr lang="pt-BR" sz="1323" b="1" dirty="0">
+                <a:solidFill>
+                  <a:schemeClr val="tx1"/>
+                </a:solidFill>
+                <a:latin typeface="Calibri" panose="020F0502020204030204" pitchFamily="34" charset="0"/>
+                <a:cs typeface="Simplon BP Regular"/>
+              </a:rPr>
+              <a:t>Frente Front End</a:t>
+            </a:r>
+          </a:p>
+          <a:p>
+            <a:pPr marL="285750" lvl="1" indent="-285750" defTabSz="672130">
+              <a:buFont typeface="Arial" panose="020B0604020202020204" pitchFamily="34" charset="0"/>
+              <a:buChar char="•"/>
+            </a:pPr>
+            <a:r>
+              <a:rPr lang="pt-BR" sz="1323" dirty="0">
+                <a:solidFill>
+                  <a:schemeClr val="tx1"/>
+                </a:solidFill>
+                <a:latin typeface="Calibri" panose="020F0502020204030204" pitchFamily="34" charset="0"/>
+                <a:cs typeface="Simplon BP Regular"/>
+              </a:rPr>
+              <a:t>Separação das telas a serem criadas;</a:t>
+            </a:r>
+          </a:p>
+          <a:p>
+            <a:pPr marL="285750" lvl="1" indent="-285750" defTabSz="672130">
+              <a:buFont typeface="Arial" panose="020B0604020202020204" pitchFamily="34" charset="0"/>
+              <a:buChar char="•"/>
+            </a:pPr>
+            <a:r>
+              <a:rPr lang="pt-BR" sz="1323" dirty="0">
+                <a:solidFill>
+                  <a:schemeClr val="tx1"/>
+                </a:solidFill>
+                <a:latin typeface="Calibri" panose="020F0502020204030204" pitchFamily="34" charset="0"/>
+                <a:cs typeface="Simplon BP Regular"/>
+              </a:rPr>
+              <a:t>Criação </a:t>
+            </a:r>
+            <a:r>
+              <a:rPr lang="pt-BR" sz="1323">
+                <a:solidFill>
+                  <a:schemeClr val="tx1"/>
+                </a:solidFill>
+                <a:latin typeface="Calibri" panose="020F0502020204030204" pitchFamily="34" charset="0"/>
+                <a:cs typeface="Simplon BP Regular"/>
+              </a:rPr>
+              <a:t>das Sprint </a:t>
+            </a:r>
+            <a:r>
+              <a:rPr lang="pt-BR" sz="1323" dirty="0">
+                <a:solidFill>
+                  <a:schemeClr val="tx1"/>
+                </a:solidFill>
+                <a:latin typeface="Calibri" panose="020F0502020204030204" pitchFamily="34" charset="0"/>
+                <a:cs typeface="Simplon BP Regular"/>
+              </a:rPr>
+              <a:t>Backlog das telas</a:t>
+            </a:r>
+          </a:p>
+          <a:p>
+            <a:pPr marL="0" lvl="1" defTabSz="672130"/>
+            <a:endParaRPr lang="pt-BR" sz="1600" b="1" dirty="0">
+              <a:solidFill>
+                <a:schemeClr val="tx1"/>
+              </a:solidFill>
+              <a:latin typeface="Calibri" panose="020F0502020204030204" pitchFamily="34" charset="0"/>
+              <a:cs typeface="Simplon BP Regular"/>
+            </a:endParaRPr>
+          </a:p>
+          <a:p>
+            <a:pPr marL="0" lvl="1" defTabSz="672130"/>
+            <a:r>
+              <a:rPr lang="pt-BR" sz="1320" b="1" dirty="0">
+                <a:solidFill>
+                  <a:schemeClr val="tx1"/>
+                </a:solidFill>
+                <a:latin typeface="Calibri" panose="020F0502020204030204" pitchFamily="34" charset="0"/>
+                <a:cs typeface="Simplon BP Regular"/>
+              </a:rPr>
+              <a:t>Frente Negócios</a:t>
+            </a:r>
+          </a:p>
+          <a:p>
+            <a:pPr marL="252049" lvl="1" indent="-252049">
+              <a:buFont typeface="Wingdings" panose="05000000000000000000" pitchFamily="2" charset="2"/>
+              <a:buChar char="§"/>
+            </a:pPr>
+            <a:r>
+              <a:rPr lang="pt-BR" sz="1320" dirty="0">
+                <a:solidFill>
+                  <a:schemeClr val="tx1"/>
+                </a:solidFill>
+                <a:latin typeface="Calibri" panose="020F0502020204030204" pitchFamily="34" charset="0"/>
+                <a:cs typeface="Simplon BP Regular"/>
+              </a:rPr>
+              <a:t>Ajustes na documentação</a:t>
+            </a:r>
+          </a:p>
+          <a:p>
+            <a:pPr marL="0" lvl="1"/>
+            <a:endParaRPr lang="pt-BR" sz="1320" dirty="0">
+              <a:solidFill>
+                <a:schemeClr val="tx1"/>
+              </a:solidFill>
+              <a:latin typeface="Calibri" panose="020F0502020204030204" pitchFamily="34" charset="0"/>
+              <a:cs typeface="Simplon BP Regular"/>
+            </a:endParaRPr>
+          </a:p>
+        </p:txBody>
+      </p:sp>
+      <p:sp>
+        <p:nvSpPr>
+          <p:cNvPr id="44" name="TextBox 118">
+            <a:extLst>
+              <a:ext uri="{FF2B5EF4-FFF2-40B4-BE49-F238E27FC236}">
+                <a16:creationId xmlns:a16="http://schemas.microsoft.com/office/drawing/2014/main" id="{1E997FEB-A82C-4FE3-B191-DE926FE907FC}"/>
+              </a:ext>
+            </a:extLst>
+          </p:cNvPr>
+          <p:cNvSpPr txBox="1"/>
+          <p:nvPr/>
+        </p:nvSpPr>
+        <p:spPr>
+          <a:xfrm>
+            <a:off x="11832861" y="632714"/>
+            <a:ext cx="899678" cy="179824"/>
+          </a:xfrm>
+          <a:prstGeom prst="rect">
+            <a:avLst/>
+          </a:prstGeom>
+          <a:noFill/>
+          <a:ln w="12700">
+            <a:noFill/>
+          </a:ln>
+        </p:spPr>
+        <p:style>
+          <a:lnRef idx="2">
+            <a:schemeClr val="accent4"/>
+          </a:lnRef>
+          <a:fillRef idx="1">
+            <a:schemeClr val="lt1"/>
+          </a:fillRef>
+          <a:effectRef idx="0">
+            <a:schemeClr val="accent4"/>
+          </a:effectRef>
+          <a:fontRef idx="minor">
+            <a:schemeClr val="dk1"/>
+          </a:fontRef>
+        </p:style>
+        <p:txBody>
+          <a:bodyPr wrap="none" lIns="52922" tIns="52922" rIns="52922" bIns="0" rtlCol="0" anchor="b"/>
+          <a:lstStyle>
+            <a:defPPr>
+              <a:defRPr lang="en-US"/>
+            </a:defPPr>
+            <a:lvl1pPr algn="ctr">
+              <a:defRPr sz="1000" b="1">
+                <a:latin typeface="Simplon BP Regular"/>
+                <a:cs typeface="Simplon BP Regular"/>
+              </a:defRPr>
+            </a:lvl1pPr>
+            <a:lvl2pPr>
+              <a:defRPr>
+                <a:solidFill>
+                  <a:schemeClr val="dk1"/>
+                </a:solidFill>
+              </a:defRPr>
+            </a:lvl2pPr>
+            <a:lvl3pPr>
+              <a:defRPr>
+                <a:solidFill>
+                  <a:schemeClr val="dk1"/>
+                </a:solidFill>
+              </a:defRPr>
+            </a:lvl3pPr>
+            <a:lvl4pPr>
+              <a:defRPr>
+                <a:solidFill>
+                  <a:schemeClr val="dk1"/>
+                </a:solidFill>
+              </a:defRPr>
+            </a:lvl4pPr>
+            <a:lvl5pPr>
+              <a:defRPr>
+                <a:solidFill>
+                  <a:schemeClr val="dk1"/>
+                </a:solidFill>
+              </a:defRPr>
+            </a:lvl5pPr>
+            <a:lvl6pPr>
+              <a:defRPr>
+                <a:solidFill>
+                  <a:schemeClr val="dk1"/>
+                </a:solidFill>
+              </a:defRPr>
+            </a:lvl6pPr>
+            <a:lvl7pPr>
+              <a:defRPr>
+                <a:solidFill>
+                  <a:schemeClr val="dk1"/>
+                </a:solidFill>
+              </a:defRPr>
+            </a:lvl7pPr>
+            <a:lvl8pPr>
+              <a:defRPr>
+                <a:solidFill>
+                  <a:schemeClr val="dk1"/>
+                </a:solidFill>
+              </a:defRPr>
+            </a:lvl8pPr>
+            <a:lvl9pPr>
+              <a:defRPr>
+                <a:solidFill>
+                  <a:schemeClr val="dk1"/>
+                </a:solidFill>
+              </a:defRPr>
+            </a:lvl9pPr>
+          </a:lstStyle>
+          <a:p>
+            <a:pPr defTabSz="672130"/>
+            <a:r>
+              <a:rPr lang="pt-BR" sz="1176" b="0" dirty="0">
+                <a:solidFill>
+                  <a:prstClr val="black"/>
+                </a:solidFill>
+                <a:latin typeface="Simplon BP Bold" pitchFamily="2" charset="0"/>
+              </a:rPr>
+              <a:t>Negócios</a:t>
+            </a:r>
+          </a:p>
+        </p:txBody>
+      </p:sp>
+      <p:sp>
+        <p:nvSpPr>
+          <p:cNvPr id="45" name="Oval 120">
+            <a:extLst>
+              <a:ext uri="{FF2B5EF4-FFF2-40B4-BE49-F238E27FC236}">
+                <a16:creationId xmlns:a16="http://schemas.microsoft.com/office/drawing/2014/main" id="{086246F5-DDAA-4D0C-90E1-F0C0FED6D98E}"/>
+              </a:ext>
+            </a:extLst>
+          </p:cNvPr>
+          <p:cNvSpPr>
+            <a:spLocks noChangeAspect="1"/>
+          </p:cNvSpPr>
+          <p:nvPr/>
+        </p:nvSpPr>
+        <p:spPr>
+          <a:xfrm>
+            <a:off x="11161291" y="355772"/>
+            <a:ext cx="211404" cy="211689"/>
+          </a:xfrm>
+          <a:prstGeom prst="ellipse">
+            <a:avLst/>
+          </a:prstGeom>
+          <a:solidFill>
+            <a:srgbClr val="FFC000"/>
+          </a:solidFill>
+          <a:ln w="12700">
+            <a:solidFill>
+              <a:schemeClr val="accent3"/>
+            </a:solidFill>
+          </a:ln>
+        </p:spPr>
+        <p:style>
+          <a:lnRef idx="2">
+            <a:schemeClr val="accent1">
+              <a:shade val="50000"/>
+            </a:schemeClr>
+          </a:lnRef>
+          <a:fillRef idx="1">
+            <a:schemeClr val="accent1"/>
+          </a:fillRef>
+          <a:effectRef idx="0">
+            <a:schemeClr val="accent1"/>
+          </a:effectRef>
+          <a:fontRef idx="minor">
+            <a:schemeClr val="lt1"/>
+          </a:fontRef>
+        </p:style>
+        <p:txBody>
+          <a:bodyPr wrap="none" lIns="52922" tIns="52922" rIns="52922" rtlCol="0" anchor="ctr"/>
+          <a:lstStyle/>
+          <a:p>
+            <a:pPr algn="ctr" defTabSz="672130"/>
+            <a:endParaRPr lang="en-US" sz="1176" dirty="0">
+              <a:solidFill>
+                <a:prstClr val="black"/>
+              </a:solidFill>
+              <a:latin typeface="Simplon BP Regular"/>
+              <a:cs typeface="Simplon BP Regular"/>
+            </a:endParaRPr>
+          </a:p>
+        </p:txBody>
+      </p:sp>
+      <p:sp>
+        <p:nvSpPr>
+          <p:cNvPr id="46" name="TextBox 123">
+            <a:extLst>
+              <a:ext uri="{FF2B5EF4-FFF2-40B4-BE49-F238E27FC236}">
+                <a16:creationId xmlns:a16="http://schemas.microsoft.com/office/drawing/2014/main" id="{EDE9EB13-C574-4D80-85B2-C614186377BB}"/>
+              </a:ext>
+            </a:extLst>
+          </p:cNvPr>
+          <p:cNvSpPr txBox="1"/>
+          <p:nvPr/>
+        </p:nvSpPr>
+        <p:spPr>
+          <a:xfrm>
+            <a:off x="10839554" y="636806"/>
+            <a:ext cx="899678" cy="179824"/>
+          </a:xfrm>
+          <a:prstGeom prst="rect">
+            <a:avLst/>
+          </a:prstGeom>
+          <a:noFill/>
+          <a:ln w="12700">
+            <a:noFill/>
+          </a:ln>
+        </p:spPr>
+        <p:style>
+          <a:lnRef idx="2">
+            <a:schemeClr val="accent4"/>
+          </a:lnRef>
+          <a:fillRef idx="1">
+            <a:schemeClr val="lt1"/>
+          </a:fillRef>
+          <a:effectRef idx="0">
+            <a:schemeClr val="accent4"/>
+          </a:effectRef>
+          <a:fontRef idx="minor">
+            <a:schemeClr val="dk1"/>
+          </a:fontRef>
+        </p:style>
+        <p:txBody>
+          <a:bodyPr wrap="none" lIns="52922" tIns="52922" rIns="52922" bIns="0" rtlCol="0" anchor="b"/>
+          <a:lstStyle>
+            <a:defPPr>
+              <a:defRPr lang="en-US"/>
+            </a:defPPr>
+            <a:lvl1pPr algn="ctr">
+              <a:defRPr sz="1000" b="1">
+                <a:latin typeface="Simplon BP Regular"/>
+                <a:cs typeface="Simplon BP Regular"/>
+              </a:defRPr>
+            </a:lvl1pPr>
+            <a:lvl2pPr>
+              <a:defRPr>
+                <a:solidFill>
+                  <a:schemeClr val="dk1"/>
+                </a:solidFill>
+              </a:defRPr>
+            </a:lvl2pPr>
+            <a:lvl3pPr>
+              <a:defRPr>
+                <a:solidFill>
+                  <a:schemeClr val="dk1"/>
+                </a:solidFill>
+              </a:defRPr>
+            </a:lvl3pPr>
+            <a:lvl4pPr>
+              <a:defRPr>
+                <a:solidFill>
+                  <a:schemeClr val="dk1"/>
+                </a:solidFill>
+              </a:defRPr>
+            </a:lvl4pPr>
+            <a:lvl5pPr>
+              <a:defRPr>
+                <a:solidFill>
+                  <a:schemeClr val="dk1"/>
+                </a:solidFill>
+              </a:defRPr>
+            </a:lvl5pPr>
+            <a:lvl6pPr>
+              <a:defRPr>
+                <a:solidFill>
+                  <a:schemeClr val="dk1"/>
+                </a:solidFill>
+              </a:defRPr>
+            </a:lvl6pPr>
+            <a:lvl7pPr>
+              <a:defRPr>
+                <a:solidFill>
+                  <a:schemeClr val="dk1"/>
+                </a:solidFill>
+              </a:defRPr>
+            </a:lvl7pPr>
+            <a:lvl8pPr>
+              <a:defRPr>
+                <a:solidFill>
+                  <a:schemeClr val="dk1"/>
+                </a:solidFill>
+              </a:defRPr>
+            </a:lvl8pPr>
+            <a:lvl9pPr>
+              <a:defRPr>
+                <a:solidFill>
+                  <a:schemeClr val="dk1"/>
+                </a:solidFill>
+              </a:defRPr>
+            </a:lvl9pPr>
+          </a:lstStyle>
+          <a:p>
+            <a:pPr defTabSz="672130"/>
+            <a:r>
+              <a:rPr lang="pt-BR" sz="1176" b="0" dirty="0">
+                <a:solidFill>
+                  <a:prstClr val="black"/>
+                </a:solidFill>
+                <a:latin typeface="Simplon BP Bold" pitchFamily="2" charset="0"/>
+              </a:rPr>
+              <a:t>Plataforma</a:t>
+            </a:r>
+          </a:p>
+        </p:txBody>
+      </p:sp>
+      <p:sp>
+        <p:nvSpPr>
+          <p:cNvPr id="47" name="TextBox 128">
+            <a:extLst>
+              <a:ext uri="{FF2B5EF4-FFF2-40B4-BE49-F238E27FC236}">
+                <a16:creationId xmlns:a16="http://schemas.microsoft.com/office/drawing/2014/main" id="{9C8F333D-81A1-4BAB-89AC-459C19DD7185}"/>
+              </a:ext>
+            </a:extLst>
+          </p:cNvPr>
+          <p:cNvSpPr txBox="1"/>
+          <p:nvPr/>
+        </p:nvSpPr>
+        <p:spPr>
+          <a:xfrm>
+            <a:off x="9846247" y="636806"/>
+            <a:ext cx="899678" cy="179824"/>
+          </a:xfrm>
+          <a:prstGeom prst="rect">
+            <a:avLst/>
+          </a:prstGeom>
+          <a:noFill/>
+          <a:ln w="12700">
+            <a:noFill/>
+          </a:ln>
+        </p:spPr>
+        <p:style>
+          <a:lnRef idx="2">
+            <a:schemeClr val="accent4"/>
+          </a:lnRef>
+          <a:fillRef idx="1">
+            <a:schemeClr val="lt1"/>
+          </a:fillRef>
+          <a:effectRef idx="0">
+            <a:schemeClr val="accent4"/>
+          </a:effectRef>
+          <a:fontRef idx="minor">
+            <a:schemeClr val="dk1"/>
+          </a:fontRef>
+        </p:style>
+        <p:txBody>
+          <a:bodyPr wrap="none" lIns="52922" tIns="52922" rIns="52922" bIns="0" rtlCol="0" anchor="b"/>
+          <a:lstStyle>
+            <a:defPPr>
+              <a:defRPr lang="en-US"/>
+            </a:defPPr>
+            <a:lvl1pPr algn="ctr">
+              <a:defRPr sz="1000" b="1">
+                <a:latin typeface="Simplon BP Regular"/>
+                <a:cs typeface="Simplon BP Regular"/>
+              </a:defRPr>
+            </a:lvl1pPr>
+            <a:lvl2pPr>
+              <a:defRPr>
+                <a:solidFill>
+                  <a:schemeClr val="dk1"/>
+                </a:solidFill>
+              </a:defRPr>
+            </a:lvl2pPr>
+            <a:lvl3pPr>
+              <a:defRPr>
+                <a:solidFill>
+                  <a:schemeClr val="dk1"/>
+                </a:solidFill>
+              </a:defRPr>
+            </a:lvl3pPr>
+            <a:lvl4pPr>
+              <a:defRPr>
+                <a:solidFill>
+                  <a:schemeClr val="dk1"/>
+                </a:solidFill>
+              </a:defRPr>
+            </a:lvl4pPr>
+            <a:lvl5pPr>
+              <a:defRPr>
+                <a:solidFill>
+                  <a:schemeClr val="dk1"/>
+                </a:solidFill>
+              </a:defRPr>
+            </a:lvl5pPr>
+            <a:lvl6pPr>
+              <a:defRPr>
+                <a:solidFill>
+                  <a:schemeClr val="dk1"/>
+                </a:solidFill>
+              </a:defRPr>
+            </a:lvl6pPr>
+            <a:lvl7pPr>
+              <a:defRPr>
+                <a:solidFill>
+                  <a:schemeClr val="dk1"/>
+                </a:solidFill>
+              </a:defRPr>
+            </a:lvl7pPr>
+            <a:lvl8pPr>
+              <a:defRPr>
+                <a:solidFill>
+                  <a:schemeClr val="dk1"/>
+                </a:solidFill>
+              </a:defRPr>
+            </a:lvl8pPr>
+            <a:lvl9pPr>
+              <a:defRPr>
+                <a:solidFill>
+                  <a:schemeClr val="dk1"/>
+                </a:solidFill>
+              </a:defRPr>
+            </a:lvl9pPr>
+          </a:lstStyle>
+          <a:p>
+            <a:pPr defTabSz="672130"/>
+            <a:r>
+              <a:rPr lang="pt-BR" sz="1176" b="0" dirty="0">
+                <a:solidFill>
+                  <a:prstClr val="black"/>
+                </a:solidFill>
+                <a:latin typeface="Simplon BP Bold" pitchFamily="2" charset="0"/>
+              </a:rPr>
+              <a:t>Back</a:t>
+            </a:r>
+          </a:p>
+        </p:txBody>
+      </p:sp>
+      <p:sp>
+        <p:nvSpPr>
+          <p:cNvPr id="48" name="TextBox 133">
+            <a:extLst>
+              <a:ext uri="{FF2B5EF4-FFF2-40B4-BE49-F238E27FC236}">
+                <a16:creationId xmlns:a16="http://schemas.microsoft.com/office/drawing/2014/main" id="{64DC5C74-7B23-4BE5-BE63-A9BD52C02CD4}"/>
+              </a:ext>
+            </a:extLst>
+          </p:cNvPr>
+          <p:cNvSpPr txBox="1"/>
+          <p:nvPr/>
+        </p:nvSpPr>
+        <p:spPr>
+          <a:xfrm>
+            <a:off x="8954567" y="611542"/>
+            <a:ext cx="899678" cy="179824"/>
+          </a:xfrm>
+          <a:prstGeom prst="rect">
+            <a:avLst/>
+          </a:prstGeom>
+          <a:noFill/>
+          <a:ln w="12700">
+            <a:noFill/>
+          </a:ln>
+        </p:spPr>
+        <p:style>
+          <a:lnRef idx="2">
+            <a:schemeClr val="accent4"/>
+          </a:lnRef>
+          <a:fillRef idx="1">
+            <a:schemeClr val="lt1"/>
+          </a:fillRef>
+          <a:effectRef idx="0">
+            <a:schemeClr val="accent4"/>
+          </a:effectRef>
+          <a:fontRef idx="minor">
+            <a:schemeClr val="dk1"/>
+          </a:fontRef>
+        </p:style>
+        <p:txBody>
+          <a:bodyPr wrap="none" lIns="52922" tIns="52922" rIns="52922" bIns="0" rtlCol="0" anchor="b"/>
+          <a:lstStyle>
+            <a:defPPr>
+              <a:defRPr lang="en-US"/>
+            </a:defPPr>
+            <a:lvl1pPr algn="ctr">
+              <a:defRPr sz="1000" b="1">
+                <a:latin typeface="Simplon BP Regular"/>
+                <a:cs typeface="Simplon BP Regular"/>
+              </a:defRPr>
+            </a:lvl1pPr>
+            <a:lvl2pPr>
+              <a:defRPr>
+                <a:solidFill>
+                  <a:schemeClr val="dk1"/>
+                </a:solidFill>
+              </a:defRPr>
+            </a:lvl2pPr>
+            <a:lvl3pPr>
+              <a:defRPr>
+                <a:solidFill>
+                  <a:schemeClr val="dk1"/>
+                </a:solidFill>
+              </a:defRPr>
+            </a:lvl3pPr>
+            <a:lvl4pPr>
+              <a:defRPr>
+                <a:solidFill>
+                  <a:schemeClr val="dk1"/>
+                </a:solidFill>
+              </a:defRPr>
+            </a:lvl4pPr>
+            <a:lvl5pPr>
+              <a:defRPr>
+                <a:solidFill>
+                  <a:schemeClr val="dk1"/>
+                </a:solidFill>
+              </a:defRPr>
+            </a:lvl5pPr>
+            <a:lvl6pPr>
+              <a:defRPr>
+                <a:solidFill>
+                  <a:schemeClr val="dk1"/>
+                </a:solidFill>
+              </a:defRPr>
+            </a:lvl6pPr>
+            <a:lvl7pPr>
+              <a:defRPr>
+                <a:solidFill>
+                  <a:schemeClr val="dk1"/>
+                </a:solidFill>
+              </a:defRPr>
+            </a:lvl7pPr>
+            <a:lvl8pPr>
+              <a:defRPr>
+                <a:solidFill>
+                  <a:schemeClr val="dk1"/>
+                </a:solidFill>
+              </a:defRPr>
+            </a:lvl8pPr>
+            <a:lvl9pPr>
+              <a:defRPr>
+                <a:solidFill>
+                  <a:schemeClr val="dk1"/>
+                </a:solidFill>
+              </a:defRPr>
+            </a:lvl9pPr>
+          </a:lstStyle>
+          <a:p>
+            <a:pPr defTabSz="672130"/>
+            <a:r>
+              <a:rPr lang="pt-BR" sz="1176" b="0" dirty="0">
+                <a:solidFill>
+                  <a:prstClr val="black"/>
+                </a:solidFill>
+                <a:latin typeface="Simplon BP Bold" pitchFamily="2" charset="0"/>
+              </a:rPr>
+              <a:t>Front</a:t>
+            </a:r>
+          </a:p>
+        </p:txBody>
+      </p:sp>
+      <p:sp>
+        <p:nvSpPr>
+          <p:cNvPr id="49" name="Oval 134">
+            <a:extLst>
+              <a:ext uri="{FF2B5EF4-FFF2-40B4-BE49-F238E27FC236}">
+                <a16:creationId xmlns:a16="http://schemas.microsoft.com/office/drawing/2014/main" id="{1CBC8A27-FF05-44CD-B093-FB50D917E8D4}"/>
+              </a:ext>
+            </a:extLst>
+          </p:cNvPr>
+          <p:cNvSpPr>
+            <a:spLocks noChangeAspect="1"/>
+          </p:cNvSpPr>
+          <p:nvPr/>
+        </p:nvSpPr>
+        <p:spPr>
+          <a:xfrm>
+            <a:off x="8454287" y="324247"/>
+            <a:ext cx="211404" cy="211689"/>
+          </a:xfrm>
+          <a:prstGeom prst="ellipse">
+            <a:avLst/>
+          </a:prstGeom>
+          <a:solidFill>
+            <a:srgbClr val="1BCF13"/>
+          </a:solidFill>
+          <a:ln w="12700">
+            <a:solidFill>
+              <a:schemeClr val="accent3"/>
+            </a:solidFill>
+          </a:ln>
+        </p:spPr>
+        <p:style>
+          <a:lnRef idx="2">
+            <a:schemeClr val="accent1">
+              <a:shade val="50000"/>
+            </a:schemeClr>
+          </a:lnRef>
+          <a:fillRef idx="1">
+            <a:schemeClr val="accent1"/>
+          </a:fillRef>
+          <a:effectRef idx="0">
+            <a:schemeClr val="accent1"/>
+          </a:effectRef>
+          <a:fontRef idx="minor">
+            <a:schemeClr val="lt1"/>
+          </a:fontRef>
+        </p:style>
+        <p:txBody>
+          <a:bodyPr wrap="none" lIns="52922" tIns="52922" rIns="52922" rtlCol="0" anchor="ctr"/>
+          <a:lstStyle/>
+          <a:p>
+            <a:pPr algn="ctr" defTabSz="672130"/>
+            <a:endParaRPr lang="en-US" sz="1176" dirty="0">
+              <a:solidFill>
+                <a:prstClr val="black"/>
+              </a:solidFill>
+              <a:latin typeface="Simplon BP Regular"/>
+              <a:cs typeface="Simplon BP Regular"/>
+            </a:endParaRPr>
+          </a:p>
+        </p:txBody>
+      </p:sp>
+      <p:sp>
+        <p:nvSpPr>
+          <p:cNvPr id="50" name="TextBox 138">
+            <a:extLst>
+              <a:ext uri="{FF2B5EF4-FFF2-40B4-BE49-F238E27FC236}">
+                <a16:creationId xmlns:a16="http://schemas.microsoft.com/office/drawing/2014/main" id="{B1654790-CBD3-4D97-B9BC-CBC39DD32FC8}"/>
+              </a:ext>
+            </a:extLst>
+          </p:cNvPr>
+          <p:cNvSpPr txBox="1"/>
+          <p:nvPr/>
+        </p:nvSpPr>
+        <p:spPr>
+          <a:xfrm>
+            <a:off x="8136859" y="576471"/>
+            <a:ext cx="899678" cy="179824"/>
+          </a:xfrm>
+          <a:prstGeom prst="rect">
+            <a:avLst/>
+          </a:prstGeom>
+          <a:noFill/>
+          <a:ln w="12700">
+            <a:noFill/>
+          </a:ln>
+        </p:spPr>
+        <p:style>
+          <a:lnRef idx="2">
+            <a:schemeClr val="accent4"/>
+          </a:lnRef>
+          <a:fillRef idx="1">
+            <a:schemeClr val="lt1"/>
+          </a:fillRef>
+          <a:effectRef idx="0">
+            <a:schemeClr val="accent4"/>
+          </a:effectRef>
+          <a:fontRef idx="minor">
+            <a:schemeClr val="dk1"/>
+          </a:fontRef>
+        </p:style>
+        <p:txBody>
+          <a:bodyPr wrap="none" lIns="52922" tIns="52922" rIns="52922" bIns="0" rtlCol="0" anchor="b"/>
+          <a:lstStyle>
+            <a:defPPr>
+              <a:defRPr lang="en-US"/>
+            </a:defPPr>
+            <a:lvl1pPr algn="ctr">
+              <a:defRPr sz="1000" b="1">
+                <a:latin typeface="Simplon BP Regular"/>
+                <a:cs typeface="Simplon BP Regular"/>
+              </a:defRPr>
+            </a:lvl1pPr>
+            <a:lvl2pPr>
+              <a:defRPr>
+                <a:solidFill>
+                  <a:schemeClr val="dk1"/>
+                </a:solidFill>
+              </a:defRPr>
+            </a:lvl2pPr>
+            <a:lvl3pPr>
+              <a:defRPr>
+                <a:solidFill>
+                  <a:schemeClr val="dk1"/>
+                </a:solidFill>
+              </a:defRPr>
+            </a:lvl3pPr>
+            <a:lvl4pPr>
+              <a:defRPr>
+                <a:solidFill>
+                  <a:schemeClr val="dk1"/>
+                </a:solidFill>
+              </a:defRPr>
+            </a:lvl4pPr>
+            <a:lvl5pPr>
+              <a:defRPr>
+                <a:solidFill>
+                  <a:schemeClr val="dk1"/>
+                </a:solidFill>
+              </a:defRPr>
+            </a:lvl5pPr>
+            <a:lvl6pPr>
+              <a:defRPr>
+                <a:solidFill>
+                  <a:schemeClr val="dk1"/>
+                </a:solidFill>
+              </a:defRPr>
+            </a:lvl6pPr>
+            <a:lvl7pPr>
+              <a:defRPr>
+                <a:solidFill>
+                  <a:schemeClr val="dk1"/>
+                </a:solidFill>
+              </a:defRPr>
+            </a:lvl7pPr>
+            <a:lvl8pPr>
+              <a:defRPr>
+                <a:solidFill>
+                  <a:schemeClr val="dk1"/>
+                </a:solidFill>
+              </a:defRPr>
+            </a:lvl8pPr>
+            <a:lvl9pPr>
+              <a:defRPr>
+                <a:solidFill>
+                  <a:schemeClr val="dk1"/>
+                </a:solidFill>
+              </a:defRPr>
+            </a:lvl9pPr>
+          </a:lstStyle>
+          <a:p>
+            <a:pPr defTabSz="672130"/>
+            <a:r>
+              <a:rPr lang="en-US" sz="1176" b="0" dirty="0" err="1">
+                <a:solidFill>
+                  <a:prstClr val="black"/>
+                </a:solidFill>
+                <a:latin typeface="Simplon BP Bold" pitchFamily="2" charset="0"/>
+              </a:rPr>
+              <a:t>Equipe</a:t>
+            </a:r>
+            <a:endParaRPr lang="en-US" sz="1176" b="0" dirty="0">
+              <a:solidFill>
+                <a:prstClr val="black"/>
+              </a:solidFill>
+              <a:latin typeface="Simplon BP Bold" pitchFamily="2" charset="0"/>
+            </a:endParaRPr>
+          </a:p>
+        </p:txBody>
+      </p:sp>
+      <p:sp>
+        <p:nvSpPr>
+          <p:cNvPr id="51" name="Oval 134">
+            <a:extLst>
+              <a:ext uri="{FF2B5EF4-FFF2-40B4-BE49-F238E27FC236}">
+                <a16:creationId xmlns:a16="http://schemas.microsoft.com/office/drawing/2014/main" id="{508E308C-5CF8-44B6-A1C4-87E5DDC4CC70}"/>
+              </a:ext>
+            </a:extLst>
+          </p:cNvPr>
+          <p:cNvSpPr>
+            <a:spLocks noChangeAspect="1"/>
+          </p:cNvSpPr>
+          <p:nvPr/>
+        </p:nvSpPr>
+        <p:spPr>
+          <a:xfrm>
+            <a:off x="9278999" y="355771"/>
+            <a:ext cx="211404" cy="211689"/>
+          </a:xfrm>
+          <a:prstGeom prst="ellipse">
+            <a:avLst/>
+          </a:prstGeom>
+          <a:solidFill>
+            <a:srgbClr val="FFC000"/>
+          </a:solidFill>
+          <a:ln w="12700">
+            <a:solidFill>
+              <a:schemeClr val="accent3"/>
+            </a:solidFill>
+          </a:ln>
+        </p:spPr>
+        <p:style>
+          <a:lnRef idx="2">
+            <a:schemeClr val="accent1">
+              <a:shade val="50000"/>
+            </a:schemeClr>
+          </a:lnRef>
+          <a:fillRef idx="1">
+            <a:schemeClr val="accent1"/>
+          </a:fillRef>
+          <a:effectRef idx="0">
+            <a:schemeClr val="accent1"/>
+          </a:effectRef>
+          <a:fontRef idx="minor">
+            <a:schemeClr val="lt1"/>
+          </a:fontRef>
+        </p:style>
+        <p:txBody>
+          <a:bodyPr wrap="none" lIns="52922" tIns="52922" rIns="52922" rtlCol="0" anchor="ctr"/>
+          <a:lstStyle/>
+          <a:p>
+            <a:pPr algn="ctr" defTabSz="672130"/>
+            <a:endParaRPr lang="en-US" sz="1176" dirty="0">
+              <a:solidFill>
+                <a:prstClr val="black"/>
+              </a:solidFill>
+              <a:latin typeface="Simplon BP Regular"/>
+              <a:cs typeface="Simplon BP Regular"/>
+            </a:endParaRPr>
+          </a:p>
+        </p:txBody>
+      </p:sp>
+      <p:sp>
+        <p:nvSpPr>
+          <p:cNvPr id="52" name="Oval 134">
+            <a:extLst>
+              <a:ext uri="{FF2B5EF4-FFF2-40B4-BE49-F238E27FC236}">
+                <a16:creationId xmlns:a16="http://schemas.microsoft.com/office/drawing/2014/main" id="{7BFB1971-EC64-4AB8-B092-E0043EABF66E}"/>
+              </a:ext>
+            </a:extLst>
+          </p:cNvPr>
+          <p:cNvSpPr>
+            <a:spLocks noChangeAspect="1"/>
+          </p:cNvSpPr>
+          <p:nvPr/>
+        </p:nvSpPr>
+        <p:spPr>
+          <a:xfrm>
+            <a:off x="12166910" y="369037"/>
+            <a:ext cx="211404" cy="211689"/>
+          </a:xfrm>
+          <a:prstGeom prst="ellipse">
+            <a:avLst/>
+          </a:prstGeom>
+          <a:solidFill>
+            <a:srgbClr val="1BCF13"/>
+          </a:solidFill>
+          <a:ln w="12700">
+            <a:solidFill>
+              <a:schemeClr val="accent3"/>
+            </a:solidFill>
+          </a:ln>
+        </p:spPr>
+        <p:style>
+          <a:lnRef idx="2">
+            <a:schemeClr val="accent1">
+              <a:shade val="50000"/>
+            </a:schemeClr>
+          </a:lnRef>
+          <a:fillRef idx="1">
+            <a:schemeClr val="accent1"/>
+          </a:fillRef>
+          <a:effectRef idx="0">
+            <a:schemeClr val="accent1"/>
+          </a:effectRef>
+          <a:fontRef idx="minor">
+            <a:schemeClr val="lt1"/>
+          </a:fontRef>
+        </p:style>
+        <p:txBody>
+          <a:bodyPr wrap="none" lIns="52922" tIns="52922" rIns="52922" rtlCol="0" anchor="ctr"/>
+          <a:lstStyle/>
+          <a:p>
+            <a:pPr algn="ctr" defTabSz="672130"/>
+            <a:endParaRPr lang="en-US" sz="1176" dirty="0">
+              <a:solidFill>
+                <a:prstClr val="black"/>
+              </a:solidFill>
+              <a:latin typeface="Simplon BP Regular"/>
+              <a:cs typeface="Simplon BP Regular"/>
+            </a:endParaRPr>
+          </a:p>
+        </p:txBody>
+      </p:sp>
+      <p:sp>
+        <p:nvSpPr>
+          <p:cNvPr id="53" name="Oval 120">
+            <a:extLst>
+              <a:ext uri="{FF2B5EF4-FFF2-40B4-BE49-F238E27FC236}">
+                <a16:creationId xmlns:a16="http://schemas.microsoft.com/office/drawing/2014/main" id="{CD1D1FF9-2BFE-4742-BA82-E1804B8C0747}"/>
+              </a:ext>
+            </a:extLst>
+          </p:cNvPr>
+          <p:cNvSpPr>
+            <a:spLocks noChangeAspect="1"/>
+          </p:cNvSpPr>
+          <p:nvPr/>
+        </p:nvSpPr>
+        <p:spPr>
+          <a:xfrm>
+            <a:off x="10168563" y="358554"/>
+            <a:ext cx="211404" cy="211689"/>
+          </a:xfrm>
+          <a:prstGeom prst="ellipse">
+            <a:avLst/>
+          </a:prstGeom>
+          <a:solidFill>
+            <a:srgbClr val="FFC000"/>
+          </a:solidFill>
+          <a:ln w="12700">
+            <a:solidFill>
+              <a:schemeClr val="accent3"/>
+            </a:solidFill>
+          </a:ln>
+        </p:spPr>
+        <p:style>
+          <a:lnRef idx="2">
+            <a:schemeClr val="accent1">
+              <a:shade val="50000"/>
+            </a:schemeClr>
+          </a:lnRef>
+          <a:fillRef idx="1">
+            <a:schemeClr val="accent1"/>
+          </a:fillRef>
+          <a:effectRef idx="0">
+            <a:schemeClr val="accent1"/>
+          </a:effectRef>
+          <a:fontRef idx="minor">
+            <a:schemeClr val="lt1"/>
+          </a:fontRef>
+        </p:style>
+        <p:txBody>
+          <a:bodyPr wrap="none" lIns="52922" tIns="52922" rIns="52922" rtlCol="0" anchor="ctr"/>
+          <a:lstStyle/>
+          <a:p>
+            <a:pPr algn="ctr" defTabSz="672130"/>
+            <a:endParaRPr lang="en-US" sz="1176" dirty="0">
+              <a:solidFill>
+                <a:srgbClr val="FF0000"/>
+              </a:solidFill>
+              <a:latin typeface="Simplon BP Regular"/>
+              <a:cs typeface="Simplon BP Regular"/>
+            </a:endParaRPr>
+          </a:p>
+        </p:txBody>
+      </p:sp>
+      <p:sp>
+        <p:nvSpPr>
+          <p:cNvPr id="54" name="Retângulo 53">
+            <a:extLst>
+              <a:ext uri="{FF2B5EF4-FFF2-40B4-BE49-F238E27FC236}">
+                <a16:creationId xmlns:a16="http://schemas.microsoft.com/office/drawing/2014/main" id="{1B63957F-A46D-48D5-BC08-1A2EB1CCBBE4}"/>
+              </a:ext>
+            </a:extLst>
+          </p:cNvPr>
+          <p:cNvSpPr/>
+          <p:nvPr/>
+        </p:nvSpPr>
+        <p:spPr>
+          <a:xfrm>
+            <a:off x="8017619" y="180231"/>
+            <a:ext cx="4937689" cy="618769"/>
+          </a:xfrm>
+          <a:prstGeom prst="rect">
+            <a:avLst/>
+          </a:prstGeom>
+          <a:noFill/>
+          <a:ln w="6350">
+            <a:solidFill>
+              <a:schemeClr val="bg1">
+                <a:lumMod val="75000"/>
+              </a:schemeClr>
+            </a:solidFill>
+          </a:ln>
+        </p:spPr>
+        <p:style>
+          <a:lnRef idx="2">
+            <a:schemeClr val="accent1">
+              <a:shade val="50000"/>
+            </a:schemeClr>
+          </a:lnRef>
+          <a:fillRef idx="1">
+            <a:schemeClr val="accent1"/>
+          </a:fillRef>
+          <a:effectRef idx="0">
+            <a:schemeClr val="accent1"/>
+          </a:effectRef>
+          <a:fontRef idx="minor">
+            <a:schemeClr val="lt1"/>
+          </a:fontRef>
+        </p:style>
+        <p:txBody>
+          <a:bodyPr rtlCol="0" anchor="ctr"/>
+          <a:lstStyle/>
+          <a:p>
+            <a:pPr algn="ctr"/>
+            <a:endParaRPr lang="pt-BR"/>
+          </a:p>
+        </p:txBody>
+      </p:sp>
+      <p:sp>
+        <p:nvSpPr>
+          <p:cNvPr id="55" name="TextBox 138">
+            <a:extLst>
+              <a:ext uri="{FF2B5EF4-FFF2-40B4-BE49-F238E27FC236}">
+                <a16:creationId xmlns:a16="http://schemas.microsoft.com/office/drawing/2014/main" id="{F371B3E2-E59C-4A0F-B5AC-74687E6B4AC8}"/>
+              </a:ext>
+            </a:extLst>
+          </p:cNvPr>
+          <p:cNvSpPr txBox="1"/>
+          <p:nvPr/>
+        </p:nvSpPr>
+        <p:spPr>
+          <a:xfrm>
+            <a:off x="9715810" y="51570"/>
+            <a:ext cx="1478088" cy="211688"/>
+          </a:xfrm>
+          <a:prstGeom prst="rect">
+            <a:avLst/>
+          </a:prstGeom>
+          <a:solidFill>
+            <a:schemeClr val="bg1"/>
+          </a:solidFill>
+          <a:ln w="12700">
+            <a:noFill/>
+          </a:ln>
+        </p:spPr>
+        <p:style>
+          <a:lnRef idx="2">
+            <a:schemeClr val="accent4"/>
+          </a:lnRef>
+          <a:fillRef idx="1">
+            <a:schemeClr val="lt1"/>
+          </a:fillRef>
+          <a:effectRef idx="0">
+            <a:schemeClr val="accent4"/>
+          </a:effectRef>
+          <a:fontRef idx="minor">
+            <a:schemeClr val="dk1"/>
+          </a:fontRef>
+        </p:style>
+        <p:txBody>
+          <a:bodyPr wrap="none" lIns="52922" tIns="52922" rIns="52922" bIns="0" rtlCol="0" anchor="b"/>
+          <a:lstStyle>
+            <a:defPPr>
+              <a:defRPr lang="en-US"/>
+            </a:defPPr>
+            <a:lvl1pPr algn="ctr">
+              <a:defRPr sz="1000" b="1">
+                <a:latin typeface="Simplon BP Regular"/>
+                <a:cs typeface="Simplon BP Regular"/>
+              </a:defRPr>
+            </a:lvl1pPr>
+            <a:lvl2pPr>
+              <a:defRPr>
+                <a:solidFill>
+                  <a:schemeClr val="dk1"/>
+                </a:solidFill>
+              </a:defRPr>
+            </a:lvl2pPr>
+            <a:lvl3pPr>
+              <a:defRPr>
+                <a:solidFill>
+                  <a:schemeClr val="dk1"/>
+                </a:solidFill>
+              </a:defRPr>
+            </a:lvl3pPr>
+            <a:lvl4pPr>
+              <a:defRPr>
+                <a:solidFill>
+                  <a:schemeClr val="dk1"/>
+                </a:solidFill>
+              </a:defRPr>
+            </a:lvl4pPr>
+            <a:lvl5pPr>
+              <a:defRPr>
+                <a:solidFill>
+                  <a:schemeClr val="dk1"/>
+                </a:solidFill>
+              </a:defRPr>
+            </a:lvl5pPr>
+            <a:lvl6pPr>
+              <a:defRPr>
+                <a:solidFill>
+                  <a:schemeClr val="dk1"/>
+                </a:solidFill>
+              </a:defRPr>
+            </a:lvl6pPr>
+            <a:lvl7pPr>
+              <a:defRPr>
+                <a:solidFill>
+                  <a:schemeClr val="dk1"/>
+                </a:solidFill>
+              </a:defRPr>
+            </a:lvl7pPr>
+            <a:lvl8pPr>
+              <a:defRPr>
+                <a:solidFill>
+                  <a:schemeClr val="dk1"/>
+                </a:solidFill>
+              </a:defRPr>
+            </a:lvl8pPr>
+            <a:lvl9pPr>
+              <a:defRPr>
+                <a:solidFill>
+                  <a:schemeClr val="dk1"/>
+                </a:solidFill>
+              </a:defRPr>
+            </a:lvl9pPr>
+          </a:lstStyle>
+          <a:p>
+            <a:pPr defTabSz="672130"/>
+            <a:r>
+              <a:rPr lang="en-US" sz="1176" b="0" dirty="0">
+                <a:solidFill>
+                  <a:prstClr val="black"/>
+                </a:solidFill>
+                <a:latin typeface="Simplon BP Bold" pitchFamily="2" charset="0"/>
+              </a:rPr>
+              <a:t>    </a:t>
+            </a:r>
+            <a:r>
+              <a:rPr lang="en-US" sz="1176" b="0" dirty="0" err="1">
+                <a:solidFill>
+                  <a:prstClr val="black"/>
+                </a:solidFill>
+                <a:latin typeface="Simplon BP Bold" pitchFamily="2" charset="0"/>
+              </a:rPr>
+              <a:t>Farol</a:t>
+            </a:r>
+            <a:r>
+              <a:rPr lang="en-US" sz="1176" b="0" dirty="0">
+                <a:solidFill>
+                  <a:prstClr val="black"/>
+                </a:solidFill>
+                <a:latin typeface="Simplon BP Bold" pitchFamily="2" charset="0"/>
+              </a:rPr>
+              <a:t> do </a:t>
+            </a:r>
+            <a:r>
+              <a:rPr lang="en-US" sz="1176" b="0" dirty="0" err="1">
+                <a:solidFill>
+                  <a:prstClr val="black"/>
+                </a:solidFill>
+                <a:latin typeface="Simplon BP Bold" pitchFamily="2" charset="0"/>
+              </a:rPr>
+              <a:t>Projeto</a:t>
+            </a:r>
+            <a:r>
+              <a:rPr lang="en-US" sz="1176" b="0" dirty="0">
+                <a:solidFill>
+                  <a:prstClr val="black"/>
+                </a:solidFill>
+                <a:latin typeface="Simplon BP Bold" pitchFamily="2" charset="0"/>
+              </a:rPr>
+              <a:t>   </a:t>
+            </a:r>
+          </a:p>
+        </p:txBody>
+      </p:sp>
+    </p:spTree>
+    <p:extLst>
+      <p:ext uri="{BB962C8B-B14F-4D97-AF65-F5344CB8AC3E}">
+        <p14:creationId xmlns:p14="http://schemas.microsoft.com/office/powerpoint/2010/main" val="1841061663"/>
       </p:ext>
     </p:extLst>
   </p:cSld>
@@ -30208,6 +34203,15 @@
 </file>
 
 <file path=customXml/item1.xml><?xml version="1.0" encoding="utf-8"?>
+<?mso-contentType ?>
+<FormTemplates xmlns="http://schemas.microsoft.com/sharepoint/v3/contenttype/forms">
+  <Display>DocumentLibraryForm</Display>
+  <Edit>DocumentLibraryForm</Edit>
+  <New>DocumentLibraryForm</New>
+</FormTemplates>
+</file>
+
+<file path=customXml/item2.xml><?xml version="1.0" encoding="utf-8"?>
 <p:properties xmlns:p="http://schemas.microsoft.com/office/2006/metadata/properties" xmlns:xsi="http://www.w3.org/2001/XMLSchema-instance" xmlns:pc="http://schemas.microsoft.com/office/infopath/2007/PartnerControls">
   <documentManagement>
     <Is_Collaboration_Space_Locked xmlns="bbcd8c33-6940-4d4c-a587-bbc736ca1e4d" xsi:nil="true"/>
@@ -30257,15 +34261,6 @@
     <CultureName xmlns="bbcd8c33-6940-4d4c-a587-bbc736ca1e4d" xsi:nil="true"/>
   </documentManagement>
 </p:properties>
-</file>
-
-<file path=customXml/item2.xml><?xml version="1.0" encoding="utf-8"?>
-<?mso-contentType ?>
-<FormTemplates xmlns="http://schemas.microsoft.com/sharepoint/v3/contenttype/forms">
-  <Display>DocumentLibraryForm</Display>
-  <Edit>DocumentLibraryForm</Edit>
-  <New>DocumentLibraryForm</New>
-</FormTemplates>
 </file>
 
 <file path=customXml/item3.xml><?xml version="1.0" encoding="utf-8"?>
@@ -30686,6 +34681,14 @@
 </file>
 
 <file path=customXml/itemProps1.xml><?xml version="1.0" encoding="utf-8"?>
+<ds:datastoreItem xmlns:ds="http://schemas.openxmlformats.org/officeDocument/2006/customXml" ds:itemID="{E2481852-F24E-4532-AF30-C154D705D105}">
+  <ds:schemaRefs>
+    <ds:schemaRef ds:uri="http://schemas.microsoft.com/sharepoint/v3/contenttype/forms"/>
+  </ds:schemaRefs>
+</ds:datastoreItem>
+</file>
+
+<file path=customXml/itemProps2.xml><?xml version="1.0" encoding="utf-8"?>
 <ds:datastoreItem xmlns:ds="http://schemas.openxmlformats.org/officeDocument/2006/customXml" ds:itemID="{4B31267F-D399-4A8A-87F8-B75F56828412}">
   <ds:schemaRefs>
     <ds:schemaRef ds:uri="http://www.w3.org/XML/1998/namespace"/>
@@ -30698,14 +34701,6 @@
     <ds:schemaRef ds:uri="http://schemas.openxmlformats.org/package/2006/metadata/core-properties"/>
     <ds:schemaRef ds:uri="http://schemas.microsoft.com/office/2006/metadata/properties"/>
     <ds:schemaRef ds:uri="http://purl.org/dc/terms/"/>
-  </ds:schemaRefs>
-</ds:datastoreItem>
-</file>
-
-<file path=customXml/itemProps2.xml><?xml version="1.0" encoding="utf-8"?>
-<ds:datastoreItem xmlns:ds="http://schemas.openxmlformats.org/officeDocument/2006/customXml" ds:itemID="{E2481852-F24E-4532-AF30-C154D705D105}">
-  <ds:schemaRefs>
-    <ds:schemaRef ds:uri="http://schemas.microsoft.com/sharepoint/v3/contenttype/forms"/>
   </ds:schemaRefs>
 </ds:datastoreItem>
 </file>

--- a/Documentação/Status Report/Status Report - Grupo 6.pptx
+++ b/Documentação/Status Report/Status Report - Grupo 6.pptx
@@ -7,10 +7,10 @@
     <p:sldMasterId id="2147483665" r:id="rId6"/>
   </p:sldMasterIdLst>
   <p:notesMasterIdLst>
-    <p:notesMasterId r:id="rId14"/>
+    <p:notesMasterId r:id="rId15"/>
   </p:notesMasterIdLst>
   <p:handoutMasterIdLst>
-    <p:handoutMasterId r:id="rId15"/>
+    <p:handoutMasterId r:id="rId16"/>
   </p:handoutMasterIdLst>
   <p:sldIdLst>
     <p:sldId id="256" r:id="rId7"/>
@@ -20,6 +20,7 @@
     <p:sldId id="473" r:id="rId11"/>
     <p:sldId id="475" r:id="rId12"/>
     <p:sldId id="476" r:id="rId13"/>
+    <p:sldId id="477" r:id="rId14"/>
   </p:sldIdLst>
   <p:sldSz cx="13442950" cy="7561263"/>
   <p:notesSz cx="7104063" cy="10234613"/>
@@ -134,6 +135,7 @@
             <p14:sldId id="473"/>
             <p14:sldId id="475"/>
             <p14:sldId id="476"/>
+            <p14:sldId id="477"/>
           </p14:sldIdLst>
         </p14:section>
       </p14:sectionLst>
@@ -161,7 +163,7 @@
   <pc:docChgLst>
     <pc:chgData name="Vinicius Cano" userId="e988c080-1d50-4980-86fe-45a1167ad471" providerId="ADAL" clId="{CFCABCC4-01DD-4F6B-AAA1-A4E1D03D705B}"/>
     <pc:docChg chg="undo custSel addSld delSld modSld modSection">
-      <pc:chgData name="Vinicius Cano" userId="e988c080-1d50-4980-86fe-45a1167ad471" providerId="ADAL" clId="{CFCABCC4-01DD-4F6B-AAA1-A4E1D03D705B}" dt="2021-09-23T21:36:39.941" v="1074" actId="20577"/>
+      <pc:chgData name="Vinicius Cano" userId="e988c080-1d50-4980-86fe-45a1167ad471" providerId="ADAL" clId="{CFCABCC4-01DD-4F6B-AAA1-A4E1D03D705B}" dt="2021-09-30T20:37:47.141" v="1249" actId="20577"/>
       <pc:docMkLst>
         <pc:docMk/>
       </pc:docMkLst>
@@ -431,6 +433,37 @@
           </ac:spMkLst>
         </pc:spChg>
       </pc:sldChg>
+      <pc:sldChg chg="modSp add mod">
+        <pc:chgData name="Vinicius Cano" userId="e988c080-1d50-4980-86fe-45a1167ad471" providerId="ADAL" clId="{CFCABCC4-01DD-4F6B-AAA1-A4E1D03D705B}" dt="2021-09-30T20:37:47.141" v="1249" actId="20577"/>
+        <pc:sldMkLst>
+          <pc:docMk/>
+          <pc:sldMk cId="1705322327" sldId="477"/>
+        </pc:sldMkLst>
+        <pc:spChg chg="mod">
+          <ac:chgData name="Vinicius Cano" userId="e988c080-1d50-4980-86fe-45a1167ad471" providerId="ADAL" clId="{CFCABCC4-01DD-4F6B-AAA1-A4E1D03D705B}" dt="2021-09-30T20:37:47.141" v="1249" actId="20577"/>
+          <ac:spMkLst>
+            <pc:docMk/>
+            <pc:sldMk cId="1705322327" sldId="477"/>
+            <ac:spMk id="2" creationId="{B15BA19F-C787-4E6A-ADAB-C0DFF09C66A8}"/>
+          </ac:spMkLst>
+        </pc:spChg>
+        <pc:spChg chg="mod">
+          <ac:chgData name="Vinicius Cano" userId="e988c080-1d50-4980-86fe-45a1167ad471" providerId="ADAL" clId="{CFCABCC4-01DD-4F6B-AAA1-A4E1D03D705B}" dt="2021-09-30T19:37:50.832" v="1079" actId="20577"/>
+          <ac:spMkLst>
+            <pc:docMk/>
+            <pc:sldMk cId="1705322327" sldId="477"/>
+            <ac:spMk id="3" creationId="{00000000-0000-0000-0000-000000000000}"/>
+          </ac:spMkLst>
+        </pc:spChg>
+        <pc:spChg chg="mod">
+          <ac:chgData name="Vinicius Cano" userId="e988c080-1d50-4980-86fe-45a1167ad471" providerId="ADAL" clId="{CFCABCC4-01DD-4F6B-AAA1-A4E1D03D705B}" dt="2021-09-30T20:37:32.257" v="1239" actId="20577"/>
+          <ac:spMkLst>
+            <pc:docMk/>
+            <pc:sldMk cId="1705322327" sldId="477"/>
+            <ac:spMk id="63" creationId="{00000000-0000-0000-0000-000000000000}"/>
+          </ac:spMkLst>
+        </pc:spChg>
+      </pc:sldChg>
     </pc:docChg>
   </pc:docChgLst>
 </pc:chgInfo>
@@ -519,7 +552,7 @@
             <a:fld id="{C3CD65D1-5C11-455D-9F9A-0E035F00A0DA}" type="datetimeFigureOut">
               <a:rPr lang="pt-BR" smtClean="0"/>
               <a:pPr/>
-              <a:t>23/09/2021</a:t>
+              <a:t>30/09/2021</a:t>
             </a:fld>
             <a:endParaRPr lang="pt-BR"/>
           </a:p>
@@ -687,7 +720,7 @@
             <a:fld id="{A05DA3EF-18EA-43DE-B1BB-402A3C558822}" type="datetimeFigureOut">
               <a:rPr lang="pt-BR" smtClean="0"/>
               <a:pPr/>
-              <a:t>23/09/2021</a:t>
+              <a:t>30/09/2021</a:t>
             </a:fld>
             <a:endParaRPr lang="pt-BR"/>
           </a:p>
@@ -1499,6 +1532,99 @@
     <p:extLst>
       <p:ext uri="{BB962C8B-B14F-4D97-AF65-F5344CB8AC3E}">
         <p14:creationId xmlns:p14="http://schemas.microsoft.com/office/powerpoint/2010/main" val="622933081"/>
+      </p:ext>
+    </p:extLst>
+  </p:cSld>
+  <p:clrMapOvr>
+    <a:masterClrMapping/>
+  </p:clrMapOvr>
+</p:notes>
+</file>
+
+<file path=ppt/notesSlides/notesSlide7.xml><?xml version="1.0" encoding="utf-8"?>
+<p:notes xmlns:a="http://schemas.openxmlformats.org/drawingml/2006/main" xmlns:r="http://schemas.openxmlformats.org/officeDocument/2006/relationships" xmlns:p="http://schemas.openxmlformats.org/presentationml/2006/main">
+  <p:cSld>
+    <p:spTree>
+      <p:nvGrpSpPr>
+        <p:cNvPr id="1" name=""/>
+        <p:cNvGrpSpPr/>
+        <p:nvPr/>
+      </p:nvGrpSpPr>
+      <p:grpSpPr>
+        <a:xfrm>
+          <a:off x="0" y="0"/>
+          <a:ext cx="0" cy="0"/>
+          <a:chOff x="0" y="0"/>
+          <a:chExt cx="0" cy="0"/>
+        </a:xfrm>
+      </p:grpSpPr>
+      <p:sp>
+        <p:nvSpPr>
+          <p:cNvPr id="2" name="Slide Image Placeholder 1"/>
+          <p:cNvSpPr>
+            <a:spLocks noGrp="1" noRot="1" noChangeAspect="1"/>
+          </p:cNvSpPr>
+          <p:nvPr>
+            <p:ph type="sldImg"/>
+          </p:nvPr>
+        </p:nvSpPr>
+        <p:spPr/>
+      </p:sp>
+      <p:sp>
+        <p:nvSpPr>
+          <p:cNvPr id="3" name="Notes Placeholder 2"/>
+          <p:cNvSpPr>
+            <a:spLocks noGrp="1"/>
+          </p:cNvSpPr>
+          <p:nvPr>
+            <p:ph type="body" idx="1"/>
+          </p:nvPr>
+        </p:nvSpPr>
+        <p:spPr/>
+        <p:txBody>
+          <a:bodyPr/>
+          <a:lstStyle/>
+          <a:p>
+            <a:endParaRPr lang="en-US"/>
+          </a:p>
+        </p:txBody>
+      </p:sp>
+      <p:sp>
+        <p:nvSpPr>
+          <p:cNvPr id="4" name="Slide Number Placeholder 3"/>
+          <p:cNvSpPr>
+            <a:spLocks noGrp="1"/>
+          </p:cNvSpPr>
+          <p:nvPr>
+            <p:ph type="sldNum" sz="quarter" idx="10"/>
+          </p:nvPr>
+        </p:nvSpPr>
+        <p:spPr/>
+        <p:txBody>
+          <a:bodyPr/>
+          <a:lstStyle/>
+          <a:p>
+            <a:fld id="{B39AF3DB-B6A1-2444-9DD8-53D016F8E638}" type="slidenum">
+              <a:rPr lang="pt-BR" smtClean="0">
+                <a:solidFill>
+                  <a:prstClr val="black"/>
+                </a:solidFill>
+              </a:rPr>
+              <a:pPr/>
+              <a:t>8</a:t>
+            </a:fld>
+            <a:endParaRPr lang="pt-BR">
+              <a:solidFill>
+                <a:prstClr val="black"/>
+              </a:solidFill>
+            </a:endParaRPr>
+          </a:p>
+        </p:txBody>
+      </p:sp>
+    </p:spTree>
+    <p:extLst>
+      <p:ext uri="{BB962C8B-B14F-4D97-AF65-F5344CB8AC3E}">
+        <p14:creationId xmlns:p14="http://schemas.microsoft.com/office/powerpoint/2010/main" val="4178821514"/>
       </p:ext>
     </p:extLst>
   </p:cSld>
@@ -32735,6 +32861,1930 @@
     <p:extLst>
       <p:ext uri="{BB962C8B-B14F-4D97-AF65-F5344CB8AC3E}">
         <p14:creationId xmlns:p14="http://schemas.microsoft.com/office/powerpoint/2010/main" val="1841061663"/>
+      </p:ext>
+    </p:extLst>
+  </p:cSld>
+  <p:clrMapOvr>
+    <a:masterClrMapping/>
+  </p:clrMapOvr>
+</p:sld>
+</file>
+
+<file path=ppt/slides/slide8.xml><?xml version="1.0" encoding="utf-8"?>
+<p:sld xmlns:a="http://schemas.openxmlformats.org/drawingml/2006/main" xmlns:r="http://schemas.openxmlformats.org/officeDocument/2006/relationships" xmlns:p="http://schemas.openxmlformats.org/presentationml/2006/main">
+  <p:cSld>
+    <p:spTree>
+      <p:nvGrpSpPr>
+        <p:cNvPr id="1" name=""/>
+        <p:cNvGrpSpPr/>
+        <p:nvPr/>
+      </p:nvGrpSpPr>
+      <p:grpSpPr>
+        <a:xfrm>
+          <a:off x="0" y="0"/>
+          <a:ext cx="0" cy="0"/>
+          <a:chOff x="0" y="0"/>
+          <a:chExt cx="0" cy="0"/>
+        </a:xfrm>
+      </p:grpSpPr>
+      <p:sp>
+        <p:nvSpPr>
+          <p:cNvPr id="43" name="Rectangle 42"/>
+          <p:cNvSpPr/>
+          <p:nvPr/>
+        </p:nvSpPr>
+        <p:spPr>
+          <a:xfrm>
+            <a:off x="6804883" y="1106495"/>
+            <a:ext cx="6209639" cy="2235805"/>
+          </a:xfrm>
+          <a:prstGeom prst="rect">
+            <a:avLst/>
+          </a:prstGeom>
+          <a:noFill/>
+          <a:ln w="12700">
+            <a:solidFill>
+              <a:schemeClr val="bg1">
+                <a:lumMod val="50000"/>
+              </a:schemeClr>
+            </a:solidFill>
+          </a:ln>
+        </p:spPr>
+        <p:style>
+          <a:lnRef idx="2">
+            <a:schemeClr val="accent4"/>
+          </a:lnRef>
+          <a:fillRef idx="1">
+            <a:schemeClr val="lt1"/>
+          </a:fillRef>
+          <a:effectRef idx="0">
+            <a:schemeClr val="accent4"/>
+          </a:effectRef>
+          <a:fontRef idx="minor">
+            <a:schemeClr val="dk1"/>
+          </a:fontRef>
+        </p:style>
+        <p:txBody>
+          <a:bodyPr tIns="105844" rtlCol="0" anchor="t"/>
+          <a:lstStyle/>
+          <a:p>
+            <a:pPr defTabSz="672130">
+              <a:spcAft>
+                <a:spcPts val="882"/>
+              </a:spcAft>
+            </a:pPr>
+            <a:endParaRPr lang="pt-BR" sz="1470" dirty="0">
+              <a:solidFill>
+                <a:schemeClr val="tx1"/>
+              </a:solidFill>
+              <a:latin typeface="Calibri" panose="020F0502020204030204" pitchFamily="34" charset="0"/>
+              <a:cs typeface="Simplon BP Regular"/>
+            </a:endParaRPr>
+          </a:p>
+        </p:txBody>
+      </p:sp>
+      <p:sp>
+        <p:nvSpPr>
+          <p:cNvPr id="3" name="Title 2"/>
+          <p:cNvSpPr>
+            <a:spLocks noGrp="1"/>
+          </p:cNvSpPr>
+          <p:nvPr>
+            <p:ph type="title"/>
+          </p:nvPr>
+        </p:nvSpPr>
+        <p:spPr>
+          <a:xfrm>
+            <a:off x="469692" y="185232"/>
+            <a:ext cx="12098020" cy="800352"/>
+          </a:xfrm>
+        </p:spPr>
+        <p:txBody>
+          <a:bodyPr vert="horz" wrap="square" lIns="105844" tIns="0" rIns="105844" bIns="0" numCol="1" anchor="t" anchorCtr="0" compatLnSpc="1">
+            <a:prstTxWarp prst="textNoShape">
+              <a:avLst/>
+            </a:prstTxWarp>
+            <a:noAutofit/>
+          </a:bodyPr>
+          <a:lstStyle/>
+          <a:p>
+            <a:pPr algn="l">
+              <a:spcAft>
+                <a:spcPts val="882"/>
+              </a:spcAft>
+            </a:pPr>
+            <a:r>
+              <a:rPr lang="en-US" sz="2646" dirty="0">
+                <a:solidFill>
+                  <a:prstClr val="black"/>
+                </a:solidFill>
+                <a:latin typeface="Simplon Oi Headline"/>
+                <a:cs typeface="Simplon Oi Headline"/>
+              </a:rPr>
+              <a:t>SEMANA 5 – 30/09/2021</a:t>
+            </a:r>
+          </a:p>
+        </p:txBody>
+      </p:sp>
+      <p:sp>
+        <p:nvSpPr>
+          <p:cNvPr id="64" name="Retângulo 63"/>
+          <p:cNvSpPr/>
+          <p:nvPr/>
+        </p:nvSpPr>
+        <p:spPr>
+          <a:xfrm>
+            <a:off x="512766" y="868345"/>
+            <a:ext cx="6186608" cy="238150"/>
+          </a:xfrm>
+          <a:prstGeom prst="rect">
+            <a:avLst/>
+          </a:prstGeom>
+          <a:solidFill>
+            <a:schemeClr val="bg1">
+              <a:lumMod val="85000"/>
+            </a:schemeClr>
+          </a:solidFill>
+        </p:spPr>
+        <p:txBody>
+          <a:bodyPr vert="horz" lIns="134422" tIns="67211" rIns="134422" bIns="67211" rtlCol="0" anchor="ctr"/>
+          <a:lstStyle/>
+          <a:p>
+            <a:pPr defTabSz="672130"/>
+            <a:r>
+              <a:rPr lang="en-US" sz="1544" dirty="0">
+                <a:latin typeface="Simplon Oi Headline" charset="0"/>
+                <a:ea typeface="Simplon Oi Headline" charset="0"/>
+                <a:cs typeface="Simplon Oi Headline" charset="0"/>
+              </a:rPr>
+              <a:t>PROGRESSOS</a:t>
+            </a:r>
+            <a:endParaRPr lang="pt-BR" sz="1544" dirty="0">
+              <a:latin typeface="Simplon Oi Headline" charset="0"/>
+              <a:ea typeface="Simplon Oi Headline" charset="0"/>
+              <a:cs typeface="Simplon Oi Headline" charset="0"/>
+            </a:endParaRPr>
+          </a:p>
+        </p:txBody>
+      </p:sp>
+      <p:sp>
+        <p:nvSpPr>
+          <p:cNvPr id="65" name="Retângulo 64"/>
+          <p:cNvSpPr/>
+          <p:nvPr/>
+        </p:nvSpPr>
+        <p:spPr>
+          <a:xfrm>
+            <a:off x="6814576" y="868345"/>
+            <a:ext cx="6194715" cy="238150"/>
+          </a:xfrm>
+          <a:prstGeom prst="rect">
+            <a:avLst/>
+          </a:prstGeom>
+          <a:solidFill>
+            <a:schemeClr val="bg1">
+              <a:lumMod val="85000"/>
+            </a:schemeClr>
+          </a:solidFill>
+        </p:spPr>
+        <p:txBody>
+          <a:bodyPr vert="horz" lIns="134422" tIns="67211" rIns="134422" bIns="67211" rtlCol="0" anchor="ctr"/>
+          <a:lstStyle/>
+          <a:p>
+            <a:pPr defTabSz="672130"/>
+            <a:r>
+              <a:rPr lang="pt-BR" sz="1544" dirty="0">
+                <a:latin typeface="Simplon Oi Headline" charset="0"/>
+                <a:ea typeface="Simplon Oi Headline" charset="0"/>
+                <a:cs typeface="Simplon Oi Headline" charset="0"/>
+              </a:rPr>
+              <a:t>Pontos atenção/ Principais Riscos</a:t>
+            </a:r>
+          </a:p>
+        </p:txBody>
+      </p:sp>
+      <p:sp>
+        <p:nvSpPr>
+          <p:cNvPr id="66" name="Retângulo 65"/>
+          <p:cNvSpPr/>
+          <p:nvPr/>
+        </p:nvSpPr>
+        <p:spPr>
+          <a:xfrm>
+            <a:off x="507536" y="3418875"/>
+            <a:ext cx="12505521" cy="238150"/>
+          </a:xfrm>
+          <a:prstGeom prst="rect">
+            <a:avLst/>
+          </a:prstGeom>
+          <a:solidFill>
+            <a:schemeClr val="bg1">
+              <a:lumMod val="85000"/>
+            </a:schemeClr>
+          </a:solidFill>
+        </p:spPr>
+        <p:txBody>
+          <a:bodyPr vert="horz" lIns="134422" tIns="67211" rIns="134422" bIns="67211" rtlCol="0" anchor="ctr"/>
+          <a:lstStyle/>
+          <a:p>
+            <a:pPr defTabSz="672130"/>
+            <a:r>
+              <a:rPr lang="pt-BR" sz="1544" dirty="0">
+                <a:latin typeface="Simplon Oi Headline" charset="0"/>
+                <a:ea typeface="Simplon Oi Headline" charset="0"/>
+                <a:cs typeface="Simplon Oi Headline" charset="0"/>
+              </a:rPr>
+              <a:t>Próximos Passos/ Decisões a tomar</a:t>
+            </a:r>
+          </a:p>
+        </p:txBody>
+      </p:sp>
+      <p:sp>
+        <p:nvSpPr>
+          <p:cNvPr id="63" name="Rectangle 37"/>
+          <p:cNvSpPr/>
+          <p:nvPr/>
+        </p:nvSpPr>
+        <p:spPr>
+          <a:xfrm>
+            <a:off x="496765" y="1106495"/>
+            <a:ext cx="6207777" cy="2235805"/>
+          </a:xfrm>
+          <a:prstGeom prst="rect">
+            <a:avLst/>
+          </a:prstGeom>
+          <a:noFill/>
+          <a:ln w="12700">
+            <a:solidFill>
+              <a:schemeClr val="bg1">
+                <a:lumMod val="50000"/>
+              </a:schemeClr>
+            </a:solidFill>
+          </a:ln>
+        </p:spPr>
+        <p:style>
+          <a:lnRef idx="2">
+            <a:schemeClr val="accent4"/>
+          </a:lnRef>
+          <a:fillRef idx="1">
+            <a:schemeClr val="lt1"/>
+          </a:fillRef>
+          <a:effectRef idx="0">
+            <a:schemeClr val="accent4"/>
+          </a:effectRef>
+          <a:fontRef idx="minor">
+            <a:schemeClr val="dk1"/>
+          </a:fontRef>
+        </p:style>
+        <p:txBody>
+          <a:bodyPr tIns="105844" rtlCol="0" anchor="t"/>
+          <a:lstStyle/>
+          <a:p>
+            <a:pPr marL="252049" indent="-252049" fontAlgn="base">
+              <a:spcBef>
+                <a:spcPct val="0"/>
+              </a:spcBef>
+              <a:buFont typeface="Wingdings" panose="05000000000000000000" pitchFamily="2" charset="2"/>
+              <a:buChar char="ü"/>
+              <a:defRPr/>
+            </a:pPr>
+            <a:r>
+              <a:rPr lang="pt-BR" sz="1323" b="1" dirty="0">
+                <a:solidFill>
+                  <a:schemeClr val="tx1"/>
+                </a:solidFill>
+                <a:latin typeface="Calibri" panose="020F0502020204030204" pitchFamily="34" charset="0"/>
+                <a:cs typeface="Simplon BP Regular"/>
+              </a:rPr>
+              <a:t>Desenvolvimento do Sprint Backlog</a:t>
+            </a:r>
+          </a:p>
+          <a:p>
+            <a:pPr marL="252049" indent="-252049" fontAlgn="base">
+              <a:spcBef>
+                <a:spcPct val="0"/>
+              </a:spcBef>
+              <a:buFont typeface="Wingdings" panose="05000000000000000000" pitchFamily="2" charset="2"/>
+              <a:buChar char="ü"/>
+              <a:defRPr/>
+            </a:pPr>
+            <a:r>
+              <a:rPr lang="pt-BR" sz="1323" b="1" dirty="0">
+                <a:solidFill>
+                  <a:schemeClr val="tx1"/>
+                </a:solidFill>
+                <a:latin typeface="Calibri" panose="020F0502020204030204" pitchFamily="34" charset="0"/>
+                <a:cs typeface="Simplon BP Regular"/>
+              </a:rPr>
+              <a:t>Ajustes Backend CRUD</a:t>
+            </a:r>
+          </a:p>
+          <a:p>
+            <a:pPr marL="252049" indent="-252049" fontAlgn="base">
+              <a:spcBef>
+                <a:spcPct val="0"/>
+              </a:spcBef>
+              <a:buFont typeface="Wingdings" panose="05000000000000000000" pitchFamily="2" charset="2"/>
+              <a:buChar char="ü"/>
+              <a:defRPr/>
+            </a:pPr>
+            <a:r>
+              <a:rPr lang="pt-BR" sz="1320" b="1" dirty="0"/>
+              <a:t>Criação Dashboard Front</a:t>
+            </a:r>
+          </a:p>
+          <a:p>
+            <a:pPr marL="252049" indent="-252049" fontAlgn="base">
+              <a:spcBef>
+                <a:spcPct val="0"/>
+              </a:spcBef>
+              <a:buFont typeface="Wingdings" panose="05000000000000000000" pitchFamily="2" charset="2"/>
+              <a:buChar char="ü"/>
+              <a:defRPr/>
+            </a:pPr>
+            <a:r>
+              <a:rPr lang="pt-BR" sz="1320" b="1" dirty="0"/>
+              <a:t>Criação do Banco de Dados na Azure</a:t>
+            </a:r>
+          </a:p>
+          <a:p>
+            <a:pPr marL="252049" indent="-252049" fontAlgn="base">
+              <a:spcBef>
+                <a:spcPct val="0"/>
+              </a:spcBef>
+              <a:buFont typeface="Wingdings" panose="05000000000000000000" pitchFamily="2" charset="2"/>
+              <a:buChar char="ü"/>
+              <a:defRPr/>
+            </a:pPr>
+            <a:r>
+              <a:rPr lang="pt-BR" sz="1320" b="1" dirty="0"/>
+              <a:t>Criação das tabelas no BD</a:t>
+            </a:r>
+          </a:p>
+          <a:p>
+            <a:pPr marL="252049" indent="-252049" fontAlgn="base">
+              <a:spcBef>
+                <a:spcPct val="0"/>
+              </a:spcBef>
+              <a:buFont typeface="Wingdings" panose="05000000000000000000" pitchFamily="2" charset="2"/>
+              <a:buChar char="ü"/>
+              <a:defRPr/>
+            </a:pPr>
+            <a:endParaRPr lang="pt-BR" sz="1320" b="1" dirty="0"/>
+          </a:p>
+          <a:p>
+            <a:pPr marL="252049" indent="-252049" fontAlgn="base">
+              <a:spcBef>
+                <a:spcPct val="0"/>
+              </a:spcBef>
+              <a:buFont typeface="Wingdings" panose="05000000000000000000" pitchFamily="2" charset="2"/>
+              <a:buChar char="ü"/>
+              <a:defRPr/>
+            </a:pPr>
+            <a:endParaRPr lang="pt-BR" sz="1323" b="1" dirty="0">
+              <a:solidFill>
+                <a:schemeClr val="tx1"/>
+              </a:solidFill>
+              <a:latin typeface="Calibri" panose="020F0502020204030204" pitchFamily="34" charset="0"/>
+              <a:cs typeface="Simplon BP Regular"/>
+            </a:endParaRPr>
+          </a:p>
+          <a:p>
+            <a:pPr marL="252049" indent="-252049" fontAlgn="base">
+              <a:spcBef>
+                <a:spcPct val="0"/>
+              </a:spcBef>
+              <a:buFont typeface="Wingdings" panose="05000000000000000000" pitchFamily="2" charset="2"/>
+              <a:buChar char="ü"/>
+              <a:defRPr/>
+            </a:pPr>
+            <a:endParaRPr lang="pt-BR" sz="1323" b="1" dirty="0">
+              <a:solidFill>
+                <a:schemeClr val="tx1"/>
+              </a:solidFill>
+              <a:latin typeface="Calibri" panose="020F0502020204030204" pitchFamily="34" charset="0"/>
+              <a:cs typeface="Simplon BP Regular"/>
+            </a:endParaRPr>
+          </a:p>
+          <a:p>
+            <a:pPr marL="252049" indent="-252049" fontAlgn="base">
+              <a:spcBef>
+                <a:spcPct val="0"/>
+              </a:spcBef>
+              <a:buFont typeface="Wingdings" panose="05000000000000000000" pitchFamily="2" charset="2"/>
+              <a:buChar char="ü"/>
+              <a:defRPr/>
+            </a:pPr>
+            <a:endParaRPr lang="pt-BR" sz="1323" b="1" dirty="0">
+              <a:solidFill>
+                <a:schemeClr val="tx1"/>
+              </a:solidFill>
+              <a:latin typeface="Calibri" panose="020F0502020204030204" pitchFamily="34" charset="0"/>
+              <a:cs typeface="Simplon BP Regular"/>
+            </a:endParaRPr>
+          </a:p>
+          <a:p>
+            <a:pPr marL="252049" indent="-252049" fontAlgn="base">
+              <a:spcBef>
+                <a:spcPct val="0"/>
+              </a:spcBef>
+              <a:buFont typeface="Wingdings" panose="05000000000000000000" pitchFamily="2" charset="2"/>
+              <a:buChar char="ü"/>
+              <a:defRPr/>
+            </a:pPr>
+            <a:endParaRPr lang="pt-BR" sz="1323" b="1" dirty="0">
+              <a:solidFill>
+                <a:schemeClr val="tx1"/>
+              </a:solidFill>
+              <a:latin typeface="Calibri" panose="020F0502020204030204" pitchFamily="34" charset="0"/>
+              <a:cs typeface="Simplon BP Regular"/>
+            </a:endParaRPr>
+          </a:p>
+          <a:p>
+            <a:pPr marL="252049" indent="-252049" fontAlgn="base">
+              <a:spcBef>
+                <a:spcPct val="0"/>
+              </a:spcBef>
+              <a:buFont typeface="Wingdings" panose="05000000000000000000" pitchFamily="2" charset="2"/>
+              <a:buChar char="ü"/>
+              <a:defRPr/>
+            </a:pPr>
+            <a:endParaRPr lang="pt-BR" sz="1323" b="1" dirty="0">
+              <a:solidFill>
+                <a:schemeClr val="tx1"/>
+              </a:solidFill>
+              <a:latin typeface="Calibri" panose="020F0502020204030204" pitchFamily="34" charset="0"/>
+              <a:cs typeface="Simplon BP Regular"/>
+            </a:endParaRPr>
+          </a:p>
+          <a:p>
+            <a:pPr marL="252049" indent="-252049" fontAlgn="base">
+              <a:spcBef>
+                <a:spcPct val="0"/>
+              </a:spcBef>
+              <a:buFont typeface="Wingdings" panose="05000000000000000000" pitchFamily="2" charset="2"/>
+              <a:buChar char="ü"/>
+              <a:defRPr/>
+            </a:pPr>
+            <a:endParaRPr lang="pt-BR" sz="1323" b="1" dirty="0">
+              <a:solidFill>
+                <a:schemeClr val="tx1"/>
+              </a:solidFill>
+              <a:latin typeface="Calibri" panose="020F0502020204030204" pitchFamily="34" charset="0"/>
+              <a:cs typeface="Simplon BP Regular"/>
+            </a:endParaRPr>
+          </a:p>
+          <a:p>
+            <a:pPr marL="252049" indent="-252049" fontAlgn="base">
+              <a:spcBef>
+                <a:spcPct val="0"/>
+              </a:spcBef>
+              <a:buFont typeface="Wingdings" panose="05000000000000000000" pitchFamily="2" charset="2"/>
+              <a:buChar char="ü"/>
+              <a:defRPr/>
+            </a:pPr>
+            <a:endParaRPr lang="pt-BR" sz="1323" b="1" dirty="0">
+              <a:solidFill>
+                <a:schemeClr val="tx1"/>
+              </a:solidFill>
+              <a:latin typeface="Calibri" panose="020F0502020204030204" pitchFamily="34" charset="0"/>
+              <a:cs typeface="Simplon BP Regular"/>
+            </a:endParaRPr>
+          </a:p>
+          <a:p>
+            <a:pPr marL="252049" lvl="1" indent="-252049" fontAlgn="base">
+              <a:spcBef>
+                <a:spcPct val="0"/>
+              </a:spcBef>
+              <a:buFont typeface="Wingdings" panose="05000000000000000000" pitchFamily="2" charset="2"/>
+              <a:buChar char="ü"/>
+              <a:defRPr/>
+            </a:pPr>
+            <a:endParaRPr lang="pt-BR" sz="1323" b="1" dirty="0">
+              <a:solidFill>
+                <a:schemeClr val="tx1"/>
+              </a:solidFill>
+              <a:latin typeface="Calibri" panose="020F0502020204030204" pitchFamily="34" charset="0"/>
+              <a:cs typeface="Simplon BP Regular"/>
+            </a:endParaRPr>
+          </a:p>
+          <a:p>
+            <a:pPr marL="252049" indent="-252049" fontAlgn="base">
+              <a:spcBef>
+                <a:spcPct val="0"/>
+              </a:spcBef>
+              <a:buFont typeface="Wingdings" panose="05000000000000000000" pitchFamily="2" charset="2"/>
+              <a:buChar char="ü"/>
+              <a:defRPr/>
+            </a:pPr>
+            <a:endParaRPr lang="pt-BR" sz="1323" b="1" dirty="0">
+              <a:solidFill>
+                <a:schemeClr val="tx1"/>
+              </a:solidFill>
+              <a:latin typeface="Calibri" panose="020F0502020204030204" pitchFamily="34" charset="0"/>
+              <a:cs typeface="Simplon BP Regular"/>
+            </a:endParaRPr>
+          </a:p>
+          <a:p>
+            <a:pPr marL="252049" indent="-252049" fontAlgn="base">
+              <a:spcBef>
+                <a:spcPct val="0"/>
+              </a:spcBef>
+              <a:buFont typeface="Wingdings" panose="05000000000000000000" pitchFamily="2" charset="2"/>
+              <a:buChar char="ü"/>
+              <a:defRPr/>
+            </a:pPr>
+            <a:endParaRPr lang="pt-BR" sz="1323" b="1" dirty="0">
+              <a:solidFill>
+                <a:schemeClr val="tx1"/>
+              </a:solidFill>
+              <a:latin typeface="Calibri" panose="020F0502020204030204" pitchFamily="34" charset="0"/>
+              <a:cs typeface="Simplon BP Regular"/>
+            </a:endParaRPr>
+          </a:p>
+        </p:txBody>
+      </p:sp>
+      <p:sp>
+        <p:nvSpPr>
+          <p:cNvPr id="2" name="Rectangle 43">
+            <a:extLst>
+              <a:ext uri="{FF2B5EF4-FFF2-40B4-BE49-F238E27FC236}">
+                <a16:creationId xmlns:a16="http://schemas.microsoft.com/office/drawing/2014/main" id="{B15BA19F-C787-4E6A-ADAB-C0DFF09C66A8}"/>
+              </a:ext>
+            </a:extLst>
+          </p:cNvPr>
+          <p:cNvSpPr>
+            <a:spLocks/>
+          </p:cNvSpPr>
+          <p:nvPr/>
+        </p:nvSpPr>
+        <p:spPr>
+          <a:xfrm>
+            <a:off x="512766" y="3728204"/>
+            <a:ext cx="12496524" cy="3581485"/>
+          </a:xfrm>
+          <a:prstGeom prst="rect">
+            <a:avLst/>
+          </a:prstGeom>
+          <a:noFill/>
+          <a:ln w="12700">
+            <a:solidFill>
+              <a:schemeClr val="bg1">
+                <a:lumMod val="50000"/>
+              </a:schemeClr>
+            </a:solidFill>
+          </a:ln>
+        </p:spPr>
+        <p:style>
+          <a:lnRef idx="2">
+            <a:schemeClr val="accent4"/>
+          </a:lnRef>
+          <a:fillRef idx="1">
+            <a:schemeClr val="lt1"/>
+          </a:fillRef>
+          <a:effectRef idx="0">
+            <a:schemeClr val="accent4"/>
+          </a:effectRef>
+          <a:fontRef idx="minor">
+            <a:schemeClr val="dk1"/>
+          </a:fontRef>
+        </p:style>
+        <p:txBody>
+          <a:bodyPr wrap="square" tIns="105844" numCol="3" rtlCol="0" anchor="ctr"/>
+          <a:lstStyle/>
+          <a:p>
+            <a:pPr marL="0" lvl="1" defTabSz="672130"/>
+            <a:r>
+              <a:rPr lang="pt-BR" sz="1323" b="1" dirty="0">
+                <a:solidFill>
+                  <a:schemeClr val="tx1"/>
+                </a:solidFill>
+                <a:latin typeface="Calibri" panose="020F0502020204030204" pitchFamily="34" charset="0"/>
+                <a:cs typeface="Simplon BP Regular"/>
+              </a:rPr>
+              <a:t>Frente Plataforma</a:t>
+            </a:r>
+          </a:p>
+          <a:p>
+            <a:pPr marL="0" lvl="1" defTabSz="672130"/>
+            <a:endParaRPr lang="pt-BR" sz="1323" b="1" dirty="0">
+              <a:solidFill>
+                <a:schemeClr val="tx1"/>
+              </a:solidFill>
+              <a:latin typeface="Calibri" panose="020F0502020204030204" pitchFamily="34" charset="0"/>
+              <a:cs typeface="Simplon BP Regular"/>
+            </a:endParaRPr>
+          </a:p>
+          <a:p>
+            <a:pPr marL="0" lvl="1" defTabSz="672130"/>
+            <a:r>
+              <a:rPr lang="pt-BR" sz="1323" b="1" dirty="0">
+                <a:solidFill>
+                  <a:schemeClr val="tx1"/>
+                </a:solidFill>
+                <a:latin typeface="Calibri" panose="020F0502020204030204" pitchFamily="34" charset="0"/>
+                <a:cs typeface="Simplon BP Regular"/>
+              </a:rPr>
+              <a:t>Frente Back End</a:t>
+            </a:r>
+          </a:p>
+          <a:p>
+            <a:pPr marL="285750" lvl="1" indent="-285750" defTabSz="672130">
+              <a:buFont typeface="Arial" panose="020B0604020202020204" pitchFamily="34" charset="0"/>
+              <a:buChar char="•"/>
+            </a:pPr>
+            <a:r>
+              <a:rPr lang="pt-BR" sz="1323" dirty="0">
+                <a:solidFill>
+                  <a:schemeClr val="tx1"/>
+                </a:solidFill>
+                <a:latin typeface="Calibri" panose="020F0502020204030204" pitchFamily="34" charset="0"/>
+                <a:cs typeface="Simplon BP Regular"/>
+              </a:rPr>
+              <a:t>Login/</a:t>
+            </a:r>
+            <a:r>
+              <a:rPr lang="pt-BR" sz="1323" dirty="0" err="1">
+                <a:solidFill>
+                  <a:schemeClr val="tx1"/>
+                </a:solidFill>
+                <a:latin typeface="Calibri" panose="020F0502020204030204" pitchFamily="34" charset="0"/>
+                <a:cs typeface="Simplon BP Regular"/>
+              </a:rPr>
+              <a:t>LogOff</a:t>
+            </a:r>
+            <a:r>
+              <a:rPr lang="pt-BR" sz="1323" dirty="0">
+                <a:solidFill>
+                  <a:schemeClr val="tx1"/>
+                </a:solidFill>
+                <a:latin typeface="Calibri" panose="020F0502020204030204" pitchFamily="34" charset="0"/>
+                <a:cs typeface="Simplon BP Regular"/>
+              </a:rPr>
+              <a:t> - Com ORM</a:t>
+            </a:r>
+          </a:p>
+          <a:p>
+            <a:pPr marL="0" lvl="1" defTabSz="672130"/>
+            <a:endParaRPr lang="pt-BR" sz="1323" dirty="0">
+              <a:solidFill>
+                <a:schemeClr val="tx1"/>
+              </a:solidFill>
+              <a:latin typeface="Calibri" panose="020F0502020204030204" pitchFamily="34" charset="0"/>
+              <a:cs typeface="Simplon BP Regular"/>
+            </a:endParaRPr>
+          </a:p>
+          <a:p>
+            <a:pPr marL="0" lvl="1" defTabSz="672130"/>
+            <a:r>
+              <a:rPr lang="pt-BR" sz="1323" b="1" dirty="0">
+                <a:solidFill>
+                  <a:schemeClr val="tx1"/>
+                </a:solidFill>
+                <a:latin typeface="Calibri" panose="020F0502020204030204" pitchFamily="34" charset="0"/>
+                <a:cs typeface="Simplon BP Regular"/>
+              </a:rPr>
+              <a:t>Frente Front End</a:t>
+            </a:r>
+          </a:p>
+          <a:p>
+            <a:pPr marL="285750" lvl="1" indent="-285750" defTabSz="672130">
+              <a:buFont typeface="Arial" panose="020B0604020202020204" pitchFamily="34" charset="0"/>
+              <a:buChar char="•"/>
+            </a:pPr>
+            <a:r>
+              <a:rPr lang="pt-BR" sz="1323" dirty="0">
+                <a:solidFill>
+                  <a:schemeClr val="tx1"/>
+                </a:solidFill>
+                <a:latin typeface="Calibri" panose="020F0502020204030204" pitchFamily="34" charset="0"/>
+                <a:cs typeface="Simplon BP Regular"/>
+              </a:rPr>
+              <a:t>Criação das telas com </a:t>
+            </a:r>
+            <a:r>
+              <a:rPr lang="pt-BR" sz="1323" dirty="0" err="1">
+                <a:solidFill>
+                  <a:schemeClr val="tx1"/>
+                </a:solidFill>
+                <a:latin typeface="Calibri" panose="020F0502020204030204" pitchFamily="34" charset="0"/>
+                <a:cs typeface="Simplon BP Regular"/>
+              </a:rPr>
+              <a:t>React</a:t>
+            </a:r>
+            <a:r>
+              <a:rPr lang="pt-BR" sz="1323">
+                <a:solidFill>
+                  <a:schemeClr val="tx1"/>
+                </a:solidFill>
+                <a:latin typeface="Calibri" panose="020F0502020204030204" pitchFamily="34" charset="0"/>
+                <a:cs typeface="Simplon BP Regular"/>
+              </a:rPr>
+              <a:t>;</a:t>
+            </a:r>
+            <a:endParaRPr lang="pt-BR" sz="1323" dirty="0">
+              <a:solidFill>
+                <a:schemeClr val="tx1"/>
+              </a:solidFill>
+              <a:latin typeface="Calibri" panose="020F0502020204030204" pitchFamily="34" charset="0"/>
+              <a:cs typeface="Simplon BP Regular"/>
+            </a:endParaRPr>
+          </a:p>
+          <a:p>
+            <a:pPr marL="0" lvl="1" defTabSz="672130"/>
+            <a:endParaRPr lang="pt-BR" sz="1600" b="1" dirty="0">
+              <a:solidFill>
+                <a:schemeClr val="tx1"/>
+              </a:solidFill>
+              <a:latin typeface="Calibri" panose="020F0502020204030204" pitchFamily="34" charset="0"/>
+              <a:cs typeface="Simplon BP Regular"/>
+            </a:endParaRPr>
+          </a:p>
+          <a:p>
+            <a:pPr marL="0" lvl="1" defTabSz="672130"/>
+            <a:r>
+              <a:rPr lang="pt-BR" sz="1320" b="1" dirty="0">
+                <a:solidFill>
+                  <a:schemeClr val="tx1"/>
+                </a:solidFill>
+                <a:latin typeface="Calibri" panose="020F0502020204030204" pitchFamily="34" charset="0"/>
+                <a:cs typeface="Simplon BP Regular"/>
+              </a:rPr>
+              <a:t>Frente Negócios</a:t>
+            </a:r>
+          </a:p>
+          <a:p>
+            <a:pPr marL="252049" lvl="1" indent="-252049">
+              <a:buFont typeface="Wingdings" panose="05000000000000000000" pitchFamily="2" charset="2"/>
+              <a:buChar char="§"/>
+            </a:pPr>
+            <a:r>
+              <a:rPr lang="pt-BR" sz="1320" dirty="0">
+                <a:solidFill>
+                  <a:schemeClr val="tx1"/>
+                </a:solidFill>
+                <a:latin typeface="Calibri" panose="020F0502020204030204" pitchFamily="34" charset="0"/>
+                <a:cs typeface="Simplon BP Regular"/>
+              </a:rPr>
+              <a:t>Ajustes na documentação</a:t>
+            </a:r>
+          </a:p>
+          <a:p>
+            <a:pPr marL="0" lvl="1"/>
+            <a:endParaRPr lang="pt-BR" sz="1320" dirty="0">
+              <a:solidFill>
+                <a:schemeClr val="tx1"/>
+              </a:solidFill>
+              <a:latin typeface="Calibri" panose="020F0502020204030204" pitchFamily="34" charset="0"/>
+              <a:cs typeface="Simplon BP Regular"/>
+            </a:endParaRPr>
+          </a:p>
+        </p:txBody>
+      </p:sp>
+      <p:sp>
+        <p:nvSpPr>
+          <p:cNvPr id="44" name="TextBox 118">
+            <a:extLst>
+              <a:ext uri="{FF2B5EF4-FFF2-40B4-BE49-F238E27FC236}">
+                <a16:creationId xmlns:a16="http://schemas.microsoft.com/office/drawing/2014/main" id="{1E997FEB-A82C-4FE3-B191-DE926FE907FC}"/>
+              </a:ext>
+            </a:extLst>
+          </p:cNvPr>
+          <p:cNvSpPr txBox="1"/>
+          <p:nvPr/>
+        </p:nvSpPr>
+        <p:spPr>
+          <a:xfrm>
+            <a:off x="11832861" y="632714"/>
+            <a:ext cx="899678" cy="179824"/>
+          </a:xfrm>
+          <a:prstGeom prst="rect">
+            <a:avLst/>
+          </a:prstGeom>
+          <a:noFill/>
+          <a:ln w="12700">
+            <a:noFill/>
+          </a:ln>
+        </p:spPr>
+        <p:style>
+          <a:lnRef idx="2">
+            <a:schemeClr val="accent4"/>
+          </a:lnRef>
+          <a:fillRef idx="1">
+            <a:schemeClr val="lt1"/>
+          </a:fillRef>
+          <a:effectRef idx="0">
+            <a:schemeClr val="accent4"/>
+          </a:effectRef>
+          <a:fontRef idx="minor">
+            <a:schemeClr val="dk1"/>
+          </a:fontRef>
+        </p:style>
+        <p:txBody>
+          <a:bodyPr wrap="none" lIns="52922" tIns="52922" rIns="52922" bIns="0" rtlCol="0" anchor="b"/>
+          <a:lstStyle>
+            <a:defPPr>
+              <a:defRPr lang="en-US"/>
+            </a:defPPr>
+            <a:lvl1pPr algn="ctr">
+              <a:defRPr sz="1000" b="1">
+                <a:latin typeface="Simplon BP Regular"/>
+                <a:cs typeface="Simplon BP Regular"/>
+              </a:defRPr>
+            </a:lvl1pPr>
+            <a:lvl2pPr>
+              <a:defRPr>
+                <a:solidFill>
+                  <a:schemeClr val="dk1"/>
+                </a:solidFill>
+              </a:defRPr>
+            </a:lvl2pPr>
+            <a:lvl3pPr>
+              <a:defRPr>
+                <a:solidFill>
+                  <a:schemeClr val="dk1"/>
+                </a:solidFill>
+              </a:defRPr>
+            </a:lvl3pPr>
+            <a:lvl4pPr>
+              <a:defRPr>
+                <a:solidFill>
+                  <a:schemeClr val="dk1"/>
+                </a:solidFill>
+              </a:defRPr>
+            </a:lvl4pPr>
+            <a:lvl5pPr>
+              <a:defRPr>
+                <a:solidFill>
+                  <a:schemeClr val="dk1"/>
+                </a:solidFill>
+              </a:defRPr>
+            </a:lvl5pPr>
+            <a:lvl6pPr>
+              <a:defRPr>
+                <a:solidFill>
+                  <a:schemeClr val="dk1"/>
+                </a:solidFill>
+              </a:defRPr>
+            </a:lvl6pPr>
+            <a:lvl7pPr>
+              <a:defRPr>
+                <a:solidFill>
+                  <a:schemeClr val="dk1"/>
+                </a:solidFill>
+              </a:defRPr>
+            </a:lvl7pPr>
+            <a:lvl8pPr>
+              <a:defRPr>
+                <a:solidFill>
+                  <a:schemeClr val="dk1"/>
+                </a:solidFill>
+              </a:defRPr>
+            </a:lvl8pPr>
+            <a:lvl9pPr>
+              <a:defRPr>
+                <a:solidFill>
+                  <a:schemeClr val="dk1"/>
+                </a:solidFill>
+              </a:defRPr>
+            </a:lvl9pPr>
+          </a:lstStyle>
+          <a:p>
+            <a:pPr defTabSz="672130"/>
+            <a:r>
+              <a:rPr lang="pt-BR" sz="1176" b="0" dirty="0">
+                <a:solidFill>
+                  <a:prstClr val="black"/>
+                </a:solidFill>
+                <a:latin typeface="Simplon BP Bold" pitchFamily="2" charset="0"/>
+              </a:rPr>
+              <a:t>Negócios</a:t>
+            </a:r>
+          </a:p>
+        </p:txBody>
+      </p:sp>
+      <p:sp>
+        <p:nvSpPr>
+          <p:cNvPr id="45" name="Oval 120">
+            <a:extLst>
+              <a:ext uri="{FF2B5EF4-FFF2-40B4-BE49-F238E27FC236}">
+                <a16:creationId xmlns:a16="http://schemas.microsoft.com/office/drawing/2014/main" id="{086246F5-DDAA-4D0C-90E1-F0C0FED6D98E}"/>
+              </a:ext>
+            </a:extLst>
+          </p:cNvPr>
+          <p:cNvSpPr>
+            <a:spLocks noChangeAspect="1"/>
+          </p:cNvSpPr>
+          <p:nvPr/>
+        </p:nvSpPr>
+        <p:spPr>
+          <a:xfrm>
+            <a:off x="11161291" y="355772"/>
+            <a:ext cx="211404" cy="211689"/>
+          </a:xfrm>
+          <a:prstGeom prst="ellipse">
+            <a:avLst/>
+          </a:prstGeom>
+          <a:solidFill>
+            <a:srgbClr val="FFC000"/>
+          </a:solidFill>
+          <a:ln w="12700">
+            <a:solidFill>
+              <a:schemeClr val="accent3"/>
+            </a:solidFill>
+          </a:ln>
+        </p:spPr>
+        <p:style>
+          <a:lnRef idx="2">
+            <a:schemeClr val="accent1">
+              <a:shade val="50000"/>
+            </a:schemeClr>
+          </a:lnRef>
+          <a:fillRef idx="1">
+            <a:schemeClr val="accent1"/>
+          </a:fillRef>
+          <a:effectRef idx="0">
+            <a:schemeClr val="accent1"/>
+          </a:effectRef>
+          <a:fontRef idx="minor">
+            <a:schemeClr val="lt1"/>
+          </a:fontRef>
+        </p:style>
+        <p:txBody>
+          <a:bodyPr wrap="none" lIns="52922" tIns="52922" rIns="52922" rtlCol="0" anchor="ctr"/>
+          <a:lstStyle/>
+          <a:p>
+            <a:pPr algn="ctr" defTabSz="672130"/>
+            <a:endParaRPr lang="en-US" sz="1176" dirty="0">
+              <a:solidFill>
+                <a:prstClr val="black"/>
+              </a:solidFill>
+              <a:latin typeface="Simplon BP Regular"/>
+              <a:cs typeface="Simplon BP Regular"/>
+            </a:endParaRPr>
+          </a:p>
+        </p:txBody>
+      </p:sp>
+      <p:sp>
+        <p:nvSpPr>
+          <p:cNvPr id="46" name="TextBox 123">
+            <a:extLst>
+              <a:ext uri="{FF2B5EF4-FFF2-40B4-BE49-F238E27FC236}">
+                <a16:creationId xmlns:a16="http://schemas.microsoft.com/office/drawing/2014/main" id="{EDE9EB13-C574-4D80-85B2-C614186377BB}"/>
+              </a:ext>
+            </a:extLst>
+          </p:cNvPr>
+          <p:cNvSpPr txBox="1"/>
+          <p:nvPr/>
+        </p:nvSpPr>
+        <p:spPr>
+          <a:xfrm>
+            <a:off x="10839554" y="636806"/>
+            <a:ext cx="899678" cy="179824"/>
+          </a:xfrm>
+          <a:prstGeom prst="rect">
+            <a:avLst/>
+          </a:prstGeom>
+          <a:noFill/>
+          <a:ln w="12700">
+            <a:noFill/>
+          </a:ln>
+        </p:spPr>
+        <p:style>
+          <a:lnRef idx="2">
+            <a:schemeClr val="accent4"/>
+          </a:lnRef>
+          <a:fillRef idx="1">
+            <a:schemeClr val="lt1"/>
+          </a:fillRef>
+          <a:effectRef idx="0">
+            <a:schemeClr val="accent4"/>
+          </a:effectRef>
+          <a:fontRef idx="minor">
+            <a:schemeClr val="dk1"/>
+          </a:fontRef>
+        </p:style>
+        <p:txBody>
+          <a:bodyPr wrap="none" lIns="52922" tIns="52922" rIns="52922" bIns="0" rtlCol="0" anchor="b"/>
+          <a:lstStyle>
+            <a:defPPr>
+              <a:defRPr lang="en-US"/>
+            </a:defPPr>
+            <a:lvl1pPr algn="ctr">
+              <a:defRPr sz="1000" b="1">
+                <a:latin typeface="Simplon BP Regular"/>
+                <a:cs typeface="Simplon BP Regular"/>
+              </a:defRPr>
+            </a:lvl1pPr>
+            <a:lvl2pPr>
+              <a:defRPr>
+                <a:solidFill>
+                  <a:schemeClr val="dk1"/>
+                </a:solidFill>
+              </a:defRPr>
+            </a:lvl2pPr>
+            <a:lvl3pPr>
+              <a:defRPr>
+                <a:solidFill>
+                  <a:schemeClr val="dk1"/>
+                </a:solidFill>
+              </a:defRPr>
+            </a:lvl3pPr>
+            <a:lvl4pPr>
+              <a:defRPr>
+                <a:solidFill>
+                  <a:schemeClr val="dk1"/>
+                </a:solidFill>
+              </a:defRPr>
+            </a:lvl4pPr>
+            <a:lvl5pPr>
+              <a:defRPr>
+                <a:solidFill>
+                  <a:schemeClr val="dk1"/>
+                </a:solidFill>
+              </a:defRPr>
+            </a:lvl5pPr>
+            <a:lvl6pPr>
+              <a:defRPr>
+                <a:solidFill>
+                  <a:schemeClr val="dk1"/>
+                </a:solidFill>
+              </a:defRPr>
+            </a:lvl6pPr>
+            <a:lvl7pPr>
+              <a:defRPr>
+                <a:solidFill>
+                  <a:schemeClr val="dk1"/>
+                </a:solidFill>
+              </a:defRPr>
+            </a:lvl7pPr>
+            <a:lvl8pPr>
+              <a:defRPr>
+                <a:solidFill>
+                  <a:schemeClr val="dk1"/>
+                </a:solidFill>
+              </a:defRPr>
+            </a:lvl8pPr>
+            <a:lvl9pPr>
+              <a:defRPr>
+                <a:solidFill>
+                  <a:schemeClr val="dk1"/>
+                </a:solidFill>
+              </a:defRPr>
+            </a:lvl9pPr>
+          </a:lstStyle>
+          <a:p>
+            <a:pPr defTabSz="672130"/>
+            <a:r>
+              <a:rPr lang="pt-BR" sz="1176" b="0" dirty="0">
+                <a:solidFill>
+                  <a:prstClr val="black"/>
+                </a:solidFill>
+                <a:latin typeface="Simplon BP Bold" pitchFamily="2" charset="0"/>
+              </a:rPr>
+              <a:t>Plataforma</a:t>
+            </a:r>
+          </a:p>
+        </p:txBody>
+      </p:sp>
+      <p:sp>
+        <p:nvSpPr>
+          <p:cNvPr id="47" name="TextBox 128">
+            <a:extLst>
+              <a:ext uri="{FF2B5EF4-FFF2-40B4-BE49-F238E27FC236}">
+                <a16:creationId xmlns:a16="http://schemas.microsoft.com/office/drawing/2014/main" id="{9C8F333D-81A1-4BAB-89AC-459C19DD7185}"/>
+              </a:ext>
+            </a:extLst>
+          </p:cNvPr>
+          <p:cNvSpPr txBox="1"/>
+          <p:nvPr/>
+        </p:nvSpPr>
+        <p:spPr>
+          <a:xfrm>
+            <a:off x="9846247" y="636806"/>
+            <a:ext cx="899678" cy="179824"/>
+          </a:xfrm>
+          <a:prstGeom prst="rect">
+            <a:avLst/>
+          </a:prstGeom>
+          <a:noFill/>
+          <a:ln w="12700">
+            <a:noFill/>
+          </a:ln>
+        </p:spPr>
+        <p:style>
+          <a:lnRef idx="2">
+            <a:schemeClr val="accent4"/>
+          </a:lnRef>
+          <a:fillRef idx="1">
+            <a:schemeClr val="lt1"/>
+          </a:fillRef>
+          <a:effectRef idx="0">
+            <a:schemeClr val="accent4"/>
+          </a:effectRef>
+          <a:fontRef idx="minor">
+            <a:schemeClr val="dk1"/>
+          </a:fontRef>
+        </p:style>
+        <p:txBody>
+          <a:bodyPr wrap="none" lIns="52922" tIns="52922" rIns="52922" bIns="0" rtlCol="0" anchor="b"/>
+          <a:lstStyle>
+            <a:defPPr>
+              <a:defRPr lang="en-US"/>
+            </a:defPPr>
+            <a:lvl1pPr algn="ctr">
+              <a:defRPr sz="1000" b="1">
+                <a:latin typeface="Simplon BP Regular"/>
+                <a:cs typeface="Simplon BP Regular"/>
+              </a:defRPr>
+            </a:lvl1pPr>
+            <a:lvl2pPr>
+              <a:defRPr>
+                <a:solidFill>
+                  <a:schemeClr val="dk1"/>
+                </a:solidFill>
+              </a:defRPr>
+            </a:lvl2pPr>
+            <a:lvl3pPr>
+              <a:defRPr>
+                <a:solidFill>
+                  <a:schemeClr val="dk1"/>
+                </a:solidFill>
+              </a:defRPr>
+            </a:lvl3pPr>
+            <a:lvl4pPr>
+              <a:defRPr>
+                <a:solidFill>
+                  <a:schemeClr val="dk1"/>
+                </a:solidFill>
+              </a:defRPr>
+            </a:lvl4pPr>
+            <a:lvl5pPr>
+              <a:defRPr>
+                <a:solidFill>
+                  <a:schemeClr val="dk1"/>
+                </a:solidFill>
+              </a:defRPr>
+            </a:lvl5pPr>
+            <a:lvl6pPr>
+              <a:defRPr>
+                <a:solidFill>
+                  <a:schemeClr val="dk1"/>
+                </a:solidFill>
+              </a:defRPr>
+            </a:lvl6pPr>
+            <a:lvl7pPr>
+              <a:defRPr>
+                <a:solidFill>
+                  <a:schemeClr val="dk1"/>
+                </a:solidFill>
+              </a:defRPr>
+            </a:lvl7pPr>
+            <a:lvl8pPr>
+              <a:defRPr>
+                <a:solidFill>
+                  <a:schemeClr val="dk1"/>
+                </a:solidFill>
+              </a:defRPr>
+            </a:lvl8pPr>
+            <a:lvl9pPr>
+              <a:defRPr>
+                <a:solidFill>
+                  <a:schemeClr val="dk1"/>
+                </a:solidFill>
+              </a:defRPr>
+            </a:lvl9pPr>
+          </a:lstStyle>
+          <a:p>
+            <a:pPr defTabSz="672130"/>
+            <a:r>
+              <a:rPr lang="pt-BR" sz="1176" b="0" dirty="0">
+                <a:solidFill>
+                  <a:prstClr val="black"/>
+                </a:solidFill>
+                <a:latin typeface="Simplon BP Bold" pitchFamily="2" charset="0"/>
+              </a:rPr>
+              <a:t>Back</a:t>
+            </a:r>
+          </a:p>
+        </p:txBody>
+      </p:sp>
+      <p:sp>
+        <p:nvSpPr>
+          <p:cNvPr id="48" name="TextBox 133">
+            <a:extLst>
+              <a:ext uri="{FF2B5EF4-FFF2-40B4-BE49-F238E27FC236}">
+                <a16:creationId xmlns:a16="http://schemas.microsoft.com/office/drawing/2014/main" id="{64DC5C74-7B23-4BE5-BE63-A9BD52C02CD4}"/>
+              </a:ext>
+            </a:extLst>
+          </p:cNvPr>
+          <p:cNvSpPr txBox="1"/>
+          <p:nvPr/>
+        </p:nvSpPr>
+        <p:spPr>
+          <a:xfrm>
+            <a:off x="8954567" y="611542"/>
+            <a:ext cx="899678" cy="179824"/>
+          </a:xfrm>
+          <a:prstGeom prst="rect">
+            <a:avLst/>
+          </a:prstGeom>
+          <a:noFill/>
+          <a:ln w="12700">
+            <a:noFill/>
+          </a:ln>
+        </p:spPr>
+        <p:style>
+          <a:lnRef idx="2">
+            <a:schemeClr val="accent4"/>
+          </a:lnRef>
+          <a:fillRef idx="1">
+            <a:schemeClr val="lt1"/>
+          </a:fillRef>
+          <a:effectRef idx="0">
+            <a:schemeClr val="accent4"/>
+          </a:effectRef>
+          <a:fontRef idx="minor">
+            <a:schemeClr val="dk1"/>
+          </a:fontRef>
+        </p:style>
+        <p:txBody>
+          <a:bodyPr wrap="none" lIns="52922" tIns="52922" rIns="52922" bIns="0" rtlCol="0" anchor="b"/>
+          <a:lstStyle>
+            <a:defPPr>
+              <a:defRPr lang="en-US"/>
+            </a:defPPr>
+            <a:lvl1pPr algn="ctr">
+              <a:defRPr sz="1000" b="1">
+                <a:latin typeface="Simplon BP Regular"/>
+                <a:cs typeface="Simplon BP Regular"/>
+              </a:defRPr>
+            </a:lvl1pPr>
+            <a:lvl2pPr>
+              <a:defRPr>
+                <a:solidFill>
+                  <a:schemeClr val="dk1"/>
+                </a:solidFill>
+              </a:defRPr>
+            </a:lvl2pPr>
+            <a:lvl3pPr>
+              <a:defRPr>
+                <a:solidFill>
+                  <a:schemeClr val="dk1"/>
+                </a:solidFill>
+              </a:defRPr>
+            </a:lvl3pPr>
+            <a:lvl4pPr>
+              <a:defRPr>
+                <a:solidFill>
+                  <a:schemeClr val="dk1"/>
+                </a:solidFill>
+              </a:defRPr>
+            </a:lvl4pPr>
+            <a:lvl5pPr>
+              <a:defRPr>
+                <a:solidFill>
+                  <a:schemeClr val="dk1"/>
+                </a:solidFill>
+              </a:defRPr>
+            </a:lvl5pPr>
+            <a:lvl6pPr>
+              <a:defRPr>
+                <a:solidFill>
+                  <a:schemeClr val="dk1"/>
+                </a:solidFill>
+              </a:defRPr>
+            </a:lvl6pPr>
+            <a:lvl7pPr>
+              <a:defRPr>
+                <a:solidFill>
+                  <a:schemeClr val="dk1"/>
+                </a:solidFill>
+              </a:defRPr>
+            </a:lvl7pPr>
+            <a:lvl8pPr>
+              <a:defRPr>
+                <a:solidFill>
+                  <a:schemeClr val="dk1"/>
+                </a:solidFill>
+              </a:defRPr>
+            </a:lvl8pPr>
+            <a:lvl9pPr>
+              <a:defRPr>
+                <a:solidFill>
+                  <a:schemeClr val="dk1"/>
+                </a:solidFill>
+              </a:defRPr>
+            </a:lvl9pPr>
+          </a:lstStyle>
+          <a:p>
+            <a:pPr defTabSz="672130"/>
+            <a:r>
+              <a:rPr lang="pt-BR" sz="1176" b="0" dirty="0">
+                <a:solidFill>
+                  <a:prstClr val="black"/>
+                </a:solidFill>
+                <a:latin typeface="Simplon BP Bold" pitchFamily="2" charset="0"/>
+              </a:rPr>
+              <a:t>Front</a:t>
+            </a:r>
+          </a:p>
+        </p:txBody>
+      </p:sp>
+      <p:sp>
+        <p:nvSpPr>
+          <p:cNvPr id="49" name="Oval 134">
+            <a:extLst>
+              <a:ext uri="{FF2B5EF4-FFF2-40B4-BE49-F238E27FC236}">
+                <a16:creationId xmlns:a16="http://schemas.microsoft.com/office/drawing/2014/main" id="{1CBC8A27-FF05-44CD-B093-FB50D917E8D4}"/>
+              </a:ext>
+            </a:extLst>
+          </p:cNvPr>
+          <p:cNvSpPr>
+            <a:spLocks noChangeAspect="1"/>
+          </p:cNvSpPr>
+          <p:nvPr/>
+        </p:nvSpPr>
+        <p:spPr>
+          <a:xfrm>
+            <a:off x="8454287" y="324247"/>
+            <a:ext cx="211404" cy="211689"/>
+          </a:xfrm>
+          <a:prstGeom prst="ellipse">
+            <a:avLst/>
+          </a:prstGeom>
+          <a:solidFill>
+            <a:srgbClr val="1BCF13"/>
+          </a:solidFill>
+          <a:ln w="12700">
+            <a:solidFill>
+              <a:schemeClr val="accent3"/>
+            </a:solidFill>
+          </a:ln>
+        </p:spPr>
+        <p:style>
+          <a:lnRef idx="2">
+            <a:schemeClr val="accent1">
+              <a:shade val="50000"/>
+            </a:schemeClr>
+          </a:lnRef>
+          <a:fillRef idx="1">
+            <a:schemeClr val="accent1"/>
+          </a:fillRef>
+          <a:effectRef idx="0">
+            <a:schemeClr val="accent1"/>
+          </a:effectRef>
+          <a:fontRef idx="minor">
+            <a:schemeClr val="lt1"/>
+          </a:fontRef>
+        </p:style>
+        <p:txBody>
+          <a:bodyPr wrap="none" lIns="52922" tIns="52922" rIns="52922" rtlCol="0" anchor="ctr"/>
+          <a:lstStyle/>
+          <a:p>
+            <a:pPr algn="ctr" defTabSz="672130"/>
+            <a:endParaRPr lang="en-US" sz="1176" dirty="0">
+              <a:solidFill>
+                <a:prstClr val="black"/>
+              </a:solidFill>
+              <a:latin typeface="Simplon BP Regular"/>
+              <a:cs typeface="Simplon BP Regular"/>
+            </a:endParaRPr>
+          </a:p>
+        </p:txBody>
+      </p:sp>
+      <p:sp>
+        <p:nvSpPr>
+          <p:cNvPr id="50" name="TextBox 138">
+            <a:extLst>
+              <a:ext uri="{FF2B5EF4-FFF2-40B4-BE49-F238E27FC236}">
+                <a16:creationId xmlns:a16="http://schemas.microsoft.com/office/drawing/2014/main" id="{B1654790-CBD3-4D97-B9BC-CBC39DD32FC8}"/>
+              </a:ext>
+            </a:extLst>
+          </p:cNvPr>
+          <p:cNvSpPr txBox="1"/>
+          <p:nvPr/>
+        </p:nvSpPr>
+        <p:spPr>
+          <a:xfrm>
+            <a:off x="8136859" y="576471"/>
+            <a:ext cx="899678" cy="179824"/>
+          </a:xfrm>
+          <a:prstGeom prst="rect">
+            <a:avLst/>
+          </a:prstGeom>
+          <a:noFill/>
+          <a:ln w="12700">
+            <a:noFill/>
+          </a:ln>
+        </p:spPr>
+        <p:style>
+          <a:lnRef idx="2">
+            <a:schemeClr val="accent4"/>
+          </a:lnRef>
+          <a:fillRef idx="1">
+            <a:schemeClr val="lt1"/>
+          </a:fillRef>
+          <a:effectRef idx="0">
+            <a:schemeClr val="accent4"/>
+          </a:effectRef>
+          <a:fontRef idx="minor">
+            <a:schemeClr val="dk1"/>
+          </a:fontRef>
+        </p:style>
+        <p:txBody>
+          <a:bodyPr wrap="none" lIns="52922" tIns="52922" rIns="52922" bIns="0" rtlCol="0" anchor="b"/>
+          <a:lstStyle>
+            <a:defPPr>
+              <a:defRPr lang="en-US"/>
+            </a:defPPr>
+            <a:lvl1pPr algn="ctr">
+              <a:defRPr sz="1000" b="1">
+                <a:latin typeface="Simplon BP Regular"/>
+                <a:cs typeface="Simplon BP Regular"/>
+              </a:defRPr>
+            </a:lvl1pPr>
+            <a:lvl2pPr>
+              <a:defRPr>
+                <a:solidFill>
+                  <a:schemeClr val="dk1"/>
+                </a:solidFill>
+              </a:defRPr>
+            </a:lvl2pPr>
+            <a:lvl3pPr>
+              <a:defRPr>
+                <a:solidFill>
+                  <a:schemeClr val="dk1"/>
+                </a:solidFill>
+              </a:defRPr>
+            </a:lvl3pPr>
+            <a:lvl4pPr>
+              <a:defRPr>
+                <a:solidFill>
+                  <a:schemeClr val="dk1"/>
+                </a:solidFill>
+              </a:defRPr>
+            </a:lvl4pPr>
+            <a:lvl5pPr>
+              <a:defRPr>
+                <a:solidFill>
+                  <a:schemeClr val="dk1"/>
+                </a:solidFill>
+              </a:defRPr>
+            </a:lvl5pPr>
+            <a:lvl6pPr>
+              <a:defRPr>
+                <a:solidFill>
+                  <a:schemeClr val="dk1"/>
+                </a:solidFill>
+              </a:defRPr>
+            </a:lvl6pPr>
+            <a:lvl7pPr>
+              <a:defRPr>
+                <a:solidFill>
+                  <a:schemeClr val="dk1"/>
+                </a:solidFill>
+              </a:defRPr>
+            </a:lvl7pPr>
+            <a:lvl8pPr>
+              <a:defRPr>
+                <a:solidFill>
+                  <a:schemeClr val="dk1"/>
+                </a:solidFill>
+              </a:defRPr>
+            </a:lvl8pPr>
+            <a:lvl9pPr>
+              <a:defRPr>
+                <a:solidFill>
+                  <a:schemeClr val="dk1"/>
+                </a:solidFill>
+              </a:defRPr>
+            </a:lvl9pPr>
+          </a:lstStyle>
+          <a:p>
+            <a:pPr defTabSz="672130"/>
+            <a:r>
+              <a:rPr lang="en-US" sz="1176" b="0" dirty="0" err="1">
+                <a:solidFill>
+                  <a:prstClr val="black"/>
+                </a:solidFill>
+                <a:latin typeface="Simplon BP Bold" pitchFamily="2" charset="0"/>
+              </a:rPr>
+              <a:t>Equipe</a:t>
+            </a:r>
+            <a:endParaRPr lang="en-US" sz="1176" b="0" dirty="0">
+              <a:solidFill>
+                <a:prstClr val="black"/>
+              </a:solidFill>
+              <a:latin typeface="Simplon BP Bold" pitchFamily="2" charset="0"/>
+            </a:endParaRPr>
+          </a:p>
+        </p:txBody>
+      </p:sp>
+      <p:sp>
+        <p:nvSpPr>
+          <p:cNvPr id="51" name="Oval 134">
+            <a:extLst>
+              <a:ext uri="{FF2B5EF4-FFF2-40B4-BE49-F238E27FC236}">
+                <a16:creationId xmlns:a16="http://schemas.microsoft.com/office/drawing/2014/main" id="{508E308C-5CF8-44B6-A1C4-87E5DDC4CC70}"/>
+              </a:ext>
+            </a:extLst>
+          </p:cNvPr>
+          <p:cNvSpPr>
+            <a:spLocks noChangeAspect="1"/>
+          </p:cNvSpPr>
+          <p:nvPr/>
+        </p:nvSpPr>
+        <p:spPr>
+          <a:xfrm>
+            <a:off x="9278999" y="355771"/>
+            <a:ext cx="211404" cy="211689"/>
+          </a:xfrm>
+          <a:prstGeom prst="ellipse">
+            <a:avLst/>
+          </a:prstGeom>
+          <a:solidFill>
+            <a:srgbClr val="FFC000"/>
+          </a:solidFill>
+          <a:ln w="12700">
+            <a:solidFill>
+              <a:schemeClr val="accent3"/>
+            </a:solidFill>
+          </a:ln>
+        </p:spPr>
+        <p:style>
+          <a:lnRef idx="2">
+            <a:schemeClr val="accent1">
+              <a:shade val="50000"/>
+            </a:schemeClr>
+          </a:lnRef>
+          <a:fillRef idx="1">
+            <a:schemeClr val="accent1"/>
+          </a:fillRef>
+          <a:effectRef idx="0">
+            <a:schemeClr val="accent1"/>
+          </a:effectRef>
+          <a:fontRef idx="minor">
+            <a:schemeClr val="lt1"/>
+          </a:fontRef>
+        </p:style>
+        <p:txBody>
+          <a:bodyPr wrap="none" lIns="52922" tIns="52922" rIns="52922" rtlCol="0" anchor="ctr"/>
+          <a:lstStyle/>
+          <a:p>
+            <a:pPr algn="ctr" defTabSz="672130"/>
+            <a:endParaRPr lang="en-US" sz="1176" dirty="0">
+              <a:solidFill>
+                <a:prstClr val="black"/>
+              </a:solidFill>
+              <a:latin typeface="Simplon BP Regular"/>
+              <a:cs typeface="Simplon BP Regular"/>
+            </a:endParaRPr>
+          </a:p>
+        </p:txBody>
+      </p:sp>
+      <p:sp>
+        <p:nvSpPr>
+          <p:cNvPr id="52" name="Oval 134">
+            <a:extLst>
+              <a:ext uri="{FF2B5EF4-FFF2-40B4-BE49-F238E27FC236}">
+                <a16:creationId xmlns:a16="http://schemas.microsoft.com/office/drawing/2014/main" id="{7BFB1971-EC64-4AB8-B092-E0043EABF66E}"/>
+              </a:ext>
+            </a:extLst>
+          </p:cNvPr>
+          <p:cNvSpPr>
+            <a:spLocks noChangeAspect="1"/>
+          </p:cNvSpPr>
+          <p:nvPr/>
+        </p:nvSpPr>
+        <p:spPr>
+          <a:xfrm>
+            <a:off x="12166910" y="369037"/>
+            <a:ext cx="211404" cy="211689"/>
+          </a:xfrm>
+          <a:prstGeom prst="ellipse">
+            <a:avLst/>
+          </a:prstGeom>
+          <a:solidFill>
+            <a:srgbClr val="1BCF13"/>
+          </a:solidFill>
+          <a:ln w="12700">
+            <a:solidFill>
+              <a:schemeClr val="accent3"/>
+            </a:solidFill>
+          </a:ln>
+        </p:spPr>
+        <p:style>
+          <a:lnRef idx="2">
+            <a:schemeClr val="accent1">
+              <a:shade val="50000"/>
+            </a:schemeClr>
+          </a:lnRef>
+          <a:fillRef idx="1">
+            <a:schemeClr val="accent1"/>
+          </a:fillRef>
+          <a:effectRef idx="0">
+            <a:schemeClr val="accent1"/>
+          </a:effectRef>
+          <a:fontRef idx="minor">
+            <a:schemeClr val="lt1"/>
+          </a:fontRef>
+        </p:style>
+        <p:txBody>
+          <a:bodyPr wrap="none" lIns="52922" tIns="52922" rIns="52922" rtlCol="0" anchor="ctr"/>
+          <a:lstStyle/>
+          <a:p>
+            <a:pPr algn="ctr" defTabSz="672130"/>
+            <a:endParaRPr lang="en-US" sz="1176" dirty="0">
+              <a:solidFill>
+                <a:prstClr val="black"/>
+              </a:solidFill>
+              <a:latin typeface="Simplon BP Regular"/>
+              <a:cs typeface="Simplon BP Regular"/>
+            </a:endParaRPr>
+          </a:p>
+        </p:txBody>
+      </p:sp>
+      <p:sp>
+        <p:nvSpPr>
+          <p:cNvPr id="53" name="Oval 120">
+            <a:extLst>
+              <a:ext uri="{FF2B5EF4-FFF2-40B4-BE49-F238E27FC236}">
+                <a16:creationId xmlns:a16="http://schemas.microsoft.com/office/drawing/2014/main" id="{CD1D1FF9-2BFE-4742-BA82-E1804B8C0747}"/>
+              </a:ext>
+            </a:extLst>
+          </p:cNvPr>
+          <p:cNvSpPr>
+            <a:spLocks noChangeAspect="1"/>
+          </p:cNvSpPr>
+          <p:nvPr/>
+        </p:nvSpPr>
+        <p:spPr>
+          <a:xfrm>
+            <a:off x="10168563" y="358554"/>
+            <a:ext cx="211404" cy="211689"/>
+          </a:xfrm>
+          <a:prstGeom prst="ellipse">
+            <a:avLst/>
+          </a:prstGeom>
+          <a:solidFill>
+            <a:srgbClr val="FFC000"/>
+          </a:solidFill>
+          <a:ln w="12700">
+            <a:solidFill>
+              <a:schemeClr val="accent3"/>
+            </a:solidFill>
+          </a:ln>
+        </p:spPr>
+        <p:style>
+          <a:lnRef idx="2">
+            <a:schemeClr val="accent1">
+              <a:shade val="50000"/>
+            </a:schemeClr>
+          </a:lnRef>
+          <a:fillRef idx="1">
+            <a:schemeClr val="accent1"/>
+          </a:fillRef>
+          <a:effectRef idx="0">
+            <a:schemeClr val="accent1"/>
+          </a:effectRef>
+          <a:fontRef idx="minor">
+            <a:schemeClr val="lt1"/>
+          </a:fontRef>
+        </p:style>
+        <p:txBody>
+          <a:bodyPr wrap="none" lIns="52922" tIns="52922" rIns="52922" rtlCol="0" anchor="ctr"/>
+          <a:lstStyle/>
+          <a:p>
+            <a:pPr algn="ctr" defTabSz="672130"/>
+            <a:endParaRPr lang="en-US" sz="1176" dirty="0">
+              <a:solidFill>
+                <a:srgbClr val="FF0000"/>
+              </a:solidFill>
+              <a:latin typeface="Simplon BP Regular"/>
+              <a:cs typeface="Simplon BP Regular"/>
+            </a:endParaRPr>
+          </a:p>
+        </p:txBody>
+      </p:sp>
+      <p:sp>
+        <p:nvSpPr>
+          <p:cNvPr id="54" name="Retângulo 53">
+            <a:extLst>
+              <a:ext uri="{FF2B5EF4-FFF2-40B4-BE49-F238E27FC236}">
+                <a16:creationId xmlns:a16="http://schemas.microsoft.com/office/drawing/2014/main" id="{1B63957F-A46D-48D5-BC08-1A2EB1CCBBE4}"/>
+              </a:ext>
+            </a:extLst>
+          </p:cNvPr>
+          <p:cNvSpPr/>
+          <p:nvPr/>
+        </p:nvSpPr>
+        <p:spPr>
+          <a:xfrm>
+            <a:off x="8017619" y="180231"/>
+            <a:ext cx="4937689" cy="618769"/>
+          </a:xfrm>
+          <a:prstGeom prst="rect">
+            <a:avLst/>
+          </a:prstGeom>
+          <a:noFill/>
+          <a:ln w="6350">
+            <a:solidFill>
+              <a:schemeClr val="bg1">
+                <a:lumMod val="75000"/>
+              </a:schemeClr>
+            </a:solidFill>
+          </a:ln>
+        </p:spPr>
+        <p:style>
+          <a:lnRef idx="2">
+            <a:schemeClr val="accent1">
+              <a:shade val="50000"/>
+            </a:schemeClr>
+          </a:lnRef>
+          <a:fillRef idx="1">
+            <a:schemeClr val="accent1"/>
+          </a:fillRef>
+          <a:effectRef idx="0">
+            <a:schemeClr val="accent1"/>
+          </a:effectRef>
+          <a:fontRef idx="minor">
+            <a:schemeClr val="lt1"/>
+          </a:fontRef>
+        </p:style>
+        <p:txBody>
+          <a:bodyPr rtlCol="0" anchor="ctr"/>
+          <a:lstStyle/>
+          <a:p>
+            <a:pPr algn="ctr"/>
+            <a:endParaRPr lang="pt-BR"/>
+          </a:p>
+        </p:txBody>
+      </p:sp>
+      <p:sp>
+        <p:nvSpPr>
+          <p:cNvPr id="55" name="TextBox 138">
+            <a:extLst>
+              <a:ext uri="{FF2B5EF4-FFF2-40B4-BE49-F238E27FC236}">
+                <a16:creationId xmlns:a16="http://schemas.microsoft.com/office/drawing/2014/main" id="{F371B3E2-E59C-4A0F-B5AC-74687E6B4AC8}"/>
+              </a:ext>
+            </a:extLst>
+          </p:cNvPr>
+          <p:cNvSpPr txBox="1"/>
+          <p:nvPr/>
+        </p:nvSpPr>
+        <p:spPr>
+          <a:xfrm>
+            <a:off x="9715810" y="51570"/>
+            <a:ext cx="1478088" cy="211688"/>
+          </a:xfrm>
+          <a:prstGeom prst="rect">
+            <a:avLst/>
+          </a:prstGeom>
+          <a:solidFill>
+            <a:schemeClr val="bg1"/>
+          </a:solidFill>
+          <a:ln w="12700">
+            <a:noFill/>
+          </a:ln>
+        </p:spPr>
+        <p:style>
+          <a:lnRef idx="2">
+            <a:schemeClr val="accent4"/>
+          </a:lnRef>
+          <a:fillRef idx="1">
+            <a:schemeClr val="lt1"/>
+          </a:fillRef>
+          <a:effectRef idx="0">
+            <a:schemeClr val="accent4"/>
+          </a:effectRef>
+          <a:fontRef idx="minor">
+            <a:schemeClr val="dk1"/>
+          </a:fontRef>
+        </p:style>
+        <p:txBody>
+          <a:bodyPr wrap="none" lIns="52922" tIns="52922" rIns="52922" bIns="0" rtlCol="0" anchor="b"/>
+          <a:lstStyle>
+            <a:defPPr>
+              <a:defRPr lang="en-US"/>
+            </a:defPPr>
+            <a:lvl1pPr algn="ctr">
+              <a:defRPr sz="1000" b="1">
+                <a:latin typeface="Simplon BP Regular"/>
+                <a:cs typeface="Simplon BP Regular"/>
+              </a:defRPr>
+            </a:lvl1pPr>
+            <a:lvl2pPr>
+              <a:defRPr>
+                <a:solidFill>
+                  <a:schemeClr val="dk1"/>
+                </a:solidFill>
+              </a:defRPr>
+            </a:lvl2pPr>
+            <a:lvl3pPr>
+              <a:defRPr>
+                <a:solidFill>
+                  <a:schemeClr val="dk1"/>
+                </a:solidFill>
+              </a:defRPr>
+            </a:lvl3pPr>
+            <a:lvl4pPr>
+              <a:defRPr>
+                <a:solidFill>
+                  <a:schemeClr val="dk1"/>
+                </a:solidFill>
+              </a:defRPr>
+            </a:lvl4pPr>
+            <a:lvl5pPr>
+              <a:defRPr>
+                <a:solidFill>
+                  <a:schemeClr val="dk1"/>
+                </a:solidFill>
+              </a:defRPr>
+            </a:lvl5pPr>
+            <a:lvl6pPr>
+              <a:defRPr>
+                <a:solidFill>
+                  <a:schemeClr val="dk1"/>
+                </a:solidFill>
+              </a:defRPr>
+            </a:lvl6pPr>
+            <a:lvl7pPr>
+              <a:defRPr>
+                <a:solidFill>
+                  <a:schemeClr val="dk1"/>
+                </a:solidFill>
+              </a:defRPr>
+            </a:lvl7pPr>
+            <a:lvl8pPr>
+              <a:defRPr>
+                <a:solidFill>
+                  <a:schemeClr val="dk1"/>
+                </a:solidFill>
+              </a:defRPr>
+            </a:lvl8pPr>
+            <a:lvl9pPr>
+              <a:defRPr>
+                <a:solidFill>
+                  <a:schemeClr val="dk1"/>
+                </a:solidFill>
+              </a:defRPr>
+            </a:lvl9pPr>
+          </a:lstStyle>
+          <a:p>
+            <a:pPr defTabSz="672130"/>
+            <a:r>
+              <a:rPr lang="en-US" sz="1176" b="0" dirty="0">
+                <a:solidFill>
+                  <a:prstClr val="black"/>
+                </a:solidFill>
+                <a:latin typeface="Simplon BP Bold" pitchFamily="2" charset="0"/>
+              </a:rPr>
+              <a:t>    </a:t>
+            </a:r>
+            <a:r>
+              <a:rPr lang="en-US" sz="1176" b="0" dirty="0" err="1">
+                <a:solidFill>
+                  <a:prstClr val="black"/>
+                </a:solidFill>
+                <a:latin typeface="Simplon BP Bold" pitchFamily="2" charset="0"/>
+              </a:rPr>
+              <a:t>Farol</a:t>
+            </a:r>
+            <a:r>
+              <a:rPr lang="en-US" sz="1176" b="0" dirty="0">
+                <a:solidFill>
+                  <a:prstClr val="black"/>
+                </a:solidFill>
+                <a:latin typeface="Simplon BP Bold" pitchFamily="2" charset="0"/>
+              </a:rPr>
+              <a:t> do </a:t>
+            </a:r>
+            <a:r>
+              <a:rPr lang="en-US" sz="1176" b="0" dirty="0" err="1">
+                <a:solidFill>
+                  <a:prstClr val="black"/>
+                </a:solidFill>
+                <a:latin typeface="Simplon BP Bold" pitchFamily="2" charset="0"/>
+              </a:rPr>
+              <a:t>Projeto</a:t>
+            </a:r>
+            <a:r>
+              <a:rPr lang="en-US" sz="1176" b="0" dirty="0">
+                <a:solidFill>
+                  <a:prstClr val="black"/>
+                </a:solidFill>
+                <a:latin typeface="Simplon BP Bold" pitchFamily="2" charset="0"/>
+              </a:rPr>
+              <a:t>   </a:t>
+            </a:r>
+          </a:p>
+        </p:txBody>
+      </p:sp>
+    </p:spTree>
+    <p:extLst>
+      <p:ext uri="{BB962C8B-B14F-4D97-AF65-F5344CB8AC3E}">
+        <p14:creationId xmlns:p14="http://schemas.microsoft.com/office/powerpoint/2010/main" val="1705322327"/>
       </p:ext>
     </p:extLst>
   </p:cSld>
@@ -34203,15 +36253,6 @@
 </file>
 
 <file path=customXml/item1.xml><?xml version="1.0" encoding="utf-8"?>
-<?mso-contentType ?>
-<FormTemplates xmlns="http://schemas.microsoft.com/sharepoint/v3/contenttype/forms">
-  <Display>DocumentLibraryForm</Display>
-  <Edit>DocumentLibraryForm</Edit>
-  <New>DocumentLibraryForm</New>
-</FormTemplates>
-</file>
-
-<file path=customXml/item2.xml><?xml version="1.0" encoding="utf-8"?>
 <p:properties xmlns:p="http://schemas.microsoft.com/office/2006/metadata/properties" xmlns:xsi="http://www.w3.org/2001/XMLSchema-instance" xmlns:pc="http://schemas.microsoft.com/office/infopath/2007/PartnerControls">
   <documentManagement>
     <Is_Collaboration_Space_Locked xmlns="bbcd8c33-6940-4d4c-a587-bbc736ca1e4d" xsi:nil="true"/>
@@ -34261,6 +36302,15 @@
     <CultureName xmlns="bbcd8c33-6940-4d4c-a587-bbc736ca1e4d" xsi:nil="true"/>
   </documentManagement>
 </p:properties>
+</file>
+
+<file path=customXml/item2.xml><?xml version="1.0" encoding="utf-8"?>
+<?mso-contentType ?>
+<FormTemplates xmlns="http://schemas.microsoft.com/sharepoint/v3/contenttype/forms">
+  <Display>DocumentLibraryForm</Display>
+  <Edit>DocumentLibraryForm</Edit>
+  <New>DocumentLibraryForm</New>
+</FormTemplates>
 </file>
 
 <file path=customXml/item3.xml><?xml version="1.0" encoding="utf-8"?>
@@ -34681,14 +36731,6 @@
 </file>
 
 <file path=customXml/itemProps1.xml><?xml version="1.0" encoding="utf-8"?>
-<ds:datastoreItem xmlns:ds="http://schemas.openxmlformats.org/officeDocument/2006/customXml" ds:itemID="{E2481852-F24E-4532-AF30-C154D705D105}">
-  <ds:schemaRefs>
-    <ds:schemaRef ds:uri="http://schemas.microsoft.com/sharepoint/v3/contenttype/forms"/>
-  </ds:schemaRefs>
-</ds:datastoreItem>
-</file>
-
-<file path=customXml/itemProps2.xml><?xml version="1.0" encoding="utf-8"?>
 <ds:datastoreItem xmlns:ds="http://schemas.openxmlformats.org/officeDocument/2006/customXml" ds:itemID="{4B31267F-D399-4A8A-87F8-B75F56828412}">
   <ds:schemaRefs>
     <ds:schemaRef ds:uri="http://www.w3.org/XML/1998/namespace"/>
@@ -34701,6 +36743,14 @@
     <ds:schemaRef ds:uri="http://schemas.openxmlformats.org/package/2006/metadata/core-properties"/>
     <ds:schemaRef ds:uri="http://schemas.microsoft.com/office/2006/metadata/properties"/>
     <ds:schemaRef ds:uri="http://purl.org/dc/terms/"/>
+  </ds:schemaRefs>
+</ds:datastoreItem>
+</file>
+
+<file path=customXml/itemProps2.xml><?xml version="1.0" encoding="utf-8"?>
+<ds:datastoreItem xmlns:ds="http://schemas.openxmlformats.org/officeDocument/2006/customXml" ds:itemID="{E2481852-F24E-4532-AF30-C154D705D105}">
+  <ds:schemaRefs>
+    <ds:schemaRef ds:uri="http://schemas.microsoft.com/sharepoint/v3/contenttype/forms"/>
   </ds:schemaRefs>
 </ds:datastoreItem>
 </file>

--- a/Documentação/Status Report/Status Report - Grupo 6.pptx
+++ b/Documentação/Status Report/Status Report - Grupo 6.pptx
@@ -163,7 +163,7 @@
   <pc:docChgLst>
     <pc:chgData name="Vinicius Cano" userId="e988c080-1d50-4980-86fe-45a1167ad471" providerId="ADAL" clId="{CFCABCC4-01DD-4F6B-AAA1-A4E1D03D705B}"/>
     <pc:docChg chg="undo custSel addSld delSld modSld modSection">
-      <pc:chgData name="Vinicius Cano" userId="e988c080-1d50-4980-86fe-45a1167ad471" providerId="ADAL" clId="{CFCABCC4-01DD-4F6B-AAA1-A4E1D03D705B}" dt="2021-09-30T20:37:47.141" v="1249" actId="20577"/>
+      <pc:chgData name="Vinicius Cano" userId="e988c080-1d50-4980-86fe-45a1167ad471" providerId="ADAL" clId="{CFCABCC4-01DD-4F6B-AAA1-A4E1D03D705B}" dt="2021-09-30T21:52:25.407" v="1250" actId="207"/>
       <pc:docMkLst>
         <pc:docMk/>
       </pc:docMkLst>
@@ -434,7 +434,7 @@
         </pc:spChg>
       </pc:sldChg>
       <pc:sldChg chg="modSp add mod">
-        <pc:chgData name="Vinicius Cano" userId="e988c080-1d50-4980-86fe-45a1167ad471" providerId="ADAL" clId="{CFCABCC4-01DD-4F6B-AAA1-A4E1D03D705B}" dt="2021-09-30T20:37:47.141" v="1249" actId="20577"/>
+        <pc:chgData name="Vinicius Cano" userId="e988c080-1d50-4980-86fe-45a1167ad471" providerId="ADAL" clId="{CFCABCC4-01DD-4F6B-AAA1-A4E1D03D705B}" dt="2021-09-30T21:52:25.407" v="1250" actId="207"/>
         <pc:sldMkLst>
           <pc:docMk/>
           <pc:sldMk cId="1705322327" sldId="477"/>
@@ -453,6 +453,14 @@
             <pc:docMk/>
             <pc:sldMk cId="1705322327" sldId="477"/>
             <ac:spMk id="3" creationId="{00000000-0000-0000-0000-000000000000}"/>
+          </ac:spMkLst>
+        </pc:spChg>
+        <pc:spChg chg="mod">
+          <ac:chgData name="Vinicius Cano" userId="e988c080-1d50-4980-86fe-45a1167ad471" providerId="ADAL" clId="{CFCABCC4-01DD-4F6B-AAA1-A4E1D03D705B}" dt="2021-09-30T21:52:25.407" v="1250" actId="207"/>
+          <ac:spMkLst>
+            <pc:docMk/>
+            <pc:sldMk cId="1705322327" sldId="477"/>
+            <ac:spMk id="53" creationId="{CD1D1FF9-2BFE-4742-BA82-E1804B8C0747}"/>
           </ac:spMkLst>
         </pc:spChg>
         <pc:spChg chg="mod">
@@ -34528,7 +34536,7 @@
             <a:avLst/>
           </a:prstGeom>
           <a:solidFill>
-            <a:srgbClr val="FFC000"/>
+            <a:srgbClr val="FFFF00"/>
           </a:solidFill>
           <a:ln w="12700">
             <a:solidFill>
@@ -36253,6 +36261,15 @@
 </file>
 
 <file path=customXml/item1.xml><?xml version="1.0" encoding="utf-8"?>
+<?mso-contentType ?>
+<FormTemplates xmlns="http://schemas.microsoft.com/sharepoint/v3/contenttype/forms">
+  <Display>DocumentLibraryForm</Display>
+  <Edit>DocumentLibraryForm</Edit>
+  <New>DocumentLibraryForm</New>
+</FormTemplates>
+</file>
+
+<file path=customXml/item2.xml><?xml version="1.0" encoding="utf-8"?>
 <p:properties xmlns:p="http://schemas.microsoft.com/office/2006/metadata/properties" xmlns:xsi="http://www.w3.org/2001/XMLSchema-instance" xmlns:pc="http://schemas.microsoft.com/office/infopath/2007/PartnerControls">
   <documentManagement>
     <Is_Collaboration_Space_Locked xmlns="bbcd8c33-6940-4d4c-a587-bbc736ca1e4d" xsi:nil="true"/>
@@ -36302,15 +36319,6 @@
     <CultureName xmlns="bbcd8c33-6940-4d4c-a587-bbc736ca1e4d" xsi:nil="true"/>
   </documentManagement>
 </p:properties>
-</file>
-
-<file path=customXml/item2.xml><?xml version="1.0" encoding="utf-8"?>
-<?mso-contentType ?>
-<FormTemplates xmlns="http://schemas.microsoft.com/sharepoint/v3/contenttype/forms">
-  <Display>DocumentLibraryForm</Display>
-  <Edit>DocumentLibraryForm</Edit>
-  <New>DocumentLibraryForm</New>
-</FormTemplates>
 </file>
 
 <file path=customXml/item3.xml><?xml version="1.0" encoding="utf-8"?>
@@ -36731,6 +36739,14 @@
 </file>
 
 <file path=customXml/itemProps1.xml><?xml version="1.0" encoding="utf-8"?>
+<ds:datastoreItem xmlns:ds="http://schemas.openxmlformats.org/officeDocument/2006/customXml" ds:itemID="{E2481852-F24E-4532-AF30-C154D705D105}">
+  <ds:schemaRefs>
+    <ds:schemaRef ds:uri="http://schemas.microsoft.com/sharepoint/v3/contenttype/forms"/>
+  </ds:schemaRefs>
+</ds:datastoreItem>
+</file>
+
+<file path=customXml/itemProps2.xml><?xml version="1.0" encoding="utf-8"?>
 <ds:datastoreItem xmlns:ds="http://schemas.openxmlformats.org/officeDocument/2006/customXml" ds:itemID="{4B31267F-D399-4A8A-87F8-B75F56828412}">
   <ds:schemaRefs>
     <ds:schemaRef ds:uri="http://www.w3.org/XML/1998/namespace"/>
@@ -36743,14 +36759,6 @@
     <ds:schemaRef ds:uri="http://schemas.openxmlformats.org/package/2006/metadata/core-properties"/>
     <ds:schemaRef ds:uri="http://schemas.microsoft.com/office/2006/metadata/properties"/>
     <ds:schemaRef ds:uri="http://purl.org/dc/terms/"/>
-  </ds:schemaRefs>
-</ds:datastoreItem>
-</file>
-
-<file path=customXml/itemProps2.xml><?xml version="1.0" encoding="utf-8"?>
-<ds:datastoreItem xmlns:ds="http://schemas.openxmlformats.org/officeDocument/2006/customXml" ds:itemID="{E2481852-F24E-4532-AF30-C154D705D105}">
-  <ds:schemaRefs>
-    <ds:schemaRef ds:uri="http://schemas.microsoft.com/sharepoint/v3/contenttype/forms"/>
   </ds:schemaRefs>
 </ds:datastoreItem>
 </file>

--- a/Documentação/Status Report/Status Report - Grupo 6.pptx
+++ b/Documentação/Status Report/Status Report - Grupo 6.pptx
@@ -7,10 +7,10 @@
     <p:sldMasterId id="2147483665" r:id="rId6"/>
   </p:sldMasterIdLst>
   <p:notesMasterIdLst>
-    <p:notesMasterId r:id="rId15"/>
+    <p:notesMasterId r:id="rId16"/>
   </p:notesMasterIdLst>
   <p:handoutMasterIdLst>
-    <p:handoutMasterId r:id="rId16"/>
+    <p:handoutMasterId r:id="rId17"/>
   </p:handoutMasterIdLst>
   <p:sldIdLst>
     <p:sldId id="256" r:id="rId7"/>
@@ -21,6 +21,7 @@
     <p:sldId id="475" r:id="rId12"/>
     <p:sldId id="476" r:id="rId13"/>
     <p:sldId id="477" r:id="rId14"/>
+    <p:sldId id="478" r:id="rId15"/>
   </p:sldIdLst>
   <p:sldSz cx="13442950" cy="7561263"/>
   <p:notesSz cx="7104063" cy="10234613"/>
@@ -136,6 +137,7 @@
             <p14:sldId id="475"/>
             <p14:sldId id="476"/>
             <p14:sldId id="477"/>
+            <p14:sldId id="478"/>
           </p14:sldIdLst>
         </p14:section>
       </p14:sectionLst>
@@ -163,7 +165,7 @@
   <pc:docChgLst>
     <pc:chgData name="Vinicius Cano" userId="e988c080-1d50-4980-86fe-45a1167ad471" providerId="ADAL" clId="{CFCABCC4-01DD-4F6B-AAA1-A4E1D03D705B}"/>
     <pc:docChg chg="undo custSel addSld delSld modSld modSection">
-      <pc:chgData name="Vinicius Cano" userId="e988c080-1d50-4980-86fe-45a1167ad471" providerId="ADAL" clId="{CFCABCC4-01DD-4F6B-AAA1-A4E1D03D705B}" dt="2021-09-30T21:52:25.407" v="1250" actId="207"/>
+      <pc:chgData name="Vinicius Cano" userId="e988c080-1d50-4980-86fe-45a1167ad471" providerId="ADAL" clId="{CFCABCC4-01DD-4F6B-AAA1-A4E1D03D705B}" dt="2021-10-07T18:22:31.762" v="1446" actId="20577"/>
       <pc:docMkLst>
         <pc:docMk/>
       </pc:docMkLst>
@@ -472,6 +474,69 @@
           </ac:spMkLst>
         </pc:spChg>
       </pc:sldChg>
+      <pc:sldChg chg="modSp add mod">
+        <pc:chgData name="Vinicius Cano" userId="e988c080-1d50-4980-86fe-45a1167ad471" providerId="ADAL" clId="{CFCABCC4-01DD-4F6B-AAA1-A4E1D03D705B}" dt="2021-10-07T18:22:31.762" v="1446" actId="20577"/>
+        <pc:sldMkLst>
+          <pc:docMk/>
+          <pc:sldMk cId="3489205281" sldId="478"/>
+        </pc:sldMkLst>
+        <pc:spChg chg="mod">
+          <ac:chgData name="Vinicius Cano" userId="e988c080-1d50-4980-86fe-45a1167ad471" providerId="ADAL" clId="{CFCABCC4-01DD-4F6B-AAA1-A4E1D03D705B}" dt="2021-10-07T18:22:31.762" v="1446" actId="20577"/>
+          <ac:spMkLst>
+            <pc:docMk/>
+            <pc:sldMk cId="3489205281" sldId="478"/>
+            <ac:spMk id="2" creationId="{B15BA19F-C787-4E6A-ADAB-C0DFF09C66A8}"/>
+          </ac:spMkLst>
+        </pc:spChg>
+        <pc:spChg chg="mod">
+          <ac:chgData name="Vinicius Cano" userId="e988c080-1d50-4980-86fe-45a1167ad471" providerId="ADAL" clId="{CFCABCC4-01DD-4F6B-AAA1-A4E1D03D705B}" dt="2021-10-07T18:21:03.153" v="1259" actId="20577"/>
+          <ac:spMkLst>
+            <pc:docMk/>
+            <pc:sldMk cId="3489205281" sldId="478"/>
+            <ac:spMk id="3" creationId="{00000000-0000-0000-0000-000000000000}"/>
+          </ac:spMkLst>
+        </pc:spChg>
+        <pc:spChg chg="mod">
+          <ac:chgData name="Vinicius Cano" userId="e988c080-1d50-4980-86fe-45a1167ad471" providerId="ADAL" clId="{CFCABCC4-01DD-4F6B-AAA1-A4E1D03D705B}" dt="2021-10-07T18:21:16.959" v="1262" actId="207"/>
+          <ac:spMkLst>
+            <pc:docMk/>
+            <pc:sldMk cId="3489205281" sldId="478"/>
+            <ac:spMk id="45" creationId="{086246F5-DDAA-4D0C-90E1-F0C0FED6D98E}"/>
+          </ac:spMkLst>
+        </pc:spChg>
+        <pc:spChg chg="mod">
+          <ac:chgData name="Vinicius Cano" userId="e988c080-1d50-4980-86fe-45a1167ad471" providerId="ADAL" clId="{CFCABCC4-01DD-4F6B-AAA1-A4E1D03D705B}" dt="2021-10-07T18:21:10.323" v="1260" actId="207"/>
+          <ac:spMkLst>
+            <pc:docMk/>
+            <pc:sldMk cId="3489205281" sldId="478"/>
+            <ac:spMk id="49" creationId="{1CBC8A27-FF05-44CD-B093-FB50D917E8D4}"/>
+          </ac:spMkLst>
+        </pc:spChg>
+        <pc:spChg chg="mod">
+          <ac:chgData name="Vinicius Cano" userId="e988c080-1d50-4980-86fe-45a1167ad471" providerId="ADAL" clId="{CFCABCC4-01DD-4F6B-AAA1-A4E1D03D705B}" dt="2021-10-07T18:21:14.947" v="1261" actId="207"/>
+          <ac:spMkLst>
+            <pc:docMk/>
+            <pc:sldMk cId="3489205281" sldId="478"/>
+            <ac:spMk id="51" creationId="{508E308C-5CF8-44B6-A1C4-87E5DDC4CC70}"/>
+          </ac:spMkLst>
+        </pc:spChg>
+        <pc:spChg chg="mod">
+          <ac:chgData name="Vinicius Cano" userId="e988c080-1d50-4980-86fe-45a1167ad471" providerId="ADAL" clId="{CFCABCC4-01DD-4F6B-AAA1-A4E1D03D705B}" dt="2021-10-07T18:21:14.947" v="1261" actId="207"/>
+          <ac:spMkLst>
+            <pc:docMk/>
+            <pc:sldMk cId="3489205281" sldId="478"/>
+            <ac:spMk id="53" creationId="{CD1D1FF9-2BFE-4742-BA82-E1804B8C0747}"/>
+          </ac:spMkLst>
+        </pc:spChg>
+        <pc:spChg chg="mod">
+          <ac:chgData name="Vinicius Cano" userId="e988c080-1d50-4980-86fe-45a1167ad471" providerId="ADAL" clId="{CFCABCC4-01DD-4F6B-AAA1-A4E1D03D705B}" dt="2021-10-07T18:22:12.428" v="1391" actId="20577"/>
+          <ac:spMkLst>
+            <pc:docMk/>
+            <pc:sldMk cId="3489205281" sldId="478"/>
+            <ac:spMk id="63" creationId="{00000000-0000-0000-0000-000000000000}"/>
+          </ac:spMkLst>
+        </pc:spChg>
+      </pc:sldChg>
     </pc:docChg>
   </pc:docChgLst>
 </pc:chgInfo>
@@ -560,7 +625,7 @@
             <a:fld id="{C3CD65D1-5C11-455D-9F9A-0E035F00A0DA}" type="datetimeFigureOut">
               <a:rPr lang="pt-BR" smtClean="0"/>
               <a:pPr/>
-              <a:t>30/09/2021</a:t>
+              <a:t>07/10/2021</a:t>
             </a:fld>
             <a:endParaRPr lang="pt-BR"/>
           </a:p>
@@ -728,7 +793,7 @@
             <a:fld id="{A05DA3EF-18EA-43DE-B1BB-402A3C558822}" type="datetimeFigureOut">
               <a:rPr lang="pt-BR" smtClean="0"/>
               <a:pPr/>
-              <a:t>30/09/2021</a:t>
+              <a:t>07/10/2021</a:t>
             </a:fld>
             <a:endParaRPr lang="pt-BR"/>
           </a:p>
@@ -1633,6 +1698,99 @@
     <p:extLst>
       <p:ext uri="{BB962C8B-B14F-4D97-AF65-F5344CB8AC3E}">
         <p14:creationId xmlns:p14="http://schemas.microsoft.com/office/powerpoint/2010/main" val="4178821514"/>
+      </p:ext>
+    </p:extLst>
+  </p:cSld>
+  <p:clrMapOvr>
+    <a:masterClrMapping/>
+  </p:clrMapOvr>
+</p:notes>
+</file>
+
+<file path=ppt/notesSlides/notesSlide8.xml><?xml version="1.0" encoding="utf-8"?>
+<p:notes xmlns:a="http://schemas.openxmlformats.org/drawingml/2006/main" xmlns:r="http://schemas.openxmlformats.org/officeDocument/2006/relationships" xmlns:p="http://schemas.openxmlformats.org/presentationml/2006/main">
+  <p:cSld>
+    <p:spTree>
+      <p:nvGrpSpPr>
+        <p:cNvPr id="1" name=""/>
+        <p:cNvGrpSpPr/>
+        <p:nvPr/>
+      </p:nvGrpSpPr>
+      <p:grpSpPr>
+        <a:xfrm>
+          <a:off x="0" y="0"/>
+          <a:ext cx="0" cy="0"/>
+          <a:chOff x="0" y="0"/>
+          <a:chExt cx="0" cy="0"/>
+        </a:xfrm>
+      </p:grpSpPr>
+      <p:sp>
+        <p:nvSpPr>
+          <p:cNvPr id="2" name="Slide Image Placeholder 1"/>
+          <p:cNvSpPr>
+            <a:spLocks noGrp="1" noRot="1" noChangeAspect="1"/>
+          </p:cNvSpPr>
+          <p:nvPr>
+            <p:ph type="sldImg"/>
+          </p:nvPr>
+        </p:nvSpPr>
+        <p:spPr/>
+      </p:sp>
+      <p:sp>
+        <p:nvSpPr>
+          <p:cNvPr id="3" name="Notes Placeholder 2"/>
+          <p:cNvSpPr>
+            <a:spLocks noGrp="1"/>
+          </p:cNvSpPr>
+          <p:nvPr>
+            <p:ph type="body" idx="1"/>
+          </p:nvPr>
+        </p:nvSpPr>
+        <p:spPr/>
+        <p:txBody>
+          <a:bodyPr/>
+          <a:lstStyle/>
+          <a:p>
+            <a:endParaRPr lang="en-US"/>
+          </a:p>
+        </p:txBody>
+      </p:sp>
+      <p:sp>
+        <p:nvSpPr>
+          <p:cNvPr id="4" name="Slide Number Placeholder 3"/>
+          <p:cNvSpPr>
+            <a:spLocks noGrp="1"/>
+          </p:cNvSpPr>
+          <p:nvPr>
+            <p:ph type="sldNum" sz="quarter" idx="10"/>
+          </p:nvPr>
+        </p:nvSpPr>
+        <p:spPr/>
+        <p:txBody>
+          <a:bodyPr/>
+          <a:lstStyle/>
+          <a:p>
+            <a:fld id="{B39AF3DB-B6A1-2444-9DD8-53D016F8E638}" type="slidenum">
+              <a:rPr lang="pt-BR" smtClean="0">
+                <a:solidFill>
+                  <a:prstClr val="black"/>
+                </a:solidFill>
+              </a:rPr>
+              <a:pPr/>
+              <a:t>9</a:t>
+            </a:fld>
+            <a:endParaRPr lang="pt-BR">
+              <a:solidFill>
+                <a:prstClr val="black"/>
+              </a:solidFill>
+            </a:endParaRPr>
+          </a:p>
+        </p:txBody>
+      </p:sp>
+    </p:spTree>
+    <p:extLst>
+      <p:ext uri="{BB962C8B-B14F-4D97-AF65-F5344CB8AC3E}">
+        <p14:creationId xmlns:p14="http://schemas.microsoft.com/office/powerpoint/2010/main" val="403047638"/>
       </p:ext>
     </p:extLst>
   </p:cSld>
@@ -34793,6 +34951,1858 @@
     <p:extLst>
       <p:ext uri="{BB962C8B-B14F-4D97-AF65-F5344CB8AC3E}">
         <p14:creationId xmlns:p14="http://schemas.microsoft.com/office/powerpoint/2010/main" val="1705322327"/>
+      </p:ext>
+    </p:extLst>
+  </p:cSld>
+  <p:clrMapOvr>
+    <a:masterClrMapping/>
+  </p:clrMapOvr>
+</p:sld>
+</file>
+
+<file path=ppt/slides/slide9.xml><?xml version="1.0" encoding="utf-8"?>
+<p:sld xmlns:a="http://schemas.openxmlformats.org/drawingml/2006/main" xmlns:r="http://schemas.openxmlformats.org/officeDocument/2006/relationships" xmlns:p="http://schemas.openxmlformats.org/presentationml/2006/main">
+  <p:cSld>
+    <p:spTree>
+      <p:nvGrpSpPr>
+        <p:cNvPr id="1" name=""/>
+        <p:cNvGrpSpPr/>
+        <p:nvPr/>
+      </p:nvGrpSpPr>
+      <p:grpSpPr>
+        <a:xfrm>
+          <a:off x="0" y="0"/>
+          <a:ext cx="0" cy="0"/>
+          <a:chOff x="0" y="0"/>
+          <a:chExt cx="0" cy="0"/>
+        </a:xfrm>
+      </p:grpSpPr>
+      <p:sp>
+        <p:nvSpPr>
+          <p:cNvPr id="43" name="Rectangle 42"/>
+          <p:cNvSpPr/>
+          <p:nvPr/>
+        </p:nvSpPr>
+        <p:spPr>
+          <a:xfrm>
+            <a:off x="6804883" y="1106495"/>
+            <a:ext cx="6209639" cy="2235805"/>
+          </a:xfrm>
+          <a:prstGeom prst="rect">
+            <a:avLst/>
+          </a:prstGeom>
+          <a:noFill/>
+          <a:ln w="12700">
+            <a:solidFill>
+              <a:schemeClr val="bg1">
+                <a:lumMod val="50000"/>
+              </a:schemeClr>
+            </a:solidFill>
+          </a:ln>
+        </p:spPr>
+        <p:style>
+          <a:lnRef idx="2">
+            <a:schemeClr val="accent4"/>
+          </a:lnRef>
+          <a:fillRef idx="1">
+            <a:schemeClr val="lt1"/>
+          </a:fillRef>
+          <a:effectRef idx="0">
+            <a:schemeClr val="accent4"/>
+          </a:effectRef>
+          <a:fontRef idx="minor">
+            <a:schemeClr val="dk1"/>
+          </a:fontRef>
+        </p:style>
+        <p:txBody>
+          <a:bodyPr tIns="105844" rtlCol="0" anchor="t"/>
+          <a:lstStyle/>
+          <a:p>
+            <a:pPr defTabSz="672130">
+              <a:spcAft>
+                <a:spcPts val="882"/>
+              </a:spcAft>
+            </a:pPr>
+            <a:endParaRPr lang="pt-BR" sz="1470" dirty="0">
+              <a:solidFill>
+                <a:schemeClr val="tx1"/>
+              </a:solidFill>
+              <a:latin typeface="Calibri" panose="020F0502020204030204" pitchFamily="34" charset="0"/>
+              <a:cs typeface="Simplon BP Regular"/>
+            </a:endParaRPr>
+          </a:p>
+        </p:txBody>
+      </p:sp>
+      <p:sp>
+        <p:nvSpPr>
+          <p:cNvPr id="3" name="Title 2"/>
+          <p:cNvSpPr>
+            <a:spLocks noGrp="1"/>
+          </p:cNvSpPr>
+          <p:nvPr>
+            <p:ph type="title"/>
+          </p:nvPr>
+        </p:nvSpPr>
+        <p:spPr>
+          <a:xfrm>
+            <a:off x="469692" y="185232"/>
+            <a:ext cx="12098020" cy="800352"/>
+          </a:xfrm>
+        </p:spPr>
+        <p:txBody>
+          <a:bodyPr vert="horz" wrap="square" lIns="105844" tIns="0" rIns="105844" bIns="0" numCol="1" anchor="t" anchorCtr="0" compatLnSpc="1">
+            <a:prstTxWarp prst="textNoShape">
+              <a:avLst/>
+            </a:prstTxWarp>
+            <a:noAutofit/>
+          </a:bodyPr>
+          <a:lstStyle/>
+          <a:p>
+            <a:pPr algn="l">
+              <a:spcAft>
+                <a:spcPts val="882"/>
+              </a:spcAft>
+            </a:pPr>
+            <a:r>
+              <a:rPr lang="en-US" sz="2646" dirty="0">
+                <a:solidFill>
+                  <a:prstClr val="black"/>
+                </a:solidFill>
+                <a:latin typeface="Simplon Oi Headline"/>
+                <a:cs typeface="Simplon Oi Headline"/>
+              </a:rPr>
+              <a:t>SEMANA 5 – 07/10/2021</a:t>
+            </a:r>
+          </a:p>
+        </p:txBody>
+      </p:sp>
+      <p:sp>
+        <p:nvSpPr>
+          <p:cNvPr id="64" name="Retângulo 63"/>
+          <p:cNvSpPr/>
+          <p:nvPr/>
+        </p:nvSpPr>
+        <p:spPr>
+          <a:xfrm>
+            <a:off x="512766" y="868345"/>
+            <a:ext cx="6186608" cy="238150"/>
+          </a:xfrm>
+          <a:prstGeom prst="rect">
+            <a:avLst/>
+          </a:prstGeom>
+          <a:solidFill>
+            <a:schemeClr val="bg1">
+              <a:lumMod val="85000"/>
+            </a:schemeClr>
+          </a:solidFill>
+        </p:spPr>
+        <p:txBody>
+          <a:bodyPr vert="horz" lIns="134422" tIns="67211" rIns="134422" bIns="67211" rtlCol="0" anchor="ctr"/>
+          <a:lstStyle/>
+          <a:p>
+            <a:pPr defTabSz="672130"/>
+            <a:r>
+              <a:rPr lang="en-US" sz="1544" dirty="0">
+                <a:latin typeface="Simplon Oi Headline" charset="0"/>
+                <a:ea typeface="Simplon Oi Headline" charset="0"/>
+                <a:cs typeface="Simplon Oi Headline" charset="0"/>
+              </a:rPr>
+              <a:t>PROGRESSOS</a:t>
+            </a:r>
+            <a:endParaRPr lang="pt-BR" sz="1544" dirty="0">
+              <a:latin typeface="Simplon Oi Headline" charset="0"/>
+              <a:ea typeface="Simplon Oi Headline" charset="0"/>
+              <a:cs typeface="Simplon Oi Headline" charset="0"/>
+            </a:endParaRPr>
+          </a:p>
+        </p:txBody>
+      </p:sp>
+      <p:sp>
+        <p:nvSpPr>
+          <p:cNvPr id="65" name="Retângulo 64"/>
+          <p:cNvSpPr/>
+          <p:nvPr/>
+        </p:nvSpPr>
+        <p:spPr>
+          <a:xfrm>
+            <a:off x="6814576" y="868345"/>
+            <a:ext cx="6194715" cy="238150"/>
+          </a:xfrm>
+          <a:prstGeom prst="rect">
+            <a:avLst/>
+          </a:prstGeom>
+          <a:solidFill>
+            <a:schemeClr val="bg1">
+              <a:lumMod val="85000"/>
+            </a:schemeClr>
+          </a:solidFill>
+        </p:spPr>
+        <p:txBody>
+          <a:bodyPr vert="horz" lIns="134422" tIns="67211" rIns="134422" bIns="67211" rtlCol="0" anchor="ctr"/>
+          <a:lstStyle/>
+          <a:p>
+            <a:pPr defTabSz="672130"/>
+            <a:r>
+              <a:rPr lang="pt-BR" sz="1544" dirty="0">
+                <a:latin typeface="Simplon Oi Headline" charset="0"/>
+                <a:ea typeface="Simplon Oi Headline" charset="0"/>
+                <a:cs typeface="Simplon Oi Headline" charset="0"/>
+              </a:rPr>
+              <a:t>Pontos atenção/ Principais Riscos</a:t>
+            </a:r>
+          </a:p>
+        </p:txBody>
+      </p:sp>
+      <p:sp>
+        <p:nvSpPr>
+          <p:cNvPr id="66" name="Retângulo 65"/>
+          <p:cNvSpPr/>
+          <p:nvPr/>
+        </p:nvSpPr>
+        <p:spPr>
+          <a:xfrm>
+            <a:off x="507536" y="3418875"/>
+            <a:ext cx="12505521" cy="238150"/>
+          </a:xfrm>
+          <a:prstGeom prst="rect">
+            <a:avLst/>
+          </a:prstGeom>
+          <a:solidFill>
+            <a:schemeClr val="bg1">
+              <a:lumMod val="85000"/>
+            </a:schemeClr>
+          </a:solidFill>
+        </p:spPr>
+        <p:txBody>
+          <a:bodyPr vert="horz" lIns="134422" tIns="67211" rIns="134422" bIns="67211" rtlCol="0" anchor="ctr"/>
+          <a:lstStyle/>
+          <a:p>
+            <a:pPr defTabSz="672130"/>
+            <a:r>
+              <a:rPr lang="pt-BR" sz="1544" dirty="0">
+                <a:latin typeface="Simplon Oi Headline" charset="0"/>
+                <a:ea typeface="Simplon Oi Headline" charset="0"/>
+                <a:cs typeface="Simplon Oi Headline" charset="0"/>
+              </a:rPr>
+              <a:t>Próximos Passos/ Decisões a tomar</a:t>
+            </a:r>
+          </a:p>
+        </p:txBody>
+      </p:sp>
+      <p:sp>
+        <p:nvSpPr>
+          <p:cNvPr id="63" name="Rectangle 37"/>
+          <p:cNvSpPr/>
+          <p:nvPr/>
+        </p:nvSpPr>
+        <p:spPr>
+          <a:xfrm>
+            <a:off x="496765" y="1106495"/>
+            <a:ext cx="6207777" cy="2235805"/>
+          </a:xfrm>
+          <a:prstGeom prst="rect">
+            <a:avLst/>
+          </a:prstGeom>
+          <a:noFill/>
+          <a:ln w="12700">
+            <a:solidFill>
+              <a:schemeClr val="bg1">
+                <a:lumMod val="50000"/>
+              </a:schemeClr>
+            </a:solidFill>
+          </a:ln>
+        </p:spPr>
+        <p:style>
+          <a:lnRef idx="2">
+            <a:schemeClr val="accent4"/>
+          </a:lnRef>
+          <a:fillRef idx="1">
+            <a:schemeClr val="lt1"/>
+          </a:fillRef>
+          <a:effectRef idx="0">
+            <a:schemeClr val="accent4"/>
+          </a:effectRef>
+          <a:fontRef idx="minor">
+            <a:schemeClr val="dk1"/>
+          </a:fontRef>
+        </p:style>
+        <p:txBody>
+          <a:bodyPr tIns="105844" rtlCol="0" anchor="t"/>
+          <a:lstStyle/>
+          <a:p>
+            <a:pPr marL="252049" indent="-252049" fontAlgn="base">
+              <a:spcBef>
+                <a:spcPct val="0"/>
+              </a:spcBef>
+              <a:buFont typeface="Wingdings" panose="05000000000000000000" pitchFamily="2" charset="2"/>
+              <a:buChar char="ü"/>
+              <a:defRPr/>
+            </a:pPr>
+            <a:r>
+              <a:rPr lang="pt-BR" sz="1323" b="1" dirty="0">
+                <a:solidFill>
+                  <a:schemeClr val="tx1"/>
+                </a:solidFill>
+                <a:latin typeface="Calibri" panose="020F0502020204030204" pitchFamily="34" charset="0"/>
+                <a:cs typeface="Simplon BP Regular"/>
+              </a:rPr>
+              <a:t>Desenvolvimento do Sprint Backlog</a:t>
+            </a:r>
+          </a:p>
+          <a:p>
+            <a:pPr marL="252049" indent="-252049" fontAlgn="base">
+              <a:spcBef>
+                <a:spcPct val="0"/>
+              </a:spcBef>
+              <a:buFont typeface="Wingdings" panose="05000000000000000000" pitchFamily="2" charset="2"/>
+              <a:buChar char="ü"/>
+              <a:defRPr/>
+            </a:pPr>
+            <a:r>
+              <a:rPr lang="pt-BR" sz="1323" b="1" dirty="0">
+                <a:solidFill>
+                  <a:schemeClr val="tx1"/>
+                </a:solidFill>
+                <a:latin typeface="Calibri" panose="020F0502020204030204" pitchFamily="34" charset="0"/>
+                <a:cs typeface="Simplon BP Regular"/>
+              </a:rPr>
+              <a:t>Desenvolvimento das telas do site</a:t>
+            </a:r>
+          </a:p>
+          <a:p>
+            <a:pPr marL="252049" indent="-252049" fontAlgn="base">
+              <a:spcBef>
+                <a:spcPct val="0"/>
+              </a:spcBef>
+              <a:buFont typeface="Wingdings" panose="05000000000000000000" pitchFamily="2" charset="2"/>
+              <a:buChar char="ü"/>
+              <a:defRPr/>
+            </a:pPr>
+            <a:r>
+              <a:rPr lang="pt-BR" sz="1320" b="1" dirty="0"/>
+              <a:t>Criação das tabelas do Banco de Dados</a:t>
+            </a:r>
+          </a:p>
+          <a:p>
+            <a:pPr marL="252049" indent="-252049" fontAlgn="base">
+              <a:spcBef>
+                <a:spcPct val="0"/>
+              </a:spcBef>
+              <a:buFont typeface="Wingdings" panose="05000000000000000000" pitchFamily="2" charset="2"/>
+              <a:buChar char="ü"/>
+              <a:defRPr/>
+            </a:pPr>
+            <a:r>
+              <a:rPr lang="pt-BR" sz="1320" b="1" dirty="0"/>
+              <a:t>Criação de Login / Logoff com ORM</a:t>
+            </a:r>
+          </a:p>
+          <a:p>
+            <a:pPr marL="252049" indent="-252049" fontAlgn="base">
+              <a:spcBef>
+                <a:spcPct val="0"/>
+              </a:spcBef>
+              <a:buFont typeface="Wingdings" panose="05000000000000000000" pitchFamily="2" charset="2"/>
+              <a:buChar char="ü"/>
+              <a:defRPr/>
+            </a:pPr>
+            <a:endParaRPr lang="pt-BR" sz="1323" b="1" dirty="0">
+              <a:solidFill>
+                <a:schemeClr val="tx1"/>
+              </a:solidFill>
+              <a:latin typeface="Calibri" panose="020F0502020204030204" pitchFamily="34" charset="0"/>
+              <a:cs typeface="Simplon BP Regular"/>
+            </a:endParaRPr>
+          </a:p>
+          <a:p>
+            <a:pPr marL="252049" indent="-252049" fontAlgn="base">
+              <a:spcBef>
+                <a:spcPct val="0"/>
+              </a:spcBef>
+              <a:buFont typeface="Wingdings" panose="05000000000000000000" pitchFamily="2" charset="2"/>
+              <a:buChar char="ü"/>
+              <a:defRPr/>
+            </a:pPr>
+            <a:endParaRPr lang="pt-BR" sz="1323" b="1" dirty="0">
+              <a:solidFill>
+                <a:schemeClr val="tx1"/>
+              </a:solidFill>
+              <a:latin typeface="Calibri" panose="020F0502020204030204" pitchFamily="34" charset="0"/>
+              <a:cs typeface="Simplon BP Regular"/>
+            </a:endParaRPr>
+          </a:p>
+          <a:p>
+            <a:pPr marL="252049" indent="-252049" fontAlgn="base">
+              <a:spcBef>
+                <a:spcPct val="0"/>
+              </a:spcBef>
+              <a:buFont typeface="Wingdings" panose="05000000000000000000" pitchFamily="2" charset="2"/>
+              <a:buChar char="ü"/>
+              <a:defRPr/>
+            </a:pPr>
+            <a:endParaRPr lang="pt-BR" sz="1323" b="1" dirty="0">
+              <a:solidFill>
+                <a:schemeClr val="tx1"/>
+              </a:solidFill>
+              <a:latin typeface="Calibri" panose="020F0502020204030204" pitchFamily="34" charset="0"/>
+              <a:cs typeface="Simplon BP Regular"/>
+            </a:endParaRPr>
+          </a:p>
+          <a:p>
+            <a:pPr marL="252049" indent="-252049" fontAlgn="base">
+              <a:spcBef>
+                <a:spcPct val="0"/>
+              </a:spcBef>
+              <a:buFont typeface="Wingdings" panose="05000000000000000000" pitchFamily="2" charset="2"/>
+              <a:buChar char="ü"/>
+              <a:defRPr/>
+            </a:pPr>
+            <a:endParaRPr lang="pt-BR" sz="1323" b="1" dirty="0">
+              <a:solidFill>
+                <a:schemeClr val="tx1"/>
+              </a:solidFill>
+              <a:latin typeface="Calibri" panose="020F0502020204030204" pitchFamily="34" charset="0"/>
+              <a:cs typeface="Simplon BP Regular"/>
+            </a:endParaRPr>
+          </a:p>
+          <a:p>
+            <a:pPr marL="252049" indent="-252049" fontAlgn="base">
+              <a:spcBef>
+                <a:spcPct val="0"/>
+              </a:spcBef>
+              <a:buFont typeface="Wingdings" panose="05000000000000000000" pitchFamily="2" charset="2"/>
+              <a:buChar char="ü"/>
+              <a:defRPr/>
+            </a:pPr>
+            <a:endParaRPr lang="pt-BR" sz="1323" b="1" dirty="0">
+              <a:solidFill>
+                <a:schemeClr val="tx1"/>
+              </a:solidFill>
+              <a:latin typeface="Calibri" panose="020F0502020204030204" pitchFamily="34" charset="0"/>
+              <a:cs typeface="Simplon BP Regular"/>
+            </a:endParaRPr>
+          </a:p>
+          <a:p>
+            <a:pPr marL="252049" indent="-252049" fontAlgn="base">
+              <a:spcBef>
+                <a:spcPct val="0"/>
+              </a:spcBef>
+              <a:buFont typeface="Wingdings" panose="05000000000000000000" pitchFamily="2" charset="2"/>
+              <a:buChar char="ü"/>
+              <a:defRPr/>
+            </a:pPr>
+            <a:endParaRPr lang="pt-BR" sz="1323" b="1" dirty="0">
+              <a:solidFill>
+                <a:schemeClr val="tx1"/>
+              </a:solidFill>
+              <a:latin typeface="Calibri" panose="020F0502020204030204" pitchFamily="34" charset="0"/>
+              <a:cs typeface="Simplon BP Regular"/>
+            </a:endParaRPr>
+          </a:p>
+          <a:p>
+            <a:pPr marL="252049" indent="-252049" fontAlgn="base">
+              <a:spcBef>
+                <a:spcPct val="0"/>
+              </a:spcBef>
+              <a:buFont typeface="Wingdings" panose="05000000000000000000" pitchFamily="2" charset="2"/>
+              <a:buChar char="ü"/>
+              <a:defRPr/>
+            </a:pPr>
+            <a:endParaRPr lang="pt-BR" sz="1323" b="1" dirty="0">
+              <a:solidFill>
+                <a:schemeClr val="tx1"/>
+              </a:solidFill>
+              <a:latin typeface="Calibri" panose="020F0502020204030204" pitchFamily="34" charset="0"/>
+              <a:cs typeface="Simplon BP Regular"/>
+            </a:endParaRPr>
+          </a:p>
+          <a:p>
+            <a:pPr marL="252049" lvl="1" indent="-252049" fontAlgn="base">
+              <a:spcBef>
+                <a:spcPct val="0"/>
+              </a:spcBef>
+              <a:buFont typeface="Wingdings" panose="05000000000000000000" pitchFamily="2" charset="2"/>
+              <a:buChar char="ü"/>
+              <a:defRPr/>
+            </a:pPr>
+            <a:endParaRPr lang="pt-BR" sz="1323" b="1" dirty="0">
+              <a:solidFill>
+                <a:schemeClr val="tx1"/>
+              </a:solidFill>
+              <a:latin typeface="Calibri" panose="020F0502020204030204" pitchFamily="34" charset="0"/>
+              <a:cs typeface="Simplon BP Regular"/>
+            </a:endParaRPr>
+          </a:p>
+          <a:p>
+            <a:pPr marL="252049" indent="-252049" fontAlgn="base">
+              <a:spcBef>
+                <a:spcPct val="0"/>
+              </a:spcBef>
+              <a:buFont typeface="Wingdings" panose="05000000000000000000" pitchFamily="2" charset="2"/>
+              <a:buChar char="ü"/>
+              <a:defRPr/>
+            </a:pPr>
+            <a:endParaRPr lang="pt-BR" sz="1323" b="1" dirty="0">
+              <a:solidFill>
+                <a:schemeClr val="tx1"/>
+              </a:solidFill>
+              <a:latin typeface="Calibri" panose="020F0502020204030204" pitchFamily="34" charset="0"/>
+              <a:cs typeface="Simplon BP Regular"/>
+            </a:endParaRPr>
+          </a:p>
+          <a:p>
+            <a:pPr marL="252049" indent="-252049" fontAlgn="base">
+              <a:spcBef>
+                <a:spcPct val="0"/>
+              </a:spcBef>
+              <a:buFont typeface="Wingdings" panose="05000000000000000000" pitchFamily="2" charset="2"/>
+              <a:buChar char="ü"/>
+              <a:defRPr/>
+            </a:pPr>
+            <a:endParaRPr lang="pt-BR" sz="1323" b="1" dirty="0">
+              <a:solidFill>
+                <a:schemeClr val="tx1"/>
+              </a:solidFill>
+              <a:latin typeface="Calibri" panose="020F0502020204030204" pitchFamily="34" charset="0"/>
+              <a:cs typeface="Simplon BP Regular"/>
+            </a:endParaRPr>
+          </a:p>
+        </p:txBody>
+      </p:sp>
+      <p:sp>
+        <p:nvSpPr>
+          <p:cNvPr id="2" name="Rectangle 43">
+            <a:extLst>
+              <a:ext uri="{FF2B5EF4-FFF2-40B4-BE49-F238E27FC236}">
+                <a16:creationId xmlns:a16="http://schemas.microsoft.com/office/drawing/2014/main" id="{B15BA19F-C787-4E6A-ADAB-C0DFF09C66A8}"/>
+              </a:ext>
+            </a:extLst>
+          </p:cNvPr>
+          <p:cNvSpPr>
+            <a:spLocks/>
+          </p:cNvSpPr>
+          <p:nvPr/>
+        </p:nvSpPr>
+        <p:spPr>
+          <a:xfrm>
+            <a:off x="512766" y="3728204"/>
+            <a:ext cx="12496524" cy="3581485"/>
+          </a:xfrm>
+          <a:prstGeom prst="rect">
+            <a:avLst/>
+          </a:prstGeom>
+          <a:noFill/>
+          <a:ln w="12700">
+            <a:solidFill>
+              <a:schemeClr val="bg1">
+                <a:lumMod val="50000"/>
+              </a:schemeClr>
+            </a:solidFill>
+          </a:ln>
+        </p:spPr>
+        <p:style>
+          <a:lnRef idx="2">
+            <a:schemeClr val="accent4"/>
+          </a:lnRef>
+          <a:fillRef idx="1">
+            <a:schemeClr val="lt1"/>
+          </a:fillRef>
+          <a:effectRef idx="0">
+            <a:schemeClr val="accent4"/>
+          </a:effectRef>
+          <a:fontRef idx="minor">
+            <a:schemeClr val="dk1"/>
+          </a:fontRef>
+        </p:style>
+        <p:txBody>
+          <a:bodyPr wrap="square" tIns="105844" numCol="3" rtlCol="0" anchor="ctr"/>
+          <a:lstStyle/>
+          <a:p>
+            <a:pPr marL="0" lvl="1" defTabSz="672130"/>
+            <a:r>
+              <a:rPr lang="pt-BR" sz="1323" b="1" dirty="0">
+                <a:solidFill>
+                  <a:schemeClr val="tx1"/>
+                </a:solidFill>
+                <a:latin typeface="Calibri" panose="020F0502020204030204" pitchFamily="34" charset="0"/>
+                <a:cs typeface="Simplon BP Regular"/>
+              </a:rPr>
+              <a:t>Frente Plataforma</a:t>
+            </a:r>
+          </a:p>
+          <a:p>
+            <a:pPr marL="0" lvl="1" defTabSz="672130"/>
+            <a:endParaRPr lang="pt-BR" sz="1323" b="1" dirty="0">
+              <a:solidFill>
+                <a:schemeClr val="tx1"/>
+              </a:solidFill>
+              <a:latin typeface="Calibri" panose="020F0502020204030204" pitchFamily="34" charset="0"/>
+              <a:cs typeface="Simplon BP Regular"/>
+            </a:endParaRPr>
+          </a:p>
+          <a:p>
+            <a:pPr marL="0" lvl="1" defTabSz="672130"/>
+            <a:r>
+              <a:rPr lang="pt-BR" sz="1323" b="1" dirty="0">
+                <a:solidFill>
+                  <a:schemeClr val="tx1"/>
+                </a:solidFill>
+                <a:latin typeface="Calibri" panose="020F0502020204030204" pitchFamily="34" charset="0"/>
+                <a:cs typeface="Simplon BP Regular"/>
+              </a:rPr>
+              <a:t>Frente Back End</a:t>
+            </a:r>
+          </a:p>
+          <a:p>
+            <a:pPr marL="0" lvl="1" defTabSz="672130"/>
+            <a:endParaRPr lang="pt-BR" sz="1323" dirty="0">
+              <a:solidFill>
+                <a:schemeClr val="tx1"/>
+              </a:solidFill>
+              <a:latin typeface="Calibri" panose="020F0502020204030204" pitchFamily="34" charset="0"/>
+              <a:cs typeface="Simplon BP Regular"/>
+            </a:endParaRPr>
+          </a:p>
+          <a:p>
+            <a:pPr marL="0" lvl="1" defTabSz="672130"/>
+            <a:r>
+              <a:rPr lang="pt-BR" sz="1323" b="1" dirty="0">
+                <a:solidFill>
+                  <a:schemeClr val="tx1"/>
+                </a:solidFill>
+                <a:latin typeface="Calibri" panose="020F0502020204030204" pitchFamily="34" charset="0"/>
+                <a:cs typeface="Simplon BP Regular"/>
+              </a:rPr>
+              <a:t>Frente Front End</a:t>
+            </a:r>
+          </a:p>
+          <a:p>
+            <a:pPr marL="285750" lvl="1" indent="-285750" defTabSz="672130">
+              <a:buFont typeface="Arial" panose="020B0604020202020204" pitchFamily="34" charset="0"/>
+              <a:buChar char="•"/>
+            </a:pPr>
+            <a:r>
+              <a:rPr lang="pt-BR" sz="1323" dirty="0">
+                <a:solidFill>
+                  <a:schemeClr val="tx1"/>
+                </a:solidFill>
+                <a:latin typeface="Calibri" panose="020F0502020204030204" pitchFamily="34" charset="0"/>
+                <a:cs typeface="Simplon BP Regular"/>
+              </a:rPr>
+              <a:t>Juntar páginas criadas do site</a:t>
+            </a:r>
+          </a:p>
+          <a:p>
+            <a:pPr marL="285750" lvl="1" indent="-285750" defTabSz="672130">
+              <a:buFont typeface="Arial" panose="020B0604020202020204" pitchFamily="34" charset="0"/>
+              <a:buChar char="•"/>
+            </a:pPr>
+            <a:r>
+              <a:rPr lang="pt-BR" sz="1323" dirty="0">
+                <a:solidFill>
+                  <a:schemeClr val="tx1"/>
+                </a:solidFill>
+                <a:latin typeface="Calibri" panose="020F0502020204030204" pitchFamily="34" charset="0"/>
+                <a:cs typeface="Simplon BP Regular"/>
+              </a:rPr>
+              <a:t>Criação Dashboard</a:t>
+            </a:r>
+          </a:p>
+          <a:p>
+            <a:pPr marL="0" lvl="1" defTabSz="672130"/>
+            <a:endParaRPr lang="pt-BR" sz="1600" b="1" dirty="0">
+              <a:solidFill>
+                <a:schemeClr val="tx1"/>
+              </a:solidFill>
+              <a:latin typeface="Calibri" panose="020F0502020204030204" pitchFamily="34" charset="0"/>
+              <a:cs typeface="Simplon BP Regular"/>
+            </a:endParaRPr>
+          </a:p>
+          <a:p>
+            <a:pPr marL="0" lvl="1" defTabSz="672130"/>
+            <a:r>
+              <a:rPr lang="pt-BR" sz="1320" b="1" dirty="0">
+                <a:solidFill>
+                  <a:schemeClr val="tx1"/>
+                </a:solidFill>
+                <a:latin typeface="Calibri" panose="020F0502020204030204" pitchFamily="34" charset="0"/>
+                <a:cs typeface="Simplon BP Regular"/>
+              </a:rPr>
+              <a:t>Frente Negócios</a:t>
+            </a:r>
+          </a:p>
+          <a:p>
+            <a:pPr marL="252049" lvl="1" indent="-252049">
+              <a:buFont typeface="Wingdings" panose="05000000000000000000" pitchFamily="2" charset="2"/>
+              <a:buChar char="§"/>
+            </a:pPr>
+            <a:r>
+              <a:rPr lang="pt-BR" sz="1320" dirty="0">
+                <a:solidFill>
+                  <a:schemeClr val="tx1"/>
+                </a:solidFill>
+                <a:latin typeface="Calibri" panose="020F0502020204030204" pitchFamily="34" charset="0"/>
+                <a:cs typeface="Simplon BP Regular"/>
+              </a:rPr>
+              <a:t>Ajustes na documentação</a:t>
+            </a:r>
+          </a:p>
+          <a:p>
+            <a:pPr marL="0" lvl="1"/>
+            <a:endParaRPr lang="pt-BR" sz="1320" dirty="0">
+              <a:solidFill>
+                <a:schemeClr val="tx1"/>
+              </a:solidFill>
+              <a:latin typeface="Calibri" panose="020F0502020204030204" pitchFamily="34" charset="0"/>
+              <a:cs typeface="Simplon BP Regular"/>
+            </a:endParaRPr>
+          </a:p>
+        </p:txBody>
+      </p:sp>
+      <p:sp>
+        <p:nvSpPr>
+          <p:cNvPr id="44" name="TextBox 118">
+            <a:extLst>
+              <a:ext uri="{FF2B5EF4-FFF2-40B4-BE49-F238E27FC236}">
+                <a16:creationId xmlns:a16="http://schemas.microsoft.com/office/drawing/2014/main" id="{1E997FEB-A82C-4FE3-B191-DE926FE907FC}"/>
+              </a:ext>
+            </a:extLst>
+          </p:cNvPr>
+          <p:cNvSpPr txBox="1"/>
+          <p:nvPr/>
+        </p:nvSpPr>
+        <p:spPr>
+          <a:xfrm>
+            <a:off x="11832861" y="632714"/>
+            <a:ext cx="899678" cy="179824"/>
+          </a:xfrm>
+          <a:prstGeom prst="rect">
+            <a:avLst/>
+          </a:prstGeom>
+          <a:noFill/>
+          <a:ln w="12700">
+            <a:noFill/>
+          </a:ln>
+        </p:spPr>
+        <p:style>
+          <a:lnRef idx="2">
+            <a:schemeClr val="accent4"/>
+          </a:lnRef>
+          <a:fillRef idx="1">
+            <a:schemeClr val="lt1"/>
+          </a:fillRef>
+          <a:effectRef idx="0">
+            <a:schemeClr val="accent4"/>
+          </a:effectRef>
+          <a:fontRef idx="minor">
+            <a:schemeClr val="dk1"/>
+          </a:fontRef>
+        </p:style>
+        <p:txBody>
+          <a:bodyPr wrap="none" lIns="52922" tIns="52922" rIns="52922" bIns="0" rtlCol="0" anchor="b"/>
+          <a:lstStyle>
+            <a:defPPr>
+              <a:defRPr lang="en-US"/>
+            </a:defPPr>
+            <a:lvl1pPr algn="ctr">
+              <a:defRPr sz="1000" b="1">
+                <a:latin typeface="Simplon BP Regular"/>
+                <a:cs typeface="Simplon BP Regular"/>
+              </a:defRPr>
+            </a:lvl1pPr>
+            <a:lvl2pPr>
+              <a:defRPr>
+                <a:solidFill>
+                  <a:schemeClr val="dk1"/>
+                </a:solidFill>
+              </a:defRPr>
+            </a:lvl2pPr>
+            <a:lvl3pPr>
+              <a:defRPr>
+                <a:solidFill>
+                  <a:schemeClr val="dk1"/>
+                </a:solidFill>
+              </a:defRPr>
+            </a:lvl3pPr>
+            <a:lvl4pPr>
+              <a:defRPr>
+                <a:solidFill>
+                  <a:schemeClr val="dk1"/>
+                </a:solidFill>
+              </a:defRPr>
+            </a:lvl4pPr>
+            <a:lvl5pPr>
+              <a:defRPr>
+                <a:solidFill>
+                  <a:schemeClr val="dk1"/>
+                </a:solidFill>
+              </a:defRPr>
+            </a:lvl5pPr>
+            <a:lvl6pPr>
+              <a:defRPr>
+                <a:solidFill>
+                  <a:schemeClr val="dk1"/>
+                </a:solidFill>
+              </a:defRPr>
+            </a:lvl6pPr>
+            <a:lvl7pPr>
+              <a:defRPr>
+                <a:solidFill>
+                  <a:schemeClr val="dk1"/>
+                </a:solidFill>
+              </a:defRPr>
+            </a:lvl7pPr>
+            <a:lvl8pPr>
+              <a:defRPr>
+                <a:solidFill>
+                  <a:schemeClr val="dk1"/>
+                </a:solidFill>
+              </a:defRPr>
+            </a:lvl8pPr>
+            <a:lvl9pPr>
+              <a:defRPr>
+                <a:solidFill>
+                  <a:schemeClr val="dk1"/>
+                </a:solidFill>
+              </a:defRPr>
+            </a:lvl9pPr>
+          </a:lstStyle>
+          <a:p>
+            <a:pPr defTabSz="672130"/>
+            <a:r>
+              <a:rPr lang="pt-BR" sz="1176" b="0" dirty="0">
+                <a:solidFill>
+                  <a:prstClr val="black"/>
+                </a:solidFill>
+                <a:latin typeface="Simplon BP Bold" pitchFamily="2" charset="0"/>
+              </a:rPr>
+              <a:t>Negócios</a:t>
+            </a:r>
+          </a:p>
+        </p:txBody>
+      </p:sp>
+      <p:sp>
+        <p:nvSpPr>
+          <p:cNvPr id="45" name="Oval 120">
+            <a:extLst>
+              <a:ext uri="{FF2B5EF4-FFF2-40B4-BE49-F238E27FC236}">
+                <a16:creationId xmlns:a16="http://schemas.microsoft.com/office/drawing/2014/main" id="{086246F5-DDAA-4D0C-90E1-F0C0FED6D98E}"/>
+              </a:ext>
+            </a:extLst>
+          </p:cNvPr>
+          <p:cNvSpPr>
+            <a:spLocks noChangeAspect="1"/>
+          </p:cNvSpPr>
+          <p:nvPr/>
+        </p:nvSpPr>
+        <p:spPr>
+          <a:xfrm>
+            <a:off x="11161291" y="355772"/>
+            <a:ext cx="211404" cy="211689"/>
+          </a:xfrm>
+          <a:prstGeom prst="ellipse">
+            <a:avLst/>
+          </a:prstGeom>
+          <a:solidFill>
+            <a:srgbClr val="1BCF13"/>
+          </a:solidFill>
+          <a:ln w="12700">
+            <a:solidFill>
+              <a:schemeClr val="accent3"/>
+            </a:solidFill>
+          </a:ln>
+        </p:spPr>
+        <p:style>
+          <a:lnRef idx="2">
+            <a:schemeClr val="accent1">
+              <a:shade val="50000"/>
+            </a:schemeClr>
+          </a:lnRef>
+          <a:fillRef idx="1">
+            <a:schemeClr val="accent1"/>
+          </a:fillRef>
+          <a:effectRef idx="0">
+            <a:schemeClr val="accent1"/>
+          </a:effectRef>
+          <a:fontRef idx="minor">
+            <a:schemeClr val="lt1"/>
+          </a:fontRef>
+        </p:style>
+        <p:txBody>
+          <a:bodyPr wrap="none" lIns="52922" tIns="52922" rIns="52922" rtlCol="0" anchor="ctr"/>
+          <a:lstStyle/>
+          <a:p>
+            <a:pPr algn="ctr" defTabSz="672130"/>
+            <a:endParaRPr lang="en-US" sz="1176" dirty="0">
+              <a:solidFill>
+                <a:prstClr val="black"/>
+              </a:solidFill>
+              <a:latin typeface="Simplon BP Regular"/>
+              <a:cs typeface="Simplon BP Regular"/>
+            </a:endParaRPr>
+          </a:p>
+        </p:txBody>
+      </p:sp>
+      <p:sp>
+        <p:nvSpPr>
+          <p:cNvPr id="46" name="TextBox 123">
+            <a:extLst>
+              <a:ext uri="{FF2B5EF4-FFF2-40B4-BE49-F238E27FC236}">
+                <a16:creationId xmlns:a16="http://schemas.microsoft.com/office/drawing/2014/main" id="{EDE9EB13-C574-4D80-85B2-C614186377BB}"/>
+              </a:ext>
+            </a:extLst>
+          </p:cNvPr>
+          <p:cNvSpPr txBox="1"/>
+          <p:nvPr/>
+        </p:nvSpPr>
+        <p:spPr>
+          <a:xfrm>
+            <a:off x="10839554" y="636806"/>
+            <a:ext cx="899678" cy="179824"/>
+          </a:xfrm>
+          <a:prstGeom prst="rect">
+            <a:avLst/>
+          </a:prstGeom>
+          <a:noFill/>
+          <a:ln w="12700">
+            <a:noFill/>
+          </a:ln>
+        </p:spPr>
+        <p:style>
+          <a:lnRef idx="2">
+            <a:schemeClr val="accent4"/>
+          </a:lnRef>
+          <a:fillRef idx="1">
+            <a:schemeClr val="lt1"/>
+          </a:fillRef>
+          <a:effectRef idx="0">
+            <a:schemeClr val="accent4"/>
+          </a:effectRef>
+          <a:fontRef idx="minor">
+            <a:schemeClr val="dk1"/>
+          </a:fontRef>
+        </p:style>
+        <p:txBody>
+          <a:bodyPr wrap="none" lIns="52922" tIns="52922" rIns="52922" bIns="0" rtlCol="0" anchor="b"/>
+          <a:lstStyle>
+            <a:defPPr>
+              <a:defRPr lang="en-US"/>
+            </a:defPPr>
+            <a:lvl1pPr algn="ctr">
+              <a:defRPr sz="1000" b="1">
+                <a:latin typeface="Simplon BP Regular"/>
+                <a:cs typeface="Simplon BP Regular"/>
+              </a:defRPr>
+            </a:lvl1pPr>
+            <a:lvl2pPr>
+              <a:defRPr>
+                <a:solidFill>
+                  <a:schemeClr val="dk1"/>
+                </a:solidFill>
+              </a:defRPr>
+            </a:lvl2pPr>
+            <a:lvl3pPr>
+              <a:defRPr>
+                <a:solidFill>
+                  <a:schemeClr val="dk1"/>
+                </a:solidFill>
+              </a:defRPr>
+            </a:lvl3pPr>
+            <a:lvl4pPr>
+              <a:defRPr>
+                <a:solidFill>
+                  <a:schemeClr val="dk1"/>
+                </a:solidFill>
+              </a:defRPr>
+            </a:lvl4pPr>
+            <a:lvl5pPr>
+              <a:defRPr>
+                <a:solidFill>
+                  <a:schemeClr val="dk1"/>
+                </a:solidFill>
+              </a:defRPr>
+            </a:lvl5pPr>
+            <a:lvl6pPr>
+              <a:defRPr>
+                <a:solidFill>
+                  <a:schemeClr val="dk1"/>
+                </a:solidFill>
+              </a:defRPr>
+            </a:lvl6pPr>
+            <a:lvl7pPr>
+              <a:defRPr>
+                <a:solidFill>
+                  <a:schemeClr val="dk1"/>
+                </a:solidFill>
+              </a:defRPr>
+            </a:lvl7pPr>
+            <a:lvl8pPr>
+              <a:defRPr>
+                <a:solidFill>
+                  <a:schemeClr val="dk1"/>
+                </a:solidFill>
+              </a:defRPr>
+            </a:lvl8pPr>
+            <a:lvl9pPr>
+              <a:defRPr>
+                <a:solidFill>
+                  <a:schemeClr val="dk1"/>
+                </a:solidFill>
+              </a:defRPr>
+            </a:lvl9pPr>
+          </a:lstStyle>
+          <a:p>
+            <a:pPr defTabSz="672130"/>
+            <a:r>
+              <a:rPr lang="pt-BR" sz="1176" b="0" dirty="0">
+                <a:solidFill>
+                  <a:prstClr val="black"/>
+                </a:solidFill>
+                <a:latin typeface="Simplon BP Bold" pitchFamily="2" charset="0"/>
+              </a:rPr>
+              <a:t>Plataforma</a:t>
+            </a:r>
+          </a:p>
+        </p:txBody>
+      </p:sp>
+      <p:sp>
+        <p:nvSpPr>
+          <p:cNvPr id="47" name="TextBox 128">
+            <a:extLst>
+              <a:ext uri="{FF2B5EF4-FFF2-40B4-BE49-F238E27FC236}">
+                <a16:creationId xmlns:a16="http://schemas.microsoft.com/office/drawing/2014/main" id="{9C8F333D-81A1-4BAB-89AC-459C19DD7185}"/>
+              </a:ext>
+            </a:extLst>
+          </p:cNvPr>
+          <p:cNvSpPr txBox="1"/>
+          <p:nvPr/>
+        </p:nvSpPr>
+        <p:spPr>
+          <a:xfrm>
+            <a:off x="9846247" y="636806"/>
+            <a:ext cx="899678" cy="179824"/>
+          </a:xfrm>
+          <a:prstGeom prst="rect">
+            <a:avLst/>
+          </a:prstGeom>
+          <a:noFill/>
+          <a:ln w="12700">
+            <a:noFill/>
+          </a:ln>
+        </p:spPr>
+        <p:style>
+          <a:lnRef idx="2">
+            <a:schemeClr val="accent4"/>
+          </a:lnRef>
+          <a:fillRef idx="1">
+            <a:schemeClr val="lt1"/>
+          </a:fillRef>
+          <a:effectRef idx="0">
+            <a:schemeClr val="accent4"/>
+          </a:effectRef>
+          <a:fontRef idx="minor">
+            <a:schemeClr val="dk1"/>
+          </a:fontRef>
+        </p:style>
+        <p:txBody>
+          <a:bodyPr wrap="none" lIns="52922" tIns="52922" rIns="52922" bIns="0" rtlCol="0" anchor="b"/>
+          <a:lstStyle>
+            <a:defPPr>
+              <a:defRPr lang="en-US"/>
+            </a:defPPr>
+            <a:lvl1pPr algn="ctr">
+              <a:defRPr sz="1000" b="1">
+                <a:latin typeface="Simplon BP Regular"/>
+                <a:cs typeface="Simplon BP Regular"/>
+              </a:defRPr>
+            </a:lvl1pPr>
+            <a:lvl2pPr>
+              <a:defRPr>
+                <a:solidFill>
+                  <a:schemeClr val="dk1"/>
+                </a:solidFill>
+              </a:defRPr>
+            </a:lvl2pPr>
+            <a:lvl3pPr>
+              <a:defRPr>
+                <a:solidFill>
+                  <a:schemeClr val="dk1"/>
+                </a:solidFill>
+              </a:defRPr>
+            </a:lvl3pPr>
+            <a:lvl4pPr>
+              <a:defRPr>
+                <a:solidFill>
+                  <a:schemeClr val="dk1"/>
+                </a:solidFill>
+              </a:defRPr>
+            </a:lvl4pPr>
+            <a:lvl5pPr>
+              <a:defRPr>
+                <a:solidFill>
+                  <a:schemeClr val="dk1"/>
+                </a:solidFill>
+              </a:defRPr>
+            </a:lvl5pPr>
+            <a:lvl6pPr>
+              <a:defRPr>
+                <a:solidFill>
+                  <a:schemeClr val="dk1"/>
+                </a:solidFill>
+              </a:defRPr>
+            </a:lvl6pPr>
+            <a:lvl7pPr>
+              <a:defRPr>
+                <a:solidFill>
+                  <a:schemeClr val="dk1"/>
+                </a:solidFill>
+              </a:defRPr>
+            </a:lvl7pPr>
+            <a:lvl8pPr>
+              <a:defRPr>
+                <a:solidFill>
+                  <a:schemeClr val="dk1"/>
+                </a:solidFill>
+              </a:defRPr>
+            </a:lvl8pPr>
+            <a:lvl9pPr>
+              <a:defRPr>
+                <a:solidFill>
+                  <a:schemeClr val="dk1"/>
+                </a:solidFill>
+              </a:defRPr>
+            </a:lvl9pPr>
+          </a:lstStyle>
+          <a:p>
+            <a:pPr defTabSz="672130"/>
+            <a:r>
+              <a:rPr lang="pt-BR" sz="1176" b="0" dirty="0">
+                <a:solidFill>
+                  <a:prstClr val="black"/>
+                </a:solidFill>
+                <a:latin typeface="Simplon BP Bold" pitchFamily="2" charset="0"/>
+              </a:rPr>
+              <a:t>Back</a:t>
+            </a:r>
+          </a:p>
+        </p:txBody>
+      </p:sp>
+      <p:sp>
+        <p:nvSpPr>
+          <p:cNvPr id="48" name="TextBox 133">
+            <a:extLst>
+              <a:ext uri="{FF2B5EF4-FFF2-40B4-BE49-F238E27FC236}">
+                <a16:creationId xmlns:a16="http://schemas.microsoft.com/office/drawing/2014/main" id="{64DC5C74-7B23-4BE5-BE63-A9BD52C02CD4}"/>
+              </a:ext>
+            </a:extLst>
+          </p:cNvPr>
+          <p:cNvSpPr txBox="1"/>
+          <p:nvPr/>
+        </p:nvSpPr>
+        <p:spPr>
+          <a:xfrm>
+            <a:off x="8954567" y="611542"/>
+            <a:ext cx="899678" cy="179824"/>
+          </a:xfrm>
+          <a:prstGeom prst="rect">
+            <a:avLst/>
+          </a:prstGeom>
+          <a:noFill/>
+          <a:ln w="12700">
+            <a:noFill/>
+          </a:ln>
+        </p:spPr>
+        <p:style>
+          <a:lnRef idx="2">
+            <a:schemeClr val="accent4"/>
+          </a:lnRef>
+          <a:fillRef idx="1">
+            <a:schemeClr val="lt1"/>
+          </a:fillRef>
+          <a:effectRef idx="0">
+            <a:schemeClr val="accent4"/>
+          </a:effectRef>
+          <a:fontRef idx="minor">
+            <a:schemeClr val="dk1"/>
+          </a:fontRef>
+        </p:style>
+        <p:txBody>
+          <a:bodyPr wrap="none" lIns="52922" tIns="52922" rIns="52922" bIns="0" rtlCol="0" anchor="b"/>
+          <a:lstStyle>
+            <a:defPPr>
+              <a:defRPr lang="en-US"/>
+            </a:defPPr>
+            <a:lvl1pPr algn="ctr">
+              <a:defRPr sz="1000" b="1">
+                <a:latin typeface="Simplon BP Regular"/>
+                <a:cs typeface="Simplon BP Regular"/>
+              </a:defRPr>
+            </a:lvl1pPr>
+            <a:lvl2pPr>
+              <a:defRPr>
+                <a:solidFill>
+                  <a:schemeClr val="dk1"/>
+                </a:solidFill>
+              </a:defRPr>
+            </a:lvl2pPr>
+            <a:lvl3pPr>
+              <a:defRPr>
+                <a:solidFill>
+                  <a:schemeClr val="dk1"/>
+                </a:solidFill>
+              </a:defRPr>
+            </a:lvl3pPr>
+            <a:lvl4pPr>
+              <a:defRPr>
+                <a:solidFill>
+                  <a:schemeClr val="dk1"/>
+                </a:solidFill>
+              </a:defRPr>
+            </a:lvl4pPr>
+            <a:lvl5pPr>
+              <a:defRPr>
+                <a:solidFill>
+                  <a:schemeClr val="dk1"/>
+                </a:solidFill>
+              </a:defRPr>
+            </a:lvl5pPr>
+            <a:lvl6pPr>
+              <a:defRPr>
+                <a:solidFill>
+                  <a:schemeClr val="dk1"/>
+                </a:solidFill>
+              </a:defRPr>
+            </a:lvl6pPr>
+            <a:lvl7pPr>
+              <a:defRPr>
+                <a:solidFill>
+                  <a:schemeClr val="dk1"/>
+                </a:solidFill>
+              </a:defRPr>
+            </a:lvl7pPr>
+            <a:lvl8pPr>
+              <a:defRPr>
+                <a:solidFill>
+                  <a:schemeClr val="dk1"/>
+                </a:solidFill>
+              </a:defRPr>
+            </a:lvl8pPr>
+            <a:lvl9pPr>
+              <a:defRPr>
+                <a:solidFill>
+                  <a:schemeClr val="dk1"/>
+                </a:solidFill>
+              </a:defRPr>
+            </a:lvl9pPr>
+          </a:lstStyle>
+          <a:p>
+            <a:pPr defTabSz="672130"/>
+            <a:r>
+              <a:rPr lang="pt-BR" sz="1176" b="0" dirty="0">
+                <a:solidFill>
+                  <a:prstClr val="black"/>
+                </a:solidFill>
+                <a:latin typeface="Simplon BP Bold" pitchFamily="2" charset="0"/>
+              </a:rPr>
+              <a:t>Front</a:t>
+            </a:r>
+          </a:p>
+        </p:txBody>
+      </p:sp>
+      <p:sp>
+        <p:nvSpPr>
+          <p:cNvPr id="49" name="Oval 134">
+            <a:extLst>
+              <a:ext uri="{FF2B5EF4-FFF2-40B4-BE49-F238E27FC236}">
+                <a16:creationId xmlns:a16="http://schemas.microsoft.com/office/drawing/2014/main" id="{1CBC8A27-FF05-44CD-B093-FB50D917E8D4}"/>
+              </a:ext>
+            </a:extLst>
+          </p:cNvPr>
+          <p:cNvSpPr>
+            <a:spLocks noChangeAspect="1"/>
+          </p:cNvSpPr>
+          <p:nvPr/>
+        </p:nvSpPr>
+        <p:spPr>
+          <a:xfrm>
+            <a:off x="8454287" y="324247"/>
+            <a:ext cx="211404" cy="211689"/>
+          </a:xfrm>
+          <a:prstGeom prst="ellipse">
+            <a:avLst/>
+          </a:prstGeom>
+          <a:solidFill>
+            <a:srgbClr val="1BCF13"/>
+          </a:solidFill>
+          <a:ln w="12700">
+            <a:solidFill>
+              <a:schemeClr val="accent3"/>
+            </a:solidFill>
+          </a:ln>
+        </p:spPr>
+        <p:style>
+          <a:lnRef idx="2">
+            <a:schemeClr val="accent1">
+              <a:shade val="50000"/>
+            </a:schemeClr>
+          </a:lnRef>
+          <a:fillRef idx="1">
+            <a:schemeClr val="accent1"/>
+          </a:fillRef>
+          <a:effectRef idx="0">
+            <a:schemeClr val="accent1"/>
+          </a:effectRef>
+          <a:fontRef idx="minor">
+            <a:schemeClr val="lt1"/>
+          </a:fontRef>
+        </p:style>
+        <p:txBody>
+          <a:bodyPr wrap="none" lIns="52922" tIns="52922" rIns="52922" rtlCol="0" anchor="ctr"/>
+          <a:lstStyle/>
+          <a:p>
+            <a:pPr algn="ctr" defTabSz="672130"/>
+            <a:endParaRPr lang="en-US" sz="1176" dirty="0">
+              <a:solidFill>
+                <a:prstClr val="black"/>
+              </a:solidFill>
+              <a:latin typeface="Simplon BP Regular"/>
+              <a:cs typeface="Simplon BP Regular"/>
+            </a:endParaRPr>
+          </a:p>
+        </p:txBody>
+      </p:sp>
+      <p:sp>
+        <p:nvSpPr>
+          <p:cNvPr id="50" name="TextBox 138">
+            <a:extLst>
+              <a:ext uri="{FF2B5EF4-FFF2-40B4-BE49-F238E27FC236}">
+                <a16:creationId xmlns:a16="http://schemas.microsoft.com/office/drawing/2014/main" id="{B1654790-CBD3-4D97-B9BC-CBC39DD32FC8}"/>
+              </a:ext>
+            </a:extLst>
+          </p:cNvPr>
+          <p:cNvSpPr txBox="1"/>
+          <p:nvPr/>
+        </p:nvSpPr>
+        <p:spPr>
+          <a:xfrm>
+            <a:off x="8136859" y="576471"/>
+            <a:ext cx="899678" cy="179824"/>
+          </a:xfrm>
+          <a:prstGeom prst="rect">
+            <a:avLst/>
+          </a:prstGeom>
+          <a:noFill/>
+          <a:ln w="12700">
+            <a:noFill/>
+          </a:ln>
+        </p:spPr>
+        <p:style>
+          <a:lnRef idx="2">
+            <a:schemeClr val="accent4"/>
+          </a:lnRef>
+          <a:fillRef idx="1">
+            <a:schemeClr val="lt1"/>
+          </a:fillRef>
+          <a:effectRef idx="0">
+            <a:schemeClr val="accent4"/>
+          </a:effectRef>
+          <a:fontRef idx="minor">
+            <a:schemeClr val="dk1"/>
+          </a:fontRef>
+        </p:style>
+        <p:txBody>
+          <a:bodyPr wrap="none" lIns="52922" tIns="52922" rIns="52922" bIns="0" rtlCol="0" anchor="b"/>
+          <a:lstStyle>
+            <a:defPPr>
+              <a:defRPr lang="en-US"/>
+            </a:defPPr>
+            <a:lvl1pPr algn="ctr">
+              <a:defRPr sz="1000" b="1">
+                <a:latin typeface="Simplon BP Regular"/>
+                <a:cs typeface="Simplon BP Regular"/>
+              </a:defRPr>
+            </a:lvl1pPr>
+            <a:lvl2pPr>
+              <a:defRPr>
+                <a:solidFill>
+                  <a:schemeClr val="dk1"/>
+                </a:solidFill>
+              </a:defRPr>
+            </a:lvl2pPr>
+            <a:lvl3pPr>
+              <a:defRPr>
+                <a:solidFill>
+                  <a:schemeClr val="dk1"/>
+                </a:solidFill>
+              </a:defRPr>
+            </a:lvl3pPr>
+            <a:lvl4pPr>
+              <a:defRPr>
+                <a:solidFill>
+                  <a:schemeClr val="dk1"/>
+                </a:solidFill>
+              </a:defRPr>
+            </a:lvl4pPr>
+            <a:lvl5pPr>
+              <a:defRPr>
+                <a:solidFill>
+                  <a:schemeClr val="dk1"/>
+                </a:solidFill>
+              </a:defRPr>
+            </a:lvl5pPr>
+            <a:lvl6pPr>
+              <a:defRPr>
+                <a:solidFill>
+                  <a:schemeClr val="dk1"/>
+                </a:solidFill>
+              </a:defRPr>
+            </a:lvl6pPr>
+            <a:lvl7pPr>
+              <a:defRPr>
+                <a:solidFill>
+                  <a:schemeClr val="dk1"/>
+                </a:solidFill>
+              </a:defRPr>
+            </a:lvl7pPr>
+            <a:lvl8pPr>
+              <a:defRPr>
+                <a:solidFill>
+                  <a:schemeClr val="dk1"/>
+                </a:solidFill>
+              </a:defRPr>
+            </a:lvl8pPr>
+            <a:lvl9pPr>
+              <a:defRPr>
+                <a:solidFill>
+                  <a:schemeClr val="dk1"/>
+                </a:solidFill>
+              </a:defRPr>
+            </a:lvl9pPr>
+          </a:lstStyle>
+          <a:p>
+            <a:pPr defTabSz="672130"/>
+            <a:r>
+              <a:rPr lang="en-US" sz="1176" b="0" dirty="0" err="1">
+                <a:solidFill>
+                  <a:prstClr val="black"/>
+                </a:solidFill>
+                <a:latin typeface="Simplon BP Bold" pitchFamily="2" charset="0"/>
+              </a:rPr>
+              <a:t>Equipe</a:t>
+            </a:r>
+            <a:endParaRPr lang="en-US" sz="1176" b="0" dirty="0">
+              <a:solidFill>
+                <a:prstClr val="black"/>
+              </a:solidFill>
+              <a:latin typeface="Simplon BP Bold" pitchFamily="2" charset="0"/>
+            </a:endParaRPr>
+          </a:p>
+        </p:txBody>
+      </p:sp>
+      <p:sp>
+        <p:nvSpPr>
+          <p:cNvPr id="51" name="Oval 134">
+            <a:extLst>
+              <a:ext uri="{FF2B5EF4-FFF2-40B4-BE49-F238E27FC236}">
+                <a16:creationId xmlns:a16="http://schemas.microsoft.com/office/drawing/2014/main" id="{508E308C-5CF8-44B6-A1C4-87E5DDC4CC70}"/>
+              </a:ext>
+            </a:extLst>
+          </p:cNvPr>
+          <p:cNvSpPr>
+            <a:spLocks noChangeAspect="1"/>
+          </p:cNvSpPr>
+          <p:nvPr/>
+        </p:nvSpPr>
+        <p:spPr>
+          <a:xfrm>
+            <a:off x="9278999" y="355771"/>
+            <a:ext cx="211404" cy="211689"/>
+          </a:xfrm>
+          <a:prstGeom prst="ellipse">
+            <a:avLst/>
+          </a:prstGeom>
+          <a:solidFill>
+            <a:srgbClr val="1BCF13"/>
+          </a:solidFill>
+          <a:ln w="12700">
+            <a:solidFill>
+              <a:schemeClr val="accent3"/>
+            </a:solidFill>
+          </a:ln>
+        </p:spPr>
+        <p:style>
+          <a:lnRef idx="2">
+            <a:schemeClr val="accent1">
+              <a:shade val="50000"/>
+            </a:schemeClr>
+          </a:lnRef>
+          <a:fillRef idx="1">
+            <a:schemeClr val="accent1"/>
+          </a:fillRef>
+          <a:effectRef idx="0">
+            <a:schemeClr val="accent1"/>
+          </a:effectRef>
+          <a:fontRef idx="minor">
+            <a:schemeClr val="lt1"/>
+          </a:fontRef>
+        </p:style>
+        <p:txBody>
+          <a:bodyPr wrap="none" lIns="52922" tIns="52922" rIns="52922" rtlCol="0" anchor="ctr"/>
+          <a:lstStyle/>
+          <a:p>
+            <a:pPr algn="ctr" defTabSz="672130"/>
+            <a:endParaRPr lang="en-US" sz="1176" dirty="0">
+              <a:solidFill>
+                <a:prstClr val="black"/>
+              </a:solidFill>
+              <a:latin typeface="Simplon BP Regular"/>
+              <a:cs typeface="Simplon BP Regular"/>
+            </a:endParaRPr>
+          </a:p>
+        </p:txBody>
+      </p:sp>
+      <p:sp>
+        <p:nvSpPr>
+          <p:cNvPr id="52" name="Oval 134">
+            <a:extLst>
+              <a:ext uri="{FF2B5EF4-FFF2-40B4-BE49-F238E27FC236}">
+                <a16:creationId xmlns:a16="http://schemas.microsoft.com/office/drawing/2014/main" id="{7BFB1971-EC64-4AB8-B092-E0043EABF66E}"/>
+              </a:ext>
+            </a:extLst>
+          </p:cNvPr>
+          <p:cNvSpPr>
+            <a:spLocks noChangeAspect="1"/>
+          </p:cNvSpPr>
+          <p:nvPr/>
+        </p:nvSpPr>
+        <p:spPr>
+          <a:xfrm>
+            <a:off x="12166910" y="369037"/>
+            <a:ext cx="211404" cy="211689"/>
+          </a:xfrm>
+          <a:prstGeom prst="ellipse">
+            <a:avLst/>
+          </a:prstGeom>
+          <a:solidFill>
+            <a:srgbClr val="1BCF13"/>
+          </a:solidFill>
+          <a:ln w="12700">
+            <a:solidFill>
+              <a:schemeClr val="accent3"/>
+            </a:solidFill>
+          </a:ln>
+        </p:spPr>
+        <p:style>
+          <a:lnRef idx="2">
+            <a:schemeClr val="accent1">
+              <a:shade val="50000"/>
+            </a:schemeClr>
+          </a:lnRef>
+          <a:fillRef idx="1">
+            <a:schemeClr val="accent1"/>
+          </a:fillRef>
+          <a:effectRef idx="0">
+            <a:schemeClr val="accent1"/>
+          </a:effectRef>
+          <a:fontRef idx="minor">
+            <a:schemeClr val="lt1"/>
+          </a:fontRef>
+        </p:style>
+        <p:txBody>
+          <a:bodyPr wrap="none" lIns="52922" tIns="52922" rIns="52922" rtlCol="0" anchor="ctr"/>
+          <a:lstStyle/>
+          <a:p>
+            <a:pPr algn="ctr" defTabSz="672130"/>
+            <a:endParaRPr lang="en-US" sz="1176" dirty="0">
+              <a:solidFill>
+                <a:prstClr val="black"/>
+              </a:solidFill>
+              <a:latin typeface="Simplon BP Regular"/>
+              <a:cs typeface="Simplon BP Regular"/>
+            </a:endParaRPr>
+          </a:p>
+        </p:txBody>
+      </p:sp>
+      <p:sp>
+        <p:nvSpPr>
+          <p:cNvPr id="53" name="Oval 120">
+            <a:extLst>
+              <a:ext uri="{FF2B5EF4-FFF2-40B4-BE49-F238E27FC236}">
+                <a16:creationId xmlns:a16="http://schemas.microsoft.com/office/drawing/2014/main" id="{CD1D1FF9-2BFE-4742-BA82-E1804B8C0747}"/>
+              </a:ext>
+            </a:extLst>
+          </p:cNvPr>
+          <p:cNvSpPr>
+            <a:spLocks noChangeAspect="1"/>
+          </p:cNvSpPr>
+          <p:nvPr/>
+        </p:nvSpPr>
+        <p:spPr>
+          <a:xfrm>
+            <a:off x="10168563" y="358554"/>
+            <a:ext cx="211404" cy="211689"/>
+          </a:xfrm>
+          <a:prstGeom prst="ellipse">
+            <a:avLst/>
+          </a:prstGeom>
+          <a:solidFill>
+            <a:srgbClr val="1BCF13"/>
+          </a:solidFill>
+          <a:ln w="12700">
+            <a:solidFill>
+              <a:schemeClr val="accent3"/>
+            </a:solidFill>
+          </a:ln>
+        </p:spPr>
+        <p:style>
+          <a:lnRef idx="2">
+            <a:schemeClr val="accent1">
+              <a:shade val="50000"/>
+            </a:schemeClr>
+          </a:lnRef>
+          <a:fillRef idx="1">
+            <a:schemeClr val="accent1"/>
+          </a:fillRef>
+          <a:effectRef idx="0">
+            <a:schemeClr val="accent1"/>
+          </a:effectRef>
+          <a:fontRef idx="minor">
+            <a:schemeClr val="lt1"/>
+          </a:fontRef>
+        </p:style>
+        <p:txBody>
+          <a:bodyPr wrap="none" lIns="52922" tIns="52922" rIns="52922" rtlCol="0" anchor="ctr"/>
+          <a:lstStyle/>
+          <a:p>
+            <a:pPr algn="ctr" defTabSz="672130"/>
+            <a:endParaRPr lang="en-US" sz="1176" dirty="0">
+              <a:solidFill>
+                <a:srgbClr val="FF0000"/>
+              </a:solidFill>
+              <a:latin typeface="Simplon BP Regular"/>
+              <a:cs typeface="Simplon BP Regular"/>
+            </a:endParaRPr>
+          </a:p>
+        </p:txBody>
+      </p:sp>
+      <p:sp>
+        <p:nvSpPr>
+          <p:cNvPr id="54" name="Retângulo 53">
+            <a:extLst>
+              <a:ext uri="{FF2B5EF4-FFF2-40B4-BE49-F238E27FC236}">
+                <a16:creationId xmlns:a16="http://schemas.microsoft.com/office/drawing/2014/main" id="{1B63957F-A46D-48D5-BC08-1A2EB1CCBBE4}"/>
+              </a:ext>
+            </a:extLst>
+          </p:cNvPr>
+          <p:cNvSpPr/>
+          <p:nvPr/>
+        </p:nvSpPr>
+        <p:spPr>
+          <a:xfrm>
+            <a:off x="8017619" y="180231"/>
+            <a:ext cx="4937689" cy="618769"/>
+          </a:xfrm>
+          <a:prstGeom prst="rect">
+            <a:avLst/>
+          </a:prstGeom>
+          <a:noFill/>
+          <a:ln w="6350">
+            <a:solidFill>
+              <a:schemeClr val="bg1">
+                <a:lumMod val="75000"/>
+              </a:schemeClr>
+            </a:solidFill>
+          </a:ln>
+        </p:spPr>
+        <p:style>
+          <a:lnRef idx="2">
+            <a:schemeClr val="accent1">
+              <a:shade val="50000"/>
+            </a:schemeClr>
+          </a:lnRef>
+          <a:fillRef idx="1">
+            <a:schemeClr val="accent1"/>
+          </a:fillRef>
+          <a:effectRef idx="0">
+            <a:schemeClr val="accent1"/>
+          </a:effectRef>
+          <a:fontRef idx="minor">
+            <a:schemeClr val="lt1"/>
+          </a:fontRef>
+        </p:style>
+        <p:txBody>
+          <a:bodyPr rtlCol="0" anchor="ctr"/>
+          <a:lstStyle/>
+          <a:p>
+            <a:pPr algn="ctr"/>
+            <a:endParaRPr lang="pt-BR"/>
+          </a:p>
+        </p:txBody>
+      </p:sp>
+      <p:sp>
+        <p:nvSpPr>
+          <p:cNvPr id="55" name="TextBox 138">
+            <a:extLst>
+              <a:ext uri="{FF2B5EF4-FFF2-40B4-BE49-F238E27FC236}">
+                <a16:creationId xmlns:a16="http://schemas.microsoft.com/office/drawing/2014/main" id="{F371B3E2-E59C-4A0F-B5AC-74687E6B4AC8}"/>
+              </a:ext>
+            </a:extLst>
+          </p:cNvPr>
+          <p:cNvSpPr txBox="1"/>
+          <p:nvPr/>
+        </p:nvSpPr>
+        <p:spPr>
+          <a:xfrm>
+            <a:off x="9715810" y="51570"/>
+            <a:ext cx="1478088" cy="211688"/>
+          </a:xfrm>
+          <a:prstGeom prst="rect">
+            <a:avLst/>
+          </a:prstGeom>
+          <a:solidFill>
+            <a:schemeClr val="bg1"/>
+          </a:solidFill>
+          <a:ln w="12700">
+            <a:noFill/>
+          </a:ln>
+        </p:spPr>
+        <p:style>
+          <a:lnRef idx="2">
+            <a:schemeClr val="accent4"/>
+          </a:lnRef>
+          <a:fillRef idx="1">
+            <a:schemeClr val="lt1"/>
+          </a:fillRef>
+          <a:effectRef idx="0">
+            <a:schemeClr val="accent4"/>
+          </a:effectRef>
+          <a:fontRef idx="minor">
+            <a:schemeClr val="dk1"/>
+          </a:fontRef>
+        </p:style>
+        <p:txBody>
+          <a:bodyPr wrap="none" lIns="52922" tIns="52922" rIns="52922" bIns="0" rtlCol="0" anchor="b"/>
+          <a:lstStyle>
+            <a:defPPr>
+              <a:defRPr lang="en-US"/>
+            </a:defPPr>
+            <a:lvl1pPr algn="ctr">
+              <a:defRPr sz="1000" b="1">
+                <a:latin typeface="Simplon BP Regular"/>
+                <a:cs typeface="Simplon BP Regular"/>
+              </a:defRPr>
+            </a:lvl1pPr>
+            <a:lvl2pPr>
+              <a:defRPr>
+                <a:solidFill>
+                  <a:schemeClr val="dk1"/>
+                </a:solidFill>
+              </a:defRPr>
+            </a:lvl2pPr>
+            <a:lvl3pPr>
+              <a:defRPr>
+                <a:solidFill>
+                  <a:schemeClr val="dk1"/>
+                </a:solidFill>
+              </a:defRPr>
+            </a:lvl3pPr>
+            <a:lvl4pPr>
+              <a:defRPr>
+                <a:solidFill>
+                  <a:schemeClr val="dk1"/>
+                </a:solidFill>
+              </a:defRPr>
+            </a:lvl4pPr>
+            <a:lvl5pPr>
+              <a:defRPr>
+                <a:solidFill>
+                  <a:schemeClr val="dk1"/>
+                </a:solidFill>
+              </a:defRPr>
+            </a:lvl5pPr>
+            <a:lvl6pPr>
+              <a:defRPr>
+                <a:solidFill>
+                  <a:schemeClr val="dk1"/>
+                </a:solidFill>
+              </a:defRPr>
+            </a:lvl6pPr>
+            <a:lvl7pPr>
+              <a:defRPr>
+                <a:solidFill>
+                  <a:schemeClr val="dk1"/>
+                </a:solidFill>
+              </a:defRPr>
+            </a:lvl7pPr>
+            <a:lvl8pPr>
+              <a:defRPr>
+                <a:solidFill>
+                  <a:schemeClr val="dk1"/>
+                </a:solidFill>
+              </a:defRPr>
+            </a:lvl8pPr>
+            <a:lvl9pPr>
+              <a:defRPr>
+                <a:solidFill>
+                  <a:schemeClr val="dk1"/>
+                </a:solidFill>
+              </a:defRPr>
+            </a:lvl9pPr>
+          </a:lstStyle>
+          <a:p>
+            <a:pPr defTabSz="672130"/>
+            <a:r>
+              <a:rPr lang="en-US" sz="1176" b="0" dirty="0">
+                <a:solidFill>
+                  <a:prstClr val="black"/>
+                </a:solidFill>
+                <a:latin typeface="Simplon BP Bold" pitchFamily="2" charset="0"/>
+              </a:rPr>
+              <a:t>    </a:t>
+            </a:r>
+            <a:r>
+              <a:rPr lang="en-US" sz="1176" b="0" dirty="0" err="1">
+                <a:solidFill>
+                  <a:prstClr val="black"/>
+                </a:solidFill>
+                <a:latin typeface="Simplon BP Bold" pitchFamily="2" charset="0"/>
+              </a:rPr>
+              <a:t>Farol</a:t>
+            </a:r>
+            <a:r>
+              <a:rPr lang="en-US" sz="1176" b="0" dirty="0">
+                <a:solidFill>
+                  <a:prstClr val="black"/>
+                </a:solidFill>
+                <a:latin typeface="Simplon BP Bold" pitchFamily="2" charset="0"/>
+              </a:rPr>
+              <a:t> do </a:t>
+            </a:r>
+            <a:r>
+              <a:rPr lang="en-US" sz="1176" b="0" dirty="0" err="1">
+                <a:solidFill>
+                  <a:prstClr val="black"/>
+                </a:solidFill>
+                <a:latin typeface="Simplon BP Bold" pitchFamily="2" charset="0"/>
+              </a:rPr>
+              <a:t>Projeto</a:t>
+            </a:r>
+            <a:r>
+              <a:rPr lang="en-US" sz="1176" b="0" dirty="0">
+                <a:solidFill>
+                  <a:prstClr val="black"/>
+                </a:solidFill>
+                <a:latin typeface="Simplon BP Bold" pitchFamily="2" charset="0"/>
+              </a:rPr>
+              <a:t>   </a:t>
+            </a:r>
+          </a:p>
+        </p:txBody>
+      </p:sp>
+    </p:spTree>
+    <p:extLst>
+      <p:ext uri="{BB962C8B-B14F-4D97-AF65-F5344CB8AC3E}">
+        <p14:creationId xmlns:p14="http://schemas.microsoft.com/office/powerpoint/2010/main" val="3489205281"/>
       </p:ext>
     </p:extLst>
   </p:cSld>
@@ -36261,67 +38271,6 @@
 </file>
 
 <file path=customXml/item1.xml><?xml version="1.0" encoding="utf-8"?>
-<?mso-contentType ?>
-<FormTemplates xmlns="http://schemas.microsoft.com/sharepoint/v3/contenttype/forms">
-  <Display>DocumentLibraryForm</Display>
-  <Edit>DocumentLibraryForm</Edit>
-  <New>DocumentLibraryForm</New>
-</FormTemplates>
-</file>
-
-<file path=customXml/item2.xml><?xml version="1.0" encoding="utf-8"?>
-<p:properties xmlns:p="http://schemas.microsoft.com/office/2006/metadata/properties" xmlns:xsi="http://www.w3.org/2001/XMLSchema-instance" xmlns:pc="http://schemas.microsoft.com/office/infopath/2007/PartnerControls">
-  <documentManagement>
-    <Is_Collaboration_Space_Locked xmlns="bbcd8c33-6940-4d4c-a587-bbc736ca1e4d" xsi:nil="true"/>
-    <TeamsChannelId xmlns="bbcd8c33-6940-4d4c-a587-bbc736ca1e4d" xsi:nil="true"/>
-    <Self_Registration_Enabled xmlns="bbcd8c33-6940-4d4c-a587-bbc736ca1e4d" xsi:nil="true"/>
-    <Math_Settings xmlns="bbcd8c33-6940-4d4c-a587-bbc736ca1e4d" xsi:nil="true"/>
-    <AppVersion xmlns="bbcd8c33-6940-4d4c-a587-bbc736ca1e4d" xsi:nil="true"/>
-    <Invited_Teachers xmlns="bbcd8c33-6940-4d4c-a587-bbc736ca1e4d" xsi:nil="true"/>
-    <LMS_Mappings xmlns="bbcd8c33-6940-4d4c-a587-bbc736ca1e4d" xsi:nil="true"/>
-    <IsNotebookLocked xmlns="bbcd8c33-6940-4d4c-a587-bbc736ca1e4d" xsi:nil="true"/>
-    <NotebookType xmlns="bbcd8c33-6940-4d4c-a587-bbc736ca1e4d" xsi:nil="true"/>
-    <Templates xmlns="bbcd8c33-6940-4d4c-a587-bbc736ca1e4d" xsi:nil="true"/>
-    <Owner xmlns="bbcd8c33-6940-4d4c-a587-bbc736ca1e4d">
-      <UserInfo>
-        <DisplayName/>
-        <AccountId xsi:nil="true"/>
-        <AccountType/>
-      </UserInfo>
-    </Owner>
-    <Teachers xmlns="bbcd8c33-6940-4d4c-a587-bbc736ca1e4d">
-      <UserInfo>
-        <DisplayName/>
-        <AccountId xsi:nil="true"/>
-        <AccountType/>
-      </UserInfo>
-    </Teachers>
-    <Students xmlns="bbcd8c33-6940-4d4c-a587-bbc736ca1e4d">
-      <UserInfo>
-        <DisplayName/>
-        <AccountId xsi:nil="true"/>
-        <AccountType/>
-      </UserInfo>
-    </Students>
-    <Student_Groups xmlns="bbcd8c33-6940-4d4c-a587-bbc736ca1e4d">
-      <UserInfo>
-        <DisplayName/>
-        <AccountId xsi:nil="true"/>
-        <AccountType/>
-      </UserInfo>
-    </Student_Groups>
-    <Distribution_Groups xmlns="bbcd8c33-6940-4d4c-a587-bbc736ca1e4d" xsi:nil="true"/>
-    <Self_Registration_Enabled0 xmlns="bbcd8c33-6940-4d4c-a587-bbc736ca1e4d" xsi:nil="true"/>
-    <Has_Teacher_Only_SectionGroup xmlns="bbcd8c33-6940-4d4c-a587-bbc736ca1e4d" xsi:nil="true"/>
-    <DefaultSectionNames xmlns="bbcd8c33-6940-4d4c-a587-bbc736ca1e4d" xsi:nil="true"/>
-    <Invited_Students xmlns="bbcd8c33-6940-4d4c-a587-bbc736ca1e4d" xsi:nil="true"/>
-    <FolderType xmlns="bbcd8c33-6940-4d4c-a587-bbc736ca1e4d" xsi:nil="true"/>
-    <CultureName xmlns="bbcd8c33-6940-4d4c-a587-bbc736ca1e4d" xsi:nil="true"/>
-  </documentManagement>
-</p:properties>
-</file>
-
-<file path=customXml/item3.xml><?xml version="1.0" encoding="utf-8"?>
 <ct:contentTypeSchema xmlns:ct="http://schemas.microsoft.com/office/2006/metadata/contentType" xmlns:ma="http://schemas.microsoft.com/office/2006/metadata/properties/metaAttributes" ct:_="" ma:_="" ma:contentTypeName="Document" ma:contentTypeID="0x0101001132905C37EA9847A7207C4BBCCCD8F4" ma:contentTypeVersion="34" ma:contentTypeDescription="Create a new document." ma:contentTypeScope="" ma:versionID="2f28daba72ca6e92be87ea70ebe5bb94">
   <xsd:schema xmlns:xsd="http://www.w3.org/2001/XMLSchema" xmlns:xs="http://www.w3.org/2001/XMLSchema" xmlns:p="http://schemas.microsoft.com/office/2006/metadata/properties" xmlns:ns3="4327b14a-fe89-488e-9f6d-9658cacf372b" xmlns:ns4="bbcd8c33-6940-4d4c-a587-bbc736ca1e4d" targetNamespace="http://schemas.microsoft.com/office/2006/metadata/properties" ma:root="true" ma:fieldsID="df18e839ce2650f1975b41376e6cdb6b" ns3:_="" ns4:_="">
     <xsd:import namespace="4327b14a-fe89-488e-9f6d-9658cacf372b"/>
@@ -36738,10 +38687,82 @@
 </ct:contentTypeSchema>
 </file>
 
+<file path=customXml/item2.xml><?xml version="1.0" encoding="utf-8"?>
+<p:properties xmlns:p="http://schemas.microsoft.com/office/2006/metadata/properties" xmlns:xsi="http://www.w3.org/2001/XMLSchema-instance" xmlns:pc="http://schemas.microsoft.com/office/infopath/2007/PartnerControls">
+  <documentManagement>
+    <Is_Collaboration_Space_Locked xmlns="bbcd8c33-6940-4d4c-a587-bbc736ca1e4d" xsi:nil="true"/>
+    <TeamsChannelId xmlns="bbcd8c33-6940-4d4c-a587-bbc736ca1e4d" xsi:nil="true"/>
+    <Self_Registration_Enabled xmlns="bbcd8c33-6940-4d4c-a587-bbc736ca1e4d" xsi:nil="true"/>
+    <Math_Settings xmlns="bbcd8c33-6940-4d4c-a587-bbc736ca1e4d" xsi:nil="true"/>
+    <AppVersion xmlns="bbcd8c33-6940-4d4c-a587-bbc736ca1e4d" xsi:nil="true"/>
+    <Invited_Teachers xmlns="bbcd8c33-6940-4d4c-a587-bbc736ca1e4d" xsi:nil="true"/>
+    <LMS_Mappings xmlns="bbcd8c33-6940-4d4c-a587-bbc736ca1e4d" xsi:nil="true"/>
+    <IsNotebookLocked xmlns="bbcd8c33-6940-4d4c-a587-bbc736ca1e4d" xsi:nil="true"/>
+    <NotebookType xmlns="bbcd8c33-6940-4d4c-a587-bbc736ca1e4d" xsi:nil="true"/>
+    <Templates xmlns="bbcd8c33-6940-4d4c-a587-bbc736ca1e4d" xsi:nil="true"/>
+    <Owner xmlns="bbcd8c33-6940-4d4c-a587-bbc736ca1e4d">
+      <UserInfo>
+        <DisplayName/>
+        <AccountId xsi:nil="true"/>
+        <AccountType/>
+      </UserInfo>
+    </Owner>
+    <Teachers xmlns="bbcd8c33-6940-4d4c-a587-bbc736ca1e4d">
+      <UserInfo>
+        <DisplayName/>
+        <AccountId xsi:nil="true"/>
+        <AccountType/>
+      </UserInfo>
+    </Teachers>
+    <Students xmlns="bbcd8c33-6940-4d4c-a587-bbc736ca1e4d">
+      <UserInfo>
+        <DisplayName/>
+        <AccountId xsi:nil="true"/>
+        <AccountType/>
+      </UserInfo>
+    </Students>
+    <Student_Groups xmlns="bbcd8c33-6940-4d4c-a587-bbc736ca1e4d">
+      <UserInfo>
+        <DisplayName/>
+        <AccountId xsi:nil="true"/>
+        <AccountType/>
+      </UserInfo>
+    </Student_Groups>
+    <Distribution_Groups xmlns="bbcd8c33-6940-4d4c-a587-bbc736ca1e4d" xsi:nil="true"/>
+    <Self_Registration_Enabled0 xmlns="bbcd8c33-6940-4d4c-a587-bbc736ca1e4d" xsi:nil="true"/>
+    <Has_Teacher_Only_SectionGroup xmlns="bbcd8c33-6940-4d4c-a587-bbc736ca1e4d" xsi:nil="true"/>
+    <DefaultSectionNames xmlns="bbcd8c33-6940-4d4c-a587-bbc736ca1e4d" xsi:nil="true"/>
+    <Invited_Students xmlns="bbcd8c33-6940-4d4c-a587-bbc736ca1e4d" xsi:nil="true"/>
+    <FolderType xmlns="bbcd8c33-6940-4d4c-a587-bbc736ca1e4d" xsi:nil="true"/>
+    <CultureName xmlns="bbcd8c33-6940-4d4c-a587-bbc736ca1e4d" xsi:nil="true"/>
+  </documentManagement>
+</p:properties>
+</file>
+
+<file path=customXml/item3.xml><?xml version="1.0" encoding="utf-8"?>
+<?mso-contentType ?>
+<FormTemplates xmlns="http://schemas.microsoft.com/sharepoint/v3/contenttype/forms">
+  <Display>DocumentLibraryForm</Display>
+  <Edit>DocumentLibraryForm</Edit>
+  <New>DocumentLibraryForm</New>
+</FormTemplates>
+</file>
+
 <file path=customXml/itemProps1.xml><?xml version="1.0" encoding="utf-8"?>
-<ds:datastoreItem xmlns:ds="http://schemas.openxmlformats.org/officeDocument/2006/customXml" ds:itemID="{E2481852-F24E-4532-AF30-C154D705D105}">
+<ds:datastoreItem xmlns:ds="http://schemas.openxmlformats.org/officeDocument/2006/customXml" ds:itemID="{3BE6CAF6-1F55-4A70-B10C-21633F74987A}">
   <ds:schemaRefs>
-    <ds:schemaRef ds:uri="http://schemas.microsoft.com/sharepoint/v3/contenttype/forms"/>
+    <ds:schemaRef ds:uri="http://schemas.microsoft.com/office/2006/metadata/contentType"/>
+    <ds:schemaRef ds:uri="http://schemas.microsoft.com/office/2006/metadata/properties/metaAttributes"/>
+    <ds:schemaRef ds:uri="http://www.w3.org/2001/XMLSchema"/>
+    <ds:schemaRef ds:uri="http://schemas.microsoft.com/office/2006/metadata/properties"/>
+    <ds:schemaRef ds:uri="4327b14a-fe89-488e-9f6d-9658cacf372b"/>
+    <ds:schemaRef ds:uri="bbcd8c33-6940-4d4c-a587-bbc736ca1e4d"/>
+    <ds:schemaRef ds:uri="http://schemas.microsoft.com/office/2006/documentManagement/types"/>
+    <ds:schemaRef ds:uri="http://schemas.microsoft.com/office/infopath/2007/PartnerControls"/>
+    <ds:schemaRef ds:uri="http://schemas.openxmlformats.org/package/2006/metadata/core-properties"/>
+    <ds:schemaRef ds:uri="http://purl.org/dc/elements/1.1/"/>
+    <ds:schemaRef ds:uri="http://purl.org/dc/terms/"/>
+    <ds:schemaRef ds:uri="http://schemas.microsoft.com/internal/obd"/>
   </ds:schemaRefs>
 </ds:datastoreItem>
 </file>
@@ -36764,20 +38785,9 @@
 </file>
 
 <file path=customXml/itemProps3.xml><?xml version="1.0" encoding="utf-8"?>
-<ds:datastoreItem xmlns:ds="http://schemas.openxmlformats.org/officeDocument/2006/customXml" ds:itemID="{3BE6CAF6-1F55-4A70-B10C-21633F74987A}">
+<ds:datastoreItem xmlns:ds="http://schemas.openxmlformats.org/officeDocument/2006/customXml" ds:itemID="{E2481852-F24E-4532-AF30-C154D705D105}">
   <ds:schemaRefs>
-    <ds:schemaRef ds:uri="http://schemas.microsoft.com/office/2006/metadata/contentType"/>
-    <ds:schemaRef ds:uri="http://schemas.microsoft.com/office/2006/metadata/properties/metaAttributes"/>
-    <ds:schemaRef ds:uri="http://www.w3.org/2001/XMLSchema"/>
-    <ds:schemaRef ds:uri="http://schemas.microsoft.com/office/2006/metadata/properties"/>
-    <ds:schemaRef ds:uri="4327b14a-fe89-488e-9f6d-9658cacf372b"/>
-    <ds:schemaRef ds:uri="bbcd8c33-6940-4d4c-a587-bbc736ca1e4d"/>
-    <ds:schemaRef ds:uri="http://schemas.microsoft.com/office/2006/documentManagement/types"/>
-    <ds:schemaRef ds:uri="http://schemas.microsoft.com/office/infopath/2007/PartnerControls"/>
-    <ds:schemaRef ds:uri="http://schemas.openxmlformats.org/package/2006/metadata/core-properties"/>
-    <ds:schemaRef ds:uri="http://purl.org/dc/elements/1.1/"/>
-    <ds:schemaRef ds:uri="http://purl.org/dc/terms/"/>
-    <ds:schemaRef ds:uri="http://schemas.microsoft.com/internal/obd"/>
+    <ds:schemaRef ds:uri="http://schemas.microsoft.com/sharepoint/v3/contenttype/forms"/>
   </ds:schemaRefs>
 </ds:datastoreItem>
 </file>